--- a/public/background.pptx
+++ b/public/background.pptx
@@ -107,6 +107,22 @@
       </a:defRPr>
     </a:lvl9pPr>
   </p:defaultTextStyle>
+  <p:extLst>
+    <p:ext uri="{EFAFB233-063F-42B5-8137-9DF3F51BA10A}">
+      <p15:sldGuideLst xmlns:p15="http://schemas.microsoft.com/office/powerpoint/2012/main">
+        <p15:guide id="1" orient="horz" pos="1638" userDrawn="1">
+          <p15:clr>
+            <a:srgbClr val="A4A3A4"/>
+          </p15:clr>
+        </p15:guide>
+        <p15:guide id="2" pos="3840" userDrawn="1">
+          <p15:clr>
+            <a:srgbClr val="A4A3A4"/>
+          </p15:clr>
+        </p15:guide>
+      </p15:sldGuideLst>
+    </p:ext>
+  </p:extLst>
 </p:presentation>
 </file>
 
@@ -192,7 +208,7 @@
           <a:p>
             <a:fld id="{B29A3AEA-883C-4209-8788-4654B9BFA89D}" type="datetimeFigureOut">
               <a:rPr lang="pt-BR" smtClean="0"/>
-              <a:t>20/12/2023</a:t>
+              <a:t>05/06/2025</a:t>
             </a:fld>
             <a:endParaRPr lang="pt-BR"/>
           </a:p>
@@ -606,7 +622,7 @@
           <a:p>
             <a:fld id="{8DE7C5F4-3E42-4694-80D2-BC3004364726}" type="datetimeFigureOut">
               <a:rPr lang="pt-BR" smtClean="0"/>
-              <a:t>20/12/2023</a:t>
+              <a:t>05/06/2025</a:t>
             </a:fld>
             <a:endParaRPr lang="pt-BR"/>
           </a:p>
@@ -804,7 +820,7 @@
           <a:p>
             <a:fld id="{8DE7C5F4-3E42-4694-80D2-BC3004364726}" type="datetimeFigureOut">
               <a:rPr lang="pt-BR" smtClean="0"/>
-              <a:t>20/12/2023</a:t>
+              <a:t>05/06/2025</a:t>
             </a:fld>
             <a:endParaRPr lang="pt-BR"/>
           </a:p>
@@ -1012,7 +1028,7 @@
           <a:p>
             <a:fld id="{8DE7C5F4-3E42-4694-80D2-BC3004364726}" type="datetimeFigureOut">
               <a:rPr lang="pt-BR" smtClean="0"/>
-              <a:t>20/12/2023</a:t>
+              <a:t>05/06/2025</a:t>
             </a:fld>
             <a:endParaRPr lang="pt-BR"/>
           </a:p>
@@ -1210,7 +1226,7 @@
           <a:p>
             <a:fld id="{8DE7C5F4-3E42-4694-80D2-BC3004364726}" type="datetimeFigureOut">
               <a:rPr lang="pt-BR" smtClean="0"/>
-              <a:t>20/12/2023</a:t>
+              <a:t>05/06/2025</a:t>
             </a:fld>
             <a:endParaRPr lang="pt-BR"/>
           </a:p>
@@ -1485,7 +1501,7 @@
           <a:p>
             <a:fld id="{8DE7C5F4-3E42-4694-80D2-BC3004364726}" type="datetimeFigureOut">
               <a:rPr lang="pt-BR" smtClean="0"/>
-              <a:t>20/12/2023</a:t>
+              <a:t>05/06/2025</a:t>
             </a:fld>
             <a:endParaRPr lang="pt-BR"/>
           </a:p>
@@ -1750,7 +1766,7 @@
           <a:p>
             <a:fld id="{8DE7C5F4-3E42-4694-80D2-BC3004364726}" type="datetimeFigureOut">
               <a:rPr lang="pt-BR" smtClean="0"/>
-              <a:t>20/12/2023</a:t>
+              <a:t>05/06/2025</a:t>
             </a:fld>
             <a:endParaRPr lang="pt-BR"/>
           </a:p>
@@ -2162,7 +2178,7 @@
           <a:p>
             <a:fld id="{8DE7C5F4-3E42-4694-80D2-BC3004364726}" type="datetimeFigureOut">
               <a:rPr lang="pt-BR" smtClean="0"/>
-              <a:t>20/12/2023</a:t>
+              <a:t>05/06/2025</a:t>
             </a:fld>
             <a:endParaRPr lang="pt-BR"/>
           </a:p>
@@ -2303,7 +2319,7 @@
           <a:p>
             <a:fld id="{8DE7C5F4-3E42-4694-80D2-BC3004364726}" type="datetimeFigureOut">
               <a:rPr lang="pt-BR" smtClean="0"/>
-              <a:t>20/12/2023</a:t>
+              <a:t>05/06/2025</a:t>
             </a:fld>
             <a:endParaRPr lang="pt-BR"/>
           </a:p>
@@ -2416,7 +2432,7 @@
           <a:p>
             <a:fld id="{8DE7C5F4-3E42-4694-80D2-BC3004364726}" type="datetimeFigureOut">
               <a:rPr lang="pt-BR" smtClean="0"/>
-              <a:t>20/12/2023</a:t>
+              <a:t>05/06/2025</a:t>
             </a:fld>
             <a:endParaRPr lang="pt-BR"/>
           </a:p>
@@ -2727,7 +2743,7 @@
           <a:p>
             <a:fld id="{8DE7C5F4-3E42-4694-80D2-BC3004364726}" type="datetimeFigureOut">
               <a:rPr lang="pt-BR" smtClean="0"/>
-              <a:t>20/12/2023</a:t>
+              <a:t>05/06/2025</a:t>
             </a:fld>
             <a:endParaRPr lang="pt-BR"/>
           </a:p>
@@ -3015,7 +3031,7 @@
           <a:p>
             <a:fld id="{8DE7C5F4-3E42-4694-80D2-BC3004364726}" type="datetimeFigureOut">
               <a:rPr lang="pt-BR" smtClean="0"/>
-              <a:t>20/12/2023</a:t>
+              <a:t>05/06/2025</a:t>
             </a:fld>
             <a:endParaRPr lang="pt-BR"/>
           </a:p>
@@ -3256,7 +3272,7 @@
           <a:p>
             <a:fld id="{8DE7C5F4-3E42-4694-80D2-BC3004364726}" type="datetimeFigureOut">
               <a:rPr lang="pt-BR" smtClean="0"/>
-              <a:t>20/12/2023</a:t>
+              <a:t>05/06/2025</a:t>
             </a:fld>
             <a:endParaRPr lang="pt-BR"/>
           </a:p>
@@ -3687,7 +3703,7 @@
         </p:nvSpPr>
         <p:spPr>
           <a:xfrm>
-            <a:off x="1634792" y="2718099"/>
+            <a:off x="2005629" y="2764666"/>
             <a:ext cx="9316" cy="448940"/>
           </a:xfrm>
           <a:custGeom>
@@ -4415,7 +4431,7 @@
         </p:nvSpPr>
         <p:spPr>
           <a:xfrm>
-            <a:off x="551120" y="2045831"/>
+            <a:off x="1252160" y="2083931"/>
             <a:ext cx="8945" cy="449311"/>
           </a:xfrm>
           <a:custGeom>
@@ -5129,7 +5145,7 @@
         </p:nvSpPr>
         <p:spPr>
           <a:xfrm>
-            <a:off x="3488759" y="2038797"/>
+            <a:off x="3175378" y="2076897"/>
             <a:ext cx="9316" cy="449311"/>
           </a:xfrm>
           <a:custGeom>
@@ -5819,7 +5835,7 @@
         </p:nvSpPr>
         <p:spPr>
           <a:xfrm>
-            <a:off x="8338905" y="2030709"/>
+            <a:off x="7528632" y="2077276"/>
             <a:ext cx="8945" cy="449311"/>
           </a:xfrm>
           <a:custGeom>
@@ -6526,7 +6542,7 @@
         </p:nvSpPr>
         <p:spPr>
           <a:xfrm>
-            <a:off x="478288" y="2536734"/>
+            <a:off x="1179328" y="2574834"/>
             <a:ext cx="200343" cy="182506"/>
           </a:xfrm>
           <a:custGeom>
@@ -6619,7 +6635,7 @@
         </p:nvSpPr>
         <p:spPr>
           <a:xfrm>
-            <a:off x="428865" y="2510218"/>
+            <a:off x="1129905" y="2548318"/>
             <a:ext cx="222612" cy="190814"/>
           </a:xfrm>
           <a:custGeom>
@@ -6676,455 +6692,6 @@
                   <a:pt x="8377" y="1430"/>
                   <a:pt x="6605" y="1"/>
                   <a:pt x="4761" y="1"/>
-                </a:cubicBezTo>
-                <a:close/>
-              </a:path>
-            </a:pathLst>
-          </a:custGeom>
-          <a:solidFill>
-            <a:srgbClr val="303030"/>
-          </a:solidFill>
-          <a:ln>
-            <a:noFill/>
-          </a:ln>
-        </p:spPr>
-        <p:txBody>
-          <a:bodyPr spcFirstLastPara="1" wrap="square" lIns="91425" tIns="91425" rIns="91425" bIns="91425" anchor="ctr" anchorCtr="0">
-            <a:noAutofit/>
-          </a:bodyPr>
-          <a:lstStyle/>
-          <a:p>
-            <a:pPr>
-              <a:buClr>
-                <a:srgbClr val="000000"/>
-              </a:buClr>
-              <a:buFont typeface="Arial"/>
-              <a:buNone/>
-            </a:pPr>
-            <a:endParaRPr sz="1400" kern="0">
-              <a:solidFill>
-                <a:srgbClr val="000000"/>
-              </a:solidFill>
-              <a:latin typeface="Arial"/>
-              <a:cs typeface="Arial"/>
-              <a:sym typeface="Arial"/>
-            </a:endParaRPr>
-          </a:p>
-        </p:txBody>
-      </p:sp>
-      <p:sp>
-        <p:nvSpPr>
-          <p:cNvPr id="10" name="Google Shape;1112;p33">
-            <a:extLst>
-              <a:ext uri="{FF2B5EF4-FFF2-40B4-BE49-F238E27FC236}">
-                <a16:creationId xmlns:a16="http://schemas.microsoft.com/office/drawing/2014/main" id="{43E07689-14D1-A41C-F61C-F31D3151177A}"/>
-              </a:ext>
-            </a:extLst>
-          </p:cNvPr>
-          <p:cNvSpPr/>
-          <p:nvPr/>
-        </p:nvSpPr>
-        <p:spPr>
-          <a:xfrm>
-            <a:off x="1540381" y="2536734"/>
-            <a:ext cx="213349" cy="182904"/>
-          </a:xfrm>
-          <a:custGeom>
-            <a:avLst/>
-            <a:gdLst/>
-            <a:ahLst/>
-            <a:cxnLst/>
-            <a:rect l="l" t="t" r="r" b="b"/>
-            <a:pathLst>
-              <a:path w="8038" h="6891" extrusionOk="0">
-                <a:moveTo>
-                  <a:pt x="4607" y="1"/>
-                </a:moveTo>
-                <a:cubicBezTo>
-                  <a:pt x="1541" y="1"/>
-                  <a:pt x="1" y="3711"/>
-                  <a:pt x="2171" y="5881"/>
-                </a:cubicBezTo>
-                <a:cubicBezTo>
-                  <a:pt x="2872" y="6578"/>
-                  <a:pt x="3733" y="6890"/>
-                  <a:pt x="4577" y="6890"/>
-                </a:cubicBezTo>
-                <a:cubicBezTo>
-                  <a:pt x="6344" y="6890"/>
-                  <a:pt x="8038" y="5520"/>
-                  <a:pt x="8038" y="3445"/>
-                </a:cubicBezTo>
-                <a:cubicBezTo>
-                  <a:pt x="8038" y="1541"/>
-                  <a:pt x="6497" y="1"/>
-                  <a:pt x="4607" y="1"/>
-                </a:cubicBezTo>
-                <a:close/>
-              </a:path>
-            </a:pathLst>
-          </a:custGeom>
-          <a:gradFill>
-            <a:gsLst>
-              <a:gs pos="0">
-                <a:srgbClr val="A3D798"/>
-              </a:gs>
-              <a:gs pos="100000">
-                <a:srgbClr val="70C08D"/>
-              </a:gs>
-            </a:gsLst>
-            <a:lin ang="0" scaled="0"/>
-          </a:gradFill>
-          <a:ln>
-            <a:noFill/>
-          </a:ln>
-        </p:spPr>
-        <p:txBody>
-          <a:bodyPr spcFirstLastPara="1" wrap="square" lIns="91425" tIns="91425" rIns="91425" bIns="91425" anchor="ctr" anchorCtr="0">
-            <a:noAutofit/>
-          </a:bodyPr>
-          <a:lstStyle/>
-          <a:p>
-            <a:pPr marL="0" marR="0" lvl="0" indent="0" defTabSz="914400" eaLnBrk="1" fontAlgn="auto" latinLnBrk="0" hangingPunct="1">
-              <a:lnSpc>
-                <a:spcPct val="100000"/>
-              </a:lnSpc>
-              <a:spcBef>
-                <a:spcPts val="0"/>
-              </a:spcBef>
-              <a:spcAft>
-                <a:spcPts val="0"/>
-              </a:spcAft>
-              <a:buClr>
-                <a:srgbClr val="000000"/>
-              </a:buClr>
-              <a:buSzTx/>
-              <a:buFont typeface="Arial"/>
-              <a:buNone/>
-              <a:tabLst/>
-              <a:defRPr/>
-            </a:pPr>
-            <a:r>
-              <a:rPr kumimoji="0" lang="en" sz="1400" b="0" i="0" u="none" strike="noStrike" kern="0" cap="none" spc="0" normalizeH="0" baseline="0" noProof="0">
-                <a:ln>
-                  <a:noFill/>
-                </a:ln>
-                <a:solidFill>
-                  <a:srgbClr val="000000"/>
-                </a:solidFill>
-                <a:effectLst/>
-                <a:uLnTx/>
-                <a:uFillTx/>
-                <a:latin typeface="Arial"/>
-                <a:cs typeface="Arial"/>
-                <a:sym typeface="Arial"/>
-              </a:rPr>
-              <a:t>  </a:t>
-            </a:r>
-            <a:endParaRPr kumimoji="0" sz="1400" b="0" i="0" u="none" strike="noStrike" kern="0" cap="none" spc="0" normalizeH="0" baseline="0" noProof="0">
-              <a:ln>
-                <a:noFill/>
-              </a:ln>
-              <a:solidFill>
-                <a:srgbClr val="000000"/>
-              </a:solidFill>
-              <a:effectLst/>
-              <a:uLnTx/>
-              <a:uFillTx/>
-              <a:latin typeface="Arial"/>
-              <a:cs typeface="Arial"/>
-              <a:sym typeface="Arial"/>
-            </a:endParaRPr>
-          </a:p>
-        </p:txBody>
-      </p:sp>
-      <p:sp>
-        <p:nvSpPr>
-          <p:cNvPr id="11" name="Google Shape;1113;p33">
-            <a:extLst>
-              <a:ext uri="{FF2B5EF4-FFF2-40B4-BE49-F238E27FC236}">
-                <a16:creationId xmlns:a16="http://schemas.microsoft.com/office/drawing/2014/main" id="{26C8F678-FA8C-AA48-BA51-9BC8F65AC619}"/>
-              </a:ext>
-            </a:extLst>
-          </p:cNvPr>
-          <p:cNvSpPr/>
-          <p:nvPr/>
-        </p:nvSpPr>
-        <p:spPr>
-          <a:xfrm>
-            <a:off x="1512883" y="2510218"/>
-            <a:ext cx="222638" cy="190814"/>
-          </a:xfrm>
-          <a:custGeom>
-            <a:avLst/>
-            <a:gdLst/>
-            <a:ahLst/>
-            <a:cxnLst/>
-            <a:rect l="l" t="t" r="r" b="b"/>
-            <a:pathLst>
-              <a:path w="8388" h="7189" extrusionOk="0">
-                <a:moveTo>
-                  <a:pt x="4803" y="300"/>
-                </a:moveTo>
-                <a:cubicBezTo>
-                  <a:pt x="6609" y="314"/>
-                  <a:pt x="8079" y="1770"/>
-                  <a:pt x="8093" y="3590"/>
-                </a:cubicBezTo>
-                <a:cubicBezTo>
-                  <a:pt x="8093" y="5580"/>
-                  <a:pt x="6470" y="6897"/>
-                  <a:pt x="4774" y="6897"/>
-                </a:cubicBezTo>
-                <a:cubicBezTo>
-                  <a:pt x="3965" y="6897"/>
-                  <a:pt x="3139" y="6597"/>
-                  <a:pt x="2465" y="5928"/>
-                </a:cubicBezTo>
-                <a:cubicBezTo>
-                  <a:pt x="393" y="3856"/>
-                  <a:pt x="1863" y="300"/>
-                  <a:pt x="4803" y="300"/>
-                </a:cubicBezTo>
-                <a:close/>
-                <a:moveTo>
-                  <a:pt x="4762" y="1"/>
-                </a:moveTo>
-                <a:cubicBezTo>
-                  <a:pt x="3881" y="1"/>
-                  <a:pt x="2984" y="327"/>
-                  <a:pt x="2255" y="1056"/>
-                </a:cubicBezTo>
-                <a:cubicBezTo>
-                  <a:pt x="1" y="3324"/>
-                  <a:pt x="1597" y="7188"/>
-                  <a:pt x="4803" y="7188"/>
-                </a:cubicBezTo>
-                <a:cubicBezTo>
-                  <a:pt x="6777" y="7174"/>
-                  <a:pt x="8387" y="5578"/>
-                  <a:pt x="8387" y="3590"/>
-                </a:cubicBezTo>
-                <a:cubicBezTo>
-                  <a:pt x="8378" y="1430"/>
-                  <a:pt x="6606" y="1"/>
-                  <a:pt x="4762" y="1"/>
-                </a:cubicBezTo>
-                <a:close/>
-              </a:path>
-            </a:pathLst>
-          </a:custGeom>
-          <a:solidFill>
-            <a:srgbClr val="303030"/>
-          </a:solidFill>
-          <a:ln>
-            <a:noFill/>
-          </a:ln>
-        </p:spPr>
-        <p:txBody>
-          <a:bodyPr spcFirstLastPara="1" wrap="square" lIns="91425" tIns="91425" rIns="91425" bIns="91425" anchor="ctr" anchorCtr="0">
-            <a:noAutofit/>
-          </a:bodyPr>
-          <a:lstStyle/>
-          <a:p>
-            <a:pPr>
-              <a:buClr>
-                <a:srgbClr val="000000"/>
-              </a:buClr>
-              <a:buFont typeface="Arial"/>
-              <a:buNone/>
-            </a:pPr>
-            <a:endParaRPr sz="1400" kern="0">
-              <a:solidFill>
-                <a:srgbClr val="000000"/>
-              </a:solidFill>
-              <a:latin typeface="Arial"/>
-              <a:cs typeface="Arial"/>
-              <a:sym typeface="Arial"/>
-            </a:endParaRPr>
-          </a:p>
-        </p:txBody>
-      </p:sp>
-      <p:sp>
-        <p:nvSpPr>
-          <p:cNvPr id="12" name="Google Shape;1121;p33">
-            <a:extLst>
-              <a:ext uri="{FF2B5EF4-FFF2-40B4-BE49-F238E27FC236}">
-                <a16:creationId xmlns:a16="http://schemas.microsoft.com/office/drawing/2014/main" id="{1AA61B40-979E-F145-019D-C4B1DAB491A7}"/>
-              </a:ext>
-            </a:extLst>
-          </p:cNvPr>
-          <p:cNvSpPr/>
-          <p:nvPr/>
-        </p:nvSpPr>
-        <p:spPr>
-          <a:xfrm>
-            <a:off x="8274990" y="2521612"/>
-            <a:ext cx="182878" cy="182506"/>
-          </a:xfrm>
-          <a:custGeom>
-            <a:avLst/>
-            <a:gdLst/>
-            <a:ahLst/>
-            <a:cxnLst/>
-            <a:rect l="l" t="t" r="r" b="b"/>
-            <a:pathLst>
-              <a:path w="6890" h="6876" extrusionOk="0">
-                <a:moveTo>
-                  <a:pt x="3445" y="1"/>
-                </a:moveTo>
-                <a:cubicBezTo>
-                  <a:pt x="1541" y="1"/>
-                  <a:pt x="1" y="1541"/>
-                  <a:pt x="1" y="3445"/>
-                </a:cubicBezTo>
-                <a:cubicBezTo>
-                  <a:pt x="1" y="5335"/>
-                  <a:pt x="1541" y="6875"/>
-                  <a:pt x="3445" y="6875"/>
-                </a:cubicBezTo>
-                <a:cubicBezTo>
-                  <a:pt x="5349" y="6875"/>
-                  <a:pt x="6889" y="5335"/>
-                  <a:pt x="6889" y="3445"/>
-                </a:cubicBezTo>
-                <a:cubicBezTo>
-                  <a:pt x="6889" y="1541"/>
-                  <a:pt x="5349" y="1"/>
-                  <a:pt x="3445" y="1"/>
-                </a:cubicBezTo>
-                <a:close/>
-              </a:path>
-            </a:pathLst>
-          </a:custGeom>
-          <a:gradFill>
-            <a:gsLst>
-              <a:gs pos="0">
-                <a:srgbClr val="36857B"/>
-              </a:gs>
-              <a:gs pos="100000">
-                <a:srgbClr val="33C5CE"/>
-              </a:gs>
-            </a:gsLst>
-            <a:lin ang="0" scaled="0"/>
-          </a:gradFill>
-          <a:ln>
-            <a:noFill/>
-          </a:ln>
-        </p:spPr>
-        <p:txBody>
-          <a:bodyPr spcFirstLastPara="1" wrap="square" lIns="91425" tIns="91425" rIns="91425" bIns="91425" anchor="ctr" anchorCtr="0">
-            <a:noAutofit/>
-          </a:bodyPr>
-          <a:lstStyle/>
-          <a:p>
-            <a:pPr marL="0" marR="0" lvl="0" indent="0" defTabSz="914400" eaLnBrk="1" fontAlgn="auto" latinLnBrk="0" hangingPunct="1">
-              <a:lnSpc>
-                <a:spcPct val="100000"/>
-              </a:lnSpc>
-              <a:spcBef>
-                <a:spcPts val="0"/>
-              </a:spcBef>
-              <a:spcAft>
-                <a:spcPts val="0"/>
-              </a:spcAft>
-              <a:buClr>
-                <a:srgbClr val="000000"/>
-              </a:buClr>
-              <a:buSzTx/>
-              <a:buFont typeface="Arial"/>
-              <a:buNone/>
-              <a:tabLst/>
-              <a:defRPr/>
-            </a:pPr>
-            <a:endParaRPr kumimoji="0" sz="1400" b="0" i="0" u="none" strike="noStrike" kern="0" cap="none" spc="0" normalizeH="0" baseline="0" noProof="0">
-              <a:ln>
-                <a:noFill/>
-              </a:ln>
-              <a:solidFill>
-                <a:srgbClr val="000000"/>
-              </a:solidFill>
-              <a:effectLst/>
-              <a:uLnTx/>
-              <a:uFillTx/>
-              <a:latin typeface="Arial"/>
-              <a:cs typeface="Arial"/>
-              <a:sym typeface="Arial"/>
-            </a:endParaRPr>
-          </a:p>
-        </p:txBody>
-      </p:sp>
-      <p:sp>
-        <p:nvSpPr>
-          <p:cNvPr id="13" name="Google Shape;1122;p33">
-            <a:extLst>
-              <a:ext uri="{FF2B5EF4-FFF2-40B4-BE49-F238E27FC236}">
-                <a16:creationId xmlns:a16="http://schemas.microsoft.com/office/drawing/2014/main" id="{13AC6964-24E2-5F8F-0DBF-C5FE99CDA5C6}"/>
-              </a:ext>
-            </a:extLst>
-          </p:cNvPr>
-          <p:cNvSpPr/>
-          <p:nvPr/>
-        </p:nvSpPr>
-        <p:spPr>
-          <a:xfrm>
-            <a:off x="8216650" y="2495096"/>
-            <a:ext cx="222638" cy="190814"/>
-          </a:xfrm>
-          <a:custGeom>
-            <a:avLst/>
-            <a:gdLst/>
-            <a:ahLst/>
-            <a:cxnLst/>
-            <a:rect l="l" t="t" r="r" b="b"/>
-            <a:pathLst>
-              <a:path w="8388" h="7189" extrusionOk="0">
-                <a:moveTo>
-                  <a:pt x="4803" y="300"/>
-                </a:moveTo>
-                <a:cubicBezTo>
-                  <a:pt x="6609" y="314"/>
-                  <a:pt x="8079" y="1770"/>
-                  <a:pt x="8093" y="3590"/>
-                </a:cubicBezTo>
-                <a:cubicBezTo>
-                  <a:pt x="8093" y="5580"/>
-                  <a:pt x="6469" y="6897"/>
-                  <a:pt x="4778" y="6897"/>
-                </a:cubicBezTo>
-                <a:cubicBezTo>
-                  <a:pt x="3971" y="6897"/>
-                  <a:pt x="3148" y="6597"/>
-                  <a:pt x="2479" y="5928"/>
-                </a:cubicBezTo>
-                <a:cubicBezTo>
-                  <a:pt x="392" y="3856"/>
-                  <a:pt x="1862" y="300"/>
-                  <a:pt x="4803" y="300"/>
-                </a:cubicBezTo>
-                <a:close/>
-                <a:moveTo>
-                  <a:pt x="4773" y="1"/>
-                </a:moveTo>
-                <a:cubicBezTo>
-                  <a:pt x="3893" y="1"/>
-                  <a:pt x="2997" y="327"/>
-                  <a:pt x="2269" y="1056"/>
-                </a:cubicBezTo>
-                <a:cubicBezTo>
-                  <a:pt x="0" y="3324"/>
-                  <a:pt x="1596" y="7188"/>
-                  <a:pt x="4803" y="7188"/>
-                </a:cubicBezTo>
-                <a:cubicBezTo>
-                  <a:pt x="6777" y="7174"/>
-                  <a:pt x="8387" y="5578"/>
-                  <a:pt x="8387" y="3604"/>
-                </a:cubicBezTo>
-                <a:cubicBezTo>
-                  <a:pt x="8387" y="1434"/>
-                  <a:pt x="6616" y="1"/>
-                  <a:pt x="4773" y="1"/>
                 </a:cubicBezTo>
                 <a:close/>
               </a:path>
@@ -7175,7 +6742,7 @@
         </p:nvSpPr>
         <p:spPr>
           <a:xfrm>
-            <a:off x="369039" y="1717497"/>
+            <a:off x="1070079" y="1755597"/>
             <a:ext cx="446710" cy="406976"/>
           </a:xfrm>
           <a:custGeom>
@@ -7268,7 +6835,7 @@
         </p:nvSpPr>
         <p:spPr>
           <a:xfrm>
-            <a:off x="8186253" y="1702587"/>
+            <a:off x="7375980" y="1749154"/>
             <a:ext cx="459345" cy="407003"/>
           </a:xfrm>
           <a:custGeom>
@@ -7361,7 +6928,7 @@
         </p:nvSpPr>
         <p:spPr>
           <a:xfrm>
-            <a:off x="3315517" y="1703429"/>
+            <a:off x="3002136" y="1741529"/>
             <a:ext cx="446339" cy="406976"/>
           </a:xfrm>
           <a:custGeom>
@@ -7454,7 +7021,7 @@
         </p:nvSpPr>
         <p:spPr>
           <a:xfrm>
-            <a:off x="1443766" y="3192258"/>
+            <a:off x="1814603" y="3238825"/>
             <a:ext cx="422928" cy="406737"/>
           </a:xfrm>
           <a:custGeom>
@@ -7573,7 +7140,7 @@
         </p:nvSpPr>
         <p:spPr>
           <a:xfrm>
-            <a:off x="3266665" y="1674213"/>
+            <a:off x="2953284" y="1712313"/>
             <a:ext cx="423000" cy="423000"/>
           </a:xfrm>
           <a:prstGeom prst="ellipse">
@@ -7646,7 +7213,7 @@
         </p:nvSpPr>
         <p:spPr>
           <a:xfrm>
-            <a:off x="8164628" y="1670763"/>
+            <a:off x="7354355" y="1717330"/>
             <a:ext cx="423000" cy="423000"/>
           </a:xfrm>
           <a:prstGeom prst="ellipse">
@@ -7719,7 +7286,7 @@
         </p:nvSpPr>
         <p:spPr>
           <a:xfrm>
-            <a:off x="359316" y="1681685"/>
+            <a:off x="1060356" y="1719785"/>
             <a:ext cx="423000" cy="423000"/>
           </a:xfrm>
           <a:prstGeom prst="ellipse">
@@ -7792,7 +7359,7 @@
         </p:nvSpPr>
         <p:spPr>
           <a:xfrm>
-            <a:off x="1422741" y="3156810"/>
+            <a:off x="1793578" y="3203377"/>
             <a:ext cx="423000" cy="423000"/>
           </a:xfrm>
           <a:prstGeom prst="ellipse">
@@ -7865,7 +7432,7 @@
         </p:nvSpPr>
         <p:spPr>
           <a:xfrm>
-            <a:off x="3413682" y="1786351"/>
+            <a:off x="3100301" y="1824451"/>
             <a:ext cx="164643" cy="244908"/>
           </a:xfrm>
           <a:custGeom>
@@ -8198,7 +7765,7 @@
         </p:nvGrpSpPr>
         <p:grpSpPr>
           <a:xfrm>
-            <a:off x="484840" y="1789470"/>
+            <a:off x="1185880" y="1827570"/>
             <a:ext cx="243448" cy="240820"/>
             <a:chOff x="5160038" y="3680408"/>
             <a:chExt cx="243448" cy="240820"/>
@@ -9136,7 +8703,7 @@
         </p:nvSpPr>
         <p:spPr>
           <a:xfrm>
-            <a:off x="29744" y="1031271"/>
+            <a:off x="730784" y="1069371"/>
             <a:ext cx="1068664" cy="643200"/>
           </a:xfrm>
           <a:prstGeom prst="rect">
@@ -9219,7 +8786,7 @@
         </p:nvSpPr>
         <p:spPr>
           <a:xfrm>
-            <a:off x="2719004" y="1017941"/>
+            <a:off x="2405623" y="1056041"/>
             <a:ext cx="1554000" cy="643200"/>
           </a:xfrm>
           <a:prstGeom prst="rect">
@@ -9302,7 +8869,7 @@
         </p:nvSpPr>
         <p:spPr>
           <a:xfrm>
-            <a:off x="7570446" y="1165980"/>
+            <a:off x="6760173" y="1204080"/>
             <a:ext cx="1554000" cy="643200"/>
           </a:xfrm>
           <a:prstGeom prst="rect">
@@ -9376,7 +8943,7 @@
         </p:nvSpPr>
         <p:spPr>
           <a:xfrm>
-            <a:off x="1123538" y="3487169"/>
+            <a:off x="1494375" y="3533736"/>
             <a:ext cx="1026467" cy="643200"/>
           </a:xfrm>
           <a:prstGeom prst="rect">
@@ -9459,7 +9026,7 @@
         </p:nvSpPr>
         <p:spPr>
           <a:xfrm>
-            <a:off x="3578254" y="2143904"/>
+            <a:off x="3264873" y="2182004"/>
             <a:ext cx="459027" cy="250117"/>
           </a:xfrm>
           <a:custGeom>
@@ -9562,7 +9129,7 @@
         </p:nvSpPr>
         <p:spPr>
           <a:xfrm>
-            <a:off x="3571220" y="2158497"/>
+            <a:off x="3257839" y="2196597"/>
             <a:ext cx="538873" cy="230400"/>
           </a:xfrm>
           <a:prstGeom prst="rect">
@@ -9624,7 +9191,7 @@
         </p:nvSpPr>
         <p:spPr>
           <a:xfrm>
-            <a:off x="2726109" y="2722785"/>
+            <a:off x="2731810" y="2760885"/>
             <a:ext cx="9316" cy="448940"/>
           </a:xfrm>
           <a:custGeom>
@@ -10302,239 +9869,6 @@
                   <a:pt x="190" y="16632"/>
                   <a:pt x="184" y="16632"/>
                   <a:pt x="178" y="16632"/>
-                </a:cubicBezTo>
-                <a:close/>
-              </a:path>
-            </a:pathLst>
-          </a:custGeom>
-          <a:solidFill>
-            <a:srgbClr val="303030"/>
-          </a:solidFill>
-          <a:ln>
-            <a:noFill/>
-          </a:ln>
-        </p:spPr>
-        <p:txBody>
-          <a:bodyPr spcFirstLastPara="1" wrap="square" lIns="91425" tIns="91425" rIns="91425" bIns="91425" anchor="ctr" anchorCtr="0">
-            <a:noAutofit/>
-          </a:bodyPr>
-          <a:lstStyle/>
-          <a:p>
-            <a:pPr>
-              <a:buClr>
-                <a:srgbClr val="000000"/>
-              </a:buClr>
-              <a:buFont typeface="Arial"/>
-              <a:buNone/>
-            </a:pPr>
-            <a:endParaRPr sz="1400" kern="0">
-              <a:solidFill>
-                <a:srgbClr val="000000"/>
-              </a:solidFill>
-              <a:latin typeface="Arial"/>
-              <a:cs typeface="Arial"/>
-              <a:sym typeface="Arial"/>
-            </a:endParaRPr>
-          </a:p>
-        </p:txBody>
-      </p:sp>
-      <p:sp>
-        <p:nvSpPr>
-          <p:cNvPr id="34" name="Google Shape;1112;p33">
-            <a:extLst>
-              <a:ext uri="{FF2B5EF4-FFF2-40B4-BE49-F238E27FC236}">
-                <a16:creationId xmlns:a16="http://schemas.microsoft.com/office/drawing/2014/main" id="{0905C840-8DA7-4548-984B-50D9FAF72FBA}"/>
-              </a:ext>
-            </a:extLst>
-          </p:cNvPr>
-          <p:cNvSpPr/>
-          <p:nvPr/>
-        </p:nvSpPr>
-        <p:spPr>
-          <a:xfrm>
-            <a:off x="2631698" y="2541420"/>
-            <a:ext cx="213349" cy="182904"/>
-          </a:xfrm>
-          <a:custGeom>
-            <a:avLst/>
-            <a:gdLst/>
-            <a:ahLst/>
-            <a:cxnLst/>
-            <a:rect l="l" t="t" r="r" b="b"/>
-            <a:pathLst>
-              <a:path w="8038" h="6891" extrusionOk="0">
-                <a:moveTo>
-                  <a:pt x="4607" y="1"/>
-                </a:moveTo>
-                <a:cubicBezTo>
-                  <a:pt x="1541" y="1"/>
-                  <a:pt x="1" y="3711"/>
-                  <a:pt x="2171" y="5881"/>
-                </a:cubicBezTo>
-                <a:cubicBezTo>
-                  <a:pt x="2872" y="6578"/>
-                  <a:pt x="3733" y="6890"/>
-                  <a:pt x="4577" y="6890"/>
-                </a:cubicBezTo>
-                <a:cubicBezTo>
-                  <a:pt x="6344" y="6890"/>
-                  <a:pt x="8038" y="5520"/>
-                  <a:pt x="8038" y="3445"/>
-                </a:cubicBezTo>
-                <a:cubicBezTo>
-                  <a:pt x="8038" y="1541"/>
-                  <a:pt x="6497" y="1"/>
-                  <a:pt x="4607" y="1"/>
-                </a:cubicBezTo>
-                <a:close/>
-              </a:path>
-            </a:pathLst>
-          </a:custGeom>
-          <a:gradFill>
-            <a:gsLst>
-              <a:gs pos="0">
-                <a:srgbClr val="A3D798"/>
-              </a:gs>
-              <a:gs pos="100000">
-                <a:srgbClr val="70C08D"/>
-              </a:gs>
-            </a:gsLst>
-            <a:lin ang="0" scaled="0"/>
-          </a:gradFill>
-          <a:ln>
-            <a:noFill/>
-          </a:ln>
-        </p:spPr>
-        <p:txBody>
-          <a:bodyPr spcFirstLastPara="1" wrap="square" lIns="91425" tIns="91425" rIns="91425" bIns="91425" anchor="ctr" anchorCtr="0">
-            <a:noAutofit/>
-          </a:bodyPr>
-          <a:lstStyle/>
-          <a:p>
-            <a:pPr marL="0" marR="0" lvl="0" indent="0" defTabSz="914400" eaLnBrk="1" fontAlgn="auto" latinLnBrk="0" hangingPunct="1">
-              <a:lnSpc>
-                <a:spcPct val="100000"/>
-              </a:lnSpc>
-              <a:spcBef>
-                <a:spcPts val="0"/>
-              </a:spcBef>
-              <a:spcAft>
-                <a:spcPts val="0"/>
-              </a:spcAft>
-              <a:buClr>
-                <a:srgbClr val="000000"/>
-              </a:buClr>
-              <a:buSzTx/>
-              <a:buFont typeface="Arial"/>
-              <a:buNone/>
-              <a:tabLst/>
-              <a:defRPr/>
-            </a:pPr>
-            <a:r>
-              <a:rPr kumimoji="0" lang="en" sz="1400" b="0" i="0" u="none" strike="noStrike" kern="0" cap="none" spc="0" normalizeH="0" baseline="0" noProof="0">
-                <a:ln>
-                  <a:noFill/>
-                </a:ln>
-                <a:solidFill>
-                  <a:srgbClr val="000000"/>
-                </a:solidFill>
-                <a:effectLst/>
-                <a:uLnTx/>
-                <a:uFillTx/>
-                <a:latin typeface="Arial"/>
-                <a:cs typeface="Arial"/>
-                <a:sym typeface="Arial"/>
-              </a:rPr>
-              <a:t>  </a:t>
-            </a:r>
-            <a:endParaRPr kumimoji="0" sz="1400" b="0" i="0" u="none" strike="noStrike" kern="0" cap="none" spc="0" normalizeH="0" baseline="0" noProof="0">
-              <a:ln>
-                <a:noFill/>
-              </a:ln>
-              <a:solidFill>
-                <a:srgbClr val="000000"/>
-              </a:solidFill>
-              <a:effectLst/>
-              <a:uLnTx/>
-              <a:uFillTx/>
-              <a:latin typeface="Arial"/>
-              <a:cs typeface="Arial"/>
-              <a:sym typeface="Arial"/>
-            </a:endParaRPr>
-          </a:p>
-        </p:txBody>
-      </p:sp>
-      <p:sp>
-        <p:nvSpPr>
-          <p:cNvPr id="35" name="Google Shape;1113;p33">
-            <a:extLst>
-              <a:ext uri="{FF2B5EF4-FFF2-40B4-BE49-F238E27FC236}">
-                <a16:creationId xmlns:a16="http://schemas.microsoft.com/office/drawing/2014/main" id="{A7EECF05-2FC9-6096-84DC-607CD5F9FDEB}"/>
-              </a:ext>
-            </a:extLst>
-          </p:cNvPr>
-          <p:cNvSpPr/>
-          <p:nvPr/>
-        </p:nvSpPr>
-        <p:spPr>
-          <a:xfrm>
-            <a:off x="2604200" y="2514904"/>
-            <a:ext cx="222638" cy="190814"/>
-          </a:xfrm>
-          <a:custGeom>
-            <a:avLst/>
-            <a:gdLst/>
-            <a:ahLst/>
-            <a:cxnLst/>
-            <a:rect l="l" t="t" r="r" b="b"/>
-            <a:pathLst>
-              <a:path w="8388" h="7189" extrusionOk="0">
-                <a:moveTo>
-                  <a:pt x="4803" y="300"/>
-                </a:moveTo>
-                <a:cubicBezTo>
-                  <a:pt x="6609" y="314"/>
-                  <a:pt x="8079" y="1770"/>
-                  <a:pt x="8093" y="3590"/>
-                </a:cubicBezTo>
-                <a:cubicBezTo>
-                  <a:pt x="8093" y="5580"/>
-                  <a:pt x="6470" y="6897"/>
-                  <a:pt x="4774" y="6897"/>
-                </a:cubicBezTo>
-                <a:cubicBezTo>
-                  <a:pt x="3965" y="6897"/>
-                  <a:pt x="3139" y="6597"/>
-                  <a:pt x="2465" y="5928"/>
-                </a:cubicBezTo>
-                <a:cubicBezTo>
-                  <a:pt x="393" y="3856"/>
-                  <a:pt x="1863" y="300"/>
-                  <a:pt x="4803" y="300"/>
-                </a:cubicBezTo>
-                <a:close/>
-                <a:moveTo>
-                  <a:pt x="4762" y="1"/>
-                </a:moveTo>
-                <a:cubicBezTo>
-                  <a:pt x="3881" y="1"/>
-                  <a:pt x="2984" y="327"/>
-                  <a:pt x="2255" y="1056"/>
-                </a:cubicBezTo>
-                <a:cubicBezTo>
-                  <a:pt x="1" y="3324"/>
-                  <a:pt x="1597" y="7188"/>
-                  <a:pt x="4803" y="7188"/>
-                </a:cubicBezTo>
-                <a:cubicBezTo>
-                  <a:pt x="6777" y="7174"/>
-                  <a:pt x="8387" y="5578"/>
-                  <a:pt x="8387" y="3590"/>
-                </a:cubicBezTo>
-                <a:cubicBezTo>
-                  <a:pt x="8378" y="1430"/>
-                  <a:pt x="6606" y="1"/>
-                  <a:pt x="4762" y="1"/>
                 </a:cubicBezTo>
                 <a:close/>
               </a:path>
@@ -10585,7 +9919,7 @@
         </p:nvSpPr>
         <p:spPr>
           <a:xfrm>
-            <a:off x="2535083" y="3196944"/>
+            <a:off x="2540784" y="3235044"/>
             <a:ext cx="422928" cy="406737"/>
           </a:xfrm>
           <a:custGeom>
@@ -10704,7 +10038,7 @@
         </p:nvSpPr>
         <p:spPr>
           <a:xfrm>
-            <a:off x="2514058" y="3161496"/>
+            <a:off x="2519759" y="3199596"/>
             <a:ext cx="423000" cy="423000"/>
           </a:xfrm>
           <a:prstGeom prst="ellipse">
@@ -10777,7 +10111,7 @@
         </p:nvSpPr>
         <p:spPr>
           <a:xfrm>
-            <a:off x="2527604" y="3524171"/>
+            <a:off x="2533305" y="3562271"/>
             <a:ext cx="422928" cy="338667"/>
           </a:xfrm>
           <a:prstGeom prst="rect">
@@ -10839,7 +10173,7 @@
         </p:nvSpPr>
         <p:spPr>
           <a:xfrm>
-            <a:off x="3854907" y="2706475"/>
+            <a:off x="3725679" y="2744575"/>
             <a:ext cx="9316" cy="448940"/>
           </a:xfrm>
           <a:custGeom>
@@ -11567,7 +10901,7 @@
         </p:nvSpPr>
         <p:spPr>
           <a:xfrm>
-            <a:off x="3663881" y="3180634"/>
+            <a:off x="3534653" y="3218734"/>
             <a:ext cx="422928" cy="406737"/>
           </a:xfrm>
           <a:custGeom>
@@ -11686,7 +11020,7 @@
         </p:nvSpPr>
         <p:spPr>
           <a:xfrm>
-            <a:off x="3642856" y="3145186"/>
+            <a:off x="3513628" y="3183286"/>
             <a:ext cx="423000" cy="423000"/>
           </a:xfrm>
           <a:prstGeom prst="ellipse">
@@ -11759,7 +11093,7 @@
         </p:nvSpPr>
         <p:spPr>
           <a:xfrm>
-            <a:off x="3521599" y="3469530"/>
+            <a:off x="3392371" y="3507630"/>
             <a:ext cx="659663" cy="569745"/>
           </a:xfrm>
           <a:prstGeom prst="rect">
@@ -11832,509 +11166,6 @@
       </p:sp>
       <p:sp>
         <p:nvSpPr>
-          <p:cNvPr id="43" name="Google Shape;1112;p33">
-            <a:extLst>
-              <a:ext uri="{FF2B5EF4-FFF2-40B4-BE49-F238E27FC236}">
-                <a16:creationId xmlns:a16="http://schemas.microsoft.com/office/drawing/2014/main" id="{35EC0626-97E0-E90A-178F-BDC37491BD62}"/>
-              </a:ext>
-            </a:extLst>
-          </p:cNvPr>
-          <p:cNvSpPr/>
-          <p:nvPr/>
-        </p:nvSpPr>
-        <p:spPr>
-          <a:xfrm>
-            <a:off x="3760496" y="2525110"/>
-            <a:ext cx="213349" cy="182904"/>
-          </a:xfrm>
-          <a:custGeom>
-            <a:avLst/>
-            <a:gdLst/>
-            <a:ahLst/>
-            <a:cxnLst/>
-            <a:rect l="l" t="t" r="r" b="b"/>
-            <a:pathLst>
-              <a:path w="8038" h="6891" extrusionOk="0">
-                <a:moveTo>
-                  <a:pt x="4607" y="1"/>
-                </a:moveTo>
-                <a:cubicBezTo>
-                  <a:pt x="1541" y="1"/>
-                  <a:pt x="1" y="3711"/>
-                  <a:pt x="2171" y="5881"/>
-                </a:cubicBezTo>
-                <a:cubicBezTo>
-                  <a:pt x="2872" y="6578"/>
-                  <a:pt x="3733" y="6890"/>
-                  <a:pt x="4577" y="6890"/>
-                </a:cubicBezTo>
-                <a:cubicBezTo>
-                  <a:pt x="6344" y="6890"/>
-                  <a:pt x="8038" y="5520"/>
-                  <a:pt x="8038" y="3445"/>
-                </a:cubicBezTo>
-                <a:cubicBezTo>
-                  <a:pt x="8038" y="1541"/>
-                  <a:pt x="6497" y="1"/>
-                  <a:pt x="4607" y="1"/>
-                </a:cubicBezTo>
-                <a:close/>
-              </a:path>
-            </a:pathLst>
-          </a:custGeom>
-          <a:gradFill>
-            <a:gsLst>
-              <a:gs pos="0">
-                <a:srgbClr val="A3D798"/>
-              </a:gs>
-              <a:gs pos="100000">
-                <a:srgbClr val="70C08D"/>
-              </a:gs>
-            </a:gsLst>
-            <a:lin ang="0" scaled="0"/>
-          </a:gradFill>
-          <a:ln>
-            <a:noFill/>
-          </a:ln>
-        </p:spPr>
-        <p:txBody>
-          <a:bodyPr spcFirstLastPara="1" wrap="square" lIns="91425" tIns="91425" rIns="91425" bIns="91425" anchor="ctr" anchorCtr="0">
-            <a:noAutofit/>
-          </a:bodyPr>
-          <a:lstStyle/>
-          <a:p>
-            <a:pPr marL="0" marR="0" lvl="0" indent="0" defTabSz="914400" eaLnBrk="1" fontAlgn="auto" latinLnBrk="0" hangingPunct="1">
-              <a:lnSpc>
-                <a:spcPct val="100000"/>
-              </a:lnSpc>
-              <a:spcBef>
-                <a:spcPts val="0"/>
-              </a:spcBef>
-              <a:spcAft>
-                <a:spcPts val="0"/>
-              </a:spcAft>
-              <a:buClr>
-                <a:srgbClr val="000000"/>
-              </a:buClr>
-              <a:buSzTx/>
-              <a:buFont typeface="Arial"/>
-              <a:buNone/>
-              <a:tabLst/>
-              <a:defRPr/>
-            </a:pPr>
-            <a:r>
-              <a:rPr kumimoji="0" lang="en" sz="1400" b="0" i="0" u="none" strike="noStrike" kern="0" cap="none" spc="0" normalizeH="0" baseline="0" noProof="0">
-                <a:ln>
-                  <a:noFill/>
-                </a:ln>
-                <a:solidFill>
-                  <a:srgbClr val="000000"/>
-                </a:solidFill>
-                <a:effectLst/>
-                <a:uLnTx/>
-                <a:uFillTx/>
-                <a:latin typeface="Arial"/>
-                <a:cs typeface="Arial"/>
-                <a:sym typeface="Arial"/>
-              </a:rPr>
-              <a:t>  </a:t>
-            </a:r>
-            <a:endParaRPr kumimoji="0" sz="1400" b="0" i="0" u="none" strike="noStrike" kern="0" cap="none" spc="0" normalizeH="0" baseline="0" noProof="0">
-              <a:ln>
-                <a:noFill/>
-              </a:ln>
-              <a:solidFill>
-                <a:srgbClr val="000000"/>
-              </a:solidFill>
-              <a:effectLst/>
-              <a:uLnTx/>
-              <a:uFillTx/>
-              <a:latin typeface="Arial"/>
-              <a:cs typeface="Arial"/>
-              <a:sym typeface="Arial"/>
-            </a:endParaRPr>
-          </a:p>
-        </p:txBody>
-      </p:sp>
-      <p:sp>
-        <p:nvSpPr>
-          <p:cNvPr id="44" name="Google Shape;1113;p33">
-            <a:extLst>
-              <a:ext uri="{FF2B5EF4-FFF2-40B4-BE49-F238E27FC236}">
-                <a16:creationId xmlns:a16="http://schemas.microsoft.com/office/drawing/2014/main" id="{6AF9ABE4-1BD6-9686-797E-BFB902942CF1}"/>
-              </a:ext>
-            </a:extLst>
-          </p:cNvPr>
-          <p:cNvSpPr/>
-          <p:nvPr/>
-        </p:nvSpPr>
-        <p:spPr>
-          <a:xfrm>
-            <a:off x="3732998" y="2498594"/>
-            <a:ext cx="222638" cy="190814"/>
-          </a:xfrm>
-          <a:custGeom>
-            <a:avLst/>
-            <a:gdLst/>
-            <a:ahLst/>
-            <a:cxnLst/>
-            <a:rect l="l" t="t" r="r" b="b"/>
-            <a:pathLst>
-              <a:path w="8388" h="7189" extrusionOk="0">
-                <a:moveTo>
-                  <a:pt x="4803" y="300"/>
-                </a:moveTo>
-                <a:cubicBezTo>
-                  <a:pt x="6609" y="314"/>
-                  <a:pt x="8079" y="1770"/>
-                  <a:pt x="8093" y="3590"/>
-                </a:cubicBezTo>
-                <a:cubicBezTo>
-                  <a:pt x="8093" y="5580"/>
-                  <a:pt x="6470" y="6897"/>
-                  <a:pt x="4774" y="6897"/>
-                </a:cubicBezTo>
-                <a:cubicBezTo>
-                  <a:pt x="3965" y="6897"/>
-                  <a:pt x="3139" y="6597"/>
-                  <a:pt x="2465" y="5928"/>
-                </a:cubicBezTo>
-                <a:cubicBezTo>
-                  <a:pt x="393" y="3856"/>
-                  <a:pt x="1863" y="300"/>
-                  <a:pt x="4803" y="300"/>
-                </a:cubicBezTo>
-                <a:close/>
-                <a:moveTo>
-                  <a:pt x="4762" y="1"/>
-                </a:moveTo>
-                <a:cubicBezTo>
-                  <a:pt x="3881" y="1"/>
-                  <a:pt x="2984" y="327"/>
-                  <a:pt x="2255" y="1056"/>
-                </a:cubicBezTo>
-                <a:cubicBezTo>
-                  <a:pt x="1" y="3324"/>
-                  <a:pt x="1597" y="7188"/>
-                  <a:pt x="4803" y="7188"/>
-                </a:cubicBezTo>
-                <a:cubicBezTo>
-                  <a:pt x="6777" y="7174"/>
-                  <a:pt x="8387" y="5578"/>
-                  <a:pt x="8387" y="3590"/>
-                </a:cubicBezTo>
-                <a:cubicBezTo>
-                  <a:pt x="8378" y="1430"/>
-                  <a:pt x="6606" y="1"/>
-                  <a:pt x="4762" y="1"/>
-                </a:cubicBezTo>
-                <a:close/>
-              </a:path>
-            </a:pathLst>
-          </a:custGeom>
-          <a:solidFill>
-            <a:srgbClr val="303030"/>
-          </a:solidFill>
-          <a:ln>
-            <a:noFill/>
-          </a:ln>
-        </p:spPr>
-        <p:txBody>
-          <a:bodyPr spcFirstLastPara="1" wrap="square" lIns="91425" tIns="91425" rIns="91425" bIns="91425" anchor="ctr" anchorCtr="0">
-            <a:noAutofit/>
-          </a:bodyPr>
-          <a:lstStyle/>
-          <a:p>
-            <a:pPr>
-              <a:buClr>
-                <a:srgbClr val="000000"/>
-              </a:buClr>
-              <a:buFont typeface="Arial"/>
-              <a:buNone/>
-            </a:pPr>
-            <a:endParaRPr sz="1400" kern="0">
-              <a:solidFill>
-                <a:srgbClr val="000000"/>
-              </a:solidFill>
-              <a:latin typeface="Arial"/>
-              <a:cs typeface="Arial"/>
-              <a:sym typeface="Arial"/>
-            </a:endParaRPr>
-          </a:p>
-        </p:txBody>
-      </p:sp>
-      <p:sp>
-        <p:nvSpPr>
-          <p:cNvPr id="45" name="Google Shape;1115;p33">
-            <a:extLst>
-              <a:ext uri="{FF2B5EF4-FFF2-40B4-BE49-F238E27FC236}">
-                <a16:creationId xmlns:a16="http://schemas.microsoft.com/office/drawing/2014/main" id="{505BB365-5BC1-384D-919D-760C8B662F69}"/>
-              </a:ext>
-            </a:extLst>
-          </p:cNvPr>
-          <p:cNvSpPr/>
-          <p:nvPr/>
-        </p:nvSpPr>
-        <p:spPr>
-          <a:xfrm>
-            <a:off x="3418156" y="2526887"/>
-            <a:ext cx="200714" cy="182692"/>
-          </a:xfrm>
-          <a:custGeom>
-            <a:avLst/>
-            <a:gdLst/>
-            <a:ahLst/>
-            <a:cxnLst/>
-            <a:rect l="l" t="t" r="r" b="b"/>
-            <a:pathLst>
-              <a:path w="7562" h="6883" extrusionOk="0">
-                <a:moveTo>
-                  <a:pt x="3790" y="1"/>
-                </a:moveTo>
-                <a:cubicBezTo>
-                  <a:pt x="2228" y="1"/>
-                  <a:pt x="807" y="1071"/>
-                  <a:pt x="434" y="2655"/>
-                </a:cubicBezTo>
-                <a:cubicBezTo>
-                  <a:pt x="0" y="4503"/>
-                  <a:pt x="1135" y="6351"/>
-                  <a:pt x="2983" y="6785"/>
-                </a:cubicBezTo>
-                <a:cubicBezTo>
-                  <a:pt x="3253" y="6851"/>
-                  <a:pt x="3524" y="6882"/>
-                  <a:pt x="3791" y="6882"/>
-                </a:cubicBezTo>
-                <a:cubicBezTo>
-                  <a:pt x="5345" y="6882"/>
-                  <a:pt x="6757" y="5815"/>
-                  <a:pt x="7127" y="4237"/>
-                </a:cubicBezTo>
-                <a:cubicBezTo>
-                  <a:pt x="7561" y="2389"/>
-                  <a:pt x="6427" y="541"/>
-                  <a:pt x="4579" y="93"/>
-                </a:cubicBezTo>
-                <a:cubicBezTo>
-                  <a:pt x="4315" y="31"/>
-                  <a:pt x="4050" y="1"/>
-                  <a:pt x="3790" y="1"/>
-                </a:cubicBezTo>
-                <a:close/>
-              </a:path>
-            </a:pathLst>
-          </a:custGeom>
-          <a:solidFill>
-            <a:srgbClr val="36A5A4"/>
-          </a:solidFill>
-          <a:ln>
-            <a:noFill/>
-          </a:ln>
-        </p:spPr>
-        <p:txBody>
-          <a:bodyPr spcFirstLastPara="1" wrap="square" lIns="91425" tIns="91425" rIns="91425" bIns="91425" anchor="ctr" anchorCtr="0">
-            <a:noAutofit/>
-          </a:bodyPr>
-          <a:lstStyle/>
-          <a:p>
-            <a:pPr>
-              <a:buClr>
-                <a:srgbClr val="000000"/>
-              </a:buClr>
-              <a:buFont typeface="Arial"/>
-              <a:buNone/>
-            </a:pPr>
-            <a:endParaRPr sz="1400" kern="0">
-              <a:solidFill>
-                <a:srgbClr val="000000"/>
-              </a:solidFill>
-              <a:latin typeface="Arial"/>
-              <a:cs typeface="Arial"/>
-              <a:sym typeface="Arial"/>
-            </a:endParaRPr>
-          </a:p>
-        </p:txBody>
-      </p:sp>
-      <p:sp>
-        <p:nvSpPr>
-          <p:cNvPr id="46" name="Google Shape;1116;p33">
-            <a:extLst>
-              <a:ext uri="{FF2B5EF4-FFF2-40B4-BE49-F238E27FC236}">
-                <a16:creationId xmlns:a16="http://schemas.microsoft.com/office/drawing/2014/main" id="{ACBB50E0-7939-1374-61A9-D603AF901C57}"/>
-              </a:ext>
-            </a:extLst>
-          </p:cNvPr>
-          <p:cNvSpPr/>
-          <p:nvPr/>
-        </p:nvSpPr>
-        <p:spPr>
-          <a:xfrm>
-            <a:off x="3366876" y="2503184"/>
-            <a:ext cx="222612" cy="190814"/>
-          </a:xfrm>
-          <a:custGeom>
-            <a:avLst/>
-            <a:gdLst/>
-            <a:ahLst/>
-            <a:cxnLst/>
-            <a:rect l="l" t="t" r="r" b="b"/>
-            <a:pathLst>
-              <a:path w="8387" h="7189" extrusionOk="0">
-                <a:moveTo>
-                  <a:pt x="4803" y="300"/>
-                </a:moveTo>
-                <a:cubicBezTo>
-                  <a:pt x="6609" y="314"/>
-                  <a:pt x="8079" y="1770"/>
-                  <a:pt x="8093" y="3590"/>
-                </a:cubicBezTo>
-                <a:cubicBezTo>
-                  <a:pt x="8093" y="5580"/>
-                  <a:pt x="6469" y="6897"/>
-                  <a:pt x="4773" y="6897"/>
-                </a:cubicBezTo>
-                <a:cubicBezTo>
-                  <a:pt x="3964" y="6897"/>
-                  <a:pt x="3138" y="6597"/>
-                  <a:pt x="2464" y="5928"/>
-                </a:cubicBezTo>
-                <a:cubicBezTo>
-                  <a:pt x="392" y="3856"/>
-                  <a:pt x="1862" y="300"/>
-                  <a:pt x="4803" y="300"/>
-                </a:cubicBezTo>
-                <a:close/>
-                <a:moveTo>
-                  <a:pt x="4761" y="1"/>
-                </a:moveTo>
-                <a:cubicBezTo>
-                  <a:pt x="3880" y="1"/>
-                  <a:pt x="2983" y="327"/>
-                  <a:pt x="2254" y="1056"/>
-                </a:cubicBezTo>
-                <a:cubicBezTo>
-                  <a:pt x="0" y="3324"/>
-                  <a:pt x="1596" y="7188"/>
-                  <a:pt x="4803" y="7188"/>
-                </a:cubicBezTo>
-                <a:cubicBezTo>
-                  <a:pt x="6777" y="7174"/>
-                  <a:pt x="8387" y="5578"/>
-                  <a:pt x="8387" y="3590"/>
-                </a:cubicBezTo>
-                <a:cubicBezTo>
-                  <a:pt x="8378" y="1430"/>
-                  <a:pt x="6605" y="1"/>
-                  <a:pt x="4761" y="1"/>
-                </a:cubicBezTo>
-                <a:close/>
-              </a:path>
-            </a:pathLst>
-          </a:custGeom>
-          <a:solidFill>
-            <a:srgbClr val="303030"/>
-          </a:solidFill>
-          <a:ln>
-            <a:noFill/>
-          </a:ln>
-        </p:spPr>
-        <p:txBody>
-          <a:bodyPr spcFirstLastPara="1" wrap="square" lIns="91425" tIns="91425" rIns="91425" bIns="91425" anchor="ctr" anchorCtr="0">
-            <a:noAutofit/>
-          </a:bodyPr>
-          <a:lstStyle/>
-          <a:p>
-            <a:pPr>
-              <a:buClr>
-                <a:srgbClr val="000000"/>
-              </a:buClr>
-              <a:buFont typeface="Arial"/>
-              <a:buNone/>
-            </a:pPr>
-            <a:endParaRPr sz="1400" kern="0">
-              <a:solidFill>
-                <a:srgbClr val="000000"/>
-              </a:solidFill>
-              <a:latin typeface="Arial"/>
-              <a:cs typeface="Arial"/>
-              <a:sym typeface="Arial"/>
-            </a:endParaRPr>
-          </a:p>
-        </p:txBody>
-      </p:sp>
-      <p:cxnSp>
-        <p:nvCxnSpPr>
-          <p:cNvPr id="47" name="Conector reto 46">
-            <a:extLst>
-              <a:ext uri="{FF2B5EF4-FFF2-40B4-BE49-F238E27FC236}">
-                <a16:creationId xmlns:a16="http://schemas.microsoft.com/office/drawing/2014/main" id="{EE22036B-E27E-DE27-551A-7E3A3E6290B6}"/>
-              </a:ext>
-            </a:extLst>
-          </p:cNvPr>
-          <p:cNvCxnSpPr>
-            <a:cxnSpLocks/>
-          </p:cNvCxnSpPr>
-          <p:nvPr/>
-        </p:nvCxnSpPr>
-        <p:spPr>
-          <a:xfrm>
-            <a:off x="2826838" y="2601763"/>
-            <a:ext cx="576009" cy="0"/>
-          </a:xfrm>
-          <a:prstGeom prst="line">
-            <a:avLst/>
-          </a:prstGeom>
-          <a:noFill/>
-          <a:ln w="6350" cap="flat" cmpd="sng" algn="ctr">
-            <a:solidFill>
-              <a:srgbClr val="000000">
-                <a:shade val="95000"/>
-                <a:satMod val="105000"/>
-              </a:srgbClr>
-            </a:solidFill>
-            <a:prstDash val="solid"/>
-          </a:ln>
-          <a:effectLst/>
-        </p:spPr>
-      </p:cxnSp>
-      <p:cxnSp>
-        <p:nvCxnSpPr>
-          <p:cNvPr id="48" name="Conector reto 47">
-            <a:extLst>
-              <a:ext uri="{FF2B5EF4-FFF2-40B4-BE49-F238E27FC236}">
-                <a16:creationId xmlns:a16="http://schemas.microsoft.com/office/drawing/2014/main" id="{54ABC4DF-1808-3259-149D-88B97C0D191C}"/>
-              </a:ext>
-            </a:extLst>
-          </p:cNvPr>
-          <p:cNvCxnSpPr>
-            <a:cxnSpLocks/>
-          </p:cNvCxnSpPr>
-          <p:nvPr/>
-        </p:nvCxnSpPr>
-        <p:spPr>
-          <a:xfrm>
-            <a:off x="3590032" y="2593954"/>
-            <a:ext cx="171824" cy="0"/>
-          </a:xfrm>
-          <a:prstGeom prst="line">
-            <a:avLst/>
-          </a:prstGeom>
-          <a:noFill/>
-          <a:ln w="6350" cap="flat" cmpd="sng" algn="ctr">
-            <a:solidFill>
-              <a:srgbClr val="000000">
-                <a:shade val="95000"/>
-                <a:satMod val="105000"/>
-              </a:srgbClr>
-            </a:solidFill>
-            <a:prstDash val="solid"/>
-          </a:ln>
-          <a:effectLst/>
-        </p:spPr>
-      </p:cxnSp>
-      <p:sp>
-        <p:nvSpPr>
           <p:cNvPr id="49" name="Google Shape;1104;p33">
             <a:extLst>
               <a:ext uri="{FF2B5EF4-FFF2-40B4-BE49-F238E27FC236}">
@@ -12347,7 +11178,7 @@
         </p:nvSpPr>
         <p:spPr>
           <a:xfrm>
-            <a:off x="4736032" y="2700751"/>
+            <a:off x="4544882" y="2738851"/>
             <a:ext cx="9316" cy="448940"/>
           </a:xfrm>
           <a:custGeom>
@@ -13075,7 +11906,7 @@
         </p:nvSpPr>
         <p:spPr>
           <a:xfrm>
-            <a:off x="4545006" y="3174910"/>
+            <a:off x="4353856" y="3213010"/>
             <a:ext cx="422928" cy="406737"/>
           </a:xfrm>
           <a:custGeom>
@@ -13194,7 +12025,7 @@
         </p:nvSpPr>
         <p:spPr>
           <a:xfrm>
-            <a:off x="4523981" y="3139462"/>
+            <a:off x="4332831" y="3177562"/>
             <a:ext cx="423000" cy="423000"/>
           </a:xfrm>
           <a:prstGeom prst="ellipse">
@@ -13267,7 +12098,7 @@
         </p:nvSpPr>
         <p:spPr>
           <a:xfrm>
-            <a:off x="4402986" y="3474116"/>
+            <a:off x="4211836" y="3512216"/>
             <a:ext cx="659663" cy="569745"/>
           </a:xfrm>
           <a:prstGeom prst="rect">
@@ -13338,309 +12169,6 @@
           </a:p>
         </p:txBody>
       </p:sp>
-      <p:sp>
-        <p:nvSpPr>
-          <p:cNvPr id="53" name="Google Shape;1112;p33">
-            <a:extLst>
-              <a:ext uri="{FF2B5EF4-FFF2-40B4-BE49-F238E27FC236}">
-                <a16:creationId xmlns:a16="http://schemas.microsoft.com/office/drawing/2014/main" id="{F6AEA512-AD2C-64E5-5F68-8D3797719A0B}"/>
-              </a:ext>
-            </a:extLst>
-          </p:cNvPr>
-          <p:cNvSpPr/>
-          <p:nvPr/>
-        </p:nvSpPr>
-        <p:spPr>
-          <a:xfrm>
-            <a:off x="4641621" y="2519386"/>
-            <a:ext cx="213349" cy="182904"/>
-          </a:xfrm>
-          <a:custGeom>
-            <a:avLst/>
-            <a:gdLst/>
-            <a:ahLst/>
-            <a:cxnLst/>
-            <a:rect l="l" t="t" r="r" b="b"/>
-            <a:pathLst>
-              <a:path w="8038" h="6891" extrusionOk="0">
-                <a:moveTo>
-                  <a:pt x="4607" y="1"/>
-                </a:moveTo>
-                <a:cubicBezTo>
-                  <a:pt x="1541" y="1"/>
-                  <a:pt x="1" y="3711"/>
-                  <a:pt x="2171" y="5881"/>
-                </a:cubicBezTo>
-                <a:cubicBezTo>
-                  <a:pt x="2872" y="6578"/>
-                  <a:pt x="3733" y="6890"/>
-                  <a:pt x="4577" y="6890"/>
-                </a:cubicBezTo>
-                <a:cubicBezTo>
-                  <a:pt x="6344" y="6890"/>
-                  <a:pt x="8038" y="5520"/>
-                  <a:pt x="8038" y="3445"/>
-                </a:cubicBezTo>
-                <a:cubicBezTo>
-                  <a:pt x="8038" y="1541"/>
-                  <a:pt x="6497" y="1"/>
-                  <a:pt x="4607" y="1"/>
-                </a:cubicBezTo>
-                <a:close/>
-              </a:path>
-            </a:pathLst>
-          </a:custGeom>
-          <a:gradFill>
-            <a:gsLst>
-              <a:gs pos="0">
-                <a:srgbClr val="A3D798"/>
-              </a:gs>
-              <a:gs pos="100000">
-                <a:srgbClr val="70C08D"/>
-              </a:gs>
-            </a:gsLst>
-            <a:lin ang="0" scaled="0"/>
-          </a:gradFill>
-          <a:ln>
-            <a:noFill/>
-          </a:ln>
-        </p:spPr>
-        <p:txBody>
-          <a:bodyPr spcFirstLastPara="1" wrap="square" lIns="91425" tIns="91425" rIns="91425" bIns="91425" anchor="ctr" anchorCtr="0">
-            <a:noAutofit/>
-          </a:bodyPr>
-          <a:lstStyle/>
-          <a:p>
-            <a:pPr marL="0" marR="0" lvl="0" indent="0" defTabSz="914400" eaLnBrk="1" fontAlgn="auto" latinLnBrk="0" hangingPunct="1">
-              <a:lnSpc>
-                <a:spcPct val="100000"/>
-              </a:lnSpc>
-              <a:spcBef>
-                <a:spcPts val="0"/>
-              </a:spcBef>
-              <a:spcAft>
-                <a:spcPts val="0"/>
-              </a:spcAft>
-              <a:buClr>
-                <a:srgbClr val="000000"/>
-              </a:buClr>
-              <a:buSzTx/>
-              <a:buFont typeface="Arial"/>
-              <a:buNone/>
-              <a:tabLst/>
-              <a:defRPr/>
-            </a:pPr>
-            <a:r>
-              <a:rPr kumimoji="0" lang="en" sz="1400" b="0" i="0" u="none" strike="noStrike" kern="0" cap="none" spc="0" normalizeH="0" baseline="0" noProof="0">
-                <a:ln>
-                  <a:noFill/>
-                </a:ln>
-                <a:solidFill>
-                  <a:srgbClr val="000000"/>
-                </a:solidFill>
-                <a:effectLst/>
-                <a:uLnTx/>
-                <a:uFillTx/>
-                <a:latin typeface="Arial"/>
-                <a:cs typeface="Arial"/>
-                <a:sym typeface="Arial"/>
-              </a:rPr>
-              <a:t>  </a:t>
-            </a:r>
-            <a:endParaRPr kumimoji="0" sz="1400" b="0" i="0" u="none" strike="noStrike" kern="0" cap="none" spc="0" normalizeH="0" baseline="0" noProof="0">
-              <a:ln>
-                <a:noFill/>
-              </a:ln>
-              <a:solidFill>
-                <a:srgbClr val="000000"/>
-              </a:solidFill>
-              <a:effectLst/>
-              <a:uLnTx/>
-              <a:uFillTx/>
-              <a:latin typeface="Arial"/>
-              <a:cs typeface="Arial"/>
-              <a:sym typeface="Arial"/>
-            </a:endParaRPr>
-          </a:p>
-        </p:txBody>
-      </p:sp>
-      <p:sp>
-        <p:nvSpPr>
-          <p:cNvPr id="54" name="Google Shape;1113;p33">
-            <a:extLst>
-              <a:ext uri="{FF2B5EF4-FFF2-40B4-BE49-F238E27FC236}">
-                <a16:creationId xmlns:a16="http://schemas.microsoft.com/office/drawing/2014/main" id="{292909B7-D31D-9E7A-F023-D73D708681A4}"/>
-              </a:ext>
-            </a:extLst>
-          </p:cNvPr>
-          <p:cNvSpPr/>
-          <p:nvPr/>
-        </p:nvSpPr>
-        <p:spPr>
-          <a:xfrm>
-            <a:off x="4614123" y="2492870"/>
-            <a:ext cx="222638" cy="190814"/>
-          </a:xfrm>
-          <a:custGeom>
-            <a:avLst/>
-            <a:gdLst/>
-            <a:ahLst/>
-            <a:cxnLst/>
-            <a:rect l="l" t="t" r="r" b="b"/>
-            <a:pathLst>
-              <a:path w="8388" h="7189" extrusionOk="0">
-                <a:moveTo>
-                  <a:pt x="4803" y="300"/>
-                </a:moveTo>
-                <a:cubicBezTo>
-                  <a:pt x="6609" y="314"/>
-                  <a:pt x="8079" y="1770"/>
-                  <a:pt x="8093" y="3590"/>
-                </a:cubicBezTo>
-                <a:cubicBezTo>
-                  <a:pt x="8093" y="5580"/>
-                  <a:pt x="6470" y="6897"/>
-                  <a:pt x="4774" y="6897"/>
-                </a:cubicBezTo>
-                <a:cubicBezTo>
-                  <a:pt x="3965" y="6897"/>
-                  <a:pt x="3139" y="6597"/>
-                  <a:pt x="2465" y="5928"/>
-                </a:cubicBezTo>
-                <a:cubicBezTo>
-                  <a:pt x="393" y="3856"/>
-                  <a:pt x="1863" y="300"/>
-                  <a:pt x="4803" y="300"/>
-                </a:cubicBezTo>
-                <a:close/>
-                <a:moveTo>
-                  <a:pt x="4762" y="1"/>
-                </a:moveTo>
-                <a:cubicBezTo>
-                  <a:pt x="3881" y="1"/>
-                  <a:pt x="2984" y="327"/>
-                  <a:pt x="2255" y="1056"/>
-                </a:cubicBezTo>
-                <a:cubicBezTo>
-                  <a:pt x="1" y="3324"/>
-                  <a:pt x="1597" y="7188"/>
-                  <a:pt x="4803" y="7188"/>
-                </a:cubicBezTo>
-                <a:cubicBezTo>
-                  <a:pt x="6777" y="7174"/>
-                  <a:pt x="8387" y="5578"/>
-                  <a:pt x="8387" y="3590"/>
-                </a:cubicBezTo>
-                <a:cubicBezTo>
-                  <a:pt x="8378" y="1430"/>
-                  <a:pt x="6606" y="1"/>
-                  <a:pt x="4762" y="1"/>
-                </a:cubicBezTo>
-                <a:close/>
-              </a:path>
-            </a:pathLst>
-          </a:custGeom>
-          <a:solidFill>
-            <a:srgbClr val="303030"/>
-          </a:solidFill>
-          <a:ln>
-            <a:noFill/>
-          </a:ln>
-        </p:spPr>
-        <p:txBody>
-          <a:bodyPr spcFirstLastPara="1" wrap="square" lIns="91425" tIns="91425" rIns="91425" bIns="91425" anchor="ctr" anchorCtr="0">
-            <a:noAutofit/>
-          </a:bodyPr>
-          <a:lstStyle/>
-          <a:p>
-            <a:pPr>
-              <a:buClr>
-                <a:srgbClr val="000000"/>
-              </a:buClr>
-              <a:buFont typeface="Arial"/>
-              <a:buNone/>
-            </a:pPr>
-            <a:endParaRPr sz="1400" kern="0">
-              <a:solidFill>
-                <a:srgbClr val="000000"/>
-              </a:solidFill>
-              <a:latin typeface="Arial"/>
-              <a:cs typeface="Arial"/>
-              <a:sym typeface="Arial"/>
-            </a:endParaRPr>
-          </a:p>
-        </p:txBody>
-      </p:sp>
-      <p:cxnSp>
-        <p:nvCxnSpPr>
-          <p:cNvPr id="55" name="Conector reto 54">
-            <a:extLst>
-              <a:ext uri="{FF2B5EF4-FFF2-40B4-BE49-F238E27FC236}">
-                <a16:creationId xmlns:a16="http://schemas.microsoft.com/office/drawing/2014/main" id="{E3845323-896F-220E-06D2-C5DA82BE54CA}"/>
-              </a:ext>
-            </a:extLst>
-          </p:cNvPr>
-          <p:cNvCxnSpPr>
-            <a:cxnSpLocks/>
-          </p:cNvCxnSpPr>
-          <p:nvPr/>
-        </p:nvCxnSpPr>
-        <p:spPr>
-          <a:xfrm>
-            <a:off x="3948356" y="2593954"/>
-            <a:ext cx="694388" cy="0"/>
-          </a:xfrm>
-          <a:prstGeom prst="line">
-            <a:avLst/>
-          </a:prstGeom>
-          <a:noFill/>
-          <a:ln w="6350" cap="flat" cmpd="sng" algn="ctr">
-            <a:solidFill>
-              <a:srgbClr val="000000">
-                <a:shade val="95000"/>
-                <a:satMod val="105000"/>
-              </a:srgbClr>
-            </a:solidFill>
-            <a:prstDash val="solid"/>
-          </a:ln>
-          <a:effectLst/>
-        </p:spPr>
-      </p:cxnSp>
-      <p:cxnSp>
-        <p:nvCxnSpPr>
-          <p:cNvPr id="56" name="Conector reto 55">
-            <a:extLst>
-              <a:ext uri="{FF2B5EF4-FFF2-40B4-BE49-F238E27FC236}">
-                <a16:creationId xmlns:a16="http://schemas.microsoft.com/office/drawing/2014/main" id="{111CD47A-77E7-85DF-80CD-954F0C071193}"/>
-              </a:ext>
-            </a:extLst>
-          </p:cNvPr>
-          <p:cNvCxnSpPr>
-            <a:cxnSpLocks/>
-          </p:cNvCxnSpPr>
-          <p:nvPr/>
-        </p:nvCxnSpPr>
-        <p:spPr>
-          <a:xfrm>
-            <a:off x="1735521" y="2604831"/>
-            <a:ext cx="898921" cy="0"/>
-          </a:xfrm>
-          <a:prstGeom prst="line">
-            <a:avLst/>
-          </a:prstGeom>
-          <a:noFill/>
-          <a:ln w="6350" cap="flat" cmpd="sng" algn="ctr">
-            <a:solidFill>
-              <a:srgbClr val="000000">
-                <a:shade val="95000"/>
-                <a:satMod val="105000"/>
-              </a:srgbClr>
-            </a:solidFill>
-            <a:prstDash val="solid"/>
-          </a:ln>
-          <a:effectLst/>
-        </p:spPr>
-      </p:cxnSp>
       <p:cxnSp>
         <p:nvCxnSpPr>
           <p:cNvPr id="57" name="Conector reto 56">
@@ -13657,8 +12185,8 @@
         </p:nvCxnSpPr>
         <p:spPr>
           <a:xfrm>
-            <a:off x="643841" y="2607212"/>
-            <a:ext cx="898921" cy="0"/>
+            <a:off x="1352024" y="2645312"/>
+            <a:ext cx="7824969" cy="0"/>
           </a:xfrm>
           <a:prstGeom prst="line">
             <a:avLst/>
@@ -13690,7 +12218,7 @@
         </p:nvSpPr>
         <p:spPr>
           <a:xfrm>
-            <a:off x="5768988" y="2697576"/>
+            <a:off x="5396864" y="2735676"/>
             <a:ext cx="9316" cy="448940"/>
           </a:xfrm>
           <a:custGeom>
@@ -14418,7 +12946,7 @@
         </p:nvSpPr>
         <p:spPr>
           <a:xfrm>
-            <a:off x="5577962" y="3171735"/>
+            <a:off x="5205838" y="3209835"/>
             <a:ext cx="422928" cy="406737"/>
           </a:xfrm>
           <a:custGeom>
@@ -14537,7 +13065,7 @@
         </p:nvSpPr>
         <p:spPr>
           <a:xfrm>
-            <a:off x="5556937" y="3136287"/>
+            <a:off x="5184813" y="3174387"/>
             <a:ext cx="423000" cy="423000"/>
           </a:xfrm>
           <a:prstGeom prst="ellipse">
@@ -14610,7 +13138,7 @@
         </p:nvSpPr>
         <p:spPr>
           <a:xfrm>
-            <a:off x="5260860" y="3564622"/>
+            <a:off x="4888736" y="3602722"/>
             <a:ext cx="1015153" cy="475699"/>
           </a:xfrm>
           <a:prstGeom prst="rect">
@@ -14693,7 +13221,7 @@
         </p:nvSpPr>
         <p:spPr>
           <a:xfrm>
-            <a:off x="5674577" y="2516211"/>
+            <a:off x="5302453" y="2554311"/>
             <a:ext cx="213349" cy="182904"/>
           </a:xfrm>
           <a:custGeom>
@@ -14819,7 +13347,7 @@
         </p:nvSpPr>
         <p:spPr>
           <a:xfrm>
-            <a:off x="5647079" y="2489695"/>
+            <a:off x="5274955" y="2527795"/>
             <a:ext cx="222638" cy="190814"/>
           </a:xfrm>
           <a:custGeom>
@@ -14926,7 +13454,7 @@
         </p:nvSpPr>
         <p:spPr>
           <a:xfrm>
-            <a:off x="6751617" y="2691984"/>
+            <a:off x="6312819" y="2730084"/>
             <a:ext cx="9316" cy="448940"/>
           </a:xfrm>
           <a:custGeom>
@@ -15654,7 +14182,7 @@
         </p:nvSpPr>
         <p:spPr>
           <a:xfrm>
-            <a:off x="6560591" y="3166143"/>
+            <a:off x="6121793" y="3204243"/>
             <a:ext cx="422928" cy="406737"/>
           </a:xfrm>
           <a:custGeom>
@@ -15773,7 +14301,7 @@
         </p:nvSpPr>
         <p:spPr>
           <a:xfrm>
-            <a:off x="6539566" y="3130695"/>
+            <a:off x="6100768" y="3168795"/>
             <a:ext cx="423000" cy="423000"/>
           </a:xfrm>
           <a:prstGeom prst="ellipse">
@@ -15846,7 +14374,7 @@
         </p:nvSpPr>
         <p:spPr>
           <a:xfrm>
-            <a:off x="6243489" y="3564055"/>
+            <a:off x="5804691" y="3602155"/>
             <a:ext cx="1015153" cy="475699"/>
           </a:xfrm>
           <a:prstGeom prst="rect">
@@ -15929,7 +14457,7 @@
         </p:nvSpPr>
         <p:spPr>
           <a:xfrm>
-            <a:off x="6657206" y="2510619"/>
+            <a:off x="6218408" y="2548719"/>
             <a:ext cx="213349" cy="182904"/>
           </a:xfrm>
           <a:custGeom>
@@ -16055,7 +14583,7 @@
         </p:nvSpPr>
         <p:spPr>
           <a:xfrm>
-            <a:off x="6629708" y="2484103"/>
+            <a:off x="6190910" y="2522203"/>
             <a:ext cx="222638" cy="190814"/>
           </a:xfrm>
           <a:custGeom>
@@ -16148,41 +14676,6 @@
           </a:p>
         </p:txBody>
       </p:sp>
-      <p:cxnSp>
-        <p:nvCxnSpPr>
-          <p:cNvPr id="70" name="Conector reto 69">
-            <a:extLst>
-              <a:ext uri="{FF2B5EF4-FFF2-40B4-BE49-F238E27FC236}">
-                <a16:creationId xmlns:a16="http://schemas.microsoft.com/office/drawing/2014/main" id="{D964EBB4-CC29-8576-8D71-DFD02A0876DB}"/>
-              </a:ext>
-            </a:extLst>
-          </p:cNvPr>
-          <p:cNvCxnSpPr>
-            <a:cxnSpLocks/>
-          </p:cNvCxnSpPr>
-          <p:nvPr/>
-        </p:nvCxnSpPr>
-        <p:spPr>
-          <a:xfrm flipV="1">
-            <a:off x="5866310" y="2583656"/>
-            <a:ext cx="798556" cy="1531"/>
-          </a:xfrm>
-          <a:prstGeom prst="line">
-            <a:avLst/>
-          </a:prstGeom>
-          <a:noFill/>
-          <a:ln w="6350" cap="flat" cmpd="sng" algn="ctr">
-            <a:solidFill>
-              <a:srgbClr val="000000">
-                <a:shade val="95000"/>
-                <a:satMod val="105000"/>
-              </a:srgbClr>
-            </a:solidFill>
-            <a:prstDash val="solid"/>
-          </a:ln>
-          <a:effectLst/>
-        </p:spPr>
-      </p:cxnSp>
       <p:sp>
         <p:nvSpPr>
           <p:cNvPr id="71" name="Google Shape;1104;p33">
@@ -16197,7 +14690,7 @@
         </p:nvSpPr>
         <p:spPr>
           <a:xfrm>
-            <a:off x="7770992" y="2692677"/>
+            <a:off x="7151210" y="2730777"/>
             <a:ext cx="9316" cy="448940"/>
           </a:xfrm>
           <a:custGeom>
@@ -16925,7 +15418,7 @@
         </p:nvSpPr>
         <p:spPr>
           <a:xfrm>
-            <a:off x="7579966" y="3166836"/>
+            <a:off x="6960184" y="3204936"/>
             <a:ext cx="422928" cy="406737"/>
           </a:xfrm>
           <a:custGeom>
@@ -17044,7 +15537,7 @@
         </p:nvSpPr>
         <p:spPr>
           <a:xfrm>
-            <a:off x="7558941" y="3131388"/>
+            <a:off x="6939159" y="3169488"/>
             <a:ext cx="423000" cy="423000"/>
           </a:xfrm>
           <a:prstGeom prst="ellipse">
@@ -17117,7 +15610,7 @@
         </p:nvSpPr>
         <p:spPr>
           <a:xfrm>
-            <a:off x="7262864" y="3579607"/>
+            <a:off x="6801832" y="3617707"/>
             <a:ext cx="1015153" cy="643200"/>
           </a:xfrm>
           <a:prstGeom prst="rect">
@@ -17224,7 +15717,7 @@
         </p:nvSpPr>
         <p:spPr>
           <a:xfrm>
-            <a:off x="7676581" y="2511312"/>
+            <a:off x="7056799" y="2549412"/>
             <a:ext cx="213349" cy="182904"/>
           </a:xfrm>
           <a:custGeom>
@@ -17350,7 +15843,7 @@
         </p:nvSpPr>
         <p:spPr>
           <a:xfrm>
-            <a:off x="7649083" y="2484796"/>
+            <a:off x="7029301" y="2522896"/>
             <a:ext cx="222638" cy="190814"/>
           </a:xfrm>
           <a:custGeom>
@@ -17443,76 +15936,6 @@
           </a:p>
         </p:txBody>
       </p:sp>
-      <p:cxnSp>
-        <p:nvCxnSpPr>
-          <p:cNvPr id="77" name="Conector reto 76">
-            <a:extLst>
-              <a:ext uri="{FF2B5EF4-FFF2-40B4-BE49-F238E27FC236}">
-                <a16:creationId xmlns:a16="http://schemas.microsoft.com/office/drawing/2014/main" id="{F9C3658F-5156-8EFC-210E-AE5A3174146B}"/>
-              </a:ext>
-            </a:extLst>
-          </p:cNvPr>
-          <p:cNvCxnSpPr>
-            <a:cxnSpLocks/>
-          </p:cNvCxnSpPr>
-          <p:nvPr/>
-        </p:nvCxnSpPr>
-        <p:spPr>
-          <a:xfrm>
-            <a:off x="6847585" y="2585880"/>
-            <a:ext cx="834075" cy="2539"/>
-          </a:xfrm>
-          <a:prstGeom prst="line">
-            <a:avLst/>
-          </a:prstGeom>
-          <a:noFill/>
-          <a:ln w="6350" cap="flat" cmpd="sng" algn="ctr">
-            <a:solidFill>
-              <a:srgbClr val="000000">
-                <a:shade val="95000"/>
-                <a:satMod val="105000"/>
-              </a:srgbClr>
-            </a:solidFill>
-            <a:prstDash val="solid"/>
-          </a:ln>
-          <a:effectLst/>
-        </p:spPr>
-      </p:cxnSp>
-      <p:cxnSp>
-        <p:nvCxnSpPr>
-          <p:cNvPr id="78" name="Conector reto 77">
-            <a:extLst>
-              <a:ext uri="{FF2B5EF4-FFF2-40B4-BE49-F238E27FC236}">
-                <a16:creationId xmlns:a16="http://schemas.microsoft.com/office/drawing/2014/main" id="{4CBE8696-F49D-2C46-0174-E1F4B194C30A}"/>
-              </a:ext>
-            </a:extLst>
-          </p:cNvPr>
-          <p:cNvCxnSpPr>
-            <a:cxnSpLocks/>
-          </p:cNvCxnSpPr>
-          <p:nvPr/>
-        </p:nvCxnSpPr>
-        <p:spPr>
-          <a:xfrm>
-            <a:off x="7866114" y="2585187"/>
-            <a:ext cx="383141" cy="0"/>
-          </a:xfrm>
-          <a:prstGeom prst="line">
-            <a:avLst/>
-          </a:prstGeom>
-          <a:noFill/>
-          <a:ln w="6350" cap="flat" cmpd="sng" algn="ctr">
-            <a:solidFill>
-              <a:srgbClr val="000000">
-                <a:shade val="95000"/>
-                <a:satMod val="105000"/>
-              </a:srgbClr>
-            </a:solidFill>
-            <a:prstDash val="solid"/>
-          </a:ln>
-          <a:effectLst/>
-        </p:spPr>
-      </p:cxnSp>
       <p:grpSp>
         <p:nvGrpSpPr>
           <p:cNvPr id="79" name="Google Shape;1770;p43">
@@ -17527,7 +15950,7 @@
         </p:nvGrpSpPr>
         <p:grpSpPr>
           <a:xfrm>
-            <a:off x="8286315" y="1803451"/>
+            <a:off x="7476042" y="1850018"/>
             <a:ext cx="208613" cy="194597"/>
             <a:chOff x="-64774725" y="1916550"/>
             <a:chExt cx="319000" cy="314400"/>
@@ -18106,7 +16529,7 @@
         </p:nvSpPr>
         <p:spPr>
           <a:xfrm>
-            <a:off x="600663" y="2146519"/>
+            <a:off x="1301703" y="2184619"/>
             <a:ext cx="459027" cy="250117"/>
           </a:xfrm>
           <a:custGeom>
@@ -18209,7 +16632,7 @@
         </p:nvSpPr>
         <p:spPr>
           <a:xfrm>
-            <a:off x="593629" y="2161112"/>
+            <a:off x="1294669" y="2199212"/>
             <a:ext cx="538873" cy="230400"/>
           </a:xfrm>
           <a:prstGeom prst="rect">
@@ -18271,7 +16694,7 @@
         </p:nvSpPr>
         <p:spPr>
           <a:xfrm>
-            <a:off x="2631556" y="3260074"/>
+            <a:off x="2637257" y="3298174"/>
             <a:ext cx="195693" cy="216472"/>
           </a:xfrm>
           <a:custGeom>
@@ -18812,7 +17235,7 @@
         </p:nvSpPr>
         <p:spPr>
           <a:xfrm>
-            <a:off x="1536394" y="3254803"/>
+            <a:off x="1907231" y="3301370"/>
             <a:ext cx="195693" cy="216472"/>
           </a:xfrm>
           <a:custGeom>
@@ -19353,7 +17776,7 @@
         </p:nvSpPr>
         <p:spPr>
           <a:xfrm>
-            <a:off x="3761718" y="3246070"/>
+            <a:off x="3632490" y="3284170"/>
             <a:ext cx="195693" cy="216472"/>
           </a:xfrm>
           <a:custGeom>
@@ -19894,7 +18317,7 @@
         </p:nvSpPr>
         <p:spPr>
           <a:xfrm>
-            <a:off x="4640363" y="3247426"/>
+            <a:off x="4449213" y="3285526"/>
             <a:ext cx="195693" cy="216472"/>
           </a:xfrm>
           <a:custGeom>
@@ -20435,7 +18858,7 @@
         </p:nvSpPr>
         <p:spPr>
           <a:xfrm>
-            <a:off x="5670589" y="3240932"/>
+            <a:off x="5298465" y="3279032"/>
             <a:ext cx="195693" cy="216472"/>
           </a:xfrm>
           <a:custGeom>
@@ -20976,7 +19399,7 @@
         </p:nvSpPr>
         <p:spPr>
           <a:xfrm>
-            <a:off x="6653218" y="3253652"/>
+            <a:off x="6214420" y="3291752"/>
             <a:ext cx="195693" cy="216472"/>
           </a:xfrm>
           <a:custGeom>
@@ -21517,7 +19940,7 @@
         </p:nvSpPr>
         <p:spPr>
           <a:xfrm>
-            <a:off x="7672593" y="3240932"/>
+            <a:off x="7052811" y="3279032"/>
             <a:ext cx="195693" cy="216472"/>
           </a:xfrm>
           <a:custGeom>
@@ -22058,7 +20481,7 @@
         </p:nvSpPr>
         <p:spPr>
           <a:xfrm>
-            <a:off x="8383481" y="2147796"/>
+            <a:off x="7573208" y="2202830"/>
             <a:ext cx="459027" cy="250117"/>
           </a:xfrm>
           <a:custGeom>
@@ -22161,7 +20584,7 @@
         </p:nvSpPr>
         <p:spPr>
           <a:xfrm>
-            <a:off x="8376447" y="2162389"/>
+            <a:off x="7566174" y="2208956"/>
             <a:ext cx="538873" cy="230400"/>
           </a:xfrm>
           <a:prstGeom prst="rect">
@@ -22195,7 +20618,7 @@
                 <a:cs typeface="Fira Sans Extra Condensed Medium"/>
                 <a:sym typeface="Fira Sans Extra Condensed Medium"/>
               </a:rPr>
-              <a:t>2024</a:t>
+              <a:t>2023</a:t>
             </a:r>
             <a:endParaRPr sz="1200" kern="0" dirty="0">
               <a:solidFill>
@@ -22223,7 +20646,7 @@
         </p:nvSpPr>
         <p:spPr>
           <a:xfrm rot="10800000">
-            <a:off x="1103432" y="2817830"/>
+            <a:off x="1474269" y="2864397"/>
             <a:ext cx="459027" cy="250117"/>
           </a:xfrm>
           <a:custGeom>
@@ -22326,7 +20749,7 @@
         </p:nvSpPr>
         <p:spPr>
           <a:xfrm>
-            <a:off x="1062941" y="2890526"/>
+            <a:off x="1433778" y="2937093"/>
             <a:ext cx="476668" cy="119690"/>
           </a:xfrm>
           <a:prstGeom prst="rect">
@@ -22351,7 +20774,7 @@
               <a:buNone/>
             </a:pPr>
             <a:r>
-              <a:rPr lang="en" sz="1200" kern="0" dirty="0">
+              <a:rPr lang="en" sz="1100" kern="0" dirty="0">
                 <a:solidFill>
                   <a:srgbClr val="A3D798"/>
                 </a:solidFill>
@@ -22362,7 +20785,7 @@
               </a:rPr>
               <a:t>2008</a:t>
             </a:r>
-            <a:endParaRPr sz="1200" kern="0" dirty="0">
+            <a:endParaRPr sz="1100" kern="0" dirty="0">
               <a:solidFill>
                 <a:srgbClr val="A3D798"/>
               </a:solidFill>
@@ -22388,7 +20811,7 @@
         </p:nvSpPr>
         <p:spPr>
           <a:xfrm rot="10800000">
-            <a:off x="2252130" y="2835099"/>
+            <a:off x="2257831" y="2873199"/>
             <a:ext cx="459027" cy="250117"/>
           </a:xfrm>
           <a:custGeom>
@@ -22491,7 +20914,7 @@
         </p:nvSpPr>
         <p:spPr>
           <a:xfrm>
-            <a:off x="2211639" y="2907795"/>
+            <a:off x="2217340" y="2945895"/>
             <a:ext cx="476668" cy="119690"/>
           </a:xfrm>
           <a:prstGeom prst="rect">
@@ -22516,7 +20939,7 @@
               <a:buNone/>
             </a:pPr>
             <a:r>
-              <a:rPr lang="en" sz="1200" kern="0" dirty="0">
+              <a:rPr lang="en" sz="1100" kern="0" dirty="0">
                 <a:solidFill>
                   <a:srgbClr val="A3D798"/>
                 </a:solidFill>
@@ -22527,7 +20950,7 @@
               </a:rPr>
               <a:t>2009</a:t>
             </a:r>
-            <a:endParaRPr sz="1200" kern="0" dirty="0">
+            <a:endParaRPr sz="1100" kern="0" dirty="0">
               <a:solidFill>
                 <a:srgbClr val="A3D798"/>
               </a:solidFill>
@@ -22553,7 +20976,7 @@
         </p:nvSpPr>
         <p:spPr>
           <a:xfrm rot="10800000">
-            <a:off x="3367668" y="2837572"/>
+            <a:off x="3238440" y="2875672"/>
             <a:ext cx="459027" cy="250117"/>
           </a:xfrm>
           <a:custGeom>
@@ -22656,7 +21079,7 @@
         </p:nvSpPr>
         <p:spPr>
           <a:xfrm>
-            <a:off x="3327177" y="2910268"/>
+            <a:off x="3197949" y="2948368"/>
             <a:ext cx="476668" cy="119690"/>
           </a:xfrm>
           <a:prstGeom prst="rect">
@@ -22681,7 +21104,7 @@
               <a:buNone/>
             </a:pPr>
             <a:r>
-              <a:rPr lang="en" sz="1200" kern="0" dirty="0">
+              <a:rPr lang="en" sz="1100" kern="0" dirty="0">
                 <a:solidFill>
                   <a:srgbClr val="A3D798"/>
                 </a:solidFill>
@@ -22692,7 +21115,7 @@
               </a:rPr>
               <a:t>2012</a:t>
             </a:r>
-            <a:endParaRPr sz="1200" kern="0" dirty="0">
+            <a:endParaRPr sz="1100" kern="0" dirty="0">
               <a:solidFill>
                 <a:srgbClr val="A3D798"/>
               </a:solidFill>
@@ -22718,7 +21141,7 @@
         </p:nvSpPr>
         <p:spPr>
           <a:xfrm rot="10800000">
-            <a:off x="4244507" y="2842053"/>
+            <a:off x="4053357" y="2880153"/>
             <a:ext cx="459027" cy="250117"/>
           </a:xfrm>
           <a:custGeom>
@@ -22821,7 +21244,7 @@
         </p:nvSpPr>
         <p:spPr>
           <a:xfrm>
-            <a:off x="4204016" y="2914749"/>
+            <a:off x="4012866" y="2952849"/>
             <a:ext cx="476668" cy="119690"/>
           </a:xfrm>
           <a:prstGeom prst="rect">
@@ -22846,7 +21269,7 @@
               <a:buNone/>
             </a:pPr>
             <a:r>
-              <a:rPr lang="en" sz="1200" kern="0" dirty="0">
+              <a:rPr lang="en" sz="1100" kern="0" dirty="0">
                 <a:solidFill>
                   <a:srgbClr val="A3D798"/>
                 </a:solidFill>
@@ -22857,7 +21280,7 @@
               </a:rPr>
               <a:t>2016</a:t>
             </a:r>
-            <a:endParaRPr sz="1200" kern="0" dirty="0">
+            <a:endParaRPr sz="1100" kern="0" dirty="0">
               <a:solidFill>
                 <a:srgbClr val="A3D798"/>
               </a:solidFill>
@@ -22883,7 +21306,7 @@
         </p:nvSpPr>
         <p:spPr>
           <a:xfrm rot="10800000">
-            <a:off x="5264972" y="2825804"/>
+            <a:off x="4892848" y="2863904"/>
             <a:ext cx="459027" cy="250117"/>
           </a:xfrm>
           <a:custGeom>
@@ -22986,7 +21409,7 @@
         </p:nvSpPr>
         <p:spPr>
           <a:xfrm>
-            <a:off x="5224481" y="2898500"/>
+            <a:off x="4852357" y="2936600"/>
             <a:ext cx="476668" cy="119690"/>
           </a:xfrm>
           <a:prstGeom prst="rect">
@@ -23011,7 +21434,7 @@
               <a:buNone/>
             </a:pPr>
             <a:r>
-              <a:rPr lang="en" sz="1200" kern="0" dirty="0">
+              <a:rPr lang="en" sz="1100" kern="0" dirty="0">
                 <a:solidFill>
                   <a:srgbClr val="A3D798"/>
                 </a:solidFill>
@@ -23022,7 +21445,7 @@
               </a:rPr>
               <a:t>2020</a:t>
             </a:r>
-            <a:endParaRPr sz="1200" kern="0" dirty="0">
+            <a:endParaRPr sz="1100" kern="0" dirty="0">
               <a:solidFill>
                 <a:srgbClr val="A3D798"/>
               </a:solidFill>
@@ -23048,7 +21471,7 @@
         </p:nvSpPr>
         <p:spPr>
           <a:xfrm rot="10800000">
-            <a:off x="6262815" y="2831941"/>
+            <a:off x="5824017" y="2870041"/>
             <a:ext cx="459027" cy="250117"/>
           </a:xfrm>
           <a:custGeom>
@@ -23151,7 +21574,7 @@
         </p:nvSpPr>
         <p:spPr>
           <a:xfrm>
-            <a:off x="6222324" y="2904637"/>
+            <a:off x="5783526" y="2942737"/>
             <a:ext cx="476668" cy="119690"/>
           </a:xfrm>
           <a:prstGeom prst="rect">
@@ -23176,7 +21599,7 @@
               <a:buNone/>
             </a:pPr>
             <a:r>
-              <a:rPr lang="en" sz="1200" kern="0" dirty="0">
+              <a:rPr lang="en" sz="1100" kern="0" dirty="0">
                 <a:solidFill>
                   <a:srgbClr val="A3D798"/>
                 </a:solidFill>
@@ -23187,7 +21610,7 @@
               </a:rPr>
               <a:t>2021</a:t>
             </a:r>
-            <a:endParaRPr sz="1200" kern="0" dirty="0">
+            <a:endParaRPr sz="1100" kern="0" dirty="0">
               <a:solidFill>
                 <a:srgbClr val="A3D798"/>
               </a:solidFill>
@@ -23213,7 +21636,7 @@
         </p:nvSpPr>
         <p:spPr>
           <a:xfrm rot="10800000">
-            <a:off x="7277904" y="2835099"/>
+            <a:off x="6658122" y="2873199"/>
             <a:ext cx="459027" cy="250117"/>
           </a:xfrm>
           <a:custGeom>
@@ -23316,8 +21739,3783 @@
         </p:nvSpPr>
         <p:spPr>
           <a:xfrm>
-            <a:off x="7237413" y="2907795"/>
+            <a:off x="6617631" y="2945895"/>
             <a:ext cx="476668" cy="119690"/>
+          </a:xfrm>
+          <a:prstGeom prst="rect">
+            <a:avLst/>
+          </a:prstGeom>
+          <a:noFill/>
+          <a:ln>
+            <a:noFill/>
+          </a:ln>
+        </p:spPr>
+        <p:txBody>
+          <a:bodyPr spcFirstLastPara="1" wrap="square" lIns="91425" tIns="91425" rIns="91425" bIns="91425" anchor="ctr" anchorCtr="0">
+            <a:noAutofit/>
+          </a:bodyPr>
+          <a:lstStyle/>
+          <a:p>
+            <a:pPr algn="ctr">
+              <a:buClr>
+                <a:srgbClr val="000000"/>
+              </a:buClr>
+              <a:buFont typeface="Arial"/>
+              <a:buNone/>
+            </a:pPr>
+            <a:r>
+              <a:rPr lang="en" sz="1100" kern="0" dirty="0">
+                <a:solidFill>
+                  <a:srgbClr val="A3D798"/>
+                </a:solidFill>
+                <a:latin typeface="Fira Sans Extra Condensed Medium"/>
+                <a:ea typeface="Fira Sans Extra Condensed Medium"/>
+                <a:cs typeface="Fira Sans Extra Condensed Medium"/>
+                <a:sym typeface="Fira Sans Extra Condensed Medium"/>
+              </a:rPr>
+              <a:t>2022</a:t>
+            </a:r>
+            <a:endParaRPr sz="1100" kern="0" dirty="0">
+              <a:solidFill>
+                <a:srgbClr val="A3D798"/>
+              </a:solidFill>
+              <a:latin typeface="Fira Sans Extra Condensed Medium"/>
+              <a:ea typeface="Fira Sans Extra Condensed Medium"/>
+              <a:cs typeface="Fira Sans Extra Condensed Medium"/>
+              <a:sym typeface="Fira Sans Extra Condensed Medium"/>
+            </a:endParaRPr>
+          </a:p>
+        </p:txBody>
+      </p:sp>
+      <p:sp>
+        <p:nvSpPr>
+          <p:cNvPr id="108" name="Google Shape;1104;p33">
+            <a:extLst>
+              <a:ext uri="{FF2B5EF4-FFF2-40B4-BE49-F238E27FC236}">
+                <a16:creationId xmlns:a16="http://schemas.microsoft.com/office/drawing/2014/main" id="{96042572-9988-40A7-ADCD-0CD38C864844}"/>
+              </a:ext>
+            </a:extLst>
+          </p:cNvPr>
+          <p:cNvSpPr/>
+          <p:nvPr/>
+        </p:nvSpPr>
+        <p:spPr>
+          <a:xfrm>
+            <a:off x="8367008" y="2733370"/>
+            <a:ext cx="9316" cy="448940"/>
+          </a:xfrm>
+          <a:custGeom>
+            <a:avLst/>
+            <a:gdLst/>
+            <a:ahLst/>
+            <a:cxnLst/>
+            <a:rect l="l" t="t" r="r" b="b"/>
+            <a:pathLst>
+              <a:path w="351" h="16914" extrusionOk="0">
+                <a:moveTo>
+                  <a:pt x="196" y="0"/>
+                </a:moveTo>
+                <a:cubicBezTo>
+                  <a:pt x="126" y="0"/>
+                  <a:pt x="56" y="70"/>
+                  <a:pt x="56" y="154"/>
+                </a:cubicBezTo>
+                <a:lnTo>
+                  <a:pt x="56" y="84"/>
+                </a:lnTo>
+                <a:lnTo>
+                  <a:pt x="56" y="84"/>
+                </a:lnTo>
+                <a:cubicBezTo>
+                  <a:pt x="3" y="177"/>
+                  <a:pt x="76" y="295"/>
+                  <a:pt x="179" y="295"/>
+                </a:cubicBezTo>
+                <a:cubicBezTo>
+                  <a:pt x="185" y="295"/>
+                  <a:pt x="190" y="295"/>
+                  <a:pt x="196" y="294"/>
+                </a:cubicBezTo>
+                <a:cubicBezTo>
+                  <a:pt x="280" y="294"/>
+                  <a:pt x="350" y="224"/>
+                  <a:pt x="350" y="154"/>
+                </a:cubicBezTo>
+                <a:cubicBezTo>
+                  <a:pt x="350" y="70"/>
+                  <a:pt x="280" y="0"/>
+                  <a:pt x="196" y="0"/>
+                </a:cubicBezTo>
+                <a:close/>
+                <a:moveTo>
+                  <a:pt x="196" y="882"/>
+                </a:moveTo>
+                <a:cubicBezTo>
+                  <a:pt x="126" y="882"/>
+                  <a:pt x="56" y="938"/>
+                  <a:pt x="56" y="1022"/>
+                </a:cubicBezTo>
+                <a:lnTo>
+                  <a:pt x="56" y="966"/>
+                </a:lnTo>
+                <a:lnTo>
+                  <a:pt x="56" y="966"/>
+                </a:lnTo>
+                <a:cubicBezTo>
+                  <a:pt x="0" y="1064"/>
+                  <a:pt x="84" y="1176"/>
+                  <a:pt x="196" y="1176"/>
+                </a:cubicBezTo>
+                <a:cubicBezTo>
+                  <a:pt x="280" y="1176"/>
+                  <a:pt x="350" y="1106"/>
+                  <a:pt x="350" y="1022"/>
+                </a:cubicBezTo>
+                <a:cubicBezTo>
+                  <a:pt x="350" y="938"/>
+                  <a:pt x="280" y="882"/>
+                  <a:pt x="196" y="882"/>
+                </a:cubicBezTo>
+                <a:close/>
+                <a:moveTo>
+                  <a:pt x="196" y="1750"/>
+                </a:moveTo>
+                <a:cubicBezTo>
+                  <a:pt x="126" y="1750"/>
+                  <a:pt x="56" y="1820"/>
+                  <a:pt x="56" y="1904"/>
+                </a:cubicBezTo>
+                <a:lnTo>
+                  <a:pt x="56" y="1834"/>
+                </a:lnTo>
+                <a:lnTo>
+                  <a:pt x="56" y="1834"/>
+                </a:lnTo>
+                <a:cubicBezTo>
+                  <a:pt x="17" y="1940"/>
+                  <a:pt x="77" y="2046"/>
+                  <a:pt x="177" y="2046"/>
+                </a:cubicBezTo>
+                <a:cubicBezTo>
+                  <a:pt x="183" y="2046"/>
+                  <a:pt x="190" y="2045"/>
+                  <a:pt x="196" y="2044"/>
+                </a:cubicBezTo>
+                <a:cubicBezTo>
+                  <a:pt x="280" y="2044"/>
+                  <a:pt x="350" y="1974"/>
+                  <a:pt x="350" y="1904"/>
+                </a:cubicBezTo>
+                <a:cubicBezTo>
+                  <a:pt x="350" y="1820"/>
+                  <a:pt x="280" y="1750"/>
+                  <a:pt x="196" y="1750"/>
+                </a:cubicBezTo>
+                <a:close/>
+                <a:moveTo>
+                  <a:pt x="196" y="2632"/>
+                </a:moveTo>
+                <a:cubicBezTo>
+                  <a:pt x="126" y="2632"/>
+                  <a:pt x="56" y="2688"/>
+                  <a:pt x="56" y="2772"/>
+                </a:cubicBezTo>
+                <a:lnTo>
+                  <a:pt x="56" y="2716"/>
+                </a:lnTo>
+                <a:lnTo>
+                  <a:pt x="56" y="2716"/>
+                </a:lnTo>
+                <a:cubicBezTo>
+                  <a:pt x="14" y="2814"/>
+                  <a:pt x="98" y="2926"/>
+                  <a:pt x="196" y="2926"/>
+                </a:cubicBezTo>
+                <a:cubicBezTo>
+                  <a:pt x="280" y="2926"/>
+                  <a:pt x="350" y="2856"/>
+                  <a:pt x="350" y="2772"/>
+                </a:cubicBezTo>
+                <a:cubicBezTo>
+                  <a:pt x="350" y="2688"/>
+                  <a:pt x="280" y="2632"/>
+                  <a:pt x="196" y="2632"/>
+                </a:cubicBezTo>
+                <a:close/>
+                <a:moveTo>
+                  <a:pt x="196" y="3501"/>
+                </a:moveTo>
+                <a:cubicBezTo>
+                  <a:pt x="126" y="3501"/>
+                  <a:pt x="56" y="3571"/>
+                  <a:pt x="56" y="3655"/>
+                </a:cubicBezTo>
+                <a:lnTo>
+                  <a:pt x="56" y="3599"/>
+                </a:lnTo>
+                <a:lnTo>
+                  <a:pt x="56" y="3599"/>
+                </a:lnTo>
+                <a:cubicBezTo>
+                  <a:pt x="17" y="3691"/>
+                  <a:pt x="89" y="3796"/>
+                  <a:pt x="179" y="3796"/>
+                </a:cubicBezTo>
+                <a:cubicBezTo>
+                  <a:pt x="185" y="3796"/>
+                  <a:pt x="191" y="3795"/>
+                  <a:pt x="196" y="3795"/>
+                </a:cubicBezTo>
+                <a:cubicBezTo>
+                  <a:pt x="280" y="3795"/>
+                  <a:pt x="350" y="3725"/>
+                  <a:pt x="350" y="3655"/>
+                </a:cubicBezTo>
+                <a:cubicBezTo>
+                  <a:pt x="350" y="3571"/>
+                  <a:pt x="280" y="3501"/>
+                  <a:pt x="196" y="3501"/>
+                </a:cubicBezTo>
+                <a:close/>
+                <a:moveTo>
+                  <a:pt x="178" y="4381"/>
+                </a:moveTo>
+                <a:cubicBezTo>
+                  <a:pt x="115" y="4381"/>
+                  <a:pt x="56" y="4446"/>
+                  <a:pt x="56" y="4523"/>
+                </a:cubicBezTo>
+                <a:lnTo>
+                  <a:pt x="56" y="4481"/>
+                </a:lnTo>
+                <a:lnTo>
+                  <a:pt x="56" y="4481"/>
+                </a:lnTo>
+                <a:cubicBezTo>
+                  <a:pt x="14" y="4579"/>
+                  <a:pt x="98" y="4677"/>
+                  <a:pt x="196" y="4677"/>
+                </a:cubicBezTo>
+                <a:cubicBezTo>
+                  <a:pt x="280" y="4677"/>
+                  <a:pt x="350" y="4607"/>
+                  <a:pt x="350" y="4523"/>
+                </a:cubicBezTo>
+                <a:cubicBezTo>
+                  <a:pt x="350" y="4439"/>
+                  <a:pt x="280" y="4383"/>
+                  <a:pt x="196" y="4383"/>
+                </a:cubicBezTo>
+                <a:cubicBezTo>
+                  <a:pt x="190" y="4381"/>
+                  <a:pt x="184" y="4381"/>
+                  <a:pt x="178" y="4381"/>
+                </a:cubicBezTo>
+                <a:close/>
+                <a:moveTo>
+                  <a:pt x="196" y="5251"/>
+                </a:moveTo>
+                <a:cubicBezTo>
+                  <a:pt x="126" y="5251"/>
+                  <a:pt x="56" y="5321"/>
+                  <a:pt x="56" y="5405"/>
+                </a:cubicBezTo>
+                <a:lnTo>
+                  <a:pt x="56" y="5349"/>
+                </a:lnTo>
+                <a:lnTo>
+                  <a:pt x="56" y="5349"/>
+                </a:lnTo>
+                <a:cubicBezTo>
+                  <a:pt x="30" y="5441"/>
+                  <a:pt x="90" y="5546"/>
+                  <a:pt x="180" y="5546"/>
+                </a:cubicBezTo>
+                <a:cubicBezTo>
+                  <a:pt x="185" y="5546"/>
+                  <a:pt x="191" y="5545"/>
+                  <a:pt x="196" y="5545"/>
+                </a:cubicBezTo>
+                <a:cubicBezTo>
+                  <a:pt x="280" y="5545"/>
+                  <a:pt x="350" y="5475"/>
+                  <a:pt x="350" y="5405"/>
+                </a:cubicBezTo>
+                <a:cubicBezTo>
+                  <a:pt x="350" y="5321"/>
+                  <a:pt x="280" y="5251"/>
+                  <a:pt x="196" y="5251"/>
+                </a:cubicBezTo>
+                <a:close/>
+                <a:moveTo>
+                  <a:pt x="196" y="6133"/>
+                </a:moveTo>
+                <a:cubicBezTo>
+                  <a:pt x="126" y="6133"/>
+                  <a:pt x="56" y="6189"/>
+                  <a:pt x="56" y="6273"/>
+                </a:cubicBezTo>
+                <a:lnTo>
+                  <a:pt x="56" y="6231"/>
+                </a:lnTo>
+                <a:lnTo>
+                  <a:pt x="56" y="6231"/>
+                </a:lnTo>
+                <a:cubicBezTo>
+                  <a:pt x="28" y="6329"/>
+                  <a:pt x="98" y="6427"/>
+                  <a:pt x="196" y="6427"/>
+                </a:cubicBezTo>
+                <a:cubicBezTo>
+                  <a:pt x="280" y="6427"/>
+                  <a:pt x="350" y="6357"/>
+                  <a:pt x="350" y="6273"/>
+                </a:cubicBezTo>
+                <a:cubicBezTo>
+                  <a:pt x="350" y="6189"/>
+                  <a:pt x="280" y="6133"/>
+                  <a:pt x="196" y="6133"/>
+                </a:cubicBezTo>
+                <a:close/>
+                <a:moveTo>
+                  <a:pt x="196" y="7001"/>
+                </a:moveTo>
+                <a:cubicBezTo>
+                  <a:pt x="126" y="7001"/>
+                  <a:pt x="56" y="7071"/>
+                  <a:pt x="56" y="7155"/>
+                </a:cubicBezTo>
+                <a:lnTo>
+                  <a:pt x="56" y="7113"/>
+                </a:lnTo>
+                <a:lnTo>
+                  <a:pt x="56" y="7113"/>
+                </a:lnTo>
+                <a:cubicBezTo>
+                  <a:pt x="28" y="7211"/>
+                  <a:pt x="98" y="7295"/>
+                  <a:pt x="196" y="7295"/>
+                </a:cubicBezTo>
+                <a:cubicBezTo>
+                  <a:pt x="280" y="7295"/>
+                  <a:pt x="350" y="7225"/>
+                  <a:pt x="350" y="7155"/>
+                </a:cubicBezTo>
+                <a:cubicBezTo>
+                  <a:pt x="350" y="7071"/>
+                  <a:pt x="280" y="7001"/>
+                  <a:pt x="196" y="7001"/>
+                </a:cubicBezTo>
+                <a:close/>
+                <a:moveTo>
+                  <a:pt x="178" y="7881"/>
+                </a:moveTo>
+                <a:cubicBezTo>
+                  <a:pt x="115" y="7881"/>
+                  <a:pt x="56" y="7946"/>
+                  <a:pt x="56" y="8023"/>
+                </a:cubicBezTo>
+                <a:lnTo>
+                  <a:pt x="56" y="7995"/>
+                </a:lnTo>
+                <a:lnTo>
+                  <a:pt x="56" y="7995"/>
+                </a:lnTo>
+                <a:cubicBezTo>
+                  <a:pt x="28" y="8079"/>
+                  <a:pt x="98" y="8177"/>
+                  <a:pt x="196" y="8177"/>
+                </a:cubicBezTo>
+                <a:cubicBezTo>
+                  <a:pt x="280" y="8177"/>
+                  <a:pt x="350" y="8107"/>
+                  <a:pt x="350" y="8023"/>
+                </a:cubicBezTo>
+                <a:cubicBezTo>
+                  <a:pt x="350" y="7939"/>
+                  <a:pt x="280" y="7883"/>
+                  <a:pt x="196" y="7883"/>
+                </a:cubicBezTo>
+                <a:cubicBezTo>
+                  <a:pt x="190" y="7882"/>
+                  <a:pt x="184" y="7881"/>
+                  <a:pt x="178" y="7881"/>
+                </a:cubicBezTo>
+                <a:close/>
+                <a:moveTo>
+                  <a:pt x="196" y="8751"/>
+                </a:moveTo>
+                <a:cubicBezTo>
+                  <a:pt x="126" y="8751"/>
+                  <a:pt x="56" y="8821"/>
+                  <a:pt x="56" y="8905"/>
+                </a:cubicBezTo>
+                <a:lnTo>
+                  <a:pt x="56" y="8863"/>
+                </a:lnTo>
+                <a:lnTo>
+                  <a:pt x="56" y="8863"/>
+                </a:lnTo>
+                <a:cubicBezTo>
+                  <a:pt x="28" y="8961"/>
+                  <a:pt x="112" y="9045"/>
+                  <a:pt x="196" y="9045"/>
+                </a:cubicBezTo>
+                <a:cubicBezTo>
+                  <a:pt x="280" y="9045"/>
+                  <a:pt x="350" y="8975"/>
+                  <a:pt x="350" y="8905"/>
+                </a:cubicBezTo>
+                <a:cubicBezTo>
+                  <a:pt x="350" y="8821"/>
+                  <a:pt x="280" y="8751"/>
+                  <a:pt x="196" y="8751"/>
+                </a:cubicBezTo>
+                <a:close/>
+                <a:moveTo>
+                  <a:pt x="178" y="9631"/>
+                </a:moveTo>
+                <a:cubicBezTo>
+                  <a:pt x="115" y="9631"/>
+                  <a:pt x="56" y="9696"/>
+                  <a:pt x="56" y="9773"/>
+                </a:cubicBezTo>
+                <a:lnTo>
+                  <a:pt x="56" y="9745"/>
+                </a:lnTo>
+                <a:lnTo>
+                  <a:pt x="56" y="9745"/>
+                </a:lnTo>
+                <a:cubicBezTo>
+                  <a:pt x="42" y="9843"/>
+                  <a:pt x="112" y="9927"/>
+                  <a:pt x="196" y="9927"/>
+                </a:cubicBezTo>
+                <a:cubicBezTo>
+                  <a:pt x="280" y="9927"/>
+                  <a:pt x="350" y="9857"/>
+                  <a:pt x="350" y="9773"/>
+                </a:cubicBezTo>
+                <a:cubicBezTo>
+                  <a:pt x="350" y="9689"/>
+                  <a:pt x="280" y="9633"/>
+                  <a:pt x="196" y="9633"/>
+                </a:cubicBezTo>
+                <a:cubicBezTo>
+                  <a:pt x="190" y="9632"/>
+                  <a:pt x="184" y="9631"/>
+                  <a:pt x="178" y="9631"/>
+                </a:cubicBezTo>
+                <a:close/>
+                <a:moveTo>
+                  <a:pt x="196" y="10501"/>
+                </a:moveTo>
+                <a:cubicBezTo>
+                  <a:pt x="126" y="10501"/>
+                  <a:pt x="56" y="10571"/>
+                  <a:pt x="56" y="10655"/>
+                </a:cubicBezTo>
+                <a:lnTo>
+                  <a:pt x="56" y="10627"/>
+                </a:lnTo>
+                <a:lnTo>
+                  <a:pt x="56" y="10627"/>
+                </a:lnTo>
+                <a:cubicBezTo>
+                  <a:pt x="42" y="10711"/>
+                  <a:pt x="112" y="10795"/>
+                  <a:pt x="196" y="10795"/>
+                </a:cubicBezTo>
+                <a:cubicBezTo>
+                  <a:pt x="280" y="10795"/>
+                  <a:pt x="350" y="10725"/>
+                  <a:pt x="350" y="10655"/>
+                </a:cubicBezTo>
+                <a:cubicBezTo>
+                  <a:pt x="350" y="10571"/>
+                  <a:pt x="280" y="10501"/>
+                  <a:pt x="196" y="10501"/>
+                </a:cubicBezTo>
+                <a:close/>
+                <a:moveTo>
+                  <a:pt x="178" y="11381"/>
+                </a:moveTo>
+                <a:cubicBezTo>
+                  <a:pt x="115" y="11381"/>
+                  <a:pt x="56" y="11446"/>
+                  <a:pt x="56" y="11523"/>
+                </a:cubicBezTo>
+                <a:lnTo>
+                  <a:pt x="56" y="11509"/>
+                </a:lnTo>
+                <a:lnTo>
+                  <a:pt x="56" y="11509"/>
+                </a:lnTo>
+                <a:cubicBezTo>
+                  <a:pt x="43" y="11587"/>
+                  <a:pt x="102" y="11665"/>
+                  <a:pt x="178" y="11665"/>
+                </a:cubicBezTo>
+                <a:cubicBezTo>
+                  <a:pt x="184" y="11665"/>
+                  <a:pt x="190" y="11664"/>
+                  <a:pt x="196" y="11663"/>
+                </a:cubicBezTo>
+                <a:cubicBezTo>
+                  <a:pt x="203" y="11664"/>
+                  <a:pt x="211" y="11665"/>
+                  <a:pt x="218" y="11665"/>
+                </a:cubicBezTo>
+                <a:cubicBezTo>
+                  <a:pt x="292" y="11665"/>
+                  <a:pt x="350" y="11600"/>
+                  <a:pt x="350" y="11523"/>
+                </a:cubicBezTo>
+                <a:cubicBezTo>
+                  <a:pt x="350" y="11439"/>
+                  <a:pt x="280" y="11383"/>
+                  <a:pt x="196" y="11383"/>
+                </a:cubicBezTo>
+                <a:cubicBezTo>
+                  <a:pt x="190" y="11382"/>
+                  <a:pt x="184" y="11381"/>
+                  <a:pt x="178" y="11381"/>
+                </a:cubicBezTo>
+                <a:close/>
+                <a:moveTo>
+                  <a:pt x="196" y="12251"/>
+                </a:moveTo>
+                <a:cubicBezTo>
+                  <a:pt x="126" y="12251"/>
+                  <a:pt x="56" y="12321"/>
+                  <a:pt x="56" y="12405"/>
+                </a:cubicBezTo>
+                <a:lnTo>
+                  <a:pt x="56" y="12391"/>
+                </a:lnTo>
+                <a:lnTo>
+                  <a:pt x="56" y="12391"/>
+                </a:lnTo>
+                <a:cubicBezTo>
+                  <a:pt x="42" y="12475"/>
+                  <a:pt x="112" y="12545"/>
+                  <a:pt x="196" y="12545"/>
+                </a:cubicBezTo>
+                <a:cubicBezTo>
+                  <a:pt x="280" y="12545"/>
+                  <a:pt x="350" y="12475"/>
+                  <a:pt x="350" y="12405"/>
+                </a:cubicBezTo>
+                <a:cubicBezTo>
+                  <a:pt x="350" y="12321"/>
+                  <a:pt x="280" y="12251"/>
+                  <a:pt x="196" y="12251"/>
+                </a:cubicBezTo>
+                <a:close/>
+                <a:moveTo>
+                  <a:pt x="196" y="13119"/>
+                </a:moveTo>
+                <a:cubicBezTo>
+                  <a:pt x="126" y="13119"/>
+                  <a:pt x="56" y="13189"/>
+                  <a:pt x="56" y="13273"/>
+                </a:cubicBezTo>
+                <a:lnTo>
+                  <a:pt x="56" y="13259"/>
+                </a:lnTo>
+                <a:lnTo>
+                  <a:pt x="56" y="13259"/>
+                </a:lnTo>
+                <a:cubicBezTo>
+                  <a:pt x="43" y="13337"/>
+                  <a:pt x="102" y="13415"/>
+                  <a:pt x="178" y="13415"/>
+                </a:cubicBezTo>
+                <a:cubicBezTo>
+                  <a:pt x="184" y="13415"/>
+                  <a:pt x="190" y="13414"/>
+                  <a:pt x="196" y="13413"/>
+                </a:cubicBezTo>
+                <a:cubicBezTo>
+                  <a:pt x="280" y="13413"/>
+                  <a:pt x="350" y="13357"/>
+                  <a:pt x="350" y="13273"/>
+                </a:cubicBezTo>
+                <a:cubicBezTo>
+                  <a:pt x="350" y="13189"/>
+                  <a:pt x="280" y="13119"/>
+                  <a:pt x="196" y="13119"/>
+                </a:cubicBezTo>
+                <a:close/>
+                <a:moveTo>
+                  <a:pt x="196" y="14001"/>
+                </a:moveTo>
+                <a:cubicBezTo>
+                  <a:pt x="126" y="14001"/>
+                  <a:pt x="56" y="14071"/>
+                  <a:pt x="56" y="14155"/>
+                </a:cubicBezTo>
+                <a:lnTo>
+                  <a:pt x="56" y="14141"/>
+                </a:lnTo>
+                <a:lnTo>
+                  <a:pt x="56" y="14141"/>
+                </a:lnTo>
+                <a:cubicBezTo>
+                  <a:pt x="42" y="14225"/>
+                  <a:pt x="112" y="14295"/>
+                  <a:pt x="196" y="14295"/>
+                </a:cubicBezTo>
+                <a:cubicBezTo>
+                  <a:pt x="280" y="14295"/>
+                  <a:pt x="350" y="14225"/>
+                  <a:pt x="350" y="14155"/>
+                </a:cubicBezTo>
+                <a:cubicBezTo>
+                  <a:pt x="350" y="14071"/>
+                  <a:pt x="280" y="14001"/>
+                  <a:pt x="196" y="14001"/>
+                </a:cubicBezTo>
+                <a:close/>
+                <a:moveTo>
+                  <a:pt x="196" y="14869"/>
+                </a:moveTo>
+                <a:cubicBezTo>
+                  <a:pt x="126" y="14869"/>
+                  <a:pt x="56" y="14939"/>
+                  <a:pt x="56" y="15023"/>
+                </a:cubicBezTo>
+                <a:lnTo>
+                  <a:pt x="56" y="15009"/>
+                </a:lnTo>
+                <a:lnTo>
+                  <a:pt x="56" y="15009"/>
+                </a:lnTo>
+                <a:cubicBezTo>
+                  <a:pt x="43" y="15087"/>
+                  <a:pt x="102" y="15165"/>
+                  <a:pt x="178" y="15165"/>
+                </a:cubicBezTo>
+                <a:cubicBezTo>
+                  <a:pt x="184" y="15165"/>
+                  <a:pt x="190" y="15165"/>
+                  <a:pt x="196" y="15163"/>
+                </a:cubicBezTo>
+                <a:cubicBezTo>
+                  <a:pt x="280" y="15163"/>
+                  <a:pt x="350" y="15107"/>
+                  <a:pt x="350" y="15023"/>
+                </a:cubicBezTo>
+                <a:cubicBezTo>
+                  <a:pt x="350" y="14939"/>
+                  <a:pt x="280" y="14869"/>
+                  <a:pt x="196" y="14869"/>
+                </a:cubicBezTo>
+                <a:close/>
+                <a:moveTo>
+                  <a:pt x="196" y="15752"/>
+                </a:moveTo>
+                <a:cubicBezTo>
+                  <a:pt x="128" y="15752"/>
+                  <a:pt x="60" y="15818"/>
+                  <a:pt x="56" y="15899"/>
+                </a:cubicBezTo>
+                <a:cubicBezTo>
+                  <a:pt x="56" y="15896"/>
+                  <a:pt x="56" y="15894"/>
+                  <a:pt x="56" y="15892"/>
+                </a:cubicBezTo>
+                <a:lnTo>
+                  <a:pt x="56" y="15906"/>
+                </a:lnTo>
+                <a:cubicBezTo>
+                  <a:pt x="56" y="15903"/>
+                  <a:pt x="56" y="15901"/>
+                  <a:pt x="56" y="15899"/>
+                </a:cubicBezTo>
+                <a:lnTo>
+                  <a:pt x="56" y="15899"/>
+                </a:lnTo>
+                <a:cubicBezTo>
+                  <a:pt x="60" y="15979"/>
+                  <a:pt x="128" y="16046"/>
+                  <a:pt x="196" y="16046"/>
+                </a:cubicBezTo>
+                <a:cubicBezTo>
+                  <a:pt x="280" y="16046"/>
+                  <a:pt x="350" y="15976"/>
+                  <a:pt x="350" y="15906"/>
+                </a:cubicBezTo>
+                <a:cubicBezTo>
+                  <a:pt x="350" y="15822"/>
+                  <a:pt x="280" y="15752"/>
+                  <a:pt x="196" y="15752"/>
+                </a:cubicBezTo>
+                <a:close/>
+                <a:moveTo>
+                  <a:pt x="178" y="16632"/>
+                </a:moveTo>
+                <a:cubicBezTo>
+                  <a:pt x="115" y="16632"/>
+                  <a:pt x="56" y="16697"/>
+                  <a:pt x="56" y="16774"/>
+                </a:cubicBezTo>
+                <a:cubicBezTo>
+                  <a:pt x="56" y="16858"/>
+                  <a:pt x="126" y="16914"/>
+                  <a:pt x="196" y="16914"/>
+                </a:cubicBezTo>
+                <a:cubicBezTo>
+                  <a:pt x="280" y="16914"/>
+                  <a:pt x="350" y="16858"/>
+                  <a:pt x="350" y="16774"/>
+                </a:cubicBezTo>
+                <a:cubicBezTo>
+                  <a:pt x="350" y="16690"/>
+                  <a:pt x="280" y="16634"/>
+                  <a:pt x="196" y="16634"/>
+                </a:cubicBezTo>
+                <a:cubicBezTo>
+                  <a:pt x="190" y="16632"/>
+                  <a:pt x="184" y="16632"/>
+                  <a:pt x="178" y="16632"/>
+                </a:cubicBezTo>
+                <a:close/>
+              </a:path>
+            </a:pathLst>
+          </a:custGeom>
+          <a:solidFill>
+            <a:srgbClr val="303030"/>
+          </a:solidFill>
+          <a:ln>
+            <a:noFill/>
+          </a:ln>
+        </p:spPr>
+        <p:txBody>
+          <a:bodyPr spcFirstLastPara="1" wrap="square" lIns="91425" tIns="91425" rIns="91425" bIns="91425" anchor="ctr" anchorCtr="0">
+            <a:noAutofit/>
+          </a:bodyPr>
+          <a:lstStyle/>
+          <a:p>
+            <a:pPr>
+              <a:buClr>
+                <a:srgbClr val="000000"/>
+              </a:buClr>
+              <a:buFont typeface="Arial"/>
+              <a:buNone/>
+            </a:pPr>
+            <a:endParaRPr sz="1400" kern="0">
+              <a:solidFill>
+                <a:srgbClr val="000000"/>
+              </a:solidFill>
+              <a:latin typeface="Arial"/>
+              <a:cs typeface="Arial"/>
+              <a:sym typeface="Arial"/>
+            </a:endParaRPr>
+          </a:p>
+        </p:txBody>
+      </p:sp>
+      <p:sp>
+        <p:nvSpPr>
+          <p:cNvPr id="109" name="Google Shape;1131;p33">
+            <a:extLst>
+              <a:ext uri="{FF2B5EF4-FFF2-40B4-BE49-F238E27FC236}">
+                <a16:creationId xmlns:a16="http://schemas.microsoft.com/office/drawing/2014/main" id="{9D2A45AE-D678-4176-B3E6-8ACF867AA181}"/>
+              </a:ext>
+            </a:extLst>
+          </p:cNvPr>
+          <p:cNvSpPr/>
+          <p:nvPr/>
+        </p:nvSpPr>
+        <p:spPr>
+          <a:xfrm>
+            <a:off x="8175982" y="3207529"/>
+            <a:ext cx="422928" cy="406737"/>
+          </a:xfrm>
+          <a:custGeom>
+            <a:avLst/>
+            <a:gdLst/>
+            <a:ahLst/>
+            <a:cxnLst/>
+            <a:rect l="l" t="t" r="r" b="b"/>
+            <a:pathLst>
+              <a:path w="15934" h="15324" extrusionOk="0">
+                <a:moveTo>
+                  <a:pt x="8275" y="1"/>
+                </a:moveTo>
+                <a:cubicBezTo>
+                  <a:pt x="5167" y="1"/>
+                  <a:pt x="2381" y="1863"/>
+                  <a:pt x="1191" y="4733"/>
+                </a:cubicBezTo>
+                <a:cubicBezTo>
+                  <a:pt x="1" y="7590"/>
+                  <a:pt x="659" y="10880"/>
+                  <a:pt x="2857" y="13078"/>
+                </a:cubicBezTo>
+                <a:cubicBezTo>
+                  <a:pt x="4318" y="14548"/>
+                  <a:pt x="6280" y="15323"/>
+                  <a:pt x="8274" y="15323"/>
+                </a:cubicBezTo>
+                <a:cubicBezTo>
+                  <a:pt x="9261" y="15323"/>
+                  <a:pt x="10256" y="15134"/>
+                  <a:pt x="11201" y="14744"/>
+                </a:cubicBezTo>
+                <a:cubicBezTo>
+                  <a:pt x="14072" y="13554"/>
+                  <a:pt x="15934" y="10754"/>
+                  <a:pt x="15934" y="7660"/>
+                </a:cubicBezTo>
+                <a:cubicBezTo>
+                  <a:pt x="15934" y="3431"/>
+                  <a:pt x="12504" y="1"/>
+                  <a:pt x="8275" y="1"/>
+                </a:cubicBezTo>
+                <a:close/>
+              </a:path>
+            </a:pathLst>
+          </a:custGeom>
+          <a:gradFill>
+            <a:gsLst>
+              <a:gs pos="0">
+                <a:srgbClr val="A3D798"/>
+              </a:gs>
+              <a:gs pos="100000">
+                <a:srgbClr val="70C08D"/>
+              </a:gs>
+            </a:gsLst>
+            <a:lin ang="0" scaled="0"/>
+          </a:gradFill>
+          <a:ln>
+            <a:noFill/>
+          </a:ln>
+        </p:spPr>
+        <p:txBody>
+          <a:bodyPr spcFirstLastPara="1" wrap="square" lIns="91425" tIns="91425" rIns="91425" bIns="91425" anchor="ctr" anchorCtr="0">
+            <a:noAutofit/>
+          </a:bodyPr>
+          <a:lstStyle/>
+          <a:p>
+            <a:pPr marL="0" marR="0" lvl="0" indent="0" defTabSz="914400" eaLnBrk="1" fontAlgn="auto" latinLnBrk="0" hangingPunct="1">
+              <a:lnSpc>
+                <a:spcPct val="100000"/>
+              </a:lnSpc>
+              <a:spcBef>
+                <a:spcPts val="0"/>
+              </a:spcBef>
+              <a:spcAft>
+                <a:spcPts val="0"/>
+              </a:spcAft>
+              <a:buClr>
+                <a:srgbClr val="000000"/>
+              </a:buClr>
+              <a:buSzTx/>
+              <a:buFont typeface="Arial"/>
+              <a:buNone/>
+              <a:tabLst/>
+              <a:defRPr/>
+            </a:pPr>
+            <a:endParaRPr kumimoji="0" sz="1400" b="0" i="0" u="none" strike="noStrike" kern="0" cap="none" spc="0" normalizeH="0" baseline="0" noProof="0">
+              <a:ln>
+                <a:noFill/>
+              </a:ln>
+              <a:solidFill>
+                <a:srgbClr val="000000"/>
+              </a:solidFill>
+              <a:effectLst/>
+              <a:uLnTx/>
+              <a:uFillTx/>
+              <a:latin typeface="Arial"/>
+              <a:cs typeface="Arial"/>
+              <a:sym typeface="Arial"/>
+            </a:endParaRPr>
+          </a:p>
+        </p:txBody>
+      </p:sp>
+      <p:sp>
+        <p:nvSpPr>
+          <p:cNvPr id="110" name="Google Shape;1135;p33">
+            <a:extLst>
+              <a:ext uri="{FF2B5EF4-FFF2-40B4-BE49-F238E27FC236}">
+                <a16:creationId xmlns:a16="http://schemas.microsoft.com/office/drawing/2014/main" id="{ADC4D237-84CE-422D-AD8C-3D2EAFD4E000}"/>
+              </a:ext>
+            </a:extLst>
+          </p:cNvPr>
+          <p:cNvSpPr/>
+          <p:nvPr/>
+        </p:nvSpPr>
+        <p:spPr>
+          <a:xfrm>
+            <a:off x="8154957" y="3172081"/>
+            <a:ext cx="423000" cy="423000"/>
+          </a:xfrm>
+          <a:prstGeom prst="ellipse">
+            <a:avLst/>
+          </a:prstGeom>
+          <a:noFill/>
+          <a:ln w="9525" cap="flat" cmpd="sng">
+            <a:solidFill>
+              <a:srgbClr val="000000"/>
+            </a:solidFill>
+            <a:prstDash val="solid"/>
+            <a:round/>
+            <a:headEnd type="none" w="sm" len="sm"/>
+            <a:tailEnd type="none" w="sm" len="sm"/>
+          </a:ln>
+        </p:spPr>
+        <p:txBody>
+          <a:bodyPr spcFirstLastPara="1" wrap="square" lIns="91425" tIns="91425" rIns="91425" bIns="91425" anchor="ctr" anchorCtr="0">
+            <a:noAutofit/>
+          </a:bodyPr>
+          <a:lstStyle/>
+          <a:p>
+            <a:pPr marL="0" marR="0" lvl="0" indent="0" defTabSz="914400" eaLnBrk="1" fontAlgn="auto" latinLnBrk="0" hangingPunct="1">
+              <a:lnSpc>
+                <a:spcPct val="100000"/>
+              </a:lnSpc>
+              <a:spcBef>
+                <a:spcPts val="0"/>
+              </a:spcBef>
+              <a:spcAft>
+                <a:spcPts val="0"/>
+              </a:spcAft>
+              <a:buClr>
+                <a:srgbClr val="000000"/>
+              </a:buClr>
+              <a:buSzTx/>
+              <a:buFont typeface="Arial"/>
+              <a:buNone/>
+              <a:tabLst/>
+              <a:defRPr/>
+            </a:pPr>
+            <a:endParaRPr kumimoji="0" sz="1400" b="0" i="0" u="none" strike="noStrike" kern="0" cap="none" spc="0" normalizeH="0" baseline="0" noProof="0">
+              <a:ln>
+                <a:noFill/>
+              </a:ln>
+              <a:solidFill>
+                <a:srgbClr val="000000"/>
+              </a:solidFill>
+              <a:effectLst/>
+              <a:uLnTx/>
+              <a:uFillTx/>
+              <a:latin typeface="Arial"/>
+              <a:cs typeface="Arial"/>
+              <a:sym typeface="Arial"/>
+            </a:endParaRPr>
+          </a:p>
+        </p:txBody>
+      </p:sp>
+      <p:sp>
+        <p:nvSpPr>
+          <p:cNvPr id="111" name="Google Shape;1112;p33">
+            <a:extLst>
+              <a:ext uri="{FF2B5EF4-FFF2-40B4-BE49-F238E27FC236}">
+                <a16:creationId xmlns:a16="http://schemas.microsoft.com/office/drawing/2014/main" id="{4EBA184B-58FD-4940-B77F-50AC07B6F70D}"/>
+              </a:ext>
+            </a:extLst>
+          </p:cNvPr>
+          <p:cNvSpPr/>
+          <p:nvPr/>
+        </p:nvSpPr>
+        <p:spPr>
+          <a:xfrm>
+            <a:off x="8272597" y="2552005"/>
+            <a:ext cx="213349" cy="182904"/>
+          </a:xfrm>
+          <a:custGeom>
+            <a:avLst/>
+            <a:gdLst/>
+            <a:ahLst/>
+            <a:cxnLst/>
+            <a:rect l="l" t="t" r="r" b="b"/>
+            <a:pathLst>
+              <a:path w="8038" h="6891" extrusionOk="0">
+                <a:moveTo>
+                  <a:pt x="4607" y="1"/>
+                </a:moveTo>
+                <a:cubicBezTo>
+                  <a:pt x="1541" y="1"/>
+                  <a:pt x="1" y="3711"/>
+                  <a:pt x="2171" y="5881"/>
+                </a:cubicBezTo>
+                <a:cubicBezTo>
+                  <a:pt x="2872" y="6578"/>
+                  <a:pt x="3733" y="6890"/>
+                  <a:pt x="4577" y="6890"/>
+                </a:cubicBezTo>
+                <a:cubicBezTo>
+                  <a:pt x="6344" y="6890"/>
+                  <a:pt x="8038" y="5520"/>
+                  <a:pt x="8038" y="3445"/>
+                </a:cubicBezTo>
+                <a:cubicBezTo>
+                  <a:pt x="8038" y="1541"/>
+                  <a:pt x="6497" y="1"/>
+                  <a:pt x="4607" y="1"/>
+                </a:cubicBezTo>
+                <a:close/>
+              </a:path>
+            </a:pathLst>
+          </a:custGeom>
+          <a:gradFill>
+            <a:gsLst>
+              <a:gs pos="0">
+                <a:srgbClr val="A3D798"/>
+              </a:gs>
+              <a:gs pos="100000">
+                <a:srgbClr val="70C08D"/>
+              </a:gs>
+            </a:gsLst>
+            <a:lin ang="0" scaled="0"/>
+          </a:gradFill>
+          <a:ln>
+            <a:noFill/>
+          </a:ln>
+        </p:spPr>
+        <p:txBody>
+          <a:bodyPr spcFirstLastPara="1" wrap="square" lIns="91425" tIns="91425" rIns="91425" bIns="91425" anchor="ctr" anchorCtr="0">
+            <a:noAutofit/>
+          </a:bodyPr>
+          <a:lstStyle/>
+          <a:p>
+            <a:pPr marL="0" marR="0" lvl="0" indent="0" defTabSz="914400" eaLnBrk="1" fontAlgn="auto" latinLnBrk="0" hangingPunct="1">
+              <a:lnSpc>
+                <a:spcPct val="100000"/>
+              </a:lnSpc>
+              <a:spcBef>
+                <a:spcPts val="0"/>
+              </a:spcBef>
+              <a:spcAft>
+                <a:spcPts val="0"/>
+              </a:spcAft>
+              <a:buClr>
+                <a:srgbClr val="000000"/>
+              </a:buClr>
+              <a:buSzTx/>
+              <a:buFont typeface="Arial"/>
+              <a:buNone/>
+              <a:tabLst/>
+              <a:defRPr/>
+            </a:pPr>
+            <a:r>
+              <a:rPr kumimoji="0" lang="en" sz="1400" b="0" i="0" u="none" strike="noStrike" kern="0" cap="none" spc="0" normalizeH="0" baseline="0" noProof="0">
+                <a:ln>
+                  <a:noFill/>
+                </a:ln>
+                <a:solidFill>
+                  <a:srgbClr val="000000"/>
+                </a:solidFill>
+                <a:effectLst/>
+                <a:uLnTx/>
+                <a:uFillTx/>
+                <a:latin typeface="Arial"/>
+                <a:cs typeface="Arial"/>
+                <a:sym typeface="Arial"/>
+              </a:rPr>
+              <a:t>  </a:t>
+            </a:r>
+            <a:endParaRPr kumimoji="0" sz="1400" b="0" i="0" u="none" strike="noStrike" kern="0" cap="none" spc="0" normalizeH="0" baseline="0" noProof="0">
+              <a:ln>
+                <a:noFill/>
+              </a:ln>
+              <a:solidFill>
+                <a:srgbClr val="000000"/>
+              </a:solidFill>
+              <a:effectLst/>
+              <a:uLnTx/>
+              <a:uFillTx/>
+              <a:latin typeface="Arial"/>
+              <a:cs typeface="Arial"/>
+              <a:sym typeface="Arial"/>
+            </a:endParaRPr>
+          </a:p>
+        </p:txBody>
+      </p:sp>
+      <p:sp>
+        <p:nvSpPr>
+          <p:cNvPr id="112" name="Google Shape;1113;p33">
+            <a:extLst>
+              <a:ext uri="{FF2B5EF4-FFF2-40B4-BE49-F238E27FC236}">
+                <a16:creationId xmlns:a16="http://schemas.microsoft.com/office/drawing/2014/main" id="{B252DA75-42F3-4649-A99B-0F9D86E2D938}"/>
+              </a:ext>
+            </a:extLst>
+          </p:cNvPr>
+          <p:cNvSpPr/>
+          <p:nvPr/>
+        </p:nvSpPr>
+        <p:spPr>
+          <a:xfrm>
+            <a:off x="8245099" y="2525489"/>
+            <a:ext cx="222638" cy="190814"/>
+          </a:xfrm>
+          <a:custGeom>
+            <a:avLst/>
+            <a:gdLst/>
+            <a:ahLst/>
+            <a:cxnLst/>
+            <a:rect l="l" t="t" r="r" b="b"/>
+            <a:pathLst>
+              <a:path w="8388" h="7189" extrusionOk="0">
+                <a:moveTo>
+                  <a:pt x="4803" y="300"/>
+                </a:moveTo>
+                <a:cubicBezTo>
+                  <a:pt x="6609" y="314"/>
+                  <a:pt x="8079" y="1770"/>
+                  <a:pt x="8093" y="3590"/>
+                </a:cubicBezTo>
+                <a:cubicBezTo>
+                  <a:pt x="8093" y="5580"/>
+                  <a:pt x="6470" y="6897"/>
+                  <a:pt x="4774" y="6897"/>
+                </a:cubicBezTo>
+                <a:cubicBezTo>
+                  <a:pt x="3965" y="6897"/>
+                  <a:pt x="3139" y="6597"/>
+                  <a:pt x="2465" y="5928"/>
+                </a:cubicBezTo>
+                <a:cubicBezTo>
+                  <a:pt x="393" y="3856"/>
+                  <a:pt x="1863" y="300"/>
+                  <a:pt x="4803" y="300"/>
+                </a:cubicBezTo>
+                <a:close/>
+                <a:moveTo>
+                  <a:pt x="4762" y="1"/>
+                </a:moveTo>
+                <a:cubicBezTo>
+                  <a:pt x="3881" y="1"/>
+                  <a:pt x="2984" y="327"/>
+                  <a:pt x="2255" y="1056"/>
+                </a:cubicBezTo>
+                <a:cubicBezTo>
+                  <a:pt x="1" y="3324"/>
+                  <a:pt x="1597" y="7188"/>
+                  <a:pt x="4803" y="7188"/>
+                </a:cubicBezTo>
+                <a:cubicBezTo>
+                  <a:pt x="6777" y="7174"/>
+                  <a:pt x="8387" y="5578"/>
+                  <a:pt x="8387" y="3590"/>
+                </a:cubicBezTo>
+                <a:cubicBezTo>
+                  <a:pt x="8378" y="1430"/>
+                  <a:pt x="6606" y="1"/>
+                  <a:pt x="4762" y="1"/>
+                </a:cubicBezTo>
+                <a:close/>
+              </a:path>
+            </a:pathLst>
+          </a:custGeom>
+          <a:solidFill>
+            <a:srgbClr val="303030"/>
+          </a:solidFill>
+          <a:ln>
+            <a:noFill/>
+          </a:ln>
+        </p:spPr>
+        <p:txBody>
+          <a:bodyPr spcFirstLastPara="1" wrap="square" lIns="91425" tIns="91425" rIns="91425" bIns="91425" anchor="ctr" anchorCtr="0">
+            <a:noAutofit/>
+          </a:bodyPr>
+          <a:lstStyle/>
+          <a:p>
+            <a:pPr>
+              <a:buClr>
+                <a:srgbClr val="000000"/>
+              </a:buClr>
+              <a:buFont typeface="Arial"/>
+              <a:buNone/>
+            </a:pPr>
+            <a:endParaRPr sz="1400" kern="0">
+              <a:solidFill>
+                <a:srgbClr val="000000"/>
+              </a:solidFill>
+              <a:latin typeface="Arial"/>
+              <a:cs typeface="Arial"/>
+              <a:sym typeface="Arial"/>
+            </a:endParaRPr>
+          </a:p>
+        </p:txBody>
+      </p:sp>
+      <p:sp>
+        <p:nvSpPr>
+          <p:cNvPr id="114" name="Google Shape;1558;p38">
+            <a:extLst>
+              <a:ext uri="{FF2B5EF4-FFF2-40B4-BE49-F238E27FC236}">
+                <a16:creationId xmlns:a16="http://schemas.microsoft.com/office/drawing/2014/main" id="{89D4D7B0-58D4-48DE-A7BD-7E3104DDD324}"/>
+              </a:ext>
+            </a:extLst>
+          </p:cNvPr>
+          <p:cNvSpPr/>
+          <p:nvPr/>
+        </p:nvSpPr>
+        <p:spPr>
+          <a:xfrm>
+            <a:off x="8268609" y="3281625"/>
+            <a:ext cx="195693" cy="216472"/>
+          </a:xfrm>
+          <a:custGeom>
+            <a:avLst/>
+            <a:gdLst/>
+            <a:ahLst/>
+            <a:cxnLst/>
+            <a:rect l="l" t="t" r="r" b="b"/>
+            <a:pathLst>
+              <a:path w="11059" h="12666" extrusionOk="0">
+                <a:moveTo>
+                  <a:pt x="4285" y="789"/>
+                </a:moveTo>
+                <a:cubicBezTo>
+                  <a:pt x="4758" y="789"/>
+                  <a:pt x="5136" y="1135"/>
+                  <a:pt x="5136" y="1608"/>
+                </a:cubicBezTo>
+                <a:lnTo>
+                  <a:pt x="5136" y="4128"/>
+                </a:lnTo>
+                <a:cubicBezTo>
+                  <a:pt x="4190" y="4317"/>
+                  <a:pt x="3466" y="5168"/>
+                  <a:pt x="3466" y="6144"/>
+                </a:cubicBezTo>
+                <a:cubicBezTo>
+                  <a:pt x="3466" y="6365"/>
+                  <a:pt x="3655" y="6585"/>
+                  <a:pt x="3907" y="6585"/>
+                </a:cubicBezTo>
+                <a:cubicBezTo>
+                  <a:pt x="4127" y="6585"/>
+                  <a:pt x="4285" y="6365"/>
+                  <a:pt x="4285" y="6144"/>
+                </a:cubicBezTo>
+                <a:cubicBezTo>
+                  <a:pt x="4285" y="5577"/>
+                  <a:pt x="4663" y="5168"/>
+                  <a:pt x="5136" y="4947"/>
+                </a:cubicBezTo>
+                <a:lnTo>
+                  <a:pt x="5136" y="8192"/>
+                </a:lnTo>
+                <a:cubicBezTo>
+                  <a:pt x="5136" y="8665"/>
+                  <a:pt x="4758" y="9011"/>
+                  <a:pt x="4285" y="9011"/>
+                </a:cubicBezTo>
+                <a:cubicBezTo>
+                  <a:pt x="3938" y="9011"/>
+                  <a:pt x="3592" y="8791"/>
+                  <a:pt x="3497" y="8381"/>
+                </a:cubicBezTo>
+                <a:cubicBezTo>
+                  <a:pt x="3434" y="8318"/>
+                  <a:pt x="3277" y="8192"/>
+                  <a:pt x="3119" y="8192"/>
+                </a:cubicBezTo>
+                <a:cubicBezTo>
+                  <a:pt x="2962" y="8192"/>
+                  <a:pt x="2899" y="8255"/>
+                  <a:pt x="2647" y="8255"/>
+                </a:cubicBezTo>
+                <a:cubicBezTo>
+                  <a:pt x="1544" y="8255"/>
+                  <a:pt x="1544" y="6617"/>
+                  <a:pt x="2647" y="6617"/>
+                </a:cubicBezTo>
+                <a:cubicBezTo>
+                  <a:pt x="2867" y="6617"/>
+                  <a:pt x="3025" y="6428"/>
+                  <a:pt x="3025" y="6176"/>
+                </a:cubicBezTo>
+                <a:cubicBezTo>
+                  <a:pt x="3025" y="5955"/>
+                  <a:pt x="2836" y="5735"/>
+                  <a:pt x="2647" y="5735"/>
+                </a:cubicBezTo>
+                <a:cubicBezTo>
+                  <a:pt x="2080" y="5735"/>
+                  <a:pt x="1607" y="6018"/>
+                  <a:pt x="1292" y="6428"/>
+                </a:cubicBezTo>
+                <a:cubicBezTo>
+                  <a:pt x="1103" y="6270"/>
+                  <a:pt x="977" y="6018"/>
+                  <a:pt x="977" y="5735"/>
+                </a:cubicBezTo>
+                <a:cubicBezTo>
+                  <a:pt x="977" y="5483"/>
+                  <a:pt x="1103" y="5325"/>
+                  <a:pt x="1166" y="5199"/>
+                </a:cubicBezTo>
+                <a:cubicBezTo>
+                  <a:pt x="1323" y="5042"/>
+                  <a:pt x="1323" y="4790"/>
+                  <a:pt x="1166" y="4632"/>
+                </a:cubicBezTo>
+                <a:cubicBezTo>
+                  <a:pt x="662" y="4097"/>
+                  <a:pt x="1103" y="3277"/>
+                  <a:pt x="1828" y="3277"/>
+                </a:cubicBezTo>
+                <a:cubicBezTo>
+                  <a:pt x="2048" y="3277"/>
+                  <a:pt x="2237" y="3340"/>
+                  <a:pt x="2395" y="3498"/>
+                </a:cubicBezTo>
+                <a:cubicBezTo>
+                  <a:pt x="2473" y="3577"/>
+                  <a:pt x="2584" y="3616"/>
+                  <a:pt x="2694" y="3616"/>
+                </a:cubicBezTo>
+                <a:cubicBezTo>
+                  <a:pt x="2804" y="3616"/>
+                  <a:pt x="2914" y="3577"/>
+                  <a:pt x="2993" y="3498"/>
+                </a:cubicBezTo>
+                <a:cubicBezTo>
+                  <a:pt x="3151" y="3340"/>
+                  <a:pt x="3151" y="3057"/>
+                  <a:pt x="2993" y="2899"/>
+                </a:cubicBezTo>
+                <a:cubicBezTo>
+                  <a:pt x="2678" y="2584"/>
+                  <a:pt x="2269" y="2427"/>
+                  <a:pt x="1828" y="2427"/>
+                </a:cubicBezTo>
+                <a:cubicBezTo>
+                  <a:pt x="1828" y="1954"/>
+                  <a:pt x="2174" y="1608"/>
+                  <a:pt x="2647" y="1608"/>
+                </a:cubicBezTo>
+                <a:cubicBezTo>
+                  <a:pt x="2773" y="1608"/>
+                  <a:pt x="2836" y="1639"/>
+                  <a:pt x="2962" y="1702"/>
+                </a:cubicBezTo>
+                <a:cubicBezTo>
+                  <a:pt x="3000" y="1713"/>
+                  <a:pt x="3040" y="1718"/>
+                  <a:pt x="3079" y="1718"/>
+                </a:cubicBezTo>
+                <a:cubicBezTo>
+                  <a:pt x="3264" y="1718"/>
+                  <a:pt x="3445" y="1601"/>
+                  <a:pt x="3497" y="1419"/>
+                </a:cubicBezTo>
+                <a:cubicBezTo>
+                  <a:pt x="3592" y="1072"/>
+                  <a:pt x="3938" y="789"/>
+                  <a:pt x="4285" y="789"/>
+                </a:cubicBezTo>
+                <a:close/>
+                <a:moveTo>
+                  <a:pt x="6711" y="915"/>
+                </a:moveTo>
+                <a:cubicBezTo>
+                  <a:pt x="7057" y="915"/>
+                  <a:pt x="7404" y="1135"/>
+                  <a:pt x="7498" y="1545"/>
+                </a:cubicBezTo>
+                <a:cubicBezTo>
+                  <a:pt x="7547" y="1715"/>
+                  <a:pt x="7708" y="1828"/>
+                  <a:pt x="7880" y="1828"/>
+                </a:cubicBezTo>
+                <a:cubicBezTo>
+                  <a:pt x="7931" y="1828"/>
+                  <a:pt x="7983" y="1818"/>
+                  <a:pt x="8034" y="1797"/>
+                </a:cubicBezTo>
+                <a:cubicBezTo>
+                  <a:pt x="8160" y="1765"/>
+                  <a:pt x="8223" y="1734"/>
+                  <a:pt x="8349" y="1734"/>
+                </a:cubicBezTo>
+                <a:cubicBezTo>
+                  <a:pt x="8822" y="1734"/>
+                  <a:pt x="9168" y="2080"/>
+                  <a:pt x="9168" y="2553"/>
+                </a:cubicBezTo>
+                <a:cubicBezTo>
+                  <a:pt x="8759" y="2553"/>
+                  <a:pt x="8318" y="2710"/>
+                  <a:pt x="8003" y="3025"/>
+                </a:cubicBezTo>
+                <a:cubicBezTo>
+                  <a:pt x="7845" y="3183"/>
+                  <a:pt x="7845" y="3467"/>
+                  <a:pt x="8003" y="3624"/>
+                </a:cubicBezTo>
+                <a:cubicBezTo>
+                  <a:pt x="8081" y="3703"/>
+                  <a:pt x="8192" y="3742"/>
+                  <a:pt x="8302" y="3742"/>
+                </a:cubicBezTo>
+                <a:cubicBezTo>
+                  <a:pt x="8412" y="3742"/>
+                  <a:pt x="8522" y="3703"/>
+                  <a:pt x="8601" y="3624"/>
+                </a:cubicBezTo>
+                <a:cubicBezTo>
+                  <a:pt x="8759" y="3467"/>
+                  <a:pt x="8948" y="3372"/>
+                  <a:pt x="9168" y="3372"/>
+                </a:cubicBezTo>
+                <a:cubicBezTo>
+                  <a:pt x="9893" y="3372"/>
+                  <a:pt x="10271" y="4191"/>
+                  <a:pt x="9798" y="4758"/>
+                </a:cubicBezTo>
+                <a:cubicBezTo>
+                  <a:pt x="9735" y="4853"/>
+                  <a:pt x="9735" y="5073"/>
+                  <a:pt x="9830" y="5231"/>
+                </a:cubicBezTo>
+                <a:cubicBezTo>
+                  <a:pt x="9956" y="5357"/>
+                  <a:pt x="10050" y="5514"/>
+                  <a:pt x="10050" y="5798"/>
+                </a:cubicBezTo>
+                <a:cubicBezTo>
+                  <a:pt x="10050" y="6050"/>
+                  <a:pt x="9924" y="6302"/>
+                  <a:pt x="9735" y="6459"/>
+                </a:cubicBezTo>
+                <a:cubicBezTo>
+                  <a:pt x="9420" y="6050"/>
+                  <a:pt x="8948" y="5798"/>
+                  <a:pt x="8381" y="5798"/>
+                </a:cubicBezTo>
+                <a:cubicBezTo>
+                  <a:pt x="8160" y="5798"/>
+                  <a:pt x="8003" y="5987"/>
+                  <a:pt x="8003" y="6207"/>
+                </a:cubicBezTo>
+                <a:cubicBezTo>
+                  <a:pt x="8003" y="6459"/>
+                  <a:pt x="8192" y="6648"/>
+                  <a:pt x="8381" y="6648"/>
+                </a:cubicBezTo>
+                <a:cubicBezTo>
+                  <a:pt x="9483" y="6648"/>
+                  <a:pt x="9483" y="8318"/>
+                  <a:pt x="8381" y="8318"/>
+                </a:cubicBezTo>
+                <a:cubicBezTo>
+                  <a:pt x="8255" y="8318"/>
+                  <a:pt x="8192" y="8255"/>
+                  <a:pt x="8066" y="8224"/>
+                </a:cubicBezTo>
+                <a:cubicBezTo>
+                  <a:pt x="8021" y="8211"/>
+                  <a:pt x="7976" y="8205"/>
+                  <a:pt x="7931" y="8205"/>
+                </a:cubicBezTo>
+                <a:cubicBezTo>
+                  <a:pt x="7752" y="8205"/>
+                  <a:pt x="7580" y="8306"/>
+                  <a:pt x="7530" y="8507"/>
+                </a:cubicBezTo>
+                <a:cubicBezTo>
+                  <a:pt x="7435" y="8854"/>
+                  <a:pt x="7089" y="9137"/>
+                  <a:pt x="6742" y="9137"/>
+                </a:cubicBezTo>
+                <a:cubicBezTo>
+                  <a:pt x="6270" y="9137"/>
+                  <a:pt x="5892" y="8759"/>
+                  <a:pt x="5892" y="8318"/>
+                </a:cubicBezTo>
+                <a:lnTo>
+                  <a:pt x="5892" y="5073"/>
+                </a:lnTo>
+                <a:cubicBezTo>
+                  <a:pt x="6364" y="5231"/>
+                  <a:pt x="6742" y="5703"/>
+                  <a:pt x="6742" y="6270"/>
+                </a:cubicBezTo>
+                <a:cubicBezTo>
+                  <a:pt x="6742" y="6491"/>
+                  <a:pt x="6931" y="6680"/>
+                  <a:pt x="7120" y="6680"/>
+                </a:cubicBezTo>
+                <a:cubicBezTo>
+                  <a:pt x="7341" y="6680"/>
+                  <a:pt x="7530" y="6491"/>
+                  <a:pt x="7530" y="6270"/>
+                </a:cubicBezTo>
+                <a:cubicBezTo>
+                  <a:pt x="7530" y="5262"/>
+                  <a:pt x="6805" y="4412"/>
+                  <a:pt x="5860" y="4254"/>
+                </a:cubicBezTo>
+                <a:lnTo>
+                  <a:pt x="5860" y="1734"/>
+                </a:lnTo>
+                <a:cubicBezTo>
+                  <a:pt x="5860" y="1261"/>
+                  <a:pt x="6207" y="915"/>
+                  <a:pt x="6711" y="915"/>
+                </a:cubicBezTo>
+                <a:close/>
+                <a:moveTo>
+                  <a:pt x="5514" y="9358"/>
+                </a:moveTo>
+                <a:cubicBezTo>
+                  <a:pt x="5829" y="9736"/>
+                  <a:pt x="6270" y="9925"/>
+                  <a:pt x="6774" y="9925"/>
+                </a:cubicBezTo>
+                <a:lnTo>
+                  <a:pt x="6774" y="10209"/>
+                </a:lnTo>
+                <a:lnTo>
+                  <a:pt x="4285" y="10209"/>
+                </a:lnTo>
+                <a:lnTo>
+                  <a:pt x="4285" y="9925"/>
+                </a:lnTo>
+                <a:cubicBezTo>
+                  <a:pt x="4789" y="9925"/>
+                  <a:pt x="5230" y="9673"/>
+                  <a:pt x="5514" y="9358"/>
+                </a:cubicBezTo>
+                <a:close/>
+                <a:moveTo>
+                  <a:pt x="6648" y="11028"/>
+                </a:moveTo>
+                <a:cubicBezTo>
+                  <a:pt x="6522" y="11500"/>
+                  <a:pt x="6049" y="11847"/>
+                  <a:pt x="5514" y="11847"/>
+                </a:cubicBezTo>
+                <a:cubicBezTo>
+                  <a:pt x="4978" y="11847"/>
+                  <a:pt x="4537" y="11500"/>
+                  <a:pt x="4316" y="11028"/>
+                </a:cubicBezTo>
+                <a:close/>
+                <a:moveTo>
+                  <a:pt x="4285" y="1"/>
+                </a:moveTo>
+                <a:cubicBezTo>
+                  <a:pt x="3686" y="1"/>
+                  <a:pt x="3151" y="316"/>
+                  <a:pt x="2867" y="820"/>
+                </a:cubicBezTo>
+                <a:cubicBezTo>
+                  <a:pt x="2796" y="811"/>
+                  <a:pt x="2724" y="806"/>
+                  <a:pt x="2654" y="806"/>
+                </a:cubicBezTo>
+                <a:cubicBezTo>
+                  <a:pt x="1762" y="806"/>
+                  <a:pt x="977" y="1526"/>
+                  <a:pt x="977" y="2490"/>
+                </a:cubicBezTo>
+                <a:lnTo>
+                  <a:pt x="977" y="2679"/>
+                </a:lnTo>
+                <a:cubicBezTo>
+                  <a:pt x="851" y="2742"/>
+                  <a:pt x="756" y="2836"/>
+                  <a:pt x="630" y="2962"/>
+                </a:cubicBezTo>
+                <a:cubicBezTo>
+                  <a:pt x="63" y="3498"/>
+                  <a:pt x="0" y="4286"/>
+                  <a:pt x="347" y="4947"/>
+                </a:cubicBezTo>
+                <a:cubicBezTo>
+                  <a:pt x="189" y="5199"/>
+                  <a:pt x="126" y="5514"/>
+                  <a:pt x="126" y="5766"/>
+                </a:cubicBezTo>
+                <a:cubicBezTo>
+                  <a:pt x="126" y="6365"/>
+                  <a:pt x="441" y="6932"/>
+                  <a:pt x="945" y="7184"/>
+                </a:cubicBezTo>
+                <a:cubicBezTo>
+                  <a:pt x="819" y="8192"/>
+                  <a:pt x="1576" y="9043"/>
+                  <a:pt x="2584" y="9043"/>
+                </a:cubicBezTo>
+                <a:lnTo>
+                  <a:pt x="2836" y="9043"/>
+                </a:lnTo>
+                <a:cubicBezTo>
+                  <a:pt x="2993" y="9326"/>
+                  <a:pt x="3182" y="9515"/>
+                  <a:pt x="3434" y="9673"/>
+                </a:cubicBezTo>
+                <a:lnTo>
+                  <a:pt x="3434" y="10587"/>
+                </a:lnTo>
+                <a:cubicBezTo>
+                  <a:pt x="3434" y="11721"/>
+                  <a:pt x="4379" y="12666"/>
+                  <a:pt x="5514" y="12666"/>
+                </a:cubicBezTo>
+                <a:cubicBezTo>
+                  <a:pt x="6648" y="12666"/>
+                  <a:pt x="7593" y="11721"/>
+                  <a:pt x="7593" y="10587"/>
+                </a:cubicBezTo>
+                <a:lnTo>
+                  <a:pt x="7593" y="9673"/>
+                </a:lnTo>
+                <a:cubicBezTo>
+                  <a:pt x="7845" y="9515"/>
+                  <a:pt x="8066" y="9326"/>
+                  <a:pt x="8192" y="9043"/>
+                </a:cubicBezTo>
+                <a:lnTo>
+                  <a:pt x="8444" y="9043"/>
+                </a:lnTo>
+                <a:cubicBezTo>
+                  <a:pt x="9420" y="9043"/>
+                  <a:pt x="10208" y="8129"/>
+                  <a:pt x="10082" y="7153"/>
+                </a:cubicBezTo>
+                <a:cubicBezTo>
+                  <a:pt x="10586" y="6869"/>
+                  <a:pt x="10901" y="6333"/>
+                  <a:pt x="10901" y="5735"/>
+                </a:cubicBezTo>
+                <a:cubicBezTo>
+                  <a:pt x="10901" y="5451"/>
+                  <a:pt x="10838" y="5136"/>
+                  <a:pt x="10680" y="4916"/>
+                </a:cubicBezTo>
+                <a:cubicBezTo>
+                  <a:pt x="11059" y="4317"/>
+                  <a:pt x="10933" y="3498"/>
+                  <a:pt x="10428" y="2962"/>
+                </a:cubicBezTo>
+                <a:cubicBezTo>
+                  <a:pt x="10302" y="2836"/>
+                  <a:pt x="10208" y="2742"/>
+                  <a:pt x="10082" y="2679"/>
+                </a:cubicBezTo>
+                <a:lnTo>
+                  <a:pt x="10082" y="2490"/>
+                </a:lnTo>
+                <a:cubicBezTo>
+                  <a:pt x="10082" y="1576"/>
+                  <a:pt x="9326" y="820"/>
+                  <a:pt x="8444" y="820"/>
+                </a:cubicBezTo>
+                <a:lnTo>
+                  <a:pt x="8192" y="820"/>
+                </a:lnTo>
+                <a:cubicBezTo>
+                  <a:pt x="7908" y="316"/>
+                  <a:pt x="7372" y="1"/>
+                  <a:pt x="6774" y="1"/>
+                </a:cubicBezTo>
+                <a:cubicBezTo>
+                  <a:pt x="6270" y="1"/>
+                  <a:pt x="5829" y="222"/>
+                  <a:pt x="5514" y="537"/>
+                </a:cubicBezTo>
+                <a:cubicBezTo>
+                  <a:pt x="5199" y="190"/>
+                  <a:pt x="4758" y="1"/>
+                  <a:pt x="4285" y="1"/>
+                </a:cubicBezTo>
+                <a:close/>
+              </a:path>
+            </a:pathLst>
+          </a:custGeom>
+          <a:solidFill>
+            <a:srgbClr val="FFFFFF"/>
+          </a:solidFill>
+          <a:ln w="3175">
+            <a:solidFill>
+              <a:srgbClr val="FFFFFF"/>
+            </a:solidFill>
+          </a:ln>
+        </p:spPr>
+        <p:txBody>
+          <a:bodyPr spcFirstLastPara="1" wrap="square" lIns="91425" tIns="91425" rIns="91425" bIns="91425" anchor="ctr" anchorCtr="0">
+            <a:noAutofit/>
+          </a:bodyPr>
+          <a:lstStyle/>
+          <a:p>
+            <a:pPr marL="0" marR="0" lvl="0" indent="0" defTabSz="914400" eaLnBrk="1" fontAlgn="auto" latinLnBrk="0" hangingPunct="1">
+              <a:lnSpc>
+                <a:spcPct val="100000"/>
+              </a:lnSpc>
+              <a:spcBef>
+                <a:spcPts val="0"/>
+              </a:spcBef>
+              <a:spcAft>
+                <a:spcPts val="0"/>
+              </a:spcAft>
+              <a:buClr>
+                <a:srgbClr val="000000"/>
+              </a:buClr>
+              <a:buSzTx/>
+              <a:buFont typeface="Arial"/>
+              <a:buNone/>
+              <a:tabLst/>
+              <a:defRPr/>
+            </a:pPr>
+            <a:endParaRPr kumimoji="0" sz="1400" b="0" i="0" u="none" strike="noStrike" kern="0" cap="none" spc="0" normalizeH="0" baseline="0" noProof="0">
+              <a:ln>
+                <a:noFill/>
+              </a:ln>
+              <a:solidFill>
+                <a:srgbClr val="000000"/>
+              </a:solidFill>
+              <a:effectLst/>
+              <a:uLnTx/>
+              <a:uFillTx/>
+              <a:latin typeface="Arial"/>
+              <a:cs typeface="Arial"/>
+              <a:sym typeface="Arial"/>
+            </a:endParaRPr>
+          </a:p>
+        </p:txBody>
+      </p:sp>
+      <p:sp>
+        <p:nvSpPr>
+          <p:cNvPr id="115" name="Google Shape;1173;p33">
+            <a:extLst>
+              <a:ext uri="{FF2B5EF4-FFF2-40B4-BE49-F238E27FC236}">
+                <a16:creationId xmlns:a16="http://schemas.microsoft.com/office/drawing/2014/main" id="{CD2563D6-7483-469E-AFA7-DED973EAE7E2}"/>
+              </a:ext>
+            </a:extLst>
+          </p:cNvPr>
+          <p:cNvSpPr/>
+          <p:nvPr/>
+        </p:nvSpPr>
+        <p:spPr>
+          <a:xfrm rot="10800000">
+            <a:off x="7873920" y="2875792"/>
+            <a:ext cx="459027" cy="250117"/>
+          </a:xfrm>
+          <a:custGeom>
+            <a:avLst/>
+            <a:gdLst/>
+            <a:ahLst/>
+            <a:cxnLst/>
+            <a:rect l="l" t="t" r="r" b="b"/>
+            <a:pathLst>
+              <a:path w="24139" h="8290" extrusionOk="0">
+                <a:moveTo>
+                  <a:pt x="23845" y="295"/>
+                </a:moveTo>
+                <a:lnTo>
+                  <a:pt x="23845" y="7995"/>
+                </a:lnTo>
+                <a:lnTo>
+                  <a:pt x="3445" y="7995"/>
+                </a:lnTo>
+                <a:lnTo>
+                  <a:pt x="3445" y="5783"/>
+                </a:lnTo>
+                <a:lnTo>
+                  <a:pt x="603" y="4145"/>
+                </a:lnTo>
+                <a:lnTo>
+                  <a:pt x="3445" y="2507"/>
+                </a:lnTo>
+                <a:lnTo>
+                  <a:pt x="3445" y="295"/>
+                </a:lnTo>
+                <a:close/>
+                <a:moveTo>
+                  <a:pt x="3151" y="1"/>
+                </a:moveTo>
+                <a:lnTo>
+                  <a:pt x="3151" y="2339"/>
+                </a:lnTo>
+                <a:lnTo>
+                  <a:pt x="1" y="4145"/>
+                </a:lnTo>
+                <a:lnTo>
+                  <a:pt x="3151" y="5951"/>
+                </a:lnTo>
+                <a:lnTo>
+                  <a:pt x="3151" y="8289"/>
+                </a:lnTo>
+                <a:lnTo>
+                  <a:pt x="24139" y="8289"/>
+                </a:lnTo>
+                <a:lnTo>
+                  <a:pt x="24139" y="1"/>
+                </a:lnTo>
+                <a:close/>
+              </a:path>
+            </a:pathLst>
+          </a:custGeom>
+          <a:solidFill>
+            <a:srgbClr val="303030"/>
+          </a:solidFill>
+          <a:ln>
+            <a:noFill/>
+          </a:ln>
+        </p:spPr>
+        <p:txBody>
+          <a:bodyPr spcFirstLastPara="1" wrap="square" lIns="91425" tIns="91425" rIns="91425" bIns="91425" anchor="ctr" anchorCtr="0">
+            <a:noAutofit/>
+          </a:bodyPr>
+          <a:lstStyle/>
+          <a:p>
+            <a:pPr>
+              <a:buClr>
+                <a:srgbClr val="000000"/>
+              </a:buClr>
+              <a:buFont typeface="Arial"/>
+              <a:buNone/>
+            </a:pPr>
+            <a:endParaRPr sz="1400" kern="0">
+              <a:solidFill>
+                <a:srgbClr val="000000"/>
+              </a:solidFill>
+              <a:latin typeface="Arial"/>
+              <a:cs typeface="Arial"/>
+              <a:sym typeface="Arial"/>
+            </a:endParaRPr>
+          </a:p>
+        </p:txBody>
+      </p:sp>
+      <p:sp>
+        <p:nvSpPr>
+          <p:cNvPr id="116" name="Google Shape;1178;p33">
+            <a:extLst>
+              <a:ext uri="{FF2B5EF4-FFF2-40B4-BE49-F238E27FC236}">
+                <a16:creationId xmlns:a16="http://schemas.microsoft.com/office/drawing/2014/main" id="{E0C6831D-9B18-47A9-A362-A0EF0D2DDBAF}"/>
+              </a:ext>
+            </a:extLst>
+          </p:cNvPr>
+          <p:cNvSpPr txBox="1"/>
+          <p:nvPr/>
+        </p:nvSpPr>
+        <p:spPr>
+          <a:xfrm>
+            <a:off x="7833429" y="2948488"/>
+            <a:ext cx="476668" cy="119690"/>
+          </a:xfrm>
+          <a:prstGeom prst="rect">
+            <a:avLst/>
+          </a:prstGeom>
+          <a:noFill/>
+          <a:ln>
+            <a:noFill/>
+          </a:ln>
+        </p:spPr>
+        <p:txBody>
+          <a:bodyPr spcFirstLastPara="1" wrap="square" lIns="91425" tIns="91425" rIns="91425" bIns="91425" anchor="ctr" anchorCtr="0">
+            <a:noAutofit/>
+          </a:bodyPr>
+          <a:lstStyle/>
+          <a:p>
+            <a:pPr algn="ctr">
+              <a:buClr>
+                <a:srgbClr val="000000"/>
+              </a:buClr>
+              <a:buFont typeface="Arial"/>
+              <a:buNone/>
+            </a:pPr>
+            <a:r>
+              <a:rPr lang="en" sz="1100" kern="0" dirty="0">
+                <a:solidFill>
+                  <a:srgbClr val="A3D798"/>
+                </a:solidFill>
+                <a:latin typeface="Fira Sans Extra Condensed Medium"/>
+                <a:ea typeface="Fira Sans Extra Condensed Medium"/>
+                <a:cs typeface="Fira Sans Extra Condensed Medium"/>
+                <a:sym typeface="Fira Sans Extra Condensed Medium"/>
+              </a:rPr>
+              <a:t>2024</a:t>
+            </a:r>
+            <a:endParaRPr sz="1100" kern="0" dirty="0">
+              <a:solidFill>
+                <a:srgbClr val="A3D798"/>
+              </a:solidFill>
+              <a:latin typeface="Fira Sans Extra Condensed Medium"/>
+              <a:ea typeface="Fira Sans Extra Condensed Medium"/>
+              <a:cs typeface="Fira Sans Extra Condensed Medium"/>
+              <a:sym typeface="Fira Sans Extra Condensed Medium"/>
+            </a:endParaRPr>
+          </a:p>
+        </p:txBody>
+      </p:sp>
+      <p:sp>
+        <p:nvSpPr>
+          <p:cNvPr id="117" name="Google Shape;1171;p33">
+            <a:extLst>
+              <a:ext uri="{FF2B5EF4-FFF2-40B4-BE49-F238E27FC236}">
+                <a16:creationId xmlns:a16="http://schemas.microsoft.com/office/drawing/2014/main" id="{0018CC75-04DE-42BC-AD46-F1E01B30660D}"/>
+              </a:ext>
+            </a:extLst>
+          </p:cNvPr>
+          <p:cNvSpPr txBox="1"/>
+          <p:nvPr/>
+        </p:nvSpPr>
+        <p:spPr>
+          <a:xfrm>
+            <a:off x="7868747" y="3616239"/>
+            <a:ext cx="1015153" cy="469603"/>
+          </a:xfrm>
+          <a:prstGeom prst="rect">
+            <a:avLst/>
+          </a:prstGeom>
+          <a:noFill/>
+          <a:ln>
+            <a:noFill/>
+          </a:ln>
+        </p:spPr>
+        <p:txBody>
+          <a:bodyPr spcFirstLastPara="1" wrap="square" lIns="91425" tIns="91425" rIns="91425" bIns="91425" anchor="b" anchorCtr="0">
+            <a:noAutofit/>
+          </a:bodyPr>
+          <a:lstStyle/>
+          <a:p>
+            <a:pPr algn="ctr">
+              <a:buClr>
+                <a:srgbClr val="000000"/>
+              </a:buClr>
+              <a:buFont typeface="Arial"/>
+              <a:buNone/>
+            </a:pPr>
+            <a:r>
+              <a:rPr lang="pt-BR" sz="1200" kern="0" dirty="0">
+                <a:solidFill>
+                  <a:srgbClr val="000000"/>
+                </a:solidFill>
+                <a:latin typeface="Fira Sans Extra Condensed"/>
+                <a:ea typeface="Fira Sans Extra Condensed"/>
+                <a:cs typeface="Fira Sans Extra Condensed"/>
+                <a:sym typeface="Fira Sans Extra Condensed"/>
+              </a:rPr>
+              <a:t>TOGAF 9</a:t>
+            </a:r>
+          </a:p>
+          <a:p>
+            <a:pPr algn="ctr">
+              <a:buClr>
+                <a:srgbClr val="000000"/>
+              </a:buClr>
+              <a:buFont typeface="Arial"/>
+              <a:buNone/>
+            </a:pPr>
+            <a:r>
+              <a:rPr lang="pt-BR" sz="1200" kern="0" dirty="0">
+                <a:solidFill>
+                  <a:srgbClr val="000000"/>
+                </a:solidFill>
+                <a:latin typeface="Fira Sans Extra Condensed"/>
+                <a:ea typeface="Fira Sans Extra Condensed"/>
+                <a:cs typeface="Fira Sans Extra Condensed"/>
+                <a:sym typeface="Fira Sans Extra Condensed"/>
+              </a:rPr>
+              <a:t>Foundation</a:t>
+            </a:r>
+            <a:endParaRPr sz="1200" kern="0" dirty="0">
+              <a:solidFill>
+                <a:srgbClr val="000000"/>
+              </a:solidFill>
+              <a:latin typeface="Fira Sans Extra Condensed"/>
+              <a:ea typeface="Fira Sans Extra Condensed"/>
+              <a:cs typeface="Fira Sans Extra Condensed"/>
+              <a:sym typeface="Fira Sans Extra Condensed"/>
+            </a:endParaRPr>
+          </a:p>
+        </p:txBody>
+      </p:sp>
+      <p:sp>
+        <p:nvSpPr>
+          <p:cNvPr id="118" name="Google Shape;1108;p33">
+            <a:extLst>
+              <a:ext uri="{FF2B5EF4-FFF2-40B4-BE49-F238E27FC236}">
+                <a16:creationId xmlns:a16="http://schemas.microsoft.com/office/drawing/2014/main" id="{C9AF6CE7-9736-44CB-8A33-341CDACC63A1}"/>
+              </a:ext>
+            </a:extLst>
+          </p:cNvPr>
+          <p:cNvSpPr/>
+          <p:nvPr/>
+        </p:nvSpPr>
+        <p:spPr>
+          <a:xfrm>
+            <a:off x="9229583" y="2074540"/>
+            <a:ext cx="8945" cy="449311"/>
+          </a:xfrm>
+          <a:custGeom>
+            <a:avLst/>
+            <a:gdLst/>
+            <a:ahLst/>
+            <a:cxnLst/>
+            <a:rect l="l" t="t" r="r" b="b"/>
+            <a:pathLst>
+              <a:path w="337" h="16928" extrusionOk="0">
+                <a:moveTo>
+                  <a:pt x="197" y="0"/>
+                </a:moveTo>
+                <a:cubicBezTo>
+                  <a:pt x="113" y="0"/>
+                  <a:pt x="43" y="70"/>
+                  <a:pt x="43" y="154"/>
+                </a:cubicBezTo>
+                <a:lnTo>
+                  <a:pt x="43" y="84"/>
+                </a:lnTo>
+                <a:lnTo>
+                  <a:pt x="43" y="84"/>
+                </a:lnTo>
+                <a:cubicBezTo>
+                  <a:pt x="3" y="177"/>
+                  <a:pt x="76" y="295"/>
+                  <a:pt x="180" y="295"/>
+                </a:cubicBezTo>
+                <a:cubicBezTo>
+                  <a:pt x="185" y="295"/>
+                  <a:pt x="191" y="295"/>
+                  <a:pt x="197" y="294"/>
+                </a:cubicBezTo>
+                <a:cubicBezTo>
+                  <a:pt x="281" y="294"/>
+                  <a:pt x="337" y="224"/>
+                  <a:pt x="337" y="154"/>
+                </a:cubicBezTo>
+                <a:cubicBezTo>
+                  <a:pt x="337" y="70"/>
+                  <a:pt x="281" y="0"/>
+                  <a:pt x="197" y="0"/>
+                </a:cubicBezTo>
+                <a:close/>
+                <a:moveTo>
+                  <a:pt x="197" y="882"/>
+                </a:moveTo>
+                <a:cubicBezTo>
+                  <a:pt x="113" y="882"/>
+                  <a:pt x="43" y="938"/>
+                  <a:pt x="43" y="1022"/>
+                </a:cubicBezTo>
+                <a:lnTo>
+                  <a:pt x="43" y="966"/>
+                </a:lnTo>
+                <a:lnTo>
+                  <a:pt x="43" y="966"/>
+                </a:lnTo>
+                <a:cubicBezTo>
+                  <a:pt x="1" y="1064"/>
+                  <a:pt x="85" y="1176"/>
+                  <a:pt x="197" y="1176"/>
+                </a:cubicBezTo>
+                <a:cubicBezTo>
+                  <a:pt x="281" y="1176"/>
+                  <a:pt x="337" y="1106"/>
+                  <a:pt x="337" y="1022"/>
+                </a:cubicBezTo>
+                <a:cubicBezTo>
+                  <a:pt x="337" y="938"/>
+                  <a:pt x="281" y="882"/>
+                  <a:pt x="197" y="882"/>
+                </a:cubicBezTo>
+                <a:close/>
+                <a:moveTo>
+                  <a:pt x="197" y="1750"/>
+                </a:moveTo>
+                <a:cubicBezTo>
+                  <a:pt x="113" y="1750"/>
+                  <a:pt x="43" y="1820"/>
+                  <a:pt x="43" y="1904"/>
+                </a:cubicBezTo>
+                <a:lnTo>
+                  <a:pt x="43" y="1834"/>
+                </a:lnTo>
+                <a:lnTo>
+                  <a:pt x="43" y="1834"/>
+                </a:lnTo>
+                <a:cubicBezTo>
+                  <a:pt x="3" y="1927"/>
+                  <a:pt x="76" y="2045"/>
+                  <a:pt x="180" y="2045"/>
+                </a:cubicBezTo>
+                <a:cubicBezTo>
+                  <a:pt x="185" y="2045"/>
+                  <a:pt x="191" y="2045"/>
+                  <a:pt x="197" y="2044"/>
+                </a:cubicBezTo>
+                <a:cubicBezTo>
+                  <a:pt x="281" y="2044"/>
+                  <a:pt x="337" y="1974"/>
+                  <a:pt x="337" y="1904"/>
+                </a:cubicBezTo>
+                <a:cubicBezTo>
+                  <a:pt x="337" y="1820"/>
+                  <a:pt x="281" y="1750"/>
+                  <a:pt x="197" y="1750"/>
+                </a:cubicBezTo>
+                <a:close/>
+                <a:moveTo>
+                  <a:pt x="197" y="2632"/>
+                </a:moveTo>
+                <a:cubicBezTo>
+                  <a:pt x="113" y="2632"/>
+                  <a:pt x="43" y="2688"/>
+                  <a:pt x="43" y="2772"/>
+                </a:cubicBezTo>
+                <a:lnTo>
+                  <a:pt x="43" y="2716"/>
+                </a:lnTo>
+                <a:lnTo>
+                  <a:pt x="43" y="2716"/>
+                </a:lnTo>
+                <a:cubicBezTo>
+                  <a:pt x="15" y="2814"/>
+                  <a:pt x="85" y="2926"/>
+                  <a:pt x="197" y="2926"/>
+                </a:cubicBezTo>
+                <a:cubicBezTo>
+                  <a:pt x="281" y="2926"/>
+                  <a:pt x="337" y="2856"/>
+                  <a:pt x="337" y="2772"/>
+                </a:cubicBezTo>
+                <a:cubicBezTo>
+                  <a:pt x="337" y="2688"/>
+                  <a:pt x="281" y="2632"/>
+                  <a:pt x="197" y="2632"/>
+                </a:cubicBezTo>
+                <a:close/>
+                <a:moveTo>
+                  <a:pt x="197" y="3500"/>
+                </a:moveTo>
+                <a:cubicBezTo>
+                  <a:pt x="113" y="3500"/>
+                  <a:pt x="43" y="3570"/>
+                  <a:pt x="43" y="3654"/>
+                </a:cubicBezTo>
+                <a:lnTo>
+                  <a:pt x="43" y="3598"/>
+                </a:lnTo>
+                <a:lnTo>
+                  <a:pt x="43" y="3598"/>
+                </a:lnTo>
+                <a:cubicBezTo>
+                  <a:pt x="15" y="3696"/>
+                  <a:pt x="85" y="3795"/>
+                  <a:pt x="197" y="3795"/>
+                </a:cubicBezTo>
+                <a:cubicBezTo>
+                  <a:pt x="281" y="3795"/>
+                  <a:pt x="337" y="3724"/>
+                  <a:pt x="337" y="3654"/>
+                </a:cubicBezTo>
+                <a:cubicBezTo>
+                  <a:pt x="337" y="3570"/>
+                  <a:pt x="281" y="3500"/>
+                  <a:pt x="197" y="3500"/>
+                </a:cubicBezTo>
+                <a:close/>
+                <a:moveTo>
+                  <a:pt x="197" y="4383"/>
+                </a:moveTo>
+                <a:cubicBezTo>
+                  <a:pt x="113" y="4383"/>
+                  <a:pt x="43" y="4439"/>
+                  <a:pt x="43" y="4523"/>
+                </a:cubicBezTo>
+                <a:lnTo>
+                  <a:pt x="43" y="4481"/>
+                </a:lnTo>
+                <a:lnTo>
+                  <a:pt x="43" y="4481"/>
+                </a:lnTo>
+                <a:cubicBezTo>
+                  <a:pt x="15" y="4579"/>
+                  <a:pt x="85" y="4677"/>
+                  <a:pt x="197" y="4677"/>
+                </a:cubicBezTo>
+                <a:cubicBezTo>
+                  <a:pt x="281" y="4677"/>
+                  <a:pt x="337" y="4607"/>
+                  <a:pt x="337" y="4523"/>
+                </a:cubicBezTo>
+                <a:cubicBezTo>
+                  <a:pt x="337" y="4439"/>
+                  <a:pt x="281" y="4383"/>
+                  <a:pt x="197" y="4383"/>
+                </a:cubicBezTo>
+                <a:close/>
+                <a:moveTo>
+                  <a:pt x="197" y="5251"/>
+                </a:moveTo>
+                <a:cubicBezTo>
+                  <a:pt x="113" y="5251"/>
+                  <a:pt x="43" y="5321"/>
+                  <a:pt x="43" y="5405"/>
+                </a:cubicBezTo>
+                <a:lnTo>
+                  <a:pt x="43" y="5363"/>
+                </a:lnTo>
+                <a:lnTo>
+                  <a:pt x="43" y="5363"/>
+                </a:lnTo>
+                <a:cubicBezTo>
+                  <a:pt x="15" y="5447"/>
+                  <a:pt x="99" y="5545"/>
+                  <a:pt x="197" y="5545"/>
+                </a:cubicBezTo>
+                <a:cubicBezTo>
+                  <a:pt x="281" y="5545"/>
+                  <a:pt x="337" y="5475"/>
+                  <a:pt x="337" y="5405"/>
+                </a:cubicBezTo>
+                <a:cubicBezTo>
+                  <a:pt x="337" y="5321"/>
+                  <a:pt x="281" y="5251"/>
+                  <a:pt x="197" y="5251"/>
+                </a:cubicBezTo>
+                <a:close/>
+                <a:moveTo>
+                  <a:pt x="197" y="6133"/>
+                </a:moveTo>
+                <a:cubicBezTo>
+                  <a:pt x="113" y="6133"/>
+                  <a:pt x="43" y="6189"/>
+                  <a:pt x="43" y="6273"/>
+                </a:cubicBezTo>
+                <a:lnTo>
+                  <a:pt x="43" y="6231"/>
+                </a:lnTo>
+                <a:lnTo>
+                  <a:pt x="43" y="6231"/>
+                </a:lnTo>
+                <a:cubicBezTo>
+                  <a:pt x="15" y="6329"/>
+                  <a:pt x="99" y="6427"/>
+                  <a:pt x="197" y="6427"/>
+                </a:cubicBezTo>
+                <a:cubicBezTo>
+                  <a:pt x="281" y="6427"/>
+                  <a:pt x="337" y="6357"/>
+                  <a:pt x="337" y="6273"/>
+                </a:cubicBezTo>
+                <a:cubicBezTo>
+                  <a:pt x="337" y="6189"/>
+                  <a:pt x="281" y="6133"/>
+                  <a:pt x="197" y="6133"/>
+                </a:cubicBezTo>
+                <a:close/>
+                <a:moveTo>
+                  <a:pt x="197" y="7001"/>
+                </a:moveTo>
+                <a:cubicBezTo>
+                  <a:pt x="113" y="7001"/>
+                  <a:pt x="43" y="7071"/>
+                  <a:pt x="43" y="7155"/>
+                </a:cubicBezTo>
+                <a:lnTo>
+                  <a:pt x="43" y="7113"/>
+                </a:lnTo>
+                <a:lnTo>
+                  <a:pt x="43" y="7113"/>
+                </a:lnTo>
+                <a:cubicBezTo>
+                  <a:pt x="15" y="7211"/>
+                  <a:pt x="99" y="7295"/>
+                  <a:pt x="197" y="7295"/>
+                </a:cubicBezTo>
+                <a:cubicBezTo>
+                  <a:pt x="281" y="7295"/>
+                  <a:pt x="337" y="7225"/>
+                  <a:pt x="337" y="7155"/>
+                </a:cubicBezTo>
+                <a:cubicBezTo>
+                  <a:pt x="337" y="7071"/>
+                  <a:pt x="281" y="7001"/>
+                  <a:pt x="197" y="7001"/>
+                </a:cubicBezTo>
+                <a:close/>
+                <a:moveTo>
+                  <a:pt x="197" y="7883"/>
+                </a:moveTo>
+                <a:cubicBezTo>
+                  <a:pt x="113" y="7883"/>
+                  <a:pt x="43" y="7939"/>
+                  <a:pt x="43" y="8023"/>
+                </a:cubicBezTo>
+                <a:lnTo>
+                  <a:pt x="43" y="7995"/>
+                </a:lnTo>
+                <a:lnTo>
+                  <a:pt x="43" y="7995"/>
+                </a:lnTo>
+                <a:cubicBezTo>
+                  <a:pt x="29" y="8079"/>
+                  <a:pt x="99" y="8177"/>
+                  <a:pt x="197" y="8177"/>
+                </a:cubicBezTo>
+                <a:cubicBezTo>
+                  <a:pt x="281" y="8177"/>
+                  <a:pt x="337" y="8107"/>
+                  <a:pt x="337" y="8023"/>
+                </a:cubicBezTo>
+                <a:cubicBezTo>
+                  <a:pt x="337" y="7939"/>
+                  <a:pt x="281" y="7883"/>
+                  <a:pt x="197" y="7883"/>
+                </a:cubicBezTo>
+                <a:close/>
+                <a:moveTo>
+                  <a:pt x="197" y="8751"/>
+                </a:moveTo>
+                <a:cubicBezTo>
+                  <a:pt x="113" y="8751"/>
+                  <a:pt x="43" y="8821"/>
+                  <a:pt x="43" y="8905"/>
+                </a:cubicBezTo>
+                <a:lnTo>
+                  <a:pt x="43" y="8877"/>
+                </a:lnTo>
+                <a:lnTo>
+                  <a:pt x="43" y="8877"/>
+                </a:lnTo>
+                <a:cubicBezTo>
+                  <a:pt x="29" y="8961"/>
+                  <a:pt x="99" y="9045"/>
+                  <a:pt x="197" y="9045"/>
+                </a:cubicBezTo>
+                <a:cubicBezTo>
+                  <a:pt x="281" y="9045"/>
+                  <a:pt x="337" y="8975"/>
+                  <a:pt x="337" y="8905"/>
+                </a:cubicBezTo>
+                <a:cubicBezTo>
+                  <a:pt x="337" y="8821"/>
+                  <a:pt x="281" y="8751"/>
+                  <a:pt x="197" y="8751"/>
+                </a:cubicBezTo>
+                <a:close/>
+                <a:moveTo>
+                  <a:pt x="197" y="9633"/>
+                </a:moveTo>
+                <a:cubicBezTo>
+                  <a:pt x="113" y="9633"/>
+                  <a:pt x="43" y="9689"/>
+                  <a:pt x="43" y="9773"/>
+                </a:cubicBezTo>
+                <a:lnTo>
+                  <a:pt x="43" y="9745"/>
+                </a:lnTo>
+                <a:lnTo>
+                  <a:pt x="43" y="9745"/>
+                </a:lnTo>
+                <a:cubicBezTo>
+                  <a:pt x="29" y="9843"/>
+                  <a:pt x="99" y="9927"/>
+                  <a:pt x="197" y="9927"/>
+                </a:cubicBezTo>
+                <a:cubicBezTo>
+                  <a:pt x="281" y="9927"/>
+                  <a:pt x="337" y="9857"/>
+                  <a:pt x="337" y="9773"/>
+                </a:cubicBezTo>
+                <a:cubicBezTo>
+                  <a:pt x="337" y="9689"/>
+                  <a:pt x="281" y="9633"/>
+                  <a:pt x="197" y="9633"/>
+                </a:cubicBezTo>
+                <a:close/>
+                <a:moveTo>
+                  <a:pt x="197" y="10501"/>
+                </a:moveTo>
+                <a:cubicBezTo>
+                  <a:pt x="113" y="10501"/>
+                  <a:pt x="43" y="10571"/>
+                  <a:pt x="43" y="10655"/>
+                </a:cubicBezTo>
+                <a:lnTo>
+                  <a:pt x="43" y="10627"/>
+                </a:lnTo>
+                <a:lnTo>
+                  <a:pt x="43" y="10627"/>
+                </a:lnTo>
+                <a:cubicBezTo>
+                  <a:pt x="29" y="10711"/>
+                  <a:pt x="99" y="10795"/>
+                  <a:pt x="197" y="10795"/>
+                </a:cubicBezTo>
+                <a:cubicBezTo>
+                  <a:pt x="281" y="10795"/>
+                  <a:pt x="337" y="10725"/>
+                  <a:pt x="337" y="10655"/>
+                </a:cubicBezTo>
+                <a:cubicBezTo>
+                  <a:pt x="337" y="10571"/>
+                  <a:pt x="281" y="10501"/>
+                  <a:pt x="197" y="10501"/>
+                </a:cubicBezTo>
+                <a:close/>
+                <a:moveTo>
+                  <a:pt x="197" y="11383"/>
+                </a:moveTo>
+                <a:cubicBezTo>
+                  <a:pt x="113" y="11383"/>
+                  <a:pt x="43" y="11439"/>
+                  <a:pt x="43" y="11523"/>
+                </a:cubicBezTo>
+                <a:lnTo>
+                  <a:pt x="43" y="11509"/>
+                </a:lnTo>
+                <a:lnTo>
+                  <a:pt x="43" y="11509"/>
+                </a:lnTo>
+                <a:cubicBezTo>
+                  <a:pt x="29" y="11593"/>
+                  <a:pt x="99" y="11677"/>
+                  <a:pt x="197" y="11677"/>
+                </a:cubicBezTo>
+                <a:cubicBezTo>
+                  <a:pt x="281" y="11677"/>
+                  <a:pt x="337" y="11607"/>
+                  <a:pt x="337" y="11523"/>
+                </a:cubicBezTo>
+                <a:cubicBezTo>
+                  <a:pt x="337" y="11439"/>
+                  <a:pt x="281" y="11383"/>
+                  <a:pt x="197" y="11383"/>
+                </a:cubicBezTo>
+                <a:close/>
+                <a:moveTo>
+                  <a:pt x="197" y="12251"/>
+                </a:moveTo>
+                <a:cubicBezTo>
+                  <a:pt x="117" y="12251"/>
+                  <a:pt x="50" y="12315"/>
+                  <a:pt x="43" y="12393"/>
+                </a:cubicBezTo>
+                <a:lnTo>
+                  <a:pt x="43" y="12393"/>
+                </a:lnTo>
+                <a:cubicBezTo>
+                  <a:pt x="43" y="12388"/>
+                  <a:pt x="43" y="12383"/>
+                  <a:pt x="43" y="12377"/>
+                </a:cubicBezTo>
+                <a:lnTo>
+                  <a:pt x="43" y="12405"/>
+                </a:lnTo>
+                <a:cubicBezTo>
+                  <a:pt x="43" y="12401"/>
+                  <a:pt x="43" y="12397"/>
+                  <a:pt x="43" y="12393"/>
+                </a:cubicBezTo>
+                <a:lnTo>
+                  <a:pt x="43" y="12393"/>
+                </a:lnTo>
+                <a:cubicBezTo>
+                  <a:pt x="49" y="12483"/>
+                  <a:pt x="104" y="12545"/>
+                  <a:pt x="197" y="12545"/>
+                </a:cubicBezTo>
+                <a:cubicBezTo>
+                  <a:pt x="281" y="12545"/>
+                  <a:pt x="337" y="12475"/>
+                  <a:pt x="337" y="12405"/>
+                </a:cubicBezTo>
+                <a:cubicBezTo>
+                  <a:pt x="337" y="12321"/>
+                  <a:pt x="281" y="12251"/>
+                  <a:pt x="197" y="12251"/>
+                </a:cubicBezTo>
+                <a:close/>
+                <a:moveTo>
+                  <a:pt x="43" y="13259"/>
+                </a:moveTo>
+                <a:lnTo>
+                  <a:pt x="43" y="13273"/>
+                </a:lnTo>
+                <a:cubicBezTo>
+                  <a:pt x="43" y="13271"/>
+                  <a:pt x="43" y="13269"/>
+                  <a:pt x="43" y="13266"/>
+                </a:cubicBezTo>
+                <a:lnTo>
+                  <a:pt x="43" y="13266"/>
+                </a:lnTo>
+                <a:cubicBezTo>
+                  <a:pt x="43" y="13264"/>
+                  <a:pt x="43" y="13262"/>
+                  <a:pt x="43" y="13259"/>
+                </a:cubicBezTo>
+                <a:close/>
+                <a:moveTo>
+                  <a:pt x="197" y="13133"/>
+                </a:moveTo>
+                <a:cubicBezTo>
+                  <a:pt x="115" y="13133"/>
+                  <a:pt x="47" y="13186"/>
+                  <a:pt x="43" y="13266"/>
+                </a:cubicBezTo>
+                <a:lnTo>
+                  <a:pt x="43" y="13266"/>
+                </a:lnTo>
+                <a:cubicBezTo>
+                  <a:pt x="47" y="13348"/>
+                  <a:pt x="115" y="13427"/>
+                  <a:pt x="197" y="13427"/>
+                </a:cubicBezTo>
+                <a:cubicBezTo>
+                  <a:pt x="281" y="13427"/>
+                  <a:pt x="337" y="13357"/>
+                  <a:pt x="337" y="13273"/>
+                </a:cubicBezTo>
+                <a:cubicBezTo>
+                  <a:pt x="337" y="13189"/>
+                  <a:pt x="281" y="13133"/>
+                  <a:pt x="197" y="13133"/>
+                </a:cubicBezTo>
+                <a:close/>
+                <a:moveTo>
+                  <a:pt x="197" y="14001"/>
+                </a:moveTo>
+                <a:cubicBezTo>
+                  <a:pt x="115" y="14001"/>
+                  <a:pt x="47" y="14067"/>
+                  <a:pt x="43" y="14148"/>
+                </a:cubicBezTo>
+                <a:cubicBezTo>
+                  <a:pt x="43" y="14146"/>
+                  <a:pt x="43" y="14144"/>
+                  <a:pt x="43" y="14141"/>
+                </a:cubicBezTo>
+                <a:lnTo>
+                  <a:pt x="43" y="14155"/>
+                </a:lnTo>
+                <a:cubicBezTo>
+                  <a:pt x="43" y="14153"/>
+                  <a:pt x="43" y="14151"/>
+                  <a:pt x="43" y="14148"/>
+                </a:cubicBezTo>
+                <a:lnTo>
+                  <a:pt x="43" y="14148"/>
+                </a:lnTo>
+                <a:cubicBezTo>
+                  <a:pt x="47" y="14229"/>
+                  <a:pt x="115" y="14295"/>
+                  <a:pt x="197" y="14295"/>
+                </a:cubicBezTo>
+                <a:cubicBezTo>
+                  <a:pt x="281" y="14295"/>
+                  <a:pt x="337" y="14225"/>
+                  <a:pt x="337" y="14155"/>
+                </a:cubicBezTo>
+                <a:cubicBezTo>
+                  <a:pt x="337" y="14071"/>
+                  <a:pt x="281" y="14001"/>
+                  <a:pt x="197" y="14001"/>
+                </a:cubicBezTo>
+                <a:close/>
+                <a:moveTo>
+                  <a:pt x="197" y="14883"/>
+                </a:moveTo>
+                <a:cubicBezTo>
+                  <a:pt x="113" y="14883"/>
+                  <a:pt x="43" y="14939"/>
+                  <a:pt x="43" y="15023"/>
+                </a:cubicBezTo>
+                <a:cubicBezTo>
+                  <a:pt x="43" y="15107"/>
+                  <a:pt x="113" y="15177"/>
+                  <a:pt x="197" y="15177"/>
+                </a:cubicBezTo>
+                <a:cubicBezTo>
+                  <a:pt x="281" y="15177"/>
+                  <a:pt x="337" y="15107"/>
+                  <a:pt x="337" y="15023"/>
+                </a:cubicBezTo>
+                <a:cubicBezTo>
+                  <a:pt x="337" y="14939"/>
+                  <a:pt x="281" y="14883"/>
+                  <a:pt x="197" y="14883"/>
+                </a:cubicBezTo>
+                <a:close/>
+                <a:moveTo>
+                  <a:pt x="197" y="15751"/>
+                </a:moveTo>
+                <a:cubicBezTo>
+                  <a:pt x="115" y="15751"/>
+                  <a:pt x="47" y="15818"/>
+                  <a:pt x="43" y="15898"/>
+                </a:cubicBezTo>
+                <a:cubicBezTo>
+                  <a:pt x="43" y="15896"/>
+                  <a:pt x="43" y="15894"/>
+                  <a:pt x="43" y="15891"/>
+                </a:cubicBezTo>
+                <a:lnTo>
+                  <a:pt x="43" y="15905"/>
+                </a:lnTo>
+                <a:cubicBezTo>
+                  <a:pt x="43" y="15903"/>
+                  <a:pt x="43" y="15901"/>
+                  <a:pt x="43" y="15898"/>
+                </a:cubicBezTo>
+                <a:lnTo>
+                  <a:pt x="43" y="15898"/>
+                </a:lnTo>
+                <a:cubicBezTo>
+                  <a:pt x="47" y="15979"/>
+                  <a:pt x="115" y="16045"/>
+                  <a:pt x="197" y="16045"/>
+                </a:cubicBezTo>
+                <a:cubicBezTo>
+                  <a:pt x="281" y="16045"/>
+                  <a:pt x="337" y="15975"/>
+                  <a:pt x="337" y="15905"/>
+                </a:cubicBezTo>
+                <a:cubicBezTo>
+                  <a:pt x="337" y="15821"/>
+                  <a:pt x="281" y="15751"/>
+                  <a:pt x="197" y="15751"/>
+                </a:cubicBezTo>
+                <a:close/>
+                <a:moveTo>
+                  <a:pt x="197" y="16634"/>
+                </a:moveTo>
+                <a:cubicBezTo>
+                  <a:pt x="113" y="16634"/>
+                  <a:pt x="43" y="16690"/>
+                  <a:pt x="43" y="16774"/>
+                </a:cubicBezTo>
+                <a:cubicBezTo>
+                  <a:pt x="43" y="16858"/>
+                  <a:pt x="113" y="16928"/>
+                  <a:pt x="197" y="16928"/>
+                </a:cubicBezTo>
+                <a:cubicBezTo>
+                  <a:pt x="281" y="16928"/>
+                  <a:pt x="337" y="16858"/>
+                  <a:pt x="337" y="16774"/>
+                </a:cubicBezTo>
+                <a:cubicBezTo>
+                  <a:pt x="337" y="16690"/>
+                  <a:pt x="281" y="16634"/>
+                  <a:pt x="197" y="16634"/>
+                </a:cubicBezTo>
+                <a:close/>
+              </a:path>
+            </a:pathLst>
+          </a:custGeom>
+          <a:solidFill>
+            <a:srgbClr val="303030"/>
+          </a:solidFill>
+          <a:ln>
+            <a:noFill/>
+          </a:ln>
+        </p:spPr>
+        <p:txBody>
+          <a:bodyPr spcFirstLastPara="1" wrap="square" lIns="91425" tIns="91425" rIns="91425" bIns="91425" anchor="ctr" anchorCtr="0">
+            <a:noAutofit/>
+          </a:bodyPr>
+          <a:lstStyle/>
+          <a:p>
+            <a:pPr>
+              <a:buClr>
+                <a:srgbClr val="000000"/>
+              </a:buClr>
+              <a:buFont typeface="Arial"/>
+              <a:buNone/>
+            </a:pPr>
+            <a:endParaRPr sz="1400" kern="0">
+              <a:solidFill>
+                <a:srgbClr val="000000"/>
+              </a:solidFill>
+              <a:latin typeface="Arial"/>
+              <a:cs typeface="Arial"/>
+              <a:sym typeface="Arial"/>
+            </a:endParaRPr>
+          </a:p>
+        </p:txBody>
+      </p:sp>
+      <p:sp>
+        <p:nvSpPr>
+          <p:cNvPr id="119" name="Google Shape;1121;p33">
+            <a:extLst>
+              <a:ext uri="{FF2B5EF4-FFF2-40B4-BE49-F238E27FC236}">
+                <a16:creationId xmlns:a16="http://schemas.microsoft.com/office/drawing/2014/main" id="{DE32C46A-BE95-481B-B53D-4D8F5648CA8E}"/>
+              </a:ext>
+            </a:extLst>
+          </p:cNvPr>
+          <p:cNvSpPr/>
+          <p:nvPr/>
+        </p:nvSpPr>
+        <p:spPr>
+          <a:xfrm>
+            <a:off x="9165668" y="2565443"/>
+            <a:ext cx="182878" cy="182506"/>
+          </a:xfrm>
+          <a:custGeom>
+            <a:avLst/>
+            <a:gdLst/>
+            <a:ahLst/>
+            <a:cxnLst/>
+            <a:rect l="l" t="t" r="r" b="b"/>
+            <a:pathLst>
+              <a:path w="6890" h="6876" extrusionOk="0">
+                <a:moveTo>
+                  <a:pt x="3445" y="1"/>
+                </a:moveTo>
+                <a:cubicBezTo>
+                  <a:pt x="1541" y="1"/>
+                  <a:pt x="1" y="1541"/>
+                  <a:pt x="1" y="3445"/>
+                </a:cubicBezTo>
+                <a:cubicBezTo>
+                  <a:pt x="1" y="5335"/>
+                  <a:pt x="1541" y="6875"/>
+                  <a:pt x="3445" y="6875"/>
+                </a:cubicBezTo>
+                <a:cubicBezTo>
+                  <a:pt x="5349" y="6875"/>
+                  <a:pt x="6889" y="5335"/>
+                  <a:pt x="6889" y="3445"/>
+                </a:cubicBezTo>
+                <a:cubicBezTo>
+                  <a:pt x="6889" y="1541"/>
+                  <a:pt x="5349" y="1"/>
+                  <a:pt x="3445" y="1"/>
+                </a:cubicBezTo>
+                <a:close/>
+              </a:path>
+            </a:pathLst>
+          </a:custGeom>
+          <a:gradFill>
+            <a:gsLst>
+              <a:gs pos="0">
+                <a:srgbClr val="36857B"/>
+              </a:gs>
+              <a:gs pos="100000">
+                <a:srgbClr val="33C5CE"/>
+              </a:gs>
+            </a:gsLst>
+            <a:lin ang="0" scaled="0"/>
+          </a:gradFill>
+          <a:ln>
+            <a:noFill/>
+          </a:ln>
+        </p:spPr>
+        <p:txBody>
+          <a:bodyPr spcFirstLastPara="1" wrap="square" lIns="91425" tIns="91425" rIns="91425" bIns="91425" anchor="ctr" anchorCtr="0">
+            <a:noAutofit/>
+          </a:bodyPr>
+          <a:lstStyle/>
+          <a:p>
+            <a:pPr marL="0" marR="0" lvl="0" indent="0" defTabSz="914400" eaLnBrk="1" fontAlgn="auto" latinLnBrk="0" hangingPunct="1">
+              <a:lnSpc>
+                <a:spcPct val="100000"/>
+              </a:lnSpc>
+              <a:spcBef>
+                <a:spcPts val="0"/>
+              </a:spcBef>
+              <a:spcAft>
+                <a:spcPts val="0"/>
+              </a:spcAft>
+              <a:buClr>
+                <a:srgbClr val="000000"/>
+              </a:buClr>
+              <a:buSzTx/>
+              <a:buFont typeface="Arial"/>
+              <a:buNone/>
+              <a:tabLst/>
+              <a:defRPr/>
+            </a:pPr>
+            <a:endParaRPr kumimoji="0" sz="1400" b="0" i="0" u="none" strike="noStrike" kern="0" cap="none" spc="0" normalizeH="0" baseline="0" noProof="0">
+              <a:ln>
+                <a:noFill/>
+              </a:ln>
+              <a:solidFill>
+                <a:srgbClr val="000000"/>
+              </a:solidFill>
+              <a:effectLst/>
+              <a:uLnTx/>
+              <a:uFillTx/>
+              <a:latin typeface="Arial"/>
+              <a:cs typeface="Arial"/>
+              <a:sym typeface="Arial"/>
+            </a:endParaRPr>
+          </a:p>
+        </p:txBody>
+      </p:sp>
+      <p:sp>
+        <p:nvSpPr>
+          <p:cNvPr id="120" name="Google Shape;1122;p33">
+            <a:extLst>
+              <a:ext uri="{FF2B5EF4-FFF2-40B4-BE49-F238E27FC236}">
+                <a16:creationId xmlns:a16="http://schemas.microsoft.com/office/drawing/2014/main" id="{4583A62B-1306-4953-8142-3D41C2C4D693}"/>
+              </a:ext>
+            </a:extLst>
+          </p:cNvPr>
+          <p:cNvSpPr/>
+          <p:nvPr/>
+        </p:nvSpPr>
+        <p:spPr>
+          <a:xfrm>
+            <a:off x="9107328" y="2538927"/>
+            <a:ext cx="222638" cy="190814"/>
+          </a:xfrm>
+          <a:custGeom>
+            <a:avLst/>
+            <a:gdLst/>
+            <a:ahLst/>
+            <a:cxnLst/>
+            <a:rect l="l" t="t" r="r" b="b"/>
+            <a:pathLst>
+              <a:path w="8388" h="7189" extrusionOk="0">
+                <a:moveTo>
+                  <a:pt x="4803" y="300"/>
+                </a:moveTo>
+                <a:cubicBezTo>
+                  <a:pt x="6609" y="314"/>
+                  <a:pt x="8079" y="1770"/>
+                  <a:pt x="8093" y="3590"/>
+                </a:cubicBezTo>
+                <a:cubicBezTo>
+                  <a:pt x="8093" y="5580"/>
+                  <a:pt x="6469" y="6897"/>
+                  <a:pt x="4778" y="6897"/>
+                </a:cubicBezTo>
+                <a:cubicBezTo>
+                  <a:pt x="3971" y="6897"/>
+                  <a:pt x="3148" y="6597"/>
+                  <a:pt x="2479" y="5928"/>
+                </a:cubicBezTo>
+                <a:cubicBezTo>
+                  <a:pt x="392" y="3856"/>
+                  <a:pt x="1862" y="300"/>
+                  <a:pt x="4803" y="300"/>
+                </a:cubicBezTo>
+                <a:close/>
+                <a:moveTo>
+                  <a:pt x="4773" y="1"/>
+                </a:moveTo>
+                <a:cubicBezTo>
+                  <a:pt x="3893" y="1"/>
+                  <a:pt x="2997" y="327"/>
+                  <a:pt x="2269" y="1056"/>
+                </a:cubicBezTo>
+                <a:cubicBezTo>
+                  <a:pt x="0" y="3324"/>
+                  <a:pt x="1596" y="7188"/>
+                  <a:pt x="4803" y="7188"/>
+                </a:cubicBezTo>
+                <a:cubicBezTo>
+                  <a:pt x="6777" y="7174"/>
+                  <a:pt x="8387" y="5578"/>
+                  <a:pt x="8387" y="3604"/>
+                </a:cubicBezTo>
+                <a:cubicBezTo>
+                  <a:pt x="8387" y="1434"/>
+                  <a:pt x="6616" y="1"/>
+                  <a:pt x="4773" y="1"/>
+                </a:cubicBezTo>
+                <a:close/>
+              </a:path>
+            </a:pathLst>
+          </a:custGeom>
+          <a:solidFill>
+            <a:srgbClr val="303030"/>
+          </a:solidFill>
+          <a:ln>
+            <a:noFill/>
+          </a:ln>
+        </p:spPr>
+        <p:txBody>
+          <a:bodyPr spcFirstLastPara="1" wrap="square" lIns="91425" tIns="91425" rIns="91425" bIns="91425" anchor="ctr" anchorCtr="0">
+            <a:noAutofit/>
+          </a:bodyPr>
+          <a:lstStyle/>
+          <a:p>
+            <a:pPr>
+              <a:buClr>
+                <a:srgbClr val="000000"/>
+              </a:buClr>
+              <a:buFont typeface="Arial"/>
+              <a:buNone/>
+            </a:pPr>
+            <a:endParaRPr sz="1400" kern="0">
+              <a:solidFill>
+                <a:srgbClr val="000000"/>
+              </a:solidFill>
+              <a:latin typeface="Arial"/>
+              <a:cs typeface="Arial"/>
+              <a:sym typeface="Arial"/>
+            </a:endParaRPr>
+          </a:p>
+        </p:txBody>
+      </p:sp>
+      <p:sp>
+        <p:nvSpPr>
+          <p:cNvPr id="121" name="Google Shape;1128;p33">
+            <a:extLst>
+              <a:ext uri="{FF2B5EF4-FFF2-40B4-BE49-F238E27FC236}">
+                <a16:creationId xmlns:a16="http://schemas.microsoft.com/office/drawing/2014/main" id="{60A545DF-4A7C-4973-997A-D9FD670B22CB}"/>
+              </a:ext>
+            </a:extLst>
+          </p:cNvPr>
+          <p:cNvSpPr/>
+          <p:nvPr/>
+        </p:nvSpPr>
+        <p:spPr>
+          <a:xfrm>
+            <a:off x="9076931" y="1746418"/>
+            <a:ext cx="459345" cy="407003"/>
+          </a:xfrm>
+          <a:custGeom>
+            <a:avLst/>
+            <a:gdLst/>
+            <a:ahLst/>
+            <a:cxnLst/>
+            <a:rect l="l" t="t" r="r" b="b"/>
+            <a:pathLst>
+              <a:path w="17306" h="15334" extrusionOk="0">
+                <a:moveTo>
+                  <a:pt x="8647" y="0"/>
+                </a:moveTo>
+                <a:cubicBezTo>
+                  <a:pt x="7016" y="0"/>
+                  <a:pt x="5372" y="520"/>
+                  <a:pt x="3976" y="1596"/>
+                </a:cubicBezTo>
+                <a:cubicBezTo>
+                  <a:pt x="630" y="4172"/>
+                  <a:pt x="0" y="8989"/>
+                  <a:pt x="2576" y="12335"/>
+                </a:cubicBezTo>
+                <a:cubicBezTo>
+                  <a:pt x="4085" y="14302"/>
+                  <a:pt x="6361" y="15334"/>
+                  <a:pt x="8661" y="15334"/>
+                </a:cubicBezTo>
+                <a:cubicBezTo>
+                  <a:pt x="10289" y="15334"/>
+                  <a:pt x="11928" y="14817"/>
+                  <a:pt x="13315" y="13749"/>
+                </a:cubicBezTo>
+                <a:cubicBezTo>
+                  <a:pt x="16676" y="11159"/>
+                  <a:pt x="17306" y="6356"/>
+                  <a:pt x="14729" y="2996"/>
+                </a:cubicBezTo>
+                <a:cubicBezTo>
+                  <a:pt x="13215" y="1031"/>
+                  <a:pt x="10944" y="0"/>
+                  <a:pt x="8647" y="0"/>
+                </a:cubicBezTo>
+                <a:close/>
+              </a:path>
+            </a:pathLst>
+          </a:custGeom>
+          <a:solidFill>
+            <a:srgbClr val="36A5A4"/>
+          </a:solidFill>
+          <a:ln>
+            <a:noFill/>
+          </a:ln>
+        </p:spPr>
+        <p:txBody>
+          <a:bodyPr spcFirstLastPara="1" wrap="square" lIns="91425" tIns="91425" rIns="91425" bIns="91425" anchor="ctr" anchorCtr="0">
+            <a:noAutofit/>
+          </a:bodyPr>
+          <a:lstStyle/>
+          <a:p>
+            <a:pPr>
+              <a:buClr>
+                <a:srgbClr val="000000"/>
+              </a:buClr>
+              <a:buFont typeface="Arial"/>
+              <a:buNone/>
+            </a:pPr>
+            <a:endParaRPr sz="1400" kern="0">
+              <a:solidFill>
+                <a:srgbClr val="000000"/>
+              </a:solidFill>
+              <a:latin typeface="Arial"/>
+              <a:cs typeface="Arial"/>
+              <a:sym typeface="Arial"/>
+            </a:endParaRPr>
+          </a:p>
+        </p:txBody>
+      </p:sp>
+      <p:sp>
+        <p:nvSpPr>
+          <p:cNvPr id="122" name="Google Shape;1133;p33">
+            <a:extLst>
+              <a:ext uri="{FF2B5EF4-FFF2-40B4-BE49-F238E27FC236}">
+                <a16:creationId xmlns:a16="http://schemas.microsoft.com/office/drawing/2014/main" id="{C980E203-EC29-4A31-BBFC-0016F64E141C}"/>
+              </a:ext>
+            </a:extLst>
+          </p:cNvPr>
+          <p:cNvSpPr/>
+          <p:nvPr/>
+        </p:nvSpPr>
+        <p:spPr>
+          <a:xfrm>
+            <a:off x="9055306" y="1714594"/>
+            <a:ext cx="423000" cy="423000"/>
+          </a:xfrm>
+          <a:prstGeom prst="ellipse">
+            <a:avLst/>
+          </a:prstGeom>
+          <a:noFill/>
+          <a:ln w="9525" cap="flat" cmpd="sng">
+            <a:solidFill>
+              <a:srgbClr val="000000"/>
+            </a:solidFill>
+            <a:prstDash val="solid"/>
+            <a:round/>
+            <a:headEnd type="none" w="sm" len="sm"/>
+            <a:tailEnd type="none" w="sm" len="sm"/>
+          </a:ln>
+        </p:spPr>
+        <p:txBody>
+          <a:bodyPr spcFirstLastPara="1" wrap="square" lIns="91425" tIns="91425" rIns="91425" bIns="91425" anchor="ctr" anchorCtr="0">
+            <a:noAutofit/>
+          </a:bodyPr>
+          <a:lstStyle/>
+          <a:p>
+            <a:pPr marL="0" marR="0" lvl="0" indent="0" defTabSz="914400" eaLnBrk="1" fontAlgn="auto" latinLnBrk="0" hangingPunct="1">
+              <a:lnSpc>
+                <a:spcPct val="100000"/>
+              </a:lnSpc>
+              <a:spcBef>
+                <a:spcPts val="0"/>
+              </a:spcBef>
+              <a:spcAft>
+                <a:spcPts val="0"/>
+              </a:spcAft>
+              <a:buClr>
+                <a:srgbClr val="000000"/>
+              </a:buClr>
+              <a:buSzTx/>
+              <a:buFont typeface="Arial"/>
+              <a:buNone/>
+              <a:tabLst/>
+              <a:defRPr/>
+            </a:pPr>
+            <a:endParaRPr kumimoji="0" sz="1400" b="0" i="0" u="none" strike="noStrike" kern="0" cap="none" spc="0" normalizeH="0" baseline="0" noProof="0">
+              <a:ln>
+                <a:noFill/>
+              </a:ln>
+              <a:solidFill>
+                <a:srgbClr val="000000"/>
+              </a:solidFill>
+              <a:effectLst/>
+              <a:uLnTx/>
+              <a:uFillTx/>
+              <a:latin typeface="Arial"/>
+              <a:cs typeface="Arial"/>
+              <a:sym typeface="Arial"/>
+            </a:endParaRPr>
+          </a:p>
+        </p:txBody>
+      </p:sp>
+      <p:grpSp>
+        <p:nvGrpSpPr>
+          <p:cNvPr id="126" name="Google Shape;1770;p43">
+            <a:extLst>
+              <a:ext uri="{FF2B5EF4-FFF2-40B4-BE49-F238E27FC236}">
+                <a16:creationId xmlns:a16="http://schemas.microsoft.com/office/drawing/2014/main" id="{103FBD44-006E-46D5-BF1B-F8C796542F6D}"/>
+              </a:ext>
+            </a:extLst>
+          </p:cNvPr>
+          <p:cNvGrpSpPr/>
+          <p:nvPr/>
+        </p:nvGrpSpPr>
+        <p:grpSpPr>
+          <a:xfrm>
+            <a:off x="9176993" y="1847282"/>
+            <a:ext cx="208613" cy="194597"/>
+            <a:chOff x="-64774725" y="1916550"/>
+            <a:chExt cx="319000" cy="314400"/>
+          </a:xfrm>
+          <a:solidFill>
+            <a:srgbClr val="FFFFFF"/>
+          </a:solidFill>
+        </p:grpSpPr>
+        <p:sp>
+          <p:nvSpPr>
+            <p:cNvPr id="127" name="Google Shape;1771;p43">
+              <a:extLst>
+                <a:ext uri="{FF2B5EF4-FFF2-40B4-BE49-F238E27FC236}">
+                  <a16:creationId xmlns:a16="http://schemas.microsoft.com/office/drawing/2014/main" id="{52140710-1212-4B3F-9C40-396EEC479ED5}"/>
+                </a:ext>
+              </a:extLst>
+            </p:cNvPr>
+            <p:cNvSpPr/>
+            <p:nvPr/>
+          </p:nvSpPr>
+          <p:spPr>
+            <a:xfrm>
+              <a:off x="-64774725" y="1916550"/>
+              <a:ext cx="319000" cy="314400"/>
+            </a:xfrm>
+            <a:custGeom>
+              <a:avLst/>
+              <a:gdLst/>
+              <a:ahLst/>
+              <a:cxnLst/>
+              <a:rect l="l" t="t" r="r" b="b"/>
+              <a:pathLst>
+                <a:path w="12760" h="12576" extrusionOk="0">
+                  <a:moveTo>
+                    <a:pt x="11436" y="856"/>
+                  </a:moveTo>
+                  <a:cubicBezTo>
+                    <a:pt x="11562" y="856"/>
+                    <a:pt x="11657" y="888"/>
+                    <a:pt x="11783" y="951"/>
+                  </a:cubicBezTo>
+                  <a:cubicBezTo>
+                    <a:pt x="11877" y="1077"/>
+                    <a:pt x="11940" y="1203"/>
+                    <a:pt x="11909" y="1329"/>
+                  </a:cubicBezTo>
+                  <a:cubicBezTo>
+                    <a:pt x="11814" y="2431"/>
+                    <a:pt x="11562" y="3440"/>
+                    <a:pt x="11090" y="4416"/>
+                  </a:cubicBezTo>
+                  <a:lnTo>
+                    <a:pt x="8317" y="1675"/>
+                  </a:lnTo>
+                  <a:cubicBezTo>
+                    <a:pt x="9263" y="1234"/>
+                    <a:pt x="10334" y="951"/>
+                    <a:pt x="11436" y="856"/>
+                  </a:cubicBezTo>
+                  <a:close/>
+                  <a:moveTo>
+                    <a:pt x="3781" y="4542"/>
+                  </a:moveTo>
+                  <a:lnTo>
+                    <a:pt x="3781" y="4542"/>
+                  </a:lnTo>
+                  <a:cubicBezTo>
+                    <a:pt x="3529" y="4983"/>
+                    <a:pt x="3245" y="5456"/>
+                    <a:pt x="3056" y="5960"/>
+                  </a:cubicBezTo>
+                  <a:cubicBezTo>
+                    <a:pt x="2878" y="5949"/>
+                    <a:pt x="2699" y="5942"/>
+                    <a:pt x="2522" y="5942"/>
+                  </a:cubicBezTo>
+                  <a:cubicBezTo>
+                    <a:pt x="2167" y="5942"/>
+                    <a:pt x="1817" y="5970"/>
+                    <a:pt x="1481" y="6054"/>
+                  </a:cubicBezTo>
+                  <a:cubicBezTo>
+                    <a:pt x="1544" y="5928"/>
+                    <a:pt x="1670" y="5802"/>
+                    <a:pt x="1733" y="5739"/>
+                  </a:cubicBezTo>
+                  <a:cubicBezTo>
+                    <a:pt x="2331" y="5141"/>
+                    <a:pt x="2993" y="4731"/>
+                    <a:pt x="3781" y="4542"/>
+                  </a:cubicBezTo>
+                  <a:close/>
+                  <a:moveTo>
+                    <a:pt x="7561" y="2022"/>
+                  </a:moveTo>
+                  <a:lnTo>
+                    <a:pt x="10680" y="5141"/>
+                  </a:lnTo>
+                  <a:cubicBezTo>
+                    <a:pt x="9546" y="7157"/>
+                    <a:pt x="7687" y="8669"/>
+                    <a:pt x="5419" y="9331"/>
+                  </a:cubicBezTo>
+                  <a:lnTo>
+                    <a:pt x="3403" y="7346"/>
+                  </a:lnTo>
+                  <a:cubicBezTo>
+                    <a:pt x="4064" y="5109"/>
+                    <a:pt x="5576" y="3219"/>
+                    <a:pt x="7561" y="2022"/>
+                  </a:cubicBezTo>
+                  <a:close/>
+                  <a:moveTo>
+                    <a:pt x="2899" y="8008"/>
+                  </a:moveTo>
+                  <a:lnTo>
+                    <a:pt x="4789" y="9898"/>
+                  </a:lnTo>
+                  <a:lnTo>
+                    <a:pt x="4316" y="10623"/>
+                  </a:lnTo>
+                  <a:lnTo>
+                    <a:pt x="2142" y="8449"/>
+                  </a:lnTo>
+                  <a:lnTo>
+                    <a:pt x="2899" y="8008"/>
+                  </a:lnTo>
+                  <a:close/>
+                  <a:moveTo>
+                    <a:pt x="2363" y="9867"/>
+                  </a:moveTo>
+                  <a:lnTo>
+                    <a:pt x="2899" y="10371"/>
+                  </a:lnTo>
+                  <a:cubicBezTo>
+                    <a:pt x="2741" y="10497"/>
+                    <a:pt x="2520" y="10654"/>
+                    <a:pt x="2300" y="10780"/>
+                  </a:cubicBezTo>
+                  <a:cubicBezTo>
+                    <a:pt x="1985" y="10969"/>
+                    <a:pt x="1733" y="11095"/>
+                    <a:pt x="1638" y="11127"/>
+                  </a:cubicBezTo>
+                  <a:cubicBezTo>
+                    <a:pt x="1701" y="10969"/>
+                    <a:pt x="1796" y="10780"/>
+                    <a:pt x="1985" y="10465"/>
+                  </a:cubicBezTo>
+                  <a:cubicBezTo>
+                    <a:pt x="2142" y="10213"/>
+                    <a:pt x="2268" y="10024"/>
+                    <a:pt x="2363" y="9867"/>
+                  </a:cubicBezTo>
+                  <a:close/>
+                  <a:moveTo>
+                    <a:pt x="8191" y="8984"/>
+                  </a:moveTo>
+                  <a:lnTo>
+                    <a:pt x="8191" y="8984"/>
+                  </a:lnTo>
+                  <a:cubicBezTo>
+                    <a:pt x="7971" y="9867"/>
+                    <a:pt x="7467" y="10686"/>
+                    <a:pt x="6711" y="11284"/>
+                  </a:cubicBezTo>
+                  <a:cubicBezTo>
+                    <a:pt x="6837" y="10749"/>
+                    <a:pt x="6837" y="10245"/>
+                    <a:pt x="6774" y="9741"/>
+                  </a:cubicBezTo>
+                  <a:cubicBezTo>
+                    <a:pt x="7309" y="9551"/>
+                    <a:pt x="7782" y="9268"/>
+                    <a:pt x="8191" y="8984"/>
+                  </a:cubicBezTo>
+                  <a:close/>
+                  <a:moveTo>
+                    <a:pt x="11509" y="1"/>
+                  </a:moveTo>
+                  <a:cubicBezTo>
+                    <a:pt x="11474" y="1"/>
+                    <a:pt x="11440" y="2"/>
+                    <a:pt x="11405" y="6"/>
+                  </a:cubicBezTo>
+                  <a:cubicBezTo>
+                    <a:pt x="10365" y="100"/>
+                    <a:pt x="9389" y="321"/>
+                    <a:pt x="8412" y="730"/>
+                  </a:cubicBezTo>
+                  <a:cubicBezTo>
+                    <a:pt x="7498" y="1077"/>
+                    <a:pt x="6616" y="1644"/>
+                    <a:pt x="5797" y="2274"/>
+                  </a:cubicBezTo>
+                  <a:cubicBezTo>
+                    <a:pt x="5324" y="2652"/>
+                    <a:pt x="4852" y="3093"/>
+                    <a:pt x="4474" y="3566"/>
+                  </a:cubicBezTo>
+                  <a:cubicBezTo>
+                    <a:pt x="3245" y="3629"/>
+                    <a:pt x="2048" y="4196"/>
+                    <a:pt x="1166" y="5109"/>
+                  </a:cubicBezTo>
+                  <a:cubicBezTo>
+                    <a:pt x="725" y="5519"/>
+                    <a:pt x="378" y="6054"/>
+                    <a:pt x="95" y="6590"/>
+                  </a:cubicBezTo>
+                  <a:cubicBezTo>
+                    <a:pt x="0" y="6748"/>
+                    <a:pt x="63" y="6937"/>
+                    <a:pt x="158" y="7063"/>
+                  </a:cubicBezTo>
+                  <a:cubicBezTo>
+                    <a:pt x="252" y="7157"/>
+                    <a:pt x="378" y="7189"/>
+                    <a:pt x="441" y="7189"/>
+                  </a:cubicBezTo>
+                  <a:cubicBezTo>
+                    <a:pt x="536" y="7189"/>
+                    <a:pt x="567" y="7189"/>
+                    <a:pt x="630" y="7157"/>
+                  </a:cubicBezTo>
+                  <a:cubicBezTo>
+                    <a:pt x="1198" y="6873"/>
+                    <a:pt x="1842" y="6743"/>
+                    <a:pt x="2471" y="6743"/>
+                  </a:cubicBezTo>
+                  <a:cubicBezTo>
+                    <a:pt x="2540" y="6743"/>
+                    <a:pt x="2609" y="6744"/>
+                    <a:pt x="2678" y="6748"/>
+                  </a:cubicBezTo>
+                  <a:cubicBezTo>
+                    <a:pt x="2647" y="6905"/>
+                    <a:pt x="2615" y="7031"/>
+                    <a:pt x="2584" y="7189"/>
+                  </a:cubicBezTo>
+                  <a:lnTo>
+                    <a:pt x="1229" y="7976"/>
+                  </a:lnTo>
+                  <a:cubicBezTo>
+                    <a:pt x="1008" y="8134"/>
+                    <a:pt x="945" y="8449"/>
+                    <a:pt x="1166" y="8606"/>
+                  </a:cubicBezTo>
+                  <a:lnTo>
+                    <a:pt x="1733" y="9173"/>
+                  </a:lnTo>
+                  <a:cubicBezTo>
+                    <a:pt x="1544" y="9425"/>
+                    <a:pt x="1323" y="9772"/>
+                    <a:pt x="1103" y="10119"/>
+                  </a:cubicBezTo>
+                  <a:cubicBezTo>
+                    <a:pt x="945" y="10465"/>
+                    <a:pt x="788" y="10717"/>
+                    <a:pt x="725" y="10906"/>
+                  </a:cubicBezTo>
+                  <a:cubicBezTo>
+                    <a:pt x="599" y="11316"/>
+                    <a:pt x="630" y="11599"/>
+                    <a:pt x="851" y="11788"/>
+                  </a:cubicBezTo>
+                  <a:cubicBezTo>
+                    <a:pt x="981" y="11918"/>
+                    <a:pt x="1144" y="11961"/>
+                    <a:pt x="1320" y="11961"/>
+                  </a:cubicBezTo>
+                  <a:cubicBezTo>
+                    <a:pt x="1443" y="11961"/>
+                    <a:pt x="1572" y="11940"/>
+                    <a:pt x="1701" y="11914"/>
+                  </a:cubicBezTo>
+                  <a:cubicBezTo>
+                    <a:pt x="1953" y="11820"/>
+                    <a:pt x="2174" y="11694"/>
+                    <a:pt x="2489" y="11505"/>
+                  </a:cubicBezTo>
+                  <a:cubicBezTo>
+                    <a:pt x="2836" y="11316"/>
+                    <a:pt x="3151" y="11095"/>
+                    <a:pt x="3434" y="10875"/>
+                  </a:cubicBezTo>
+                  <a:lnTo>
+                    <a:pt x="4033" y="11473"/>
+                  </a:lnTo>
+                  <a:cubicBezTo>
+                    <a:pt x="4116" y="11557"/>
+                    <a:pt x="4225" y="11597"/>
+                    <a:pt x="4330" y="11597"/>
+                  </a:cubicBezTo>
+                  <a:cubicBezTo>
+                    <a:pt x="4464" y="11597"/>
+                    <a:pt x="4593" y="11533"/>
+                    <a:pt x="4663" y="11410"/>
+                  </a:cubicBezTo>
+                  <a:lnTo>
+                    <a:pt x="5450" y="10056"/>
+                  </a:lnTo>
+                  <a:cubicBezTo>
+                    <a:pt x="5608" y="10024"/>
+                    <a:pt x="5734" y="9993"/>
+                    <a:pt x="5892" y="9930"/>
+                  </a:cubicBezTo>
+                  <a:lnTo>
+                    <a:pt x="5892" y="9930"/>
+                  </a:lnTo>
+                  <a:cubicBezTo>
+                    <a:pt x="5923" y="10591"/>
+                    <a:pt x="5797" y="11316"/>
+                    <a:pt x="5482" y="11977"/>
+                  </a:cubicBezTo>
+                  <a:cubicBezTo>
+                    <a:pt x="5419" y="12135"/>
+                    <a:pt x="5450" y="12324"/>
+                    <a:pt x="5576" y="12450"/>
+                  </a:cubicBezTo>
+                  <a:cubicBezTo>
+                    <a:pt x="5639" y="12534"/>
+                    <a:pt x="5759" y="12576"/>
+                    <a:pt x="5878" y="12576"/>
+                  </a:cubicBezTo>
+                  <a:cubicBezTo>
+                    <a:pt x="5937" y="12576"/>
+                    <a:pt x="5997" y="12565"/>
+                    <a:pt x="6049" y="12544"/>
+                  </a:cubicBezTo>
+                  <a:cubicBezTo>
+                    <a:pt x="6585" y="12261"/>
+                    <a:pt x="7089" y="11914"/>
+                    <a:pt x="7530" y="11473"/>
+                  </a:cubicBezTo>
+                  <a:cubicBezTo>
+                    <a:pt x="8443" y="10560"/>
+                    <a:pt x="8979" y="9394"/>
+                    <a:pt x="9074" y="8165"/>
+                  </a:cubicBezTo>
+                  <a:cubicBezTo>
+                    <a:pt x="9546" y="7756"/>
+                    <a:pt x="9987" y="7346"/>
+                    <a:pt x="10365" y="6811"/>
+                  </a:cubicBezTo>
+                  <a:cubicBezTo>
+                    <a:pt x="11027" y="5991"/>
+                    <a:pt x="11562" y="5141"/>
+                    <a:pt x="11940" y="4227"/>
+                  </a:cubicBezTo>
+                  <a:cubicBezTo>
+                    <a:pt x="12350" y="3282"/>
+                    <a:pt x="12571" y="2242"/>
+                    <a:pt x="12665" y="1234"/>
+                  </a:cubicBezTo>
+                  <a:cubicBezTo>
+                    <a:pt x="12760" y="1014"/>
+                    <a:pt x="12665" y="636"/>
+                    <a:pt x="12382" y="384"/>
+                  </a:cubicBezTo>
+                  <a:cubicBezTo>
+                    <a:pt x="12126" y="128"/>
+                    <a:pt x="11820" y="1"/>
+                    <a:pt x="11509" y="1"/>
+                  </a:cubicBezTo>
+                  <a:close/>
+                </a:path>
+              </a:pathLst>
+            </a:custGeom>
+            <a:grpFill/>
+            <a:ln w="3175">
+              <a:solidFill>
+                <a:srgbClr val="FFFFFF"/>
+              </a:solidFill>
+            </a:ln>
+          </p:spPr>
+          <p:txBody>
+            <a:bodyPr spcFirstLastPara="1" wrap="square" lIns="91425" tIns="91425" rIns="91425" bIns="91425" anchor="ctr" anchorCtr="0">
+              <a:noAutofit/>
+            </a:bodyPr>
+            <a:lstStyle/>
+            <a:p>
+              <a:pPr marL="0" marR="0" lvl="0" indent="0" defTabSz="914400" eaLnBrk="1" fontAlgn="auto" latinLnBrk="0" hangingPunct="1">
+                <a:lnSpc>
+                  <a:spcPct val="100000"/>
+                </a:lnSpc>
+                <a:spcBef>
+                  <a:spcPts val="0"/>
+                </a:spcBef>
+                <a:spcAft>
+                  <a:spcPts val="0"/>
+                </a:spcAft>
+                <a:buClr>
+                  <a:srgbClr val="000000"/>
+                </a:buClr>
+                <a:buSzTx/>
+                <a:buFont typeface="Arial"/>
+                <a:buNone/>
+                <a:tabLst/>
+                <a:defRPr/>
+              </a:pPr>
+              <a:endParaRPr kumimoji="0" sz="1400" b="0" i="0" u="none" strike="noStrike" kern="0" cap="none" spc="0" normalizeH="0" baseline="0" noProof="0">
+                <a:ln>
+                  <a:noFill/>
+                </a:ln>
+                <a:solidFill>
+                  <a:srgbClr val="000000"/>
+                </a:solidFill>
+                <a:effectLst/>
+                <a:uLnTx/>
+                <a:uFillTx/>
+                <a:latin typeface="Arial"/>
+                <a:cs typeface="Arial"/>
+                <a:sym typeface="Arial"/>
+              </a:endParaRPr>
+            </a:p>
+          </p:txBody>
+        </p:sp>
+        <p:sp>
+          <p:nvSpPr>
+            <p:cNvPr id="128" name="Google Shape;1772;p43">
+              <a:extLst>
+                <a:ext uri="{FF2B5EF4-FFF2-40B4-BE49-F238E27FC236}">
+                  <a16:creationId xmlns:a16="http://schemas.microsoft.com/office/drawing/2014/main" id="{2C19FF9B-9FFE-400F-B379-4373BC4F38D9}"/>
+                </a:ext>
+              </a:extLst>
+            </p:cNvPr>
+            <p:cNvSpPr/>
+            <p:nvPr/>
+          </p:nvSpPr>
+          <p:spPr>
+            <a:xfrm>
+              <a:off x="-64636900" y="2010600"/>
+              <a:ext cx="89800" cy="82525"/>
+            </a:xfrm>
+            <a:custGeom>
+              <a:avLst/>
+              <a:gdLst/>
+              <a:ahLst/>
+              <a:cxnLst/>
+              <a:rect l="l" t="t" r="r" b="b"/>
+              <a:pathLst>
+                <a:path w="3592" h="3301" extrusionOk="0">
+                  <a:moveTo>
+                    <a:pt x="1828" y="827"/>
+                  </a:moveTo>
+                  <a:cubicBezTo>
+                    <a:pt x="2048" y="827"/>
+                    <a:pt x="2269" y="906"/>
+                    <a:pt x="2426" y="1064"/>
+                  </a:cubicBezTo>
+                  <a:cubicBezTo>
+                    <a:pt x="2741" y="1410"/>
+                    <a:pt x="2741" y="1914"/>
+                    <a:pt x="2426" y="2229"/>
+                  </a:cubicBezTo>
+                  <a:cubicBezTo>
+                    <a:pt x="2269" y="2387"/>
+                    <a:pt x="2048" y="2466"/>
+                    <a:pt x="1828" y="2466"/>
+                  </a:cubicBezTo>
+                  <a:cubicBezTo>
+                    <a:pt x="1607" y="2466"/>
+                    <a:pt x="1387" y="2387"/>
+                    <a:pt x="1229" y="2229"/>
+                  </a:cubicBezTo>
+                  <a:cubicBezTo>
+                    <a:pt x="914" y="1914"/>
+                    <a:pt x="914" y="1379"/>
+                    <a:pt x="1229" y="1064"/>
+                  </a:cubicBezTo>
+                  <a:cubicBezTo>
+                    <a:pt x="1387" y="906"/>
+                    <a:pt x="1607" y="827"/>
+                    <a:pt x="1828" y="827"/>
+                  </a:cubicBezTo>
+                  <a:close/>
+                  <a:moveTo>
+                    <a:pt x="1820" y="0"/>
+                  </a:moveTo>
+                  <a:cubicBezTo>
+                    <a:pt x="1402" y="0"/>
+                    <a:pt x="977" y="166"/>
+                    <a:pt x="631" y="497"/>
+                  </a:cubicBezTo>
+                  <a:cubicBezTo>
+                    <a:pt x="0" y="1127"/>
+                    <a:pt x="0" y="2198"/>
+                    <a:pt x="631" y="2828"/>
+                  </a:cubicBezTo>
+                  <a:cubicBezTo>
+                    <a:pt x="946" y="3143"/>
+                    <a:pt x="1371" y="3301"/>
+                    <a:pt x="1796" y="3301"/>
+                  </a:cubicBezTo>
+                  <a:cubicBezTo>
+                    <a:pt x="2222" y="3301"/>
+                    <a:pt x="2647" y="3143"/>
+                    <a:pt x="2962" y="2828"/>
+                  </a:cubicBezTo>
+                  <a:cubicBezTo>
+                    <a:pt x="3592" y="2198"/>
+                    <a:pt x="3592" y="1127"/>
+                    <a:pt x="2962" y="497"/>
+                  </a:cubicBezTo>
+                  <a:cubicBezTo>
+                    <a:pt x="2647" y="166"/>
+                    <a:pt x="2237" y="0"/>
+                    <a:pt x="1820" y="0"/>
+                  </a:cubicBezTo>
+                  <a:close/>
+                </a:path>
+              </a:pathLst>
+            </a:custGeom>
+            <a:grpFill/>
+            <a:ln w="3175">
+              <a:solidFill>
+                <a:srgbClr val="FFFFFF"/>
+              </a:solidFill>
+            </a:ln>
+          </p:spPr>
+          <p:txBody>
+            <a:bodyPr spcFirstLastPara="1" wrap="square" lIns="91425" tIns="91425" rIns="91425" bIns="91425" anchor="ctr" anchorCtr="0">
+              <a:noAutofit/>
+            </a:bodyPr>
+            <a:lstStyle/>
+            <a:p>
+              <a:pPr marL="0" marR="0" lvl="0" indent="0" defTabSz="914400" eaLnBrk="1" fontAlgn="auto" latinLnBrk="0" hangingPunct="1">
+                <a:lnSpc>
+                  <a:spcPct val="100000"/>
+                </a:lnSpc>
+                <a:spcBef>
+                  <a:spcPts val="0"/>
+                </a:spcBef>
+                <a:spcAft>
+                  <a:spcPts val="0"/>
+                </a:spcAft>
+                <a:buClr>
+                  <a:srgbClr val="000000"/>
+                </a:buClr>
+                <a:buSzTx/>
+                <a:buFont typeface="Arial"/>
+                <a:buNone/>
+                <a:tabLst/>
+                <a:defRPr/>
+              </a:pPr>
+              <a:endParaRPr kumimoji="0" sz="1400" b="0" i="0" u="none" strike="noStrike" kern="0" cap="none" spc="0" normalizeH="0" baseline="0" noProof="0">
+                <a:ln>
+                  <a:noFill/>
+                </a:ln>
+                <a:solidFill>
+                  <a:srgbClr val="000000"/>
+                </a:solidFill>
+                <a:effectLst/>
+                <a:uLnTx/>
+                <a:uFillTx/>
+                <a:latin typeface="Arial"/>
+                <a:cs typeface="Arial"/>
+                <a:sym typeface="Arial"/>
+              </a:endParaRPr>
+            </a:p>
+          </p:txBody>
+        </p:sp>
+      </p:grpSp>
+      <p:sp>
+        <p:nvSpPr>
+          <p:cNvPr id="129" name="Google Shape;1173;p33">
+            <a:extLst>
+              <a:ext uri="{FF2B5EF4-FFF2-40B4-BE49-F238E27FC236}">
+                <a16:creationId xmlns:a16="http://schemas.microsoft.com/office/drawing/2014/main" id="{3284B137-0931-4A03-B601-52F3452604DC}"/>
+              </a:ext>
+            </a:extLst>
+          </p:cNvPr>
+          <p:cNvSpPr/>
+          <p:nvPr/>
+        </p:nvSpPr>
+        <p:spPr>
+          <a:xfrm>
+            <a:off x="9274159" y="2191627"/>
+            <a:ext cx="459027" cy="250117"/>
+          </a:xfrm>
+          <a:custGeom>
+            <a:avLst/>
+            <a:gdLst/>
+            <a:ahLst/>
+            <a:cxnLst/>
+            <a:rect l="l" t="t" r="r" b="b"/>
+            <a:pathLst>
+              <a:path w="24139" h="8290" extrusionOk="0">
+                <a:moveTo>
+                  <a:pt x="23845" y="295"/>
+                </a:moveTo>
+                <a:lnTo>
+                  <a:pt x="23845" y="7995"/>
+                </a:lnTo>
+                <a:lnTo>
+                  <a:pt x="3445" y="7995"/>
+                </a:lnTo>
+                <a:lnTo>
+                  <a:pt x="3445" y="5783"/>
+                </a:lnTo>
+                <a:lnTo>
+                  <a:pt x="603" y="4145"/>
+                </a:lnTo>
+                <a:lnTo>
+                  <a:pt x="3445" y="2507"/>
+                </a:lnTo>
+                <a:lnTo>
+                  <a:pt x="3445" y="295"/>
+                </a:lnTo>
+                <a:close/>
+                <a:moveTo>
+                  <a:pt x="3151" y="1"/>
+                </a:moveTo>
+                <a:lnTo>
+                  <a:pt x="3151" y="2339"/>
+                </a:lnTo>
+                <a:lnTo>
+                  <a:pt x="1" y="4145"/>
+                </a:lnTo>
+                <a:lnTo>
+                  <a:pt x="3151" y="5951"/>
+                </a:lnTo>
+                <a:lnTo>
+                  <a:pt x="3151" y="8289"/>
+                </a:lnTo>
+                <a:lnTo>
+                  <a:pt x="24139" y="8289"/>
+                </a:lnTo>
+                <a:lnTo>
+                  <a:pt x="24139" y="1"/>
+                </a:lnTo>
+                <a:close/>
+              </a:path>
+            </a:pathLst>
+          </a:custGeom>
+          <a:solidFill>
+            <a:srgbClr val="303030"/>
+          </a:solidFill>
+          <a:ln>
+            <a:noFill/>
+          </a:ln>
+        </p:spPr>
+        <p:txBody>
+          <a:bodyPr spcFirstLastPara="1" wrap="square" lIns="91425" tIns="91425" rIns="91425" bIns="91425" anchor="ctr" anchorCtr="0">
+            <a:noAutofit/>
+          </a:bodyPr>
+          <a:lstStyle/>
+          <a:p>
+            <a:pPr>
+              <a:buClr>
+                <a:srgbClr val="000000"/>
+              </a:buClr>
+              <a:buFont typeface="Arial"/>
+              <a:buNone/>
+            </a:pPr>
+            <a:endParaRPr sz="1400" kern="0">
+              <a:solidFill>
+                <a:srgbClr val="000000"/>
+              </a:solidFill>
+              <a:latin typeface="Arial"/>
+              <a:cs typeface="Arial"/>
+              <a:sym typeface="Arial"/>
+            </a:endParaRPr>
+          </a:p>
+        </p:txBody>
+      </p:sp>
+      <p:sp>
+        <p:nvSpPr>
+          <p:cNvPr id="130" name="Google Shape;1178;p33">
+            <a:extLst>
+              <a:ext uri="{FF2B5EF4-FFF2-40B4-BE49-F238E27FC236}">
+                <a16:creationId xmlns:a16="http://schemas.microsoft.com/office/drawing/2014/main" id="{ECED71F5-3815-4C10-B087-2BF436440888}"/>
+              </a:ext>
+            </a:extLst>
+          </p:cNvPr>
+          <p:cNvSpPr txBox="1"/>
+          <p:nvPr/>
+        </p:nvSpPr>
+        <p:spPr>
+          <a:xfrm>
+            <a:off x="9267125" y="2206220"/>
+            <a:ext cx="538873" cy="230400"/>
           </a:xfrm>
           <a:prstGeom prst="rect">
             <a:avLst/>
@@ -23343,18 +25541,18 @@
             <a:r>
               <a:rPr lang="en" sz="1200" kern="0" dirty="0">
                 <a:solidFill>
-                  <a:srgbClr val="A3D798"/>
+                  <a:srgbClr val="36857B"/>
                 </a:solidFill>
                 <a:latin typeface="Fira Sans Extra Condensed Medium"/>
                 <a:ea typeface="Fira Sans Extra Condensed Medium"/>
                 <a:cs typeface="Fira Sans Extra Condensed Medium"/>
                 <a:sym typeface="Fira Sans Extra Condensed Medium"/>
               </a:rPr>
-              <a:t>2022</a:t>
+              <a:t>2025</a:t>
             </a:r>
             <a:endParaRPr sz="1200" kern="0" dirty="0">
               <a:solidFill>
-                <a:srgbClr val="A3D798"/>
+                <a:srgbClr val="36857B"/>
               </a:solidFill>
               <a:latin typeface="Fira Sans Extra Condensed Medium"/>
               <a:ea typeface="Fira Sans Extra Condensed Medium"/>
@@ -23364,41 +25562,1428 @@
           </a:p>
         </p:txBody>
       </p:sp>
-      <p:cxnSp>
-        <p:nvCxnSpPr>
-          <p:cNvPr id="107" name="Conector reto 106">
+      <p:sp>
+        <p:nvSpPr>
+          <p:cNvPr id="131" name="Google Shape;1168;p33">
             <a:extLst>
               <a:ext uri="{FF2B5EF4-FFF2-40B4-BE49-F238E27FC236}">
-                <a16:creationId xmlns:a16="http://schemas.microsoft.com/office/drawing/2014/main" id="{F0E9D4BE-440F-8E67-EB15-E7D718D91B67}"/>
+                <a16:creationId xmlns:a16="http://schemas.microsoft.com/office/drawing/2014/main" id="{4C48DDD5-1624-438A-BFED-0247E699EB5C}"/>
               </a:ext>
             </a:extLst>
           </p:cNvPr>
-          <p:cNvCxnSpPr>
-            <a:cxnSpLocks/>
-          </p:cNvCxnSpPr>
+          <p:cNvSpPr txBox="1"/>
           <p:nvPr/>
-        </p:nvCxnSpPr>
+        </p:nvSpPr>
         <p:spPr>
           <a:xfrm>
-            <a:off x="4833675" y="2593954"/>
-            <a:ext cx="847735" cy="1609"/>
+            <a:off x="8518149" y="1321990"/>
+            <a:ext cx="1554000" cy="509790"/>
           </a:xfrm>
-          <a:prstGeom prst="line">
+          <a:prstGeom prst="rect">
             <a:avLst/>
           </a:prstGeom>
           <a:noFill/>
-          <a:ln w="6350" cap="flat" cmpd="sng" algn="ctr">
-            <a:solidFill>
-              <a:srgbClr val="000000">
-                <a:shade val="95000"/>
-                <a:satMod val="105000"/>
-              </a:srgbClr>
-            </a:solidFill>
-            <a:prstDash val="solid"/>
+          <a:ln>
+            <a:noFill/>
           </a:ln>
-          <a:effectLst/>
         </p:spPr>
-      </p:cxnSp>
+        <p:txBody>
+          <a:bodyPr spcFirstLastPara="1" wrap="square" lIns="91425" tIns="91425" rIns="91425" bIns="91425" anchor="t" anchorCtr="0">
+            <a:noAutofit/>
+          </a:bodyPr>
+          <a:lstStyle/>
+          <a:p>
+            <a:pPr algn="ctr">
+              <a:buClr>
+                <a:srgbClr val="000000"/>
+              </a:buClr>
+              <a:buFont typeface="Arial"/>
+              <a:buNone/>
+            </a:pPr>
+            <a:r>
+              <a:rPr lang="en" sz="1200" kern="0" dirty="0">
+                <a:solidFill>
+                  <a:srgbClr val="000000"/>
+                </a:solidFill>
+                <a:latin typeface="Fira Sans Extra Condensed"/>
+                <a:ea typeface="Fira Sans Extra Condensed"/>
+                <a:cs typeface="Fira Sans Extra Condensed"/>
+                <a:sym typeface="Fira Sans Extra Condensed"/>
+              </a:rPr>
+              <a:t>MBA Software </a:t>
+            </a:r>
+            <a:r>
+              <a:rPr lang="pt-BR" sz="1200" kern="0" dirty="0">
+                <a:solidFill>
+                  <a:srgbClr val="000000"/>
+                </a:solidFill>
+                <a:latin typeface="Fira Sans Extra Condensed"/>
+                <a:ea typeface="Fira Sans Extra Condensed"/>
+                <a:cs typeface="Fira Sans Extra Condensed"/>
+                <a:sym typeface="Fira Sans Extra Condensed"/>
+              </a:rPr>
+              <a:t>Engineer</a:t>
+            </a:r>
+            <a:endParaRPr lang="en" sz="1200" kern="0" dirty="0">
+              <a:solidFill>
+                <a:srgbClr val="000000"/>
+              </a:solidFill>
+              <a:latin typeface="Fira Sans Extra Condensed"/>
+              <a:ea typeface="Fira Sans Extra Condensed"/>
+              <a:cs typeface="Fira Sans Extra Condensed"/>
+              <a:sym typeface="Fira Sans Extra Condensed"/>
+            </a:endParaRPr>
+          </a:p>
+        </p:txBody>
+      </p:sp>
+      <p:sp>
+        <p:nvSpPr>
+          <p:cNvPr id="10" name="Google Shape;1112;p33">
+            <a:extLst>
+              <a:ext uri="{FF2B5EF4-FFF2-40B4-BE49-F238E27FC236}">
+                <a16:creationId xmlns:a16="http://schemas.microsoft.com/office/drawing/2014/main" id="{43E07689-14D1-A41C-F61C-F31D3151177A}"/>
+              </a:ext>
+            </a:extLst>
+          </p:cNvPr>
+          <p:cNvSpPr/>
+          <p:nvPr/>
+        </p:nvSpPr>
+        <p:spPr>
+          <a:xfrm>
+            <a:off x="1911218" y="2583301"/>
+            <a:ext cx="213349" cy="182904"/>
+          </a:xfrm>
+          <a:custGeom>
+            <a:avLst/>
+            <a:gdLst/>
+            <a:ahLst/>
+            <a:cxnLst/>
+            <a:rect l="l" t="t" r="r" b="b"/>
+            <a:pathLst>
+              <a:path w="8038" h="6891" extrusionOk="0">
+                <a:moveTo>
+                  <a:pt x="4607" y="1"/>
+                </a:moveTo>
+                <a:cubicBezTo>
+                  <a:pt x="1541" y="1"/>
+                  <a:pt x="1" y="3711"/>
+                  <a:pt x="2171" y="5881"/>
+                </a:cubicBezTo>
+                <a:cubicBezTo>
+                  <a:pt x="2872" y="6578"/>
+                  <a:pt x="3733" y="6890"/>
+                  <a:pt x="4577" y="6890"/>
+                </a:cubicBezTo>
+                <a:cubicBezTo>
+                  <a:pt x="6344" y="6890"/>
+                  <a:pt x="8038" y="5520"/>
+                  <a:pt x="8038" y="3445"/>
+                </a:cubicBezTo>
+                <a:cubicBezTo>
+                  <a:pt x="8038" y="1541"/>
+                  <a:pt x="6497" y="1"/>
+                  <a:pt x="4607" y="1"/>
+                </a:cubicBezTo>
+                <a:close/>
+              </a:path>
+            </a:pathLst>
+          </a:custGeom>
+          <a:gradFill>
+            <a:gsLst>
+              <a:gs pos="0">
+                <a:srgbClr val="A3D798"/>
+              </a:gs>
+              <a:gs pos="100000">
+                <a:srgbClr val="70C08D"/>
+              </a:gs>
+            </a:gsLst>
+            <a:lin ang="0" scaled="0"/>
+          </a:gradFill>
+          <a:ln>
+            <a:noFill/>
+          </a:ln>
+        </p:spPr>
+        <p:txBody>
+          <a:bodyPr spcFirstLastPara="1" wrap="square" lIns="91425" tIns="91425" rIns="91425" bIns="91425" anchor="ctr" anchorCtr="0">
+            <a:noAutofit/>
+          </a:bodyPr>
+          <a:lstStyle/>
+          <a:p>
+            <a:pPr marL="0" marR="0" lvl="0" indent="0" defTabSz="914400" eaLnBrk="1" fontAlgn="auto" latinLnBrk="0" hangingPunct="1">
+              <a:lnSpc>
+                <a:spcPct val="100000"/>
+              </a:lnSpc>
+              <a:spcBef>
+                <a:spcPts val="0"/>
+              </a:spcBef>
+              <a:spcAft>
+                <a:spcPts val="0"/>
+              </a:spcAft>
+              <a:buClr>
+                <a:srgbClr val="000000"/>
+              </a:buClr>
+              <a:buSzTx/>
+              <a:buFont typeface="Arial"/>
+              <a:buNone/>
+              <a:tabLst/>
+              <a:defRPr/>
+            </a:pPr>
+            <a:r>
+              <a:rPr kumimoji="0" lang="en" sz="1400" b="0" i="0" u="none" strike="noStrike" kern="0" cap="none" spc="0" normalizeH="0" baseline="0" noProof="0">
+                <a:ln>
+                  <a:noFill/>
+                </a:ln>
+                <a:solidFill>
+                  <a:srgbClr val="000000"/>
+                </a:solidFill>
+                <a:effectLst/>
+                <a:uLnTx/>
+                <a:uFillTx/>
+                <a:latin typeface="Arial"/>
+                <a:cs typeface="Arial"/>
+                <a:sym typeface="Arial"/>
+              </a:rPr>
+              <a:t>  </a:t>
+            </a:r>
+            <a:endParaRPr kumimoji="0" sz="1400" b="0" i="0" u="none" strike="noStrike" kern="0" cap="none" spc="0" normalizeH="0" baseline="0" noProof="0">
+              <a:ln>
+                <a:noFill/>
+              </a:ln>
+              <a:solidFill>
+                <a:srgbClr val="000000"/>
+              </a:solidFill>
+              <a:effectLst/>
+              <a:uLnTx/>
+              <a:uFillTx/>
+              <a:latin typeface="Arial"/>
+              <a:cs typeface="Arial"/>
+              <a:sym typeface="Arial"/>
+            </a:endParaRPr>
+          </a:p>
+        </p:txBody>
+      </p:sp>
+      <p:sp>
+        <p:nvSpPr>
+          <p:cNvPr id="11" name="Google Shape;1113;p33">
+            <a:extLst>
+              <a:ext uri="{FF2B5EF4-FFF2-40B4-BE49-F238E27FC236}">
+                <a16:creationId xmlns:a16="http://schemas.microsoft.com/office/drawing/2014/main" id="{26C8F678-FA8C-AA48-BA51-9BC8F65AC619}"/>
+              </a:ext>
+            </a:extLst>
+          </p:cNvPr>
+          <p:cNvSpPr/>
+          <p:nvPr/>
+        </p:nvSpPr>
+        <p:spPr>
+          <a:xfrm>
+            <a:off x="1883720" y="2556785"/>
+            <a:ext cx="222638" cy="190814"/>
+          </a:xfrm>
+          <a:custGeom>
+            <a:avLst/>
+            <a:gdLst/>
+            <a:ahLst/>
+            <a:cxnLst/>
+            <a:rect l="l" t="t" r="r" b="b"/>
+            <a:pathLst>
+              <a:path w="8388" h="7189" extrusionOk="0">
+                <a:moveTo>
+                  <a:pt x="4803" y="300"/>
+                </a:moveTo>
+                <a:cubicBezTo>
+                  <a:pt x="6609" y="314"/>
+                  <a:pt x="8079" y="1770"/>
+                  <a:pt x="8093" y="3590"/>
+                </a:cubicBezTo>
+                <a:cubicBezTo>
+                  <a:pt x="8093" y="5580"/>
+                  <a:pt x="6470" y="6897"/>
+                  <a:pt x="4774" y="6897"/>
+                </a:cubicBezTo>
+                <a:cubicBezTo>
+                  <a:pt x="3965" y="6897"/>
+                  <a:pt x="3139" y="6597"/>
+                  <a:pt x="2465" y="5928"/>
+                </a:cubicBezTo>
+                <a:cubicBezTo>
+                  <a:pt x="393" y="3856"/>
+                  <a:pt x="1863" y="300"/>
+                  <a:pt x="4803" y="300"/>
+                </a:cubicBezTo>
+                <a:close/>
+                <a:moveTo>
+                  <a:pt x="4762" y="1"/>
+                </a:moveTo>
+                <a:cubicBezTo>
+                  <a:pt x="3881" y="1"/>
+                  <a:pt x="2984" y="327"/>
+                  <a:pt x="2255" y="1056"/>
+                </a:cubicBezTo>
+                <a:cubicBezTo>
+                  <a:pt x="1" y="3324"/>
+                  <a:pt x="1597" y="7188"/>
+                  <a:pt x="4803" y="7188"/>
+                </a:cubicBezTo>
+                <a:cubicBezTo>
+                  <a:pt x="6777" y="7174"/>
+                  <a:pt x="8387" y="5578"/>
+                  <a:pt x="8387" y="3590"/>
+                </a:cubicBezTo>
+                <a:cubicBezTo>
+                  <a:pt x="8378" y="1430"/>
+                  <a:pt x="6606" y="1"/>
+                  <a:pt x="4762" y="1"/>
+                </a:cubicBezTo>
+                <a:close/>
+              </a:path>
+            </a:pathLst>
+          </a:custGeom>
+          <a:solidFill>
+            <a:srgbClr val="303030"/>
+          </a:solidFill>
+          <a:ln>
+            <a:noFill/>
+          </a:ln>
+        </p:spPr>
+        <p:txBody>
+          <a:bodyPr spcFirstLastPara="1" wrap="square" lIns="91425" tIns="91425" rIns="91425" bIns="91425" anchor="ctr" anchorCtr="0">
+            <a:noAutofit/>
+          </a:bodyPr>
+          <a:lstStyle/>
+          <a:p>
+            <a:pPr>
+              <a:buClr>
+                <a:srgbClr val="000000"/>
+              </a:buClr>
+              <a:buFont typeface="Arial"/>
+              <a:buNone/>
+            </a:pPr>
+            <a:endParaRPr sz="1400" kern="0">
+              <a:solidFill>
+                <a:srgbClr val="000000"/>
+              </a:solidFill>
+              <a:latin typeface="Arial"/>
+              <a:cs typeface="Arial"/>
+              <a:sym typeface="Arial"/>
+            </a:endParaRPr>
+          </a:p>
+        </p:txBody>
+      </p:sp>
+      <p:sp>
+        <p:nvSpPr>
+          <p:cNvPr id="34" name="Google Shape;1112;p33">
+            <a:extLst>
+              <a:ext uri="{FF2B5EF4-FFF2-40B4-BE49-F238E27FC236}">
+                <a16:creationId xmlns:a16="http://schemas.microsoft.com/office/drawing/2014/main" id="{0905C840-8DA7-4548-984B-50D9FAF72FBA}"/>
+              </a:ext>
+            </a:extLst>
+          </p:cNvPr>
+          <p:cNvSpPr/>
+          <p:nvPr/>
+        </p:nvSpPr>
+        <p:spPr>
+          <a:xfrm>
+            <a:off x="2637399" y="2579520"/>
+            <a:ext cx="213349" cy="182904"/>
+          </a:xfrm>
+          <a:custGeom>
+            <a:avLst/>
+            <a:gdLst/>
+            <a:ahLst/>
+            <a:cxnLst/>
+            <a:rect l="l" t="t" r="r" b="b"/>
+            <a:pathLst>
+              <a:path w="8038" h="6891" extrusionOk="0">
+                <a:moveTo>
+                  <a:pt x="4607" y="1"/>
+                </a:moveTo>
+                <a:cubicBezTo>
+                  <a:pt x="1541" y="1"/>
+                  <a:pt x="1" y="3711"/>
+                  <a:pt x="2171" y="5881"/>
+                </a:cubicBezTo>
+                <a:cubicBezTo>
+                  <a:pt x="2872" y="6578"/>
+                  <a:pt x="3733" y="6890"/>
+                  <a:pt x="4577" y="6890"/>
+                </a:cubicBezTo>
+                <a:cubicBezTo>
+                  <a:pt x="6344" y="6890"/>
+                  <a:pt x="8038" y="5520"/>
+                  <a:pt x="8038" y="3445"/>
+                </a:cubicBezTo>
+                <a:cubicBezTo>
+                  <a:pt x="8038" y="1541"/>
+                  <a:pt x="6497" y="1"/>
+                  <a:pt x="4607" y="1"/>
+                </a:cubicBezTo>
+                <a:close/>
+              </a:path>
+            </a:pathLst>
+          </a:custGeom>
+          <a:gradFill>
+            <a:gsLst>
+              <a:gs pos="0">
+                <a:srgbClr val="A3D798"/>
+              </a:gs>
+              <a:gs pos="100000">
+                <a:srgbClr val="70C08D"/>
+              </a:gs>
+            </a:gsLst>
+            <a:lin ang="0" scaled="0"/>
+          </a:gradFill>
+          <a:ln>
+            <a:noFill/>
+          </a:ln>
+        </p:spPr>
+        <p:txBody>
+          <a:bodyPr spcFirstLastPara="1" wrap="square" lIns="91425" tIns="91425" rIns="91425" bIns="91425" anchor="ctr" anchorCtr="0">
+            <a:noAutofit/>
+          </a:bodyPr>
+          <a:lstStyle/>
+          <a:p>
+            <a:pPr marL="0" marR="0" lvl="0" indent="0" defTabSz="914400" eaLnBrk="1" fontAlgn="auto" latinLnBrk="0" hangingPunct="1">
+              <a:lnSpc>
+                <a:spcPct val="100000"/>
+              </a:lnSpc>
+              <a:spcBef>
+                <a:spcPts val="0"/>
+              </a:spcBef>
+              <a:spcAft>
+                <a:spcPts val="0"/>
+              </a:spcAft>
+              <a:buClr>
+                <a:srgbClr val="000000"/>
+              </a:buClr>
+              <a:buSzTx/>
+              <a:buFont typeface="Arial"/>
+              <a:buNone/>
+              <a:tabLst/>
+              <a:defRPr/>
+            </a:pPr>
+            <a:r>
+              <a:rPr kumimoji="0" lang="en" sz="1400" b="0" i="0" u="none" strike="noStrike" kern="0" cap="none" spc="0" normalizeH="0" baseline="0" noProof="0">
+                <a:ln>
+                  <a:noFill/>
+                </a:ln>
+                <a:solidFill>
+                  <a:srgbClr val="000000"/>
+                </a:solidFill>
+                <a:effectLst/>
+                <a:uLnTx/>
+                <a:uFillTx/>
+                <a:latin typeface="Arial"/>
+                <a:cs typeface="Arial"/>
+                <a:sym typeface="Arial"/>
+              </a:rPr>
+              <a:t>  </a:t>
+            </a:r>
+            <a:endParaRPr kumimoji="0" sz="1400" b="0" i="0" u="none" strike="noStrike" kern="0" cap="none" spc="0" normalizeH="0" baseline="0" noProof="0">
+              <a:ln>
+                <a:noFill/>
+              </a:ln>
+              <a:solidFill>
+                <a:srgbClr val="000000"/>
+              </a:solidFill>
+              <a:effectLst/>
+              <a:uLnTx/>
+              <a:uFillTx/>
+              <a:latin typeface="Arial"/>
+              <a:cs typeface="Arial"/>
+              <a:sym typeface="Arial"/>
+            </a:endParaRPr>
+          </a:p>
+        </p:txBody>
+      </p:sp>
+      <p:sp>
+        <p:nvSpPr>
+          <p:cNvPr id="35" name="Google Shape;1113;p33">
+            <a:extLst>
+              <a:ext uri="{FF2B5EF4-FFF2-40B4-BE49-F238E27FC236}">
+                <a16:creationId xmlns:a16="http://schemas.microsoft.com/office/drawing/2014/main" id="{A7EECF05-2FC9-6096-84DC-607CD5F9FDEB}"/>
+              </a:ext>
+            </a:extLst>
+          </p:cNvPr>
+          <p:cNvSpPr/>
+          <p:nvPr/>
+        </p:nvSpPr>
+        <p:spPr>
+          <a:xfrm>
+            <a:off x="2609901" y="2553004"/>
+            <a:ext cx="222638" cy="190814"/>
+          </a:xfrm>
+          <a:custGeom>
+            <a:avLst/>
+            <a:gdLst/>
+            <a:ahLst/>
+            <a:cxnLst/>
+            <a:rect l="l" t="t" r="r" b="b"/>
+            <a:pathLst>
+              <a:path w="8388" h="7189" extrusionOk="0">
+                <a:moveTo>
+                  <a:pt x="4803" y="300"/>
+                </a:moveTo>
+                <a:cubicBezTo>
+                  <a:pt x="6609" y="314"/>
+                  <a:pt x="8079" y="1770"/>
+                  <a:pt x="8093" y="3590"/>
+                </a:cubicBezTo>
+                <a:cubicBezTo>
+                  <a:pt x="8093" y="5580"/>
+                  <a:pt x="6470" y="6897"/>
+                  <a:pt x="4774" y="6897"/>
+                </a:cubicBezTo>
+                <a:cubicBezTo>
+                  <a:pt x="3965" y="6897"/>
+                  <a:pt x="3139" y="6597"/>
+                  <a:pt x="2465" y="5928"/>
+                </a:cubicBezTo>
+                <a:cubicBezTo>
+                  <a:pt x="393" y="3856"/>
+                  <a:pt x="1863" y="300"/>
+                  <a:pt x="4803" y="300"/>
+                </a:cubicBezTo>
+                <a:close/>
+                <a:moveTo>
+                  <a:pt x="4762" y="1"/>
+                </a:moveTo>
+                <a:cubicBezTo>
+                  <a:pt x="3881" y="1"/>
+                  <a:pt x="2984" y="327"/>
+                  <a:pt x="2255" y="1056"/>
+                </a:cubicBezTo>
+                <a:cubicBezTo>
+                  <a:pt x="1" y="3324"/>
+                  <a:pt x="1597" y="7188"/>
+                  <a:pt x="4803" y="7188"/>
+                </a:cubicBezTo>
+                <a:cubicBezTo>
+                  <a:pt x="6777" y="7174"/>
+                  <a:pt x="8387" y="5578"/>
+                  <a:pt x="8387" y="3590"/>
+                </a:cubicBezTo>
+                <a:cubicBezTo>
+                  <a:pt x="8378" y="1430"/>
+                  <a:pt x="6606" y="1"/>
+                  <a:pt x="4762" y="1"/>
+                </a:cubicBezTo>
+                <a:close/>
+              </a:path>
+            </a:pathLst>
+          </a:custGeom>
+          <a:solidFill>
+            <a:srgbClr val="303030"/>
+          </a:solidFill>
+          <a:ln>
+            <a:noFill/>
+          </a:ln>
+        </p:spPr>
+        <p:txBody>
+          <a:bodyPr spcFirstLastPara="1" wrap="square" lIns="91425" tIns="91425" rIns="91425" bIns="91425" anchor="ctr" anchorCtr="0">
+            <a:noAutofit/>
+          </a:bodyPr>
+          <a:lstStyle/>
+          <a:p>
+            <a:pPr>
+              <a:buClr>
+                <a:srgbClr val="000000"/>
+              </a:buClr>
+              <a:buFont typeface="Arial"/>
+              <a:buNone/>
+            </a:pPr>
+            <a:endParaRPr sz="1400" kern="0">
+              <a:solidFill>
+                <a:srgbClr val="000000"/>
+              </a:solidFill>
+              <a:latin typeface="Arial"/>
+              <a:cs typeface="Arial"/>
+              <a:sym typeface="Arial"/>
+            </a:endParaRPr>
+          </a:p>
+        </p:txBody>
+      </p:sp>
+      <p:sp>
+        <p:nvSpPr>
+          <p:cNvPr id="45" name="Google Shape;1115;p33">
+            <a:extLst>
+              <a:ext uri="{FF2B5EF4-FFF2-40B4-BE49-F238E27FC236}">
+                <a16:creationId xmlns:a16="http://schemas.microsoft.com/office/drawing/2014/main" id="{505BB365-5BC1-384D-919D-760C8B662F69}"/>
+              </a:ext>
+            </a:extLst>
+          </p:cNvPr>
+          <p:cNvSpPr/>
+          <p:nvPr/>
+        </p:nvSpPr>
+        <p:spPr>
+          <a:xfrm>
+            <a:off x="3104775" y="2564987"/>
+            <a:ext cx="200714" cy="182692"/>
+          </a:xfrm>
+          <a:custGeom>
+            <a:avLst/>
+            <a:gdLst/>
+            <a:ahLst/>
+            <a:cxnLst/>
+            <a:rect l="l" t="t" r="r" b="b"/>
+            <a:pathLst>
+              <a:path w="7562" h="6883" extrusionOk="0">
+                <a:moveTo>
+                  <a:pt x="3790" y="1"/>
+                </a:moveTo>
+                <a:cubicBezTo>
+                  <a:pt x="2228" y="1"/>
+                  <a:pt x="807" y="1071"/>
+                  <a:pt x="434" y="2655"/>
+                </a:cubicBezTo>
+                <a:cubicBezTo>
+                  <a:pt x="0" y="4503"/>
+                  <a:pt x="1135" y="6351"/>
+                  <a:pt x="2983" y="6785"/>
+                </a:cubicBezTo>
+                <a:cubicBezTo>
+                  <a:pt x="3253" y="6851"/>
+                  <a:pt x="3524" y="6882"/>
+                  <a:pt x="3791" y="6882"/>
+                </a:cubicBezTo>
+                <a:cubicBezTo>
+                  <a:pt x="5345" y="6882"/>
+                  <a:pt x="6757" y="5815"/>
+                  <a:pt x="7127" y="4237"/>
+                </a:cubicBezTo>
+                <a:cubicBezTo>
+                  <a:pt x="7561" y="2389"/>
+                  <a:pt x="6427" y="541"/>
+                  <a:pt x="4579" y="93"/>
+                </a:cubicBezTo>
+                <a:cubicBezTo>
+                  <a:pt x="4315" y="31"/>
+                  <a:pt x="4050" y="1"/>
+                  <a:pt x="3790" y="1"/>
+                </a:cubicBezTo>
+                <a:close/>
+              </a:path>
+            </a:pathLst>
+          </a:custGeom>
+          <a:solidFill>
+            <a:srgbClr val="36A5A4"/>
+          </a:solidFill>
+          <a:ln>
+            <a:noFill/>
+          </a:ln>
+        </p:spPr>
+        <p:txBody>
+          <a:bodyPr spcFirstLastPara="1" wrap="square" lIns="91425" tIns="91425" rIns="91425" bIns="91425" anchor="ctr" anchorCtr="0">
+            <a:noAutofit/>
+          </a:bodyPr>
+          <a:lstStyle/>
+          <a:p>
+            <a:pPr>
+              <a:buClr>
+                <a:srgbClr val="000000"/>
+              </a:buClr>
+              <a:buFont typeface="Arial"/>
+              <a:buNone/>
+            </a:pPr>
+            <a:endParaRPr sz="1400" kern="0">
+              <a:solidFill>
+                <a:srgbClr val="000000"/>
+              </a:solidFill>
+              <a:latin typeface="Arial"/>
+              <a:cs typeface="Arial"/>
+              <a:sym typeface="Arial"/>
+            </a:endParaRPr>
+          </a:p>
+        </p:txBody>
+      </p:sp>
+      <p:sp>
+        <p:nvSpPr>
+          <p:cNvPr id="46" name="Google Shape;1116;p33">
+            <a:extLst>
+              <a:ext uri="{FF2B5EF4-FFF2-40B4-BE49-F238E27FC236}">
+                <a16:creationId xmlns:a16="http://schemas.microsoft.com/office/drawing/2014/main" id="{ACBB50E0-7939-1374-61A9-D603AF901C57}"/>
+              </a:ext>
+            </a:extLst>
+          </p:cNvPr>
+          <p:cNvSpPr/>
+          <p:nvPr/>
+        </p:nvSpPr>
+        <p:spPr>
+          <a:xfrm>
+            <a:off x="3053495" y="2541284"/>
+            <a:ext cx="222612" cy="190814"/>
+          </a:xfrm>
+          <a:custGeom>
+            <a:avLst/>
+            <a:gdLst/>
+            <a:ahLst/>
+            <a:cxnLst/>
+            <a:rect l="l" t="t" r="r" b="b"/>
+            <a:pathLst>
+              <a:path w="8387" h="7189" extrusionOk="0">
+                <a:moveTo>
+                  <a:pt x="4803" y="300"/>
+                </a:moveTo>
+                <a:cubicBezTo>
+                  <a:pt x="6609" y="314"/>
+                  <a:pt x="8079" y="1770"/>
+                  <a:pt x="8093" y="3590"/>
+                </a:cubicBezTo>
+                <a:cubicBezTo>
+                  <a:pt x="8093" y="5580"/>
+                  <a:pt x="6469" y="6897"/>
+                  <a:pt x="4773" y="6897"/>
+                </a:cubicBezTo>
+                <a:cubicBezTo>
+                  <a:pt x="3964" y="6897"/>
+                  <a:pt x="3138" y="6597"/>
+                  <a:pt x="2464" y="5928"/>
+                </a:cubicBezTo>
+                <a:cubicBezTo>
+                  <a:pt x="392" y="3856"/>
+                  <a:pt x="1862" y="300"/>
+                  <a:pt x="4803" y="300"/>
+                </a:cubicBezTo>
+                <a:close/>
+                <a:moveTo>
+                  <a:pt x="4761" y="1"/>
+                </a:moveTo>
+                <a:cubicBezTo>
+                  <a:pt x="3880" y="1"/>
+                  <a:pt x="2983" y="327"/>
+                  <a:pt x="2254" y="1056"/>
+                </a:cubicBezTo>
+                <a:cubicBezTo>
+                  <a:pt x="0" y="3324"/>
+                  <a:pt x="1596" y="7188"/>
+                  <a:pt x="4803" y="7188"/>
+                </a:cubicBezTo>
+                <a:cubicBezTo>
+                  <a:pt x="6777" y="7174"/>
+                  <a:pt x="8387" y="5578"/>
+                  <a:pt x="8387" y="3590"/>
+                </a:cubicBezTo>
+                <a:cubicBezTo>
+                  <a:pt x="8378" y="1430"/>
+                  <a:pt x="6605" y="1"/>
+                  <a:pt x="4761" y="1"/>
+                </a:cubicBezTo>
+                <a:close/>
+              </a:path>
+            </a:pathLst>
+          </a:custGeom>
+          <a:solidFill>
+            <a:srgbClr val="303030"/>
+          </a:solidFill>
+          <a:ln>
+            <a:noFill/>
+          </a:ln>
+        </p:spPr>
+        <p:txBody>
+          <a:bodyPr spcFirstLastPara="1" wrap="square" lIns="91425" tIns="91425" rIns="91425" bIns="91425" anchor="ctr" anchorCtr="0">
+            <a:noAutofit/>
+          </a:bodyPr>
+          <a:lstStyle/>
+          <a:p>
+            <a:pPr>
+              <a:buClr>
+                <a:srgbClr val="000000"/>
+              </a:buClr>
+              <a:buFont typeface="Arial"/>
+              <a:buNone/>
+            </a:pPr>
+            <a:endParaRPr sz="1400" kern="0">
+              <a:solidFill>
+                <a:srgbClr val="000000"/>
+              </a:solidFill>
+              <a:latin typeface="Arial"/>
+              <a:cs typeface="Arial"/>
+              <a:sym typeface="Arial"/>
+            </a:endParaRPr>
+          </a:p>
+        </p:txBody>
+      </p:sp>
+      <p:sp>
+        <p:nvSpPr>
+          <p:cNvPr id="43" name="Google Shape;1112;p33">
+            <a:extLst>
+              <a:ext uri="{FF2B5EF4-FFF2-40B4-BE49-F238E27FC236}">
+                <a16:creationId xmlns:a16="http://schemas.microsoft.com/office/drawing/2014/main" id="{35EC0626-97E0-E90A-178F-BDC37491BD62}"/>
+              </a:ext>
+            </a:extLst>
+          </p:cNvPr>
+          <p:cNvSpPr/>
+          <p:nvPr/>
+        </p:nvSpPr>
+        <p:spPr>
+          <a:xfrm>
+            <a:off x="3631268" y="2563210"/>
+            <a:ext cx="213349" cy="182904"/>
+          </a:xfrm>
+          <a:custGeom>
+            <a:avLst/>
+            <a:gdLst/>
+            <a:ahLst/>
+            <a:cxnLst/>
+            <a:rect l="l" t="t" r="r" b="b"/>
+            <a:pathLst>
+              <a:path w="8038" h="6891" extrusionOk="0">
+                <a:moveTo>
+                  <a:pt x="4607" y="1"/>
+                </a:moveTo>
+                <a:cubicBezTo>
+                  <a:pt x="1541" y="1"/>
+                  <a:pt x="1" y="3711"/>
+                  <a:pt x="2171" y="5881"/>
+                </a:cubicBezTo>
+                <a:cubicBezTo>
+                  <a:pt x="2872" y="6578"/>
+                  <a:pt x="3733" y="6890"/>
+                  <a:pt x="4577" y="6890"/>
+                </a:cubicBezTo>
+                <a:cubicBezTo>
+                  <a:pt x="6344" y="6890"/>
+                  <a:pt x="8038" y="5520"/>
+                  <a:pt x="8038" y="3445"/>
+                </a:cubicBezTo>
+                <a:cubicBezTo>
+                  <a:pt x="8038" y="1541"/>
+                  <a:pt x="6497" y="1"/>
+                  <a:pt x="4607" y="1"/>
+                </a:cubicBezTo>
+                <a:close/>
+              </a:path>
+            </a:pathLst>
+          </a:custGeom>
+          <a:gradFill>
+            <a:gsLst>
+              <a:gs pos="0">
+                <a:srgbClr val="A3D798"/>
+              </a:gs>
+              <a:gs pos="100000">
+                <a:srgbClr val="70C08D"/>
+              </a:gs>
+            </a:gsLst>
+            <a:lin ang="0" scaled="0"/>
+          </a:gradFill>
+          <a:ln>
+            <a:noFill/>
+          </a:ln>
+        </p:spPr>
+        <p:txBody>
+          <a:bodyPr spcFirstLastPara="1" wrap="square" lIns="91425" tIns="91425" rIns="91425" bIns="91425" anchor="ctr" anchorCtr="0">
+            <a:noAutofit/>
+          </a:bodyPr>
+          <a:lstStyle/>
+          <a:p>
+            <a:pPr marL="0" marR="0" lvl="0" indent="0" defTabSz="914400" eaLnBrk="1" fontAlgn="auto" latinLnBrk="0" hangingPunct="1">
+              <a:lnSpc>
+                <a:spcPct val="100000"/>
+              </a:lnSpc>
+              <a:spcBef>
+                <a:spcPts val="0"/>
+              </a:spcBef>
+              <a:spcAft>
+                <a:spcPts val="0"/>
+              </a:spcAft>
+              <a:buClr>
+                <a:srgbClr val="000000"/>
+              </a:buClr>
+              <a:buSzTx/>
+              <a:buFont typeface="Arial"/>
+              <a:buNone/>
+              <a:tabLst/>
+              <a:defRPr/>
+            </a:pPr>
+            <a:r>
+              <a:rPr kumimoji="0" lang="en" sz="1400" b="0" i="0" u="none" strike="noStrike" kern="0" cap="none" spc="0" normalizeH="0" baseline="0" noProof="0">
+                <a:ln>
+                  <a:noFill/>
+                </a:ln>
+                <a:solidFill>
+                  <a:srgbClr val="000000"/>
+                </a:solidFill>
+                <a:effectLst/>
+                <a:uLnTx/>
+                <a:uFillTx/>
+                <a:latin typeface="Arial"/>
+                <a:cs typeface="Arial"/>
+                <a:sym typeface="Arial"/>
+              </a:rPr>
+              <a:t>  </a:t>
+            </a:r>
+            <a:endParaRPr kumimoji="0" sz="1400" b="0" i="0" u="none" strike="noStrike" kern="0" cap="none" spc="0" normalizeH="0" baseline="0" noProof="0">
+              <a:ln>
+                <a:noFill/>
+              </a:ln>
+              <a:solidFill>
+                <a:srgbClr val="000000"/>
+              </a:solidFill>
+              <a:effectLst/>
+              <a:uLnTx/>
+              <a:uFillTx/>
+              <a:latin typeface="Arial"/>
+              <a:cs typeface="Arial"/>
+              <a:sym typeface="Arial"/>
+            </a:endParaRPr>
+          </a:p>
+        </p:txBody>
+      </p:sp>
+      <p:sp>
+        <p:nvSpPr>
+          <p:cNvPr id="44" name="Google Shape;1113;p33">
+            <a:extLst>
+              <a:ext uri="{FF2B5EF4-FFF2-40B4-BE49-F238E27FC236}">
+                <a16:creationId xmlns:a16="http://schemas.microsoft.com/office/drawing/2014/main" id="{6AF9ABE4-1BD6-9686-797E-BFB902942CF1}"/>
+              </a:ext>
+            </a:extLst>
+          </p:cNvPr>
+          <p:cNvSpPr/>
+          <p:nvPr/>
+        </p:nvSpPr>
+        <p:spPr>
+          <a:xfrm>
+            <a:off x="3603770" y="2536694"/>
+            <a:ext cx="222638" cy="190814"/>
+          </a:xfrm>
+          <a:custGeom>
+            <a:avLst/>
+            <a:gdLst/>
+            <a:ahLst/>
+            <a:cxnLst/>
+            <a:rect l="l" t="t" r="r" b="b"/>
+            <a:pathLst>
+              <a:path w="8388" h="7189" extrusionOk="0">
+                <a:moveTo>
+                  <a:pt x="4803" y="300"/>
+                </a:moveTo>
+                <a:cubicBezTo>
+                  <a:pt x="6609" y="314"/>
+                  <a:pt x="8079" y="1770"/>
+                  <a:pt x="8093" y="3590"/>
+                </a:cubicBezTo>
+                <a:cubicBezTo>
+                  <a:pt x="8093" y="5580"/>
+                  <a:pt x="6470" y="6897"/>
+                  <a:pt x="4774" y="6897"/>
+                </a:cubicBezTo>
+                <a:cubicBezTo>
+                  <a:pt x="3965" y="6897"/>
+                  <a:pt x="3139" y="6597"/>
+                  <a:pt x="2465" y="5928"/>
+                </a:cubicBezTo>
+                <a:cubicBezTo>
+                  <a:pt x="393" y="3856"/>
+                  <a:pt x="1863" y="300"/>
+                  <a:pt x="4803" y="300"/>
+                </a:cubicBezTo>
+                <a:close/>
+                <a:moveTo>
+                  <a:pt x="4762" y="1"/>
+                </a:moveTo>
+                <a:cubicBezTo>
+                  <a:pt x="3881" y="1"/>
+                  <a:pt x="2984" y="327"/>
+                  <a:pt x="2255" y="1056"/>
+                </a:cubicBezTo>
+                <a:cubicBezTo>
+                  <a:pt x="1" y="3324"/>
+                  <a:pt x="1597" y="7188"/>
+                  <a:pt x="4803" y="7188"/>
+                </a:cubicBezTo>
+                <a:cubicBezTo>
+                  <a:pt x="6777" y="7174"/>
+                  <a:pt x="8387" y="5578"/>
+                  <a:pt x="8387" y="3590"/>
+                </a:cubicBezTo>
+                <a:cubicBezTo>
+                  <a:pt x="8378" y="1430"/>
+                  <a:pt x="6606" y="1"/>
+                  <a:pt x="4762" y="1"/>
+                </a:cubicBezTo>
+                <a:close/>
+              </a:path>
+            </a:pathLst>
+          </a:custGeom>
+          <a:solidFill>
+            <a:srgbClr val="303030"/>
+          </a:solidFill>
+          <a:ln>
+            <a:noFill/>
+          </a:ln>
+        </p:spPr>
+        <p:txBody>
+          <a:bodyPr spcFirstLastPara="1" wrap="square" lIns="91425" tIns="91425" rIns="91425" bIns="91425" anchor="ctr" anchorCtr="0">
+            <a:noAutofit/>
+          </a:bodyPr>
+          <a:lstStyle/>
+          <a:p>
+            <a:pPr>
+              <a:buClr>
+                <a:srgbClr val="000000"/>
+              </a:buClr>
+              <a:buFont typeface="Arial"/>
+              <a:buNone/>
+            </a:pPr>
+            <a:endParaRPr sz="1400" kern="0">
+              <a:solidFill>
+                <a:srgbClr val="000000"/>
+              </a:solidFill>
+              <a:latin typeface="Arial"/>
+              <a:cs typeface="Arial"/>
+              <a:sym typeface="Arial"/>
+            </a:endParaRPr>
+          </a:p>
+        </p:txBody>
+      </p:sp>
+      <p:sp>
+        <p:nvSpPr>
+          <p:cNvPr id="53" name="Google Shape;1112;p33">
+            <a:extLst>
+              <a:ext uri="{FF2B5EF4-FFF2-40B4-BE49-F238E27FC236}">
+                <a16:creationId xmlns:a16="http://schemas.microsoft.com/office/drawing/2014/main" id="{F6AEA512-AD2C-64E5-5F68-8D3797719A0B}"/>
+              </a:ext>
+            </a:extLst>
+          </p:cNvPr>
+          <p:cNvSpPr/>
+          <p:nvPr/>
+        </p:nvSpPr>
+        <p:spPr>
+          <a:xfrm>
+            <a:off x="4450471" y="2557486"/>
+            <a:ext cx="213349" cy="182904"/>
+          </a:xfrm>
+          <a:custGeom>
+            <a:avLst/>
+            <a:gdLst/>
+            <a:ahLst/>
+            <a:cxnLst/>
+            <a:rect l="l" t="t" r="r" b="b"/>
+            <a:pathLst>
+              <a:path w="8038" h="6891" extrusionOk="0">
+                <a:moveTo>
+                  <a:pt x="4607" y="1"/>
+                </a:moveTo>
+                <a:cubicBezTo>
+                  <a:pt x="1541" y="1"/>
+                  <a:pt x="1" y="3711"/>
+                  <a:pt x="2171" y="5881"/>
+                </a:cubicBezTo>
+                <a:cubicBezTo>
+                  <a:pt x="2872" y="6578"/>
+                  <a:pt x="3733" y="6890"/>
+                  <a:pt x="4577" y="6890"/>
+                </a:cubicBezTo>
+                <a:cubicBezTo>
+                  <a:pt x="6344" y="6890"/>
+                  <a:pt x="8038" y="5520"/>
+                  <a:pt x="8038" y="3445"/>
+                </a:cubicBezTo>
+                <a:cubicBezTo>
+                  <a:pt x="8038" y="1541"/>
+                  <a:pt x="6497" y="1"/>
+                  <a:pt x="4607" y="1"/>
+                </a:cubicBezTo>
+                <a:close/>
+              </a:path>
+            </a:pathLst>
+          </a:custGeom>
+          <a:gradFill>
+            <a:gsLst>
+              <a:gs pos="0">
+                <a:srgbClr val="A3D798"/>
+              </a:gs>
+              <a:gs pos="100000">
+                <a:srgbClr val="70C08D"/>
+              </a:gs>
+            </a:gsLst>
+            <a:lin ang="0" scaled="0"/>
+          </a:gradFill>
+          <a:ln>
+            <a:noFill/>
+          </a:ln>
+        </p:spPr>
+        <p:txBody>
+          <a:bodyPr spcFirstLastPara="1" wrap="square" lIns="91425" tIns="91425" rIns="91425" bIns="91425" anchor="ctr" anchorCtr="0">
+            <a:noAutofit/>
+          </a:bodyPr>
+          <a:lstStyle/>
+          <a:p>
+            <a:pPr marL="0" marR="0" lvl="0" indent="0" defTabSz="914400" eaLnBrk="1" fontAlgn="auto" latinLnBrk="0" hangingPunct="1">
+              <a:lnSpc>
+                <a:spcPct val="100000"/>
+              </a:lnSpc>
+              <a:spcBef>
+                <a:spcPts val="0"/>
+              </a:spcBef>
+              <a:spcAft>
+                <a:spcPts val="0"/>
+              </a:spcAft>
+              <a:buClr>
+                <a:srgbClr val="000000"/>
+              </a:buClr>
+              <a:buSzTx/>
+              <a:buFont typeface="Arial"/>
+              <a:buNone/>
+              <a:tabLst/>
+              <a:defRPr/>
+            </a:pPr>
+            <a:r>
+              <a:rPr kumimoji="0" lang="en" sz="1400" b="0" i="0" u="none" strike="noStrike" kern="0" cap="none" spc="0" normalizeH="0" baseline="0" noProof="0">
+                <a:ln>
+                  <a:noFill/>
+                </a:ln>
+                <a:solidFill>
+                  <a:srgbClr val="000000"/>
+                </a:solidFill>
+                <a:effectLst/>
+                <a:uLnTx/>
+                <a:uFillTx/>
+                <a:latin typeface="Arial"/>
+                <a:cs typeface="Arial"/>
+                <a:sym typeface="Arial"/>
+              </a:rPr>
+              <a:t>  </a:t>
+            </a:r>
+            <a:endParaRPr kumimoji="0" sz="1400" b="0" i="0" u="none" strike="noStrike" kern="0" cap="none" spc="0" normalizeH="0" baseline="0" noProof="0">
+              <a:ln>
+                <a:noFill/>
+              </a:ln>
+              <a:solidFill>
+                <a:srgbClr val="000000"/>
+              </a:solidFill>
+              <a:effectLst/>
+              <a:uLnTx/>
+              <a:uFillTx/>
+              <a:latin typeface="Arial"/>
+              <a:cs typeface="Arial"/>
+              <a:sym typeface="Arial"/>
+            </a:endParaRPr>
+          </a:p>
+        </p:txBody>
+      </p:sp>
+      <p:sp>
+        <p:nvSpPr>
+          <p:cNvPr id="54" name="Google Shape;1113;p33">
+            <a:extLst>
+              <a:ext uri="{FF2B5EF4-FFF2-40B4-BE49-F238E27FC236}">
+                <a16:creationId xmlns:a16="http://schemas.microsoft.com/office/drawing/2014/main" id="{292909B7-D31D-9E7A-F023-D73D708681A4}"/>
+              </a:ext>
+            </a:extLst>
+          </p:cNvPr>
+          <p:cNvSpPr/>
+          <p:nvPr/>
+        </p:nvSpPr>
+        <p:spPr>
+          <a:xfrm>
+            <a:off x="4422973" y="2530970"/>
+            <a:ext cx="222638" cy="190814"/>
+          </a:xfrm>
+          <a:custGeom>
+            <a:avLst/>
+            <a:gdLst/>
+            <a:ahLst/>
+            <a:cxnLst/>
+            <a:rect l="l" t="t" r="r" b="b"/>
+            <a:pathLst>
+              <a:path w="8388" h="7189" extrusionOk="0">
+                <a:moveTo>
+                  <a:pt x="4803" y="300"/>
+                </a:moveTo>
+                <a:cubicBezTo>
+                  <a:pt x="6609" y="314"/>
+                  <a:pt x="8079" y="1770"/>
+                  <a:pt x="8093" y="3590"/>
+                </a:cubicBezTo>
+                <a:cubicBezTo>
+                  <a:pt x="8093" y="5580"/>
+                  <a:pt x="6470" y="6897"/>
+                  <a:pt x="4774" y="6897"/>
+                </a:cubicBezTo>
+                <a:cubicBezTo>
+                  <a:pt x="3965" y="6897"/>
+                  <a:pt x="3139" y="6597"/>
+                  <a:pt x="2465" y="5928"/>
+                </a:cubicBezTo>
+                <a:cubicBezTo>
+                  <a:pt x="393" y="3856"/>
+                  <a:pt x="1863" y="300"/>
+                  <a:pt x="4803" y="300"/>
+                </a:cubicBezTo>
+                <a:close/>
+                <a:moveTo>
+                  <a:pt x="4762" y="1"/>
+                </a:moveTo>
+                <a:cubicBezTo>
+                  <a:pt x="3881" y="1"/>
+                  <a:pt x="2984" y="327"/>
+                  <a:pt x="2255" y="1056"/>
+                </a:cubicBezTo>
+                <a:cubicBezTo>
+                  <a:pt x="1" y="3324"/>
+                  <a:pt x="1597" y="7188"/>
+                  <a:pt x="4803" y="7188"/>
+                </a:cubicBezTo>
+                <a:cubicBezTo>
+                  <a:pt x="6777" y="7174"/>
+                  <a:pt x="8387" y="5578"/>
+                  <a:pt x="8387" y="3590"/>
+                </a:cubicBezTo>
+                <a:cubicBezTo>
+                  <a:pt x="8378" y="1430"/>
+                  <a:pt x="6606" y="1"/>
+                  <a:pt x="4762" y="1"/>
+                </a:cubicBezTo>
+                <a:close/>
+              </a:path>
+            </a:pathLst>
+          </a:custGeom>
+          <a:solidFill>
+            <a:srgbClr val="303030"/>
+          </a:solidFill>
+          <a:ln>
+            <a:noFill/>
+          </a:ln>
+        </p:spPr>
+        <p:txBody>
+          <a:bodyPr spcFirstLastPara="1" wrap="square" lIns="91425" tIns="91425" rIns="91425" bIns="91425" anchor="ctr" anchorCtr="0">
+            <a:noAutofit/>
+          </a:bodyPr>
+          <a:lstStyle/>
+          <a:p>
+            <a:pPr>
+              <a:buClr>
+                <a:srgbClr val="000000"/>
+              </a:buClr>
+              <a:buFont typeface="Arial"/>
+              <a:buNone/>
+            </a:pPr>
+            <a:endParaRPr sz="1400" kern="0">
+              <a:solidFill>
+                <a:srgbClr val="000000"/>
+              </a:solidFill>
+              <a:latin typeface="Arial"/>
+              <a:cs typeface="Arial"/>
+              <a:sym typeface="Arial"/>
+            </a:endParaRPr>
+          </a:p>
+        </p:txBody>
+      </p:sp>
+      <p:sp>
+        <p:nvSpPr>
+          <p:cNvPr id="12" name="Google Shape;1121;p33">
+            <a:extLst>
+              <a:ext uri="{FF2B5EF4-FFF2-40B4-BE49-F238E27FC236}">
+                <a16:creationId xmlns:a16="http://schemas.microsoft.com/office/drawing/2014/main" id="{1AA61B40-979E-F145-019D-C4B1DAB491A7}"/>
+              </a:ext>
+            </a:extLst>
+          </p:cNvPr>
+          <p:cNvSpPr/>
+          <p:nvPr/>
+        </p:nvSpPr>
+        <p:spPr>
+          <a:xfrm>
+            <a:off x="7464717" y="2568179"/>
+            <a:ext cx="182878" cy="182506"/>
+          </a:xfrm>
+          <a:custGeom>
+            <a:avLst/>
+            <a:gdLst/>
+            <a:ahLst/>
+            <a:cxnLst/>
+            <a:rect l="l" t="t" r="r" b="b"/>
+            <a:pathLst>
+              <a:path w="6890" h="6876" extrusionOk="0">
+                <a:moveTo>
+                  <a:pt x="3445" y="1"/>
+                </a:moveTo>
+                <a:cubicBezTo>
+                  <a:pt x="1541" y="1"/>
+                  <a:pt x="1" y="1541"/>
+                  <a:pt x="1" y="3445"/>
+                </a:cubicBezTo>
+                <a:cubicBezTo>
+                  <a:pt x="1" y="5335"/>
+                  <a:pt x="1541" y="6875"/>
+                  <a:pt x="3445" y="6875"/>
+                </a:cubicBezTo>
+                <a:cubicBezTo>
+                  <a:pt x="5349" y="6875"/>
+                  <a:pt x="6889" y="5335"/>
+                  <a:pt x="6889" y="3445"/>
+                </a:cubicBezTo>
+                <a:cubicBezTo>
+                  <a:pt x="6889" y="1541"/>
+                  <a:pt x="5349" y="1"/>
+                  <a:pt x="3445" y="1"/>
+                </a:cubicBezTo>
+                <a:close/>
+              </a:path>
+            </a:pathLst>
+          </a:custGeom>
+          <a:gradFill>
+            <a:gsLst>
+              <a:gs pos="0">
+                <a:srgbClr val="36857B"/>
+              </a:gs>
+              <a:gs pos="100000">
+                <a:srgbClr val="33C5CE"/>
+              </a:gs>
+            </a:gsLst>
+            <a:lin ang="0" scaled="0"/>
+          </a:gradFill>
+          <a:ln>
+            <a:noFill/>
+          </a:ln>
+        </p:spPr>
+        <p:txBody>
+          <a:bodyPr spcFirstLastPara="1" wrap="square" lIns="91425" tIns="91425" rIns="91425" bIns="91425" anchor="ctr" anchorCtr="0">
+            <a:noAutofit/>
+          </a:bodyPr>
+          <a:lstStyle/>
+          <a:p>
+            <a:pPr marL="0" marR="0" lvl="0" indent="0" defTabSz="914400" eaLnBrk="1" fontAlgn="auto" latinLnBrk="0" hangingPunct="1">
+              <a:lnSpc>
+                <a:spcPct val="100000"/>
+              </a:lnSpc>
+              <a:spcBef>
+                <a:spcPts val="0"/>
+              </a:spcBef>
+              <a:spcAft>
+                <a:spcPts val="0"/>
+              </a:spcAft>
+              <a:buClr>
+                <a:srgbClr val="000000"/>
+              </a:buClr>
+              <a:buSzTx/>
+              <a:buFont typeface="Arial"/>
+              <a:buNone/>
+              <a:tabLst/>
+              <a:defRPr/>
+            </a:pPr>
+            <a:endParaRPr kumimoji="0" sz="1400" b="0" i="0" u="none" strike="noStrike" kern="0" cap="none" spc="0" normalizeH="0" baseline="0" noProof="0">
+              <a:ln>
+                <a:noFill/>
+              </a:ln>
+              <a:solidFill>
+                <a:srgbClr val="000000"/>
+              </a:solidFill>
+              <a:effectLst/>
+              <a:uLnTx/>
+              <a:uFillTx/>
+              <a:latin typeface="Arial"/>
+              <a:cs typeface="Arial"/>
+              <a:sym typeface="Arial"/>
+            </a:endParaRPr>
+          </a:p>
+        </p:txBody>
+      </p:sp>
+      <p:sp>
+        <p:nvSpPr>
+          <p:cNvPr id="13" name="Google Shape;1122;p33">
+            <a:extLst>
+              <a:ext uri="{FF2B5EF4-FFF2-40B4-BE49-F238E27FC236}">
+                <a16:creationId xmlns:a16="http://schemas.microsoft.com/office/drawing/2014/main" id="{13AC6964-24E2-5F8F-0DBF-C5FE99CDA5C6}"/>
+              </a:ext>
+            </a:extLst>
+          </p:cNvPr>
+          <p:cNvSpPr/>
+          <p:nvPr/>
+        </p:nvSpPr>
+        <p:spPr>
+          <a:xfrm>
+            <a:off x="7406377" y="2541663"/>
+            <a:ext cx="222638" cy="190814"/>
+          </a:xfrm>
+          <a:custGeom>
+            <a:avLst/>
+            <a:gdLst/>
+            <a:ahLst/>
+            <a:cxnLst/>
+            <a:rect l="l" t="t" r="r" b="b"/>
+            <a:pathLst>
+              <a:path w="8388" h="7189" extrusionOk="0">
+                <a:moveTo>
+                  <a:pt x="4803" y="300"/>
+                </a:moveTo>
+                <a:cubicBezTo>
+                  <a:pt x="6609" y="314"/>
+                  <a:pt x="8079" y="1770"/>
+                  <a:pt x="8093" y="3590"/>
+                </a:cubicBezTo>
+                <a:cubicBezTo>
+                  <a:pt x="8093" y="5580"/>
+                  <a:pt x="6469" y="6897"/>
+                  <a:pt x="4778" y="6897"/>
+                </a:cubicBezTo>
+                <a:cubicBezTo>
+                  <a:pt x="3971" y="6897"/>
+                  <a:pt x="3148" y="6597"/>
+                  <a:pt x="2479" y="5928"/>
+                </a:cubicBezTo>
+                <a:cubicBezTo>
+                  <a:pt x="392" y="3856"/>
+                  <a:pt x="1862" y="300"/>
+                  <a:pt x="4803" y="300"/>
+                </a:cubicBezTo>
+                <a:close/>
+                <a:moveTo>
+                  <a:pt x="4773" y="1"/>
+                </a:moveTo>
+                <a:cubicBezTo>
+                  <a:pt x="3893" y="1"/>
+                  <a:pt x="2997" y="327"/>
+                  <a:pt x="2269" y="1056"/>
+                </a:cubicBezTo>
+                <a:cubicBezTo>
+                  <a:pt x="0" y="3324"/>
+                  <a:pt x="1596" y="7188"/>
+                  <a:pt x="4803" y="7188"/>
+                </a:cubicBezTo>
+                <a:cubicBezTo>
+                  <a:pt x="6777" y="7174"/>
+                  <a:pt x="8387" y="5578"/>
+                  <a:pt x="8387" y="3604"/>
+                </a:cubicBezTo>
+                <a:cubicBezTo>
+                  <a:pt x="8387" y="1434"/>
+                  <a:pt x="6616" y="1"/>
+                  <a:pt x="4773" y="1"/>
+                </a:cubicBezTo>
+                <a:close/>
+              </a:path>
+            </a:pathLst>
+          </a:custGeom>
+          <a:solidFill>
+            <a:srgbClr val="303030"/>
+          </a:solidFill>
+          <a:ln>
+            <a:noFill/>
+          </a:ln>
+        </p:spPr>
+        <p:txBody>
+          <a:bodyPr spcFirstLastPara="1" wrap="square" lIns="91425" tIns="91425" rIns="91425" bIns="91425" anchor="ctr" anchorCtr="0">
+            <a:noAutofit/>
+          </a:bodyPr>
+          <a:lstStyle/>
+          <a:p>
+            <a:pPr>
+              <a:buClr>
+                <a:srgbClr val="000000"/>
+              </a:buClr>
+              <a:buFont typeface="Arial"/>
+              <a:buNone/>
+            </a:pPr>
+            <a:endParaRPr sz="1400" kern="0">
+              <a:solidFill>
+                <a:srgbClr val="000000"/>
+              </a:solidFill>
+              <a:latin typeface="Arial"/>
+              <a:cs typeface="Arial"/>
+              <a:sym typeface="Arial"/>
+            </a:endParaRPr>
+          </a:p>
+        </p:txBody>
+      </p:sp>
     </p:spTree>
     <p:extLst>
       <p:ext uri="{BB962C8B-B14F-4D97-AF65-F5344CB8AC3E}">

--- a/public/background.pptx
+++ b/public/background.pptx
@@ -208,7 +208,7 @@
           <a:p>
             <a:fld id="{B29A3AEA-883C-4209-8788-4654B9BFA89D}" type="datetimeFigureOut">
               <a:rPr lang="pt-BR" smtClean="0"/>
-              <a:t>05/06/2025</a:t>
+              <a:t>06/06/2025</a:t>
             </a:fld>
             <a:endParaRPr lang="pt-BR"/>
           </a:p>
@@ -622,7 +622,7 @@
           <a:p>
             <a:fld id="{8DE7C5F4-3E42-4694-80D2-BC3004364726}" type="datetimeFigureOut">
               <a:rPr lang="pt-BR" smtClean="0"/>
-              <a:t>05/06/2025</a:t>
+              <a:t>06/06/2025</a:t>
             </a:fld>
             <a:endParaRPr lang="pt-BR"/>
           </a:p>
@@ -820,7 +820,7 @@
           <a:p>
             <a:fld id="{8DE7C5F4-3E42-4694-80D2-BC3004364726}" type="datetimeFigureOut">
               <a:rPr lang="pt-BR" smtClean="0"/>
-              <a:t>05/06/2025</a:t>
+              <a:t>06/06/2025</a:t>
             </a:fld>
             <a:endParaRPr lang="pt-BR"/>
           </a:p>
@@ -1028,7 +1028,7 @@
           <a:p>
             <a:fld id="{8DE7C5F4-3E42-4694-80D2-BC3004364726}" type="datetimeFigureOut">
               <a:rPr lang="pt-BR" smtClean="0"/>
-              <a:t>05/06/2025</a:t>
+              <a:t>06/06/2025</a:t>
             </a:fld>
             <a:endParaRPr lang="pt-BR"/>
           </a:p>
@@ -1226,7 +1226,7 @@
           <a:p>
             <a:fld id="{8DE7C5F4-3E42-4694-80D2-BC3004364726}" type="datetimeFigureOut">
               <a:rPr lang="pt-BR" smtClean="0"/>
-              <a:t>05/06/2025</a:t>
+              <a:t>06/06/2025</a:t>
             </a:fld>
             <a:endParaRPr lang="pt-BR"/>
           </a:p>
@@ -1501,7 +1501,7 @@
           <a:p>
             <a:fld id="{8DE7C5F4-3E42-4694-80D2-BC3004364726}" type="datetimeFigureOut">
               <a:rPr lang="pt-BR" smtClean="0"/>
-              <a:t>05/06/2025</a:t>
+              <a:t>06/06/2025</a:t>
             </a:fld>
             <a:endParaRPr lang="pt-BR"/>
           </a:p>
@@ -1766,7 +1766,7 @@
           <a:p>
             <a:fld id="{8DE7C5F4-3E42-4694-80D2-BC3004364726}" type="datetimeFigureOut">
               <a:rPr lang="pt-BR" smtClean="0"/>
-              <a:t>05/06/2025</a:t>
+              <a:t>06/06/2025</a:t>
             </a:fld>
             <a:endParaRPr lang="pt-BR"/>
           </a:p>
@@ -2178,7 +2178,7 @@
           <a:p>
             <a:fld id="{8DE7C5F4-3E42-4694-80D2-BC3004364726}" type="datetimeFigureOut">
               <a:rPr lang="pt-BR" smtClean="0"/>
-              <a:t>05/06/2025</a:t>
+              <a:t>06/06/2025</a:t>
             </a:fld>
             <a:endParaRPr lang="pt-BR"/>
           </a:p>
@@ -2319,7 +2319,7 @@
           <a:p>
             <a:fld id="{8DE7C5F4-3E42-4694-80D2-BC3004364726}" type="datetimeFigureOut">
               <a:rPr lang="pt-BR" smtClean="0"/>
-              <a:t>05/06/2025</a:t>
+              <a:t>06/06/2025</a:t>
             </a:fld>
             <a:endParaRPr lang="pt-BR"/>
           </a:p>
@@ -2432,7 +2432,7 @@
           <a:p>
             <a:fld id="{8DE7C5F4-3E42-4694-80D2-BC3004364726}" type="datetimeFigureOut">
               <a:rPr lang="pt-BR" smtClean="0"/>
-              <a:t>05/06/2025</a:t>
+              <a:t>06/06/2025</a:t>
             </a:fld>
             <a:endParaRPr lang="pt-BR"/>
           </a:p>
@@ -2743,7 +2743,7 @@
           <a:p>
             <a:fld id="{8DE7C5F4-3E42-4694-80D2-BC3004364726}" type="datetimeFigureOut">
               <a:rPr lang="pt-BR" smtClean="0"/>
-              <a:t>05/06/2025</a:t>
+              <a:t>06/06/2025</a:t>
             </a:fld>
             <a:endParaRPr lang="pt-BR"/>
           </a:p>
@@ -3031,7 +3031,7 @@
           <a:p>
             <a:fld id="{8DE7C5F4-3E42-4694-80D2-BC3004364726}" type="datetimeFigureOut">
               <a:rPr lang="pt-BR" smtClean="0"/>
-              <a:t>05/06/2025</a:t>
+              <a:t>06/06/2025</a:t>
             </a:fld>
             <a:endParaRPr lang="pt-BR"/>
           </a:p>
@@ -3272,7 +3272,7 @@
           <a:p>
             <a:fld id="{8DE7C5F4-3E42-4694-80D2-BC3004364726}" type="datetimeFigureOut">
               <a:rPr lang="pt-BR" smtClean="0"/>
-              <a:t>05/06/2025</a:t>
+              <a:t>06/06/2025</a:t>
             </a:fld>
             <a:endParaRPr lang="pt-BR"/>
           </a:p>
@@ -15610,7 +15610,7 @@
         </p:nvSpPr>
         <p:spPr>
           <a:xfrm>
-            <a:off x="6801832" y="3617707"/>
+            <a:off x="6649429" y="3617707"/>
             <a:ext cx="1015153" cy="643200"/>
           </a:xfrm>
           <a:prstGeom prst="rect">

--- a/public/background.pptx
+++ b/public/background.pptx
@@ -110,7 +110,7 @@
   <p:extLst>
     <p:ext uri="{EFAFB233-063F-42B5-8137-9DF3F51BA10A}">
       <p15:sldGuideLst xmlns:p15="http://schemas.microsoft.com/office/powerpoint/2012/main">
-        <p15:guide id="1" orient="horz" pos="1638" userDrawn="1">
+        <p15:guide id="1" orient="horz" pos="1820" userDrawn="1">
           <p15:clr>
             <a:srgbClr val="A4A3A4"/>
           </p15:clr>
@@ -208,7 +208,7 @@
           <a:p>
             <a:fld id="{B29A3AEA-883C-4209-8788-4654B9BFA89D}" type="datetimeFigureOut">
               <a:rPr lang="pt-BR" smtClean="0"/>
-              <a:t>06/06/2025</a:t>
+              <a:t>06/10/2025</a:t>
             </a:fld>
             <a:endParaRPr lang="pt-BR"/>
           </a:p>
@@ -622,7 +622,7 @@
           <a:p>
             <a:fld id="{8DE7C5F4-3E42-4694-80D2-BC3004364726}" type="datetimeFigureOut">
               <a:rPr lang="pt-BR" smtClean="0"/>
-              <a:t>06/06/2025</a:t>
+              <a:t>06/10/2025</a:t>
             </a:fld>
             <a:endParaRPr lang="pt-BR"/>
           </a:p>
@@ -820,7 +820,7 @@
           <a:p>
             <a:fld id="{8DE7C5F4-3E42-4694-80D2-BC3004364726}" type="datetimeFigureOut">
               <a:rPr lang="pt-BR" smtClean="0"/>
-              <a:t>06/06/2025</a:t>
+              <a:t>06/10/2025</a:t>
             </a:fld>
             <a:endParaRPr lang="pt-BR"/>
           </a:p>
@@ -1028,7 +1028,7 @@
           <a:p>
             <a:fld id="{8DE7C5F4-3E42-4694-80D2-BC3004364726}" type="datetimeFigureOut">
               <a:rPr lang="pt-BR" smtClean="0"/>
-              <a:t>06/06/2025</a:t>
+              <a:t>06/10/2025</a:t>
             </a:fld>
             <a:endParaRPr lang="pt-BR"/>
           </a:p>
@@ -1226,7 +1226,7 @@
           <a:p>
             <a:fld id="{8DE7C5F4-3E42-4694-80D2-BC3004364726}" type="datetimeFigureOut">
               <a:rPr lang="pt-BR" smtClean="0"/>
-              <a:t>06/06/2025</a:t>
+              <a:t>06/10/2025</a:t>
             </a:fld>
             <a:endParaRPr lang="pt-BR"/>
           </a:p>
@@ -1501,7 +1501,7 @@
           <a:p>
             <a:fld id="{8DE7C5F4-3E42-4694-80D2-BC3004364726}" type="datetimeFigureOut">
               <a:rPr lang="pt-BR" smtClean="0"/>
-              <a:t>06/06/2025</a:t>
+              <a:t>06/10/2025</a:t>
             </a:fld>
             <a:endParaRPr lang="pt-BR"/>
           </a:p>
@@ -1766,7 +1766,7 @@
           <a:p>
             <a:fld id="{8DE7C5F4-3E42-4694-80D2-BC3004364726}" type="datetimeFigureOut">
               <a:rPr lang="pt-BR" smtClean="0"/>
-              <a:t>06/06/2025</a:t>
+              <a:t>06/10/2025</a:t>
             </a:fld>
             <a:endParaRPr lang="pt-BR"/>
           </a:p>
@@ -2178,7 +2178,7 @@
           <a:p>
             <a:fld id="{8DE7C5F4-3E42-4694-80D2-BC3004364726}" type="datetimeFigureOut">
               <a:rPr lang="pt-BR" smtClean="0"/>
-              <a:t>06/06/2025</a:t>
+              <a:t>06/10/2025</a:t>
             </a:fld>
             <a:endParaRPr lang="pt-BR"/>
           </a:p>
@@ -2319,7 +2319,7 @@
           <a:p>
             <a:fld id="{8DE7C5F4-3E42-4694-80D2-BC3004364726}" type="datetimeFigureOut">
               <a:rPr lang="pt-BR" smtClean="0"/>
-              <a:t>06/06/2025</a:t>
+              <a:t>06/10/2025</a:t>
             </a:fld>
             <a:endParaRPr lang="pt-BR"/>
           </a:p>
@@ -2432,7 +2432,7 @@
           <a:p>
             <a:fld id="{8DE7C5F4-3E42-4694-80D2-BC3004364726}" type="datetimeFigureOut">
               <a:rPr lang="pt-BR" smtClean="0"/>
-              <a:t>06/06/2025</a:t>
+              <a:t>06/10/2025</a:t>
             </a:fld>
             <a:endParaRPr lang="pt-BR"/>
           </a:p>
@@ -2743,7 +2743,7 @@
           <a:p>
             <a:fld id="{8DE7C5F4-3E42-4694-80D2-BC3004364726}" type="datetimeFigureOut">
               <a:rPr lang="pt-BR" smtClean="0"/>
-              <a:t>06/06/2025</a:t>
+              <a:t>06/10/2025</a:t>
             </a:fld>
             <a:endParaRPr lang="pt-BR"/>
           </a:p>
@@ -3031,7 +3031,7 @@
           <a:p>
             <a:fld id="{8DE7C5F4-3E42-4694-80D2-BC3004364726}" type="datetimeFigureOut">
               <a:rPr lang="pt-BR" smtClean="0"/>
-              <a:t>06/06/2025</a:t>
+              <a:t>06/10/2025</a:t>
             </a:fld>
             <a:endParaRPr lang="pt-BR"/>
           </a:p>
@@ -3272,7 +3272,7 @@
           <a:p>
             <a:fld id="{8DE7C5F4-3E42-4694-80D2-BC3004364726}" type="datetimeFigureOut">
               <a:rPr lang="pt-BR" smtClean="0"/>
-              <a:t>06/06/2025</a:t>
+              <a:t>06/10/2025</a:t>
             </a:fld>
             <a:endParaRPr lang="pt-BR"/>
           </a:p>
@@ -12186,7 +12186,7 @@
         <p:spPr>
           <a:xfrm>
             <a:off x="1352024" y="2645312"/>
-            <a:ext cx="7824969" cy="0"/>
+            <a:ext cx="8193624" cy="0"/>
           </a:xfrm>
           <a:prstGeom prst="line">
             <a:avLst/>
@@ -23743,7 +23743,7 @@
         </p:nvSpPr>
         <p:spPr>
           <a:xfrm>
-            <a:off x="9229583" y="2074540"/>
+            <a:off x="8969233" y="2074540"/>
             <a:ext cx="8945" cy="449311"/>
           </a:xfrm>
           <a:custGeom>
@@ -24450,7 +24450,7 @@
         </p:nvSpPr>
         <p:spPr>
           <a:xfrm>
-            <a:off x="9165668" y="2565443"/>
+            <a:off x="8905318" y="2565443"/>
             <a:ext cx="182878" cy="182506"/>
           </a:xfrm>
           <a:custGeom>
@@ -24559,7 +24559,7 @@
         </p:nvSpPr>
         <p:spPr>
           <a:xfrm>
-            <a:off x="9107328" y="2538927"/>
+            <a:off x="8846978" y="2538927"/>
             <a:ext cx="222638" cy="190814"/>
           </a:xfrm>
           <a:custGeom>
@@ -24666,7 +24666,7 @@
         </p:nvSpPr>
         <p:spPr>
           <a:xfrm>
-            <a:off x="9076931" y="1746418"/>
+            <a:off x="8816581" y="1746418"/>
             <a:ext cx="459345" cy="407003"/>
           </a:xfrm>
           <a:custGeom>
@@ -24759,7 +24759,7 @@
         </p:nvSpPr>
         <p:spPr>
           <a:xfrm>
-            <a:off x="9055306" y="1714594"/>
+            <a:off x="8794956" y="1714594"/>
             <a:ext cx="423000" cy="423000"/>
           </a:xfrm>
           <a:prstGeom prst="ellipse">
@@ -24832,7 +24832,7 @@
         </p:nvGrpSpPr>
         <p:grpSpPr>
           <a:xfrm>
-            <a:off x="9176993" y="1847282"/>
+            <a:off x="8916643" y="1847282"/>
             <a:ext cx="208613" cy="194597"/>
             <a:chOff x="-64774725" y="1916550"/>
             <a:chExt cx="319000" cy="314400"/>
@@ -25411,7 +25411,7 @@
         </p:nvSpPr>
         <p:spPr>
           <a:xfrm>
-            <a:off x="9274159" y="2191627"/>
+            <a:off x="9013809" y="2191627"/>
             <a:ext cx="459027" cy="250117"/>
           </a:xfrm>
           <a:custGeom>
@@ -25514,7 +25514,7 @@
         </p:nvSpPr>
         <p:spPr>
           <a:xfrm>
-            <a:off x="9267125" y="2206220"/>
+            <a:off x="9006775" y="2206220"/>
             <a:ext cx="538873" cy="230400"/>
           </a:xfrm>
           <a:prstGeom prst="rect">
@@ -25576,7 +25576,7 @@
         </p:nvSpPr>
         <p:spPr>
           <a:xfrm>
-            <a:off x="8518149" y="1321990"/>
+            <a:off x="8232928" y="1213846"/>
             <a:ext cx="1554000" cy="509790"/>
           </a:xfrm>
           <a:prstGeom prst="rect">
@@ -25610,7 +25610,28 @@
                 <a:cs typeface="Fira Sans Extra Condensed"/>
                 <a:sym typeface="Fira Sans Extra Condensed"/>
               </a:rPr>
-              <a:t>MBA Software </a:t>
+              <a:t>MBA </a:t>
+            </a:r>
+          </a:p>
+          <a:p>
+            <a:pPr algn="ctr">
+              <a:buClr>
+                <a:srgbClr val="000000"/>
+              </a:buClr>
+              <a:buFont typeface="Arial"/>
+              <a:buNone/>
+            </a:pPr>
+            <a:r>
+              <a:rPr lang="en" sz="1200" kern="0" dirty="0">
+                <a:solidFill>
+                  <a:srgbClr val="000000"/>
+                </a:solidFill>
+                <a:latin typeface="Fira Sans Extra Condensed"/>
+                <a:ea typeface="Fira Sans Extra Condensed"/>
+                <a:cs typeface="Fira Sans Extra Condensed"/>
+                <a:sym typeface="Fira Sans Extra Condensed"/>
+              </a:rPr>
+              <a:t>Software </a:t>
             </a:r>
             <a:r>
               <a:rPr lang="pt-BR" sz="1200" kern="0" dirty="0">
@@ -26980,6 +27001,1927 @@
               <a:latin typeface="Arial"/>
               <a:cs typeface="Arial"/>
               <a:sym typeface="Arial"/>
+            </a:endParaRPr>
+          </a:p>
+        </p:txBody>
+      </p:sp>
+      <p:sp>
+        <p:nvSpPr>
+          <p:cNvPr id="123" name="Google Shape;1104;p33">
+            <a:extLst>
+              <a:ext uri="{FF2B5EF4-FFF2-40B4-BE49-F238E27FC236}">
+                <a16:creationId xmlns:a16="http://schemas.microsoft.com/office/drawing/2014/main" id="{5FD7E597-F4AA-480B-BB75-C469E46F4DF0}"/>
+              </a:ext>
+            </a:extLst>
+          </p:cNvPr>
+          <p:cNvSpPr/>
+          <p:nvPr/>
+        </p:nvSpPr>
+        <p:spPr>
+          <a:xfrm>
+            <a:off x="9610622" y="2735023"/>
+            <a:ext cx="9316" cy="448940"/>
+          </a:xfrm>
+          <a:custGeom>
+            <a:avLst/>
+            <a:gdLst/>
+            <a:ahLst/>
+            <a:cxnLst/>
+            <a:rect l="l" t="t" r="r" b="b"/>
+            <a:pathLst>
+              <a:path w="351" h="16914" extrusionOk="0">
+                <a:moveTo>
+                  <a:pt x="196" y="0"/>
+                </a:moveTo>
+                <a:cubicBezTo>
+                  <a:pt x="126" y="0"/>
+                  <a:pt x="56" y="70"/>
+                  <a:pt x="56" y="154"/>
+                </a:cubicBezTo>
+                <a:lnTo>
+                  <a:pt x="56" y="84"/>
+                </a:lnTo>
+                <a:lnTo>
+                  <a:pt x="56" y="84"/>
+                </a:lnTo>
+                <a:cubicBezTo>
+                  <a:pt x="3" y="177"/>
+                  <a:pt x="76" y="295"/>
+                  <a:pt x="179" y="295"/>
+                </a:cubicBezTo>
+                <a:cubicBezTo>
+                  <a:pt x="185" y="295"/>
+                  <a:pt x="190" y="295"/>
+                  <a:pt x="196" y="294"/>
+                </a:cubicBezTo>
+                <a:cubicBezTo>
+                  <a:pt x="280" y="294"/>
+                  <a:pt x="350" y="224"/>
+                  <a:pt x="350" y="154"/>
+                </a:cubicBezTo>
+                <a:cubicBezTo>
+                  <a:pt x="350" y="70"/>
+                  <a:pt x="280" y="0"/>
+                  <a:pt x="196" y="0"/>
+                </a:cubicBezTo>
+                <a:close/>
+                <a:moveTo>
+                  <a:pt x="196" y="882"/>
+                </a:moveTo>
+                <a:cubicBezTo>
+                  <a:pt x="126" y="882"/>
+                  <a:pt x="56" y="938"/>
+                  <a:pt x="56" y="1022"/>
+                </a:cubicBezTo>
+                <a:lnTo>
+                  <a:pt x="56" y="966"/>
+                </a:lnTo>
+                <a:lnTo>
+                  <a:pt x="56" y="966"/>
+                </a:lnTo>
+                <a:cubicBezTo>
+                  <a:pt x="0" y="1064"/>
+                  <a:pt x="84" y="1176"/>
+                  <a:pt x="196" y="1176"/>
+                </a:cubicBezTo>
+                <a:cubicBezTo>
+                  <a:pt x="280" y="1176"/>
+                  <a:pt x="350" y="1106"/>
+                  <a:pt x="350" y="1022"/>
+                </a:cubicBezTo>
+                <a:cubicBezTo>
+                  <a:pt x="350" y="938"/>
+                  <a:pt x="280" y="882"/>
+                  <a:pt x="196" y="882"/>
+                </a:cubicBezTo>
+                <a:close/>
+                <a:moveTo>
+                  <a:pt x="196" y="1750"/>
+                </a:moveTo>
+                <a:cubicBezTo>
+                  <a:pt x="126" y="1750"/>
+                  <a:pt x="56" y="1820"/>
+                  <a:pt x="56" y="1904"/>
+                </a:cubicBezTo>
+                <a:lnTo>
+                  <a:pt x="56" y="1834"/>
+                </a:lnTo>
+                <a:lnTo>
+                  <a:pt x="56" y="1834"/>
+                </a:lnTo>
+                <a:cubicBezTo>
+                  <a:pt x="17" y="1940"/>
+                  <a:pt x="77" y="2046"/>
+                  <a:pt x="177" y="2046"/>
+                </a:cubicBezTo>
+                <a:cubicBezTo>
+                  <a:pt x="183" y="2046"/>
+                  <a:pt x="190" y="2045"/>
+                  <a:pt x="196" y="2044"/>
+                </a:cubicBezTo>
+                <a:cubicBezTo>
+                  <a:pt x="280" y="2044"/>
+                  <a:pt x="350" y="1974"/>
+                  <a:pt x="350" y="1904"/>
+                </a:cubicBezTo>
+                <a:cubicBezTo>
+                  <a:pt x="350" y="1820"/>
+                  <a:pt x="280" y="1750"/>
+                  <a:pt x="196" y="1750"/>
+                </a:cubicBezTo>
+                <a:close/>
+                <a:moveTo>
+                  <a:pt x="196" y="2632"/>
+                </a:moveTo>
+                <a:cubicBezTo>
+                  <a:pt x="126" y="2632"/>
+                  <a:pt x="56" y="2688"/>
+                  <a:pt x="56" y="2772"/>
+                </a:cubicBezTo>
+                <a:lnTo>
+                  <a:pt x="56" y="2716"/>
+                </a:lnTo>
+                <a:lnTo>
+                  <a:pt x="56" y="2716"/>
+                </a:lnTo>
+                <a:cubicBezTo>
+                  <a:pt x="14" y="2814"/>
+                  <a:pt x="98" y="2926"/>
+                  <a:pt x="196" y="2926"/>
+                </a:cubicBezTo>
+                <a:cubicBezTo>
+                  <a:pt x="280" y="2926"/>
+                  <a:pt x="350" y="2856"/>
+                  <a:pt x="350" y="2772"/>
+                </a:cubicBezTo>
+                <a:cubicBezTo>
+                  <a:pt x="350" y="2688"/>
+                  <a:pt x="280" y="2632"/>
+                  <a:pt x="196" y="2632"/>
+                </a:cubicBezTo>
+                <a:close/>
+                <a:moveTo>
+                  <a:pt x="196" y="3501"/>
+                </a:moveTo>
+                <a:cubicBezTo>
+                  <a:pt x="126" y="3501"/>
+                  <a:pt x="56" y="3571"/>
+                  <a:pt x="56" y="3655"/>
+                </a:cubicBezTo>
+                <a:lnTo>
+                  <a:pt x="56" y="3599"/>
+                </a:lnTo>
+                <a:lnTo>
+                  <a:pt x="56" y="3599"/>
+                </a:lnTo>
+                <a:cubicBezTo>
+                  <a:pt x="17" y="3691"/>
+                  <a:pt x="89" y="3796"/>
+                  <a:pt x="179" y="3796"/>
+                </a:cubicBezTo>
+                <a:cubicBezTo>
+                  <a:pt x="185" y="3796"/>
+                  <a:pt x="191" y="3795"/>
+                  <a:pt x="196" y="3795"/>
+                </a:cubicBezTo>
+                <a:cubicBezTo>
+                  <a:pt x="280" y="3795"/>
+                  <a:pt x="350" y="3725"/>
+                  <a:pt x="350" y="3655"/>
+                </a:cubicBezTo>
+                <a:cubicBezTo>
+                  <a:pt x="350" y="3571"/>
+                  <a:pt x="280" y="3501"/>
+                  <a:pt x="196" y="3501"/>
+                </a:cubicBezTo>
+                <a:close/>
+                <a:moveTo>
+                  <a:pt x="178" y="4381"/>
+                </a:moveTo>
+                <a:cubicBezTo>
+                  <a:pt x="115" y="4381"/>
+                  <a:pt x="56" y="4446"/>
+                  <a:pt x="56" y="4523"/>
+                </a:cubicBezTo>
+                <a:lnTo>
+                  <a:pt x="56" y="4481"/>
+                </a:lnTo>
+                <a:lnTo>
+                  <a:pt x="56" y="4481"/>
+                </a:lnTo>
+                <a:cubicBezTo>
+                  <a:pt x="14" y="4579"/>
+                  <a:pt x="98" y="4677"/>
+                  <a:pt x="196" y="4677"/>
+                </a:cubicBezTo>
+                <a:cubicBezTo>
+                  <a:pt x="280" y="4677"/>
+                  <a:pt x="350" y="4607"/>
+                  <a:pt x="350" y="4523"/>
+                </a:cubicBezTo>
+                <a:cubicBezTo>
+                  <a:pt x="350" y="4439"/>
+                  <a:pt x="280" y="4383"/>
+                  <a:pt x="196" y="4383"/>
+                </a:cubicBezTo>
+                <a:cubicBezTo>
+                  <a:pt x="190" y="4381"/>
+                  <a:pt x="184" y="4381"/>
+                  <a:pt x="178" y="4381"/>
+                </a:cubicBezTo>
+                <a:close/>
+                <a:moveTo>
+                  <a:pt x="196" y="5251"/>
+                </a:moveTo>
+                <a:cubicBezTo>
+                  <a:pt x="126" y="5251"/>
+                  <a:pt x="56" y="5321"/>
+                  <a:pt x="56" y="5405"/>
+                </a:cubicBezTo>
+                <a:lnTo>
+                  <a:pt x="56" y="5349"/>
+                </a:lnTo>
+                <a:lnTo>
+                  <a:pt x="56" y="5349"/>
+                </a:lnTo>
+                <a:cubicBezTo>
+                  <a:pt x="30" y="5441"/>
+                  <a:pt x="90" y="5546"/>
+                  <a:pt x="180" y="5546"/>
+                </a:cubicBezTo>
+                <a:cubicBezTo>
+                  <a:pt x="185" y="5546"/>
+                  <a:pt x="191" y="5545"/>
+                  <a:pt x="196" y="5545"/>
+                </a:cubicBezTo>
+                <a:cubicBezTo>
+                  <a:pt x="280" y="5545"/>
+                  <a:pt x="350" y="5475"/>
+                  <a:pt x="350" y="5405"/>
+                </a:cubicBezTo>
+                <a:cubicBezTo>
+                  <a:pt x="350" y="5321"/>
+                  <a:pt x="280" y="5251"/>
+                  <a:pt x="196" y="5251"/>
+                </a:cubicBezTo>
+                <a:close/>
+                <a:moveTo>
+                  <a:pt x="196" y="6133"/>
+                </a:moveTo>
+                <a:cubicBezTo>
+                  <a:pt x="126" y="6133"/>
+                  <a:pt x="56" y="6189"/>
+                  <a:pt x="56" y="6273"/>
+                </a:cubicBezTo>
+                <a:lnTo>
+                  <a:pt x="56" y="6231"/>
+                </a:lnTo>
+                <a:lnTo>
+                  <a:pt x="56" y="6231"/>
+                </a:lnTo>
+                <a:cubicBezTo>
+                  <a:pt x="28" y="6329"/>
+                  <a:pt x="98" y="6427"/>
+                  <a:pt x="196" y="6427"/>
+                </a:cubicBezTo>
+                <a:cubicBezTo>
+                  <a:pt x="280" y="6427"/>
+                  <a:pt x="350" y="6357"/>
+                  <a:pt x="350" y="6273"/>
+                </a:cubicBezTo>
+                <a:cubicBezTo>
+                  <a:pt x="350" y="6189"/>
+                  <a:pt x="280" y="6133"/>
+                  <a:pt x="196" y="6133"/>
+                </a:cubicBezTo>
+                <a:close/>
+                <a:moveTo>
+                  <a:pt x="196" y="7001"/>
+                </a:moveTo>
+                <a:cubicBezTo>
+                  <a:pt x="126" y="7001"/>
+                  <a:pt x="56" y="7071"/>
+                  <a:pt x="56" y="7155"/>
+                </a:cubicBezTo>
+                <a:lnTo>
+                  <a:pt x="56" y="7113"/>
+                </a:lnTo>
+                <a:lnTo>
+                  <a:pt x="56" y="7113"/>
+                </a:lnTo>
+                <a:cubicBezTo>
+                  <a:pt x="28" y="7211"/>
+                  <a:pt x="98" y="7295"/>
+                  <a:pt x="196" y="7295"/>
+                </a:cubicBezTo>
+                <a:cubicBezTo>
+                  <a:pt x="280" y="7295"/>
+                  <a:pt x="350" y="7225"/>
+                  <a:pt x="350" y="7155"/>
+                </a:cubicBezTo>
+                <a:cubicBezTo>
+                  <a:pt x="350" y="7071"/>
+                  <a:pt x="280" y="7001"/>
+                  <a:pt x="196" y="7001"/>
+                </a:cubicBezTo>
+                <a:close/>
+                <a:moveTo>
+                  <a:pt x="178" y="7881"/>
+                </a:moveTo>
+                <a:cubicBezTo>
+                  <a:pt x="115" y="7881"/>
+                  <a:pt x="56" y="7946"/>
+                  <a:pt x="56" y="8023"/>
+                </a:cubicBezTo>
+                <a:lnTo>
+                  <a:pt x="56" y="7995"/>
+                </a:lnTo>
+                <a:lnTo>
+                  <a:pt x="56" y="7995"/>
+                </a:lnTo>
+                <a:cubicBezTo>
+                  <a:pt x="28" y="8079"/>
+                  <a:pt x="98" y="8177"/>
+                  <a:pt x="196" y="8177"/>
+                </a:cubicBezTo>
+                <a:cubicBezTo>
+                  <a:pt x="280" y="8177"/>
+                  <a:pt x="350" y="8107"/>
+                  <a:pt x="350" y="8023"/>
+                </a:cubicBezTo>
+                <a:cubicBezTo>
+                  <a:pt x="350" y="7939"/>
+                  <a:pt x="280" y="7883"/>
+                  <a:pt x="196" y="7883"/>
+                </a:cubicBezTo>
+                <a:cubicBezTo>
+                  <a:pt x="190" y="7882"/>
+                  <a:pt x="184" y="7881"/>
+                  <a:pt x="178" y="7881"/>
+                </a:cubicBezTo>
+                <a:close/>
+                <a:moveTo>
+                  <a:pt x="196" y="8751"/>
+                </a:moveTo>
+                <a:cubicBezTo>
+                  <a:pt x="126" y="8751"/>
+                  <a:pt x="56" y="8821"/>
+                  <a:pt x="56" y="8905"/>
+                </a:cubicBezTo>
+                <a:lnTo>
+                  <a:pt x="56" y="8863"/>
+                </a:lnTo>
+                <a:lnTo>
+                  <a:pt x="56" y="8863"/>
+                </a:lnTo>
+                <a:cubicBezTo>
+                  <a:pt x="28" y="8961"/>
+                  <a:pt x="112" y="9045"/>
+                  <a:pt x="196" y="9045"/>
+                </a:cubicBezTo>
+                <a:cubicBezTo>
+                  <a:pt x="280" y="9045"/>
+                  <a:pt x="350" y="8975"/>
+                  <a:pt x="350" y="8905"/>
+                </a:cubicBezTo>
+                <a:cubicBezTo>
+                  <a:pt x="350" y="8821"/>
+                  <a:pt x="280" y="8751"/>
+                  <a:pt x="196" y="8751"/>
+                </a:cubicBezTo>
+                <a:close/>
+                <a:moveTo>
+                  <a:pt x="178" y="9631"/>
+                </a:moveTo>
+                <a:cubicBezTo>
+                  <a:pt x="115" y="9631"/>
+                  <a:pt x="56" y="9696"/>
+                  <a:pt x="56" y="9773"/>
+                </a:cubicBezTo>
+                <a:lnTo>
+                  <a:pt x="56" y="9745"/>
+                </a:lnTo>
+                <a:lnTo>
+                  <a:pt x="56" y="9745"/>
+                </a:lnTo>
+                <a:cubicBezTo>
+                  <a:pt x="42" y="9843"/>
+                  <a:pt x="112" y="9927"/>
+                  <a:pt x="196" y="9927"/>
+                </a:cubicBezTo>
+                <a:cubicBezTo>
+                  <a:pt x="280" y="9927"/>
+                  <a:pt x="350" y="9857"/>
+                  <a:pt x="350" y="9773"/>
+                </a:cubicBezTo>
+                <a:cubicBezTo>
+                  <a:pt x="350" y="9689"/>
+                  <a:pt x="280" y="9633"/>
+                  <a:pt x="196" y="9633"/>
+                </a:cubicBezTo>
+                <a:cubicBezTo>
+                  <a:pt x="190" y="9632"/>
+                  <a:pt x="184" y="9631"/>
+                  <a:pt x="178" y="9631"/>
+                </a:cubicBezTo>
+                <a:close/>
+                <a:moveTo>
+                  <a:pt x="196" y="10501"/>
+                </a:moveTo>
+                <a:cubicBezTo>
+                  <a:pt x="126" y="10501"/>
+                  <a:pt x="56" y="10571"/>
+                  <a:pt x="56" y="10655"/>
+                </a:cubicBezTo>
+                <a:lnTo>
+                  <a:pt x="56" y="10627"/>
+                </a:lnTo>
+                <a:lnTo>
+                  <a:pt x="56" y="10627"/>
+                </a:lnTo>
+                <a:cubicBezTo>
+                  <a:pt x="42" y="10711"/>
+                  <a:pt x="112" y="10795"/>
+                  <a:pt x="196" y="10795"/>
+                </a:cubicBezTo>
+                <a:cubicBezTo>
+                  <a:pt x="280" y="10795"/>
+                  <a:pt x="350" y="10725"/>
+                  <a:pt x="350" y="10655"/>
+                </a:cubicBezTo>
+                <a:cubicBezTo>
+                  <a:pt x="350" y="10571"/>
+                  <a:pt x="280" y="10501"/>
+                  <a:pt x="196" y="10501"/>
+                </a:cubicBezTo>
+                <a:close/>
+                <a:moveTo>
+                  <a:pt x="178" y="11381"/>
+                </a:moveTo>
+                <a:cubicBezTo>
+                  <a:pt x="115" y="11381"/>
+                  <a:pt x="56" y="11446"/>
+                  <a:pt x="56" y="11523"/>
+                </a:cubicBezTo>
+                <a:lnTo>
+                  <a:pt x="56" y="11509"/>
+                </a:lnTo>
+                <a:lnTo>
+                  <a:pt x="56" y="11509"/>
+                </a:lnTo>
+                <a:cubicBezTo>
+                  <a:pt x="43" y="11587"/>
+                  <a:pt x="102" y="11665"/>
+                  <a:pt x="178" y="11665"/>
+                </a:cubicBezTo>
+                <a:cubicBezTo>
+                  <a:pt x="184" y="11665"/>
+                  <a:pt x="190" y="11664"/>
+                  <a:pt x="196" y="11663"/>
+                </a:cubicBezTo>
+                <a:cubicBezTo>
+                  <a:pt x="203" y="11664"/>
+                  <a:pt x="211" y="11665"/>
+                  <a:pt x="218" y="11665"/>
+                </a:cubicBezTo>
+                <a:cubicBezTo>
+                  <a:pt x="292" y="11665"/>
+                  <a:pt x="350" y="11600"/>
+                  <a:pt x="350" y="11523"/>
+                </a:cubicBezTo>
+                <a:cubicBezTo>
+                  <a:pt x="350" y="11439"/>
+                  <a:pt x="280" y="11383"/>
+                  <a:pt x="196" y="11383"/>
+                </a:cubicBezTo>
+                <a:cubicBezTo>
+                  <a:pt x="190" y="11382"/>
+                  <a:pt x="184" y="11381"/>
+                  <a:pt x="178" y="11381"/>
+                </a:cubicBezTo>
+                <a:close/>
+                <a:moveTo>
+                  <a:pt x="196" y="12251"/>
+                </a:moveTo>
+                <a:cubicBezTo>
+                  <a:pt x="126" y="12251"/>
+                  <a:pt x="56" y="12321"/>
+                  <a:pt x="56" y="12405"/>
+                </a:cubicBezTo>
+                <a:lnTo>
+                  <a:pt x="56" y="12391"/>
+                </a:lnTo>
+                <a:lnTo>
+                  <a:pt x="56" y="12391"/>
+                </a:lnTo>
+                <a:cubicBezTo>
+                  <a:pt x="42" y="12475"/>
+                  <a:pt x="112" y="12545"/>
+                  <a:pt x="196" y="12545"/>
+                </a:cubicBezTo>
+                <a:cubicBezTo>
+                  <a:pt x="280" y="12545"/>
+                  <a:pt x="350" y="12475"/>
+                  <a:pt x="350" y="12405"/>
+                </a:cubicBezTo>
+                <a:cubicBezTo>
+                  <a:pt x="350" y="12321"/>
+                  <a:pt x="280" y="12251"/>
+                  <a:pt x="196" y="12251"/>
+                </a:cubicBezTo>
+                <a:close/>
+                <a:moveTo>
+                  <a:pt x="196" y="13119"/>
+                </a:moveTo>
+                <a:cubicBezTo>
+                  <a:pt x="126" y="13119"/>
+                  <a:pt x="56" y="13189"/>
+                  <a:pt x="56" y="13273"/>
+                </a:cubicBezTo>
+                <a:lnTo>
+                  <a:pt x="56" y="13259"/>
+                </a:lnTo>
+                <a:lnTo>
+                  <a:pt x="56" y="13259"/>
+                </a:lnTo>
+                <a:cubicBezTo>
+                  <a:pt x="43" y="13337"/>
+                  <a:pt x="102" y="13415"/>
+                  <a:pt x="178" y="13415"/>
+                </a:cubicBezTo>
+                <a:cubicBezTo>
+                  <a:pt x="184" y="13415"/>
+                  <a:pt x="190" y="13414"/>
+                  <a:pt x="196" y="13413"/>
+                </a:cubicBezTo>
+                <a:cubicBezTo>
+                  <a:pt x="280" y="13413"/>
+                  <a:pt x="350" y="13357"/>
+                  <a:pt x="350" y="13273"/>
+                </a:cubicBezTo>
+                <a:cubicBezTo>
+                  <a:pt x="350" y="13189"/>
+                  <a:pt x="280" y="13119"/>
+                  <a:pt x="196" y="13119"/>
+                </a:cubicBezTo>
+                <a:close/>
+                <a:moveTo>
+                  <a:pt x="196" y="14001"/>
+                </a:moveTo>
+                <a:cubicBezTo>
+                  <a:pt x="126" y="14001"/>
+                  <a:pt x="56" y="14071"/>
+                  <a:pt x="56" y="14155"/>
+                </a:cubicBezTo>
+                <a:lnTo>
+                  <a:pt x="56" y="14141"/>
+                </a:lnTo>
+                <a:lnTo>
+                  <a:pt x="56" y="14141"/>
+                </a:lnTo>
+                <a:cubicBezTo>
+                  <a:pt x="42" y="14225"/>
+                  <a:pt x="112" y="14295"/>
+                  <a:pt x="196" y="14295"/>
+                </a:cubicBezTo>
+                <a:cubicBezTo>
+                  <a:pt x="280" y="14295"/>
+                  <a:pt x="350" y="14225"/>
+                  <a:pt x="350" y="14155"/>
+                </a:cubicBezTo>
+                <a:cubicBezTo>
+                  <a:pt x="350" y="14071"/>
+                  <a:pt x="280" y="14001"/>
+                  <a:pt x="196" y="14001"/>
+                </a:cubicBezTo>
+                <a:close/>
+                <a:moveTo>
+                  <a:pt x="196" y="14869"/>
+                </a:moveTo>
+                <a:cubicBezTo>
+                  <a:pt x="126" y="14869"/>
+                  <a:pt x="56" y="14939"/>
+                  <a:pt x="56" y="15023"/>
+                </a:cubicBezTo>
+                <a:lnTo>
+                  <a:pt x="56" y="15009"/>
+                </a:lnTo>
+                <a:lnTo>
+                  <a:pt x="56" y="15009"/>
+                </a:lnTo>
+                <a:cubicBezTo>
+                  <a:pt x="43" y="15087"/>
+                  <a:pt x="102" y="15165"/>
+                  <a:pt x="178" y="15165"/>
+                </a:cubicBezTo>
+                <a:cubicBezTo>
+                  <a:pt x="184" y="15165"/>
+                  <a:pt x="190" y="15165"/>
+                  <a:pt x="196" y="15163"/>
+                </a:cubicBezTo>
+                <a:cubicBezTo>
+                  <a:pt x="280" y="15163"/>
+                  <a:pt x="350" y="15107"/>
+                  <a:pt x="350" y="15023"/>
+                </a:cubicBezTo>
+                <a:cubicBezTo>
+                  <a:pt x="350" y="14939"/>
+                  <a:pt x="280" y="14869"/>
+                  <a:pt x="196" y="14869"/>
+                </a:cubicBezTo>
+                <a:close/>
+                <a:moveTo>
+                  <a:pt x="196" y="15752"/>
+                </a:moveTo>
+                <a:cubicBezTo>
+                  <a:pt x="128" y="15752"/>
+                  <a:pt x="60" y="15818"/>
+                  <a:pt x="56" y="15899"/>
+                </a:cubicBezTo>
+                <a:cubicBezTo>
+                  <a:pt x="56" y="15896"/>
+                  <a:pt x="56" y="15894"/>
+                  <a:pt x="56" y="15892"/>
+                </a:cubicBezTo>
+                <a:lnTo>
+                  <a:pt x="56" y="15906"/>
+                </a:lnTo>
+                <a:cubicBezTo>
+                  <a:pt x="56" y="15903"/>
+                  <a:pt x="56" y="15901"/>
+                  <a:pt x="56" y="15899"/>
+                </a:cubicBezTo>
+                <a:lnTo>
+                  <a:pt x="56" y="15899"/>
+                </a:lnTo>
+                <a:cubicBezTo>
+                  <a:pt x="60" y="15979"/>
+                  <a:pt x="128" y="16046"/>
+                  <a:pt x="196" y="16046"/>
+                </a:cubicBezTo>
+                <a:cubicBezTo>
+                  <a:pt x="280" y="16046"/>
+                  <a:pt x="350" y="15976"/>
+                  <a:pt x="350" y="15906"/>
+                </a:cubicBezTo>
+                <a:cubicBezTo>
+                  <a:pt x="350" y="15822"/>
+                  <a:pt x="280" y="15752"/>
+                  <a:pt x="196" y="15752"/>
+                </a:cubicBezTo>
+                <a:close/>
+                <a:moveTo>
+                  <a:pt x="178" y="16632"/>
+                </a:moveTo>
+                <a:cubicBezTo>
+                  <a:pt x="115" y="16632"/>
+                  <a:pt x="56" y="16697"/>
+                  <a:pt x="56" y="16774"/>
+                </a:cubicBezTo>
+                <a:cubicBezTo>
+                  <a:pt x="56" y="16858"/>
+                  <a:pt x="126" y="16914"/>
+                  <a:pt x="196" y="16914"/>
+                </a:cubicBezTo>
+                <a:cubicBezTo>
+                  <a:pt x="280" y="16914"/>
+                  <a:pt x="350" y="16858"/>
+                  <a:pt x="350" y="16774"/>
+                </a:cubicBezTo>
+                <a:cubicBezTo>
+                  <a:pt x="350" y="16690"/>
+                  <a:pt x="280" y="16634"/>
+                  <a:pt x="196" y="16634"/>
+                </a:cubicBezTo>
+                <a:cubicBezTo>
+                  <a:pt x="190" y="16632"/>
+                  <a:pt x="184" y="16632"/>
+                  <a:pt x="178" y="16632"/>
+                </a:cubicBezTo>
+                <a:close/>
+              </a:path>
+            </a:pathLst>
+          </a:custGeom>
+          <a:solidFill>
+            <a:srgbClr val="303030"/>
+          </a:solidFill>
+          <a:ln>
+            <a:noFill/>
+          </a:ln>
+        </p:spPr>
+        <p:txBody>
+          <a:bodyPr spcFirstLastPara="1" wrap="square" lIns="91425" tIns="91425" rIns="91425" bIns="91425" anchor="ctr" anchorCtr="0">
+            <a:noAutofit/>
+          </a:bodyPr>
+          <a:lstStyle/>
+          <a:p>
+            <a:pPr>
+              <a:buClr>
+                <a:srgbClr val="000000"/>
+              </a:buClr>
+              <a:buFont typeface="Arial"/>
+              <a:buNone/>
+            </a:pPr>
+            <a:endParaRPr sz="1400" kern="0">
+              <a:solidFill>
+                <a:srgbClr val="000000"/>
+              </a:solidFill>
+              <a:latin typeface="Arial"/>
+              <a:cs typeface="Arial"/>
+              <a:sym typeface="Arial"/>
+            </a:endParaRPr>
+          </a:p>
+        </p:txBody>
+      </p:sp>
+      <p:sp>
+        <p:nvSpPr>
+          <p:cNvPr id="124" name="Google Shape;1131;p33">
+            <a:extLst>
+              <a:ext uri="{FF2B5EF4-FFF2-40B4-BE49-F238E27FC236}">
+                <a16:creationId xmlns:a16="http://schemas.microsoft.com/office/drawing/2014/main" id="{E3103650-E010-4D8A-8C19-9CC0AE55D00C}"/>
+              </a:ext>
+            </a:extLst>
+          </p:cNvPr>
+          <p:cNvSpPr/>
+          <p:nvPr/>
+        </p:nvSpPr>
+        <p:spPr>
+          <a:xfrm>
+            <a:off x="9419596" y="3209182"/>
+            <a:ext cx="422928" cy="406737"/>
+          </a:xfrm>
+          <a:custGeom>
+            <a:avLst/>
+            <a:gdLst/>
+            <a:ahLst/>
+            <a:cxnLst/>
+            <a:rect l="l" t="t" r="r" b="b"/>
+            <a:pathLst>
+              <a:path w="15934" h="15324" extrusionOk="0">
+                <a:moveTo>
+                  <a:pt x="8275" y="1"/>
+                </a:moveTo>
+                <a:cubicBezTo>
+                  <a:pt x="5167" y="1"/>
+                  <a:pt x="2381" y="1863"/>
+                  <a:pt x="1191" y="4733"/>
+                </a:cubicBezTo>
+                <a:cubicBezTo>
+                  <a:pt x="1" y="7590"/>
+                  <a:pt x="659" y="10880"/>
+                  <a:pt x="2857" y="13078"/>
+                </a:cubicBezTo>
+                <a:cubicBezTo>
+                  <a:pt x="4318" y="14548"/>
+                  <a:pt x="6280" y="15323"/>
+                  <a:pt x="8274" y="15323"/>
+                </a:cubicBezTo>
+                <a:cubicBezTo>
+                  <a:pt x="9261" y="15323"/>
+                  <a:pt x="10256" y="15134"/>
+                  <a:pt x="11201" y="14744"/>
+                </a:cubicBezTo>
+                <a:cubicBezTo>
+                  <a:pt x="14072" y="13554"/>
+                  <a:pt x="15934" y="10754"/>
+                  <a:pt x="15934" y="7660"/>
+                </a:cubicBezTo>
+                <a:cubicBezTo>
+                  <a:pt x="15934" y="3431"/>
+                  <a:pt x="12504" y="1"/>
+                  <a:pt x="8275" y="1"/>
+                </a:cubicBezTo>
+                <a:close/>
+              </a:path>
+            </a:pathLst>
+          </a:custGeom>
+          <a:gradFill>
+            <a:gsLst>
+              <a:gs pos="0">
+                <a:srgbClr val="A3D798"/>
+              </a:gs>
+              <a:gs pos="100000">
+                <a:srgbClr val="70C08D"/>
+              </a:gs>
+            </a:gsLst>
+            <a:lin ang="0" scaled="0"/>
+          </a:gradFill>
+          <a:ln>
+            <a:noFill/>
+          </a:ln>
+        </p:spPr>
+        <p:txBody>
+          <a:bodyPr spcFirstLastPara="1" wrap="square" lIns="91425" tIns="91425" rIns="91425" bIns="91425" anchor="ctr" anchorCtr="0">
+            <a:noAutofit/>
+          </a:bodyPr>
+          <a:lstStyle/>
+          <a:p>
+            <a:pPr marL="0" marR="0" lvl="0" indent="0" defTabSz="914400" eaLnBrk="1" fontAlgn="auto" latinLnBrk="0" hangingPunct="1">
+              <a:lnSpc>
+                <a:spcPct val="100000"/>
+              </a:lnSpc>
+              <a:spcBef>
+                <a:spcPts val="0"/>
+              </a:spcBef>
+              <a:spcAft>
+                <a:spcPts val="0"/>
+              </a:spcAft>
+              <a:buClr>
+                <a:srgbClr val="000000"/>
+              </a:buClr>
+              <a:buSzTx/>
+              <a:buFont typeface="Arial"/>
+              <a:buNone/>
+              <a:tabLst/>
+              <a:defRPr/>
+            </a:pPr>
+            <a:endParaRPr kumimoji="0" sz="1400" b="0" i="0" u="none" strike="noStrike" kern="0" cap="none" spc="0" normalizeH="0" baseline="0" noProof="0">
+              <a:ln>
+                <a:noFill/>
+              </a:ln>
+              <a:solidFill>
+                <a:srgbClr val="000000"/>
+              </a:solidFill>
+              <a:effectLst/>
+              <a:uLnTx/>
+              <a:uFillTx/>
+              <a:latin typeface="Arial"/>
+              <a:cs typeface="Arial"/>
+              <a:sym typeface="Arial"/>
+            </a:endParaRPr>
+          </a:p>
+        </p:txBody>
+      </p:sp>
+      <p:sp>
+        <p:nvSpPr>
+          <p:cNvPr id="125" name="Google Shape;1135;p33">
+            <a:extLst>
+              <a:ext uri="{FF2B5EF4-FFF2-40B4-BE49-F238E27FC236}">
+                <a16:creationId xmlns:a16="http://schemas.microsoft.com/office/drawing/2014/main" id="{C914B8F1-B25E-44A7-972C-5BDCE091C63B}"/>
+              </a:ext>
+            </a:extLst>
+          </p:cNvPr>
+          <p:cNvSpPr/>
+          <p:nvPr/>
+        </p:nvSpPr>
+        <p:spPr>
+          <a:xfrm>
+            <a:off x="9398571" y="3173734"/>
+            <a:ext cx="423000" cy="423000"/>
+          </a:xfrm>
+          <a:prstGeom prst="ellipse">
+            <a:avLst/>
+          </a:prstGeom>
+          <a:noFill/>
+          <a:ln w="9525" cap="flat" cmpd="sng">
+            <a:solidFill>
+              <a:srgbClr val="000000"/>
+            </a:solidFill>
+            <a:prstDash val="solid"/>
+            <a:round/>
+            <a:headEnd type="none" w="sm" len="sm"/>
+            <a:tailEnd type="none" w="sm" len="sm"/>
+          </a:ln>
+        </p:spPr>
+        <p:txBody>
+          <a:bodyPr spcFirstLastPara="1" wrap="square" lIns="91425" tIns="91425" rIns="91425" bIns="91425" anchor="ctr" anchorCtr="0">
+            <a:noAutofit/>
+          </a:bodyPr>
+          <a:lstStyle/>
+          <a:p>
+            <a:pPr marL="0" marR="0" lvl="0" indent="0" defTabSz="914400" eaLnBrk="1" fontAlgn="auto" latinLnBrk="0" hangingPunct="1">
+              <a:lnSpc>
+                <a:spcPct val="100000"/>
+              </a:lnSpc>
+              <a:spcBef>
+                <a:spcPts val="0"/>
+              </a:spcBef>
+              <a:spcAft>
+                <a:spcPts val="0"/>
+              </a:spcAft>
+              <a:buClr>
+                <a:srgbClr val="000000"/>
+              </a:buClr>
+              <a:buSzTx/>
+              <a:buFont typeface="Arial"/>
+              <a:buNone/>
+              <a:tabLst/>
+              <a:defRPr/>
+            </a:pPr>
+            <a:endParaRPr kumimoji="0" sz="1400" b="0" i="0" u="none" strike="noStrike" kern="0" cap="none" spc="0" normalizeH="0" baseline="0" noProof="0">
+              <a:ln>
+                <a:noFill/>
+              </a:ln>
+              <a:solidFill>
+                <a:srgbClr val="000000"/>
+              </a:solidFill>
+              <a:effectLst/>
+              <a:uLnTx/>
+              <a:uFillTx/>
+              <a:latin typeface="Arial"/>
+              <a:cs typeface="Arial"/>
+              <a:sym typeface="Arial"/>
+            </a:endParaRPr>
+          </a:p>
+        </p:txBody>
+      </p:sp>
+      <p:sp>
+        <p:nvSpPr>
+          <p:cNvPr id="132" name="Google Shape;1112;p33">
+            <a:extLst>
+              <a:ext uri="{FF2B5EF4-FFF2-40B4-BE49-F238E27FC236}">
+                <a16:creationId xmlns:a16="http://schemas.microsoft.com/office/drawing/2014/main" id="{2FF24F80-6837-410D-9278-C7251AC6FF59}"/>
+              </a:ext>
+            </a:extLst>
+          </p:cNvPr>
+          <p:cNvSpPr/>
+          <p:nvPr/>
+        </p:nvSpPr>
+        <p:spPr>
+          <a:xfrm>
+            <a:off x="9516211" y="2553658"/>
+            <a:ext cx="213349" cy="182904"/>
+          </a:xfrm>
+          <a:custGeom>
+            <a:avLst/>
+            <a:gdLst/>
+            <a:ahLst/>
+            <a:cxnLst/>
+            <a:rect l="l" t="t" r="r" b="b"/>
+            <a:pathLst>
+              <a:path w="8038" h="6891" extrusionOk="0">
+                <a:moveTo>
+                  <a:pt x="4607" y="1"/>
+                </a:moveTo>
+                <a:cubicBezTo>
+                  <a:pt x="1541" y="1"/>
+                  <a:pt x="1" y="3711"/>
+                  <a:pt x="2171" y="5881"/>
+                </a:cubicBezTo>
+                <a:cubicBezTo>
+                  <a:pt x="2872" y="6578"/>
+                  <a:pt x="3733" y="6890"/>
+                  <a:pt x="4577" y="6890"/>
+                </a:cubicBezTo>
+                <a:cubicBezTo>
+                  <a:pt x="6344" y="6890"/>
+                  <a:pt x="8038" y="5520"/>
+                  <a:pt x="8038" y="3445"/>
+                </a:cubicBezTo>
+                <a:cubicBezTo>
+                  <a:pt x="8038" y="1541"/>
+                  <a:pt x="6497" y="1"/>
+                  <a:pt x="4607" y="1"/>
+                </a:cubicBezTo>
+                <a:close/>
+              </a:path>
+            </a:pathLst>
+          </a:custGeom>
+          <a:gradFill>
+            <a:gsLst>
+              <a:gs pos="0">
+                <a:srgbClr val="A3D798"/>
+              </a:gs>
+              <a:gs pos="100000">
+                <a:srgbClr val="70C08D"/>
+              </a:gs>
+            </a:gsLst>
+            <a:lin ang="0" scaled="0"/>
+          </a:gradFill>
+          <a:ln>
+            <a:noFill/>
+          </a:ln>
+        </p:spPr>
+        <p:txBody>
+          <a:bodyPr spcFirstLastPara="1" wrap="square" lIns="91425" tIns="91425" rIns="91425" bIns="91425" anchor="ctr" anchorCtr="0">
+            <a:noAutofit/>
+          </a:bodyPr>
+          <a:lstStyle/>
+          <a:p>
+            <a:pPr marL="0" marR="0" lvl="0" indent="0" defTabSz="914400" eaLnBrk="1" fontAlgn="auto" latinLnBrk="0" hangingPunct="1">
+              <a:lnSpc>
+                <a:spcPct val="100000"/>
+              </a:lnSpc>
+              <a:spcBef>
+                <a:spcPts val="0"/>
+              </a:spcBef>
+              <a:spcAft>
+                <a:spcPts val="0"/>
+              </a:spcAft>
+              <a:buClr>
+                <a:srgbClr val="000000"/>
+              </a:buClr>
+              <a:buSzTx/>
+              <a:buFont typeface="Arial"/>
+              <a:buNone/>
+              <a:tabLst/>
+              <a:defRPr/>
+            </a:pPr>
+            <a:r>
+              <a:rPr kumimoji="0" lang="en" sz="1400" b="0" i="0" u="none" strike="noStrike" kern="0" cap="none" spc="0" normalizeH="0" baseline="0" noProof="0">
+                <a:ln>
+                  <a:noFill/>
+                </a:ln>
+                <a:solidFill>
+                  <a:srgbClr val="000000"/>
+                </a:solidFill>
+                <a:effectLst/>
+                <a:uLnTx/>
+                <a:uFillTx/>
+                <a:latin typeface="Arial"/>
+                <a:cs typeface="Arial"/>
+                <a:sym typeface="Arial"/>
+              </a:rPr>
+              <a:t>  </a:t>
+            </a:r>
+            <a:endParaRPr kumimoji="0" sz="1400" b="0" i="0" u="none" strike="noStrike" kern="0" cap="none" spc="0" normalizeH="0" baseline="0" noProof="0">
+              <a:ln>
+                <a:noFill/>
+              </a:ln>
+              <a:solidFill>
+                <a:srgbClr val="000000"/>
+              </a:solidFill>
+              <a:effectLst/>
+              <a:uLnTx/>
+              <a:uFillTx/>
+              <a:latin typeface="Arial"/>
+              <a:cs typeface="Arial"/>
+              <a:sym typeface="Arial"/>
+            </a:endParaRPr>
+          </a:p>
+        </p:txBody>
+      </p:sp>
+      <p:sp>
+        <p:nvSpPr>
+          <p:cNvPr id="133" name="Google Shape;1113;p33">
+            <a:extLst>
+              <a:ext uri="{FF2B5EF4-FFF2-40B4-BE49-F238E27FC236}">
+                <a16:creationId xmlns:a16="http://schemas.microsoft.com/office/drawing/2014/main" id="{994239C9-43B7-4BF6-8300-453045EF7811}"/>
+              </a:ext>
+            </a:extLst>
+          </p:cNvPr>
+          <p:cNvSpPr/>
+          <p:nvPr/>
+        </p:nvSpPr>
+        <p:spPr>
+          <a:xfrm>
+            <a:off x="9488713" y="2527142"/>
+            <a:ext cx="222638" cy="190814"/>
+          </a:xfrm>
+          <a:custGeom>
+            <a:avLst/>
+            <a:gdLst/>
+            <a:ahLst/>
+            <a:cxnLst/>
+            <a:rect l="l" t="t" r="r" b="b"/>
+            <a:pathLst>
+              <a:path w="8388" h="7189" extrusionOk="0">
+                <a:moveTo>
+                  <a:pt x="4803" y="300"/>
+                </a:moveTo>
+                <a:cubicBezTo>
+                  <a:pt x="6609" y="314"/>
+                  <a:pt x="8079" y="1770"/>
+                  <a:pt x="8093" y="3590"/>
+                </a:cubicBezTo>
+                <a:cubicBezTo>
+                  <a:pt x="8093" y="5580"/>
+                  <a:pt x="6470" y="6897"/>
+                  <a:pt x="4774" y="6897"/>
+                </a:cubicBezTo>
+                <a:cubicBezTo>
+                  <a:pt x="3965" y="6897"/>
+                  <a:pt x="3139" y="6597"/>
+                  <a:pt x="2465" y="5928"/>
+                </a:cubicBezTo>
+                <a:cubicBezTo>
+                  <a:pt x="393" y="3856"/>
+                  <a:pt x="1863" y="300"/>
+                  <a:pt x="4803" y="300"/>
+                </a:cubicBezTo>
+                <a:close/>
+                <a:moveTo>
+                  <a:pt x="4762" y="1"/>
+                </a:moveTo>
+                <a:cubicBezTo>
+                  <a:pt x="3881" y="1"/>
+                  <a:pt x="2984" y="327"/>
+                  <a:pt x="2255" y="1056"/>
+                </a:cubicBezTo>
+                <a:cubicBezTo>
+                  <a:pt x="1" y="3324"/>
+                  <a:pt x="1597" y="7188"/>
+                  <a:pt x="4803" y="7188"/>
+                </a:cubicBezTo>
+                <a:cubicBezTo>
+                  <a:pt x="6777" y="7174"/>
+                  <a:pt x="8387" y="5578"/>
+                  <a:pt x="8387" y="3590"/>
+                </a:cubicBezTo>
+                <a:cubicBezTo>
+                  <a:pt x="8378" y="1430"/>
+                  <a:pt x="6606" y="1"/>
+                  <a:pt x="4762" y="1"/>
+                </a:cubicBezTo>
+                <a:close/>
+              </a:path>
+            </a:pathLst>
+          </a:custGeom>
+          <a:solidFill>
+            <a:srgbClr val="303030"/>
+          </a:solidFill>
+          <a:ln>
+            <a:noFill/>
+          </a:ln>
+        </p:spPr>
+        <p:txBody>
+          <a:bodyPr spcFirstLastPara="1" wrap="square" lIns="91425" tIns="91425" rIns="91425" bIns="91425" anchor="ctr" anchorCtr="0">
+            <a:noAutofit/>
+          </a:bodyPr>
+          <a:lstStyle/>
+          <a:p>
+            <a:pPr>
+              <a:buClr>
+                <a:srgbClr val="000000"/>
+              </a:buClr>
+              <a:buFont typeface="Arial"/>
+              <a:buNone/>
+            </a:pPr>
+            <a:endParaRPr sz="1400" kern="0">
+              <a:solidFill>
+                <a:srgbClr val="000000"/>
+              </a:solidFill>
+              <a:latin typeface="Arial"/>
+              <a:cs typeface="Arial"/>
+              <a:sym typeface="Arial"/>
+            </a:endParaRPr>
+          </a:p>
+        </p:txBody>
+      </p:sp>
+      <p:sp>
+        <p:nvSpPr>
+          <p:cNvPr id="134" name="Google Shape;1558;p38">
+            <a:extLst>
+              <a:ext uri="{FF2B5EF4-FFF2-40B4-BE49-F238E27FC236}">
+                <a16:creationId xmlns:a16="http://schemas.microsoft.com/office/drawing/2014/main" id="{202375A9-E51B-4129-AF8E-196A687C3E49}"/>
+              </a:ext>
+            </a:extLst>
+          </p:cNvPr>
+          <p:cNvSpPr/>
+          <p:nvPr/>
+        </p:nvSpPr>
+        <p:spPr>
+          <a:xfrm>
+            <a:off x="9512223" y="3283278"/>
+            <a:ext cx="195693" cy="216472"/>
+          </a:xfrm>
+          <a:custGeom>
+            <a:avLst/>
+            <a:gdLst/>
+            <a:ahLst/>
+            <a:cxnLst/>
+            <a:rect l="l" t="t" r="r" b="b"/>
+            <a:pathLst>
+              <a:path w="11059" h="12666" extrusionOk="0">
+                <a:moveTo>
+                  <a:pt x="4285" y="789"/>
+                </a:moveTo>
+                <a:cubicBezTo>
+                  <a:pt x="4758" y="789"/>
+                  <a:pt x="5136" y="1135"/>
+                  <a:pt x="5136" y="1608"/>
+                </a:cubicBezTo>
+                <a:lnTo>
+                  <a:pt x="5136" y="4128"/>
+                </a:lnTo>
+                <a:cubicBezTo>
+                  <a:pt x="4190" y="4317"/>
+                  <a:pt x="3466" y="5168"/>
+                  <a:pt x="3466" y="6144"/>
+                </a:cubicBezTo>
+                <a:cubicBezTo>
+                  <a:pt x="3466" y="6365"/>
+                  <a:pt x="3655" y="6585"/>
+                  <a:pt x="3907" y="6585"/>
+                </a:cubicBezTo>
+                <a:cubicBezTo>
+                  <a:pt x="4127" y="6585"/>
+                  <a:pt x="4285" y="6365"/>
+                  <a:pt x="4285" y="6144"/>
+                </a:cubicBezTo>
+                <a:cubicBezTo>
+                  <a:pt x="4285" y="5577"/>
+                  <a:pt x="4663" y="5168"/>
+                  <a:pt x="5136" y="4947"/>
+                </a:cubicBezTo>
+                <a:lnTo>
+                  <a:pt x="5136" y="8192"/>
+                </a:lnTo>
+                <a:cubicBezTo>
+                  <a:pt x="5136" y="8665"/>
+                  <a:pt x="4758" y="9011"/>
+                  <a:pt x="4285" y="9011"/>
+                </a:cubicBezTo>
+                <a:cubicBezTo>
+                  <a:pt x="3938" y="9011"/>
+                  <a:pt x="3592" y="8791"/>
+                  <a:pt x="3497" y="8381"/>
+                </a:cubicBezTo>
+                <a:cubicBezTo>
+                  <a:pt x="3434" y="8318"/>
+                  <a:pt x="3277" y="8192"/>
+                  <a:pt x="3119" y="8192"/>
+                </a:cubicBezTo>
+                <a:cubicBezTo>
+                  <a:pt x="2962" y="8192"/>
+                  <a:pt x="2899" y="8255"/>
+                  <a:pt x="2647" y="8255"/>
+                </a:cubicBezTo>
+                <a:cubicBezTo>
+                  <a:pt x="1544" y="8255"/>
+                  <a:pt x="1544" y="6617"/>
+                  <a:pt x="2647" y="6617"/>
+                </a:cubicBezTo>
+                <a:cubicBezTo>
+                  <a:pt x="2867" y="6617"/>
+                  <a:pt x="3025" y="6428"/>
+                  <a:pt x="3025" y="6176"/>
+                </a:cubicBezTo>
+                <a:cubicBezTo>
+                  <a:pt x="3025" y="5955"/>
+                  <a:pt x="2836" y="5735"/>
+                  <a:pt x="2647" y="5735"/>
+                </a:cubicBezTo>
+                <a:cubicBezTo>
+                  <a:pt x="2080" y="5735"/>
+                  <a:pt x="1607" y="6018"/>
+                  <a:pt x="1292" y="6428"/>
+                </a:cubicBezTo>
+                <a:cubicBezTo>
+                  <a:pt x="1103" y="6270"/>
+                  <a:pt x="977" y="6018"/>
+                  <a:pt x="977" y="5735"/>
+                </a:cubicBezTo>
+                <a:cubicBezTo>
+                  <a:pt x="977" y="5483"/>
+                  <a:pt x="1103" y="5325"/>
+                  <a:pt x="1166" y="5199"/>
+                </a:cubicBezTo>
+                <a:cubicBezTo>
+                  <a:pt x="1323" y="5042"/>
+                  <a:pt x="1323" y="4790"/>
+                  <a:pt x="1166" y="4632"/>
+                </a:cubicBezTo>
+                <a:cubicBezTo>
+                  <a:pt x="662" y="4097"/>
+                  <a:pt x="1103" y="3277"/>
+                  <a:pt x="1828" y="3277"/>
+                </a:cubicBezTo>
+                <a:cubicBezTo>
+                  <a:pt x="2048" y="3277"/>
+                  <a:pt x="2237" y="3340"/>
+                  <a:pt x="2395" y="3498"/>
+                </a:cubicBezTo>
+                <a:cubicBezTo>
+                  <a:pt x="2473" y="3577"/>
+                  <a:pt x="2584" y="3616"/>
+                  <a:pt x="2694" y="3616"/>
+                </a:cubicBezTo>
+                <a:cubicBezTo>
+                  <a:pt x="2804" y="3616"/>
+                  <a:pt x="2914" y="3577"/>
+                  <a:pt x="2993" y="3498"/>
+                </a:cubicBezTo>
+                <a:cubicBezTo>
+                  <a:pt x="3151" y="3340"/>
+                  <a:pt x="3151" y="3057"/>
+                  <a:pt x="2993" y="2899"/>
+                </a:cubicBezTo>
+                <a:cubicBezTo>
+                  <a:pt x="2678" y="2584"/>
+                  <a:pt x="2269" y="2427"/>
+                  <a:pt x="1828" y="2427"/>
+                </a:cubicBezTo>
+                <a:cubicBezTo>
+                  <a:pt x="1828" y="1954"/>
+                  <a:pt x="2174" y="1608"/>
+                  <a:pt x="2647" y="1608"/>
+                </a:cubicBezTo>
+                <a:cubicBezTo>
+                  <a:pt x="2773" y="1608"/>
+                  <a:pt x="2836" y="1639"/>
+                  <a:pt x="2962" y="1702"/>
+                </a:cubicBezTo>
+                <a:cubicBezTo>
+                  <a:pt x="3000" y="1713"/>
+                  <a:pt x="3040" y="1718"/>
+                  <a:pt x="3079" y="1718"/>
+                </a:cubicBezTo>
+                <a:cubicBezTo>
+                  <a:pt x="3264" y="1718"/>
+                  <a:pt x="3445" y="1601"/>
+                  <a:pt x="3497" y="1419"/>
+                </a:cubicBezTo>
+                <a:cubicBezTo>
+                  <a:pt x="3592" y="1072"/>
+                  <a:pt x="3938" y="789"/>
+                  <a:pt x="4285" y="789"/>
+                </a:cubicBezTo>
+                <a:close/>
+                <a:moveTo>
+                  <a:pt x="6711" y="915"/>
+                </a:moveTo>
+                <a:cubicBezTo>
+                  <a:pt x="7057" y="915"/>
+                  <a:pt x="7404" y="1135"/>
+                  <a:pt x="7498" y="1545"/>
+                </a:cubicBezTo>
+                <a:cubicBezTo>
+                  <a:pt x="7547" y="1715"/>
+                  <a:pt x="7708" y="1828"/>
+                  <a:pt x="7880" y="1828"/>
+                </a:cubicBezTo>
+                <a:cubicBezTo>
+                  <a:pt x="7931" y="1828"/>
+                  <a:pt x="7983" y="1818"/>
+                  <a:pt x="8034" y="1797"/>
+                </a:cubicBezTo>
+                <a:cubicBezTo>
+                  <a:pt x="8160" y="1765"/>
+                  <a:pt x="8223" y="1734"/>
+                  <a:pt x="8349" y="1734"/>
+                </a:cubicBezTo>
+                <a:cubicBezTo>
+                  <a:pt x="8822" y="1734"/>
+                  <a:pt x="9168" y="2080"/>
+                  <a:pt x="9168" y="2553"/>
+                </a:cubicBezTo>
+                <a:cubicBezTo>
+                  <a:pt x="8759" y="2553"/>
+                  <a:pt x="8318" y="2710"/>
+                  <a:pt x="8003" y="3025"/>
+                </a:cubicBezTo>
+                <a:cubicBezTo>
+                  <a:pt x="7845" y="3183"/>
+                  <a:pt x="7845" y="3467"/>
+                  <a:pt x="8003" y="3624"/>
+                </a:cubicBezTo>
+                <a:cubicBezTo>
+                  <a:pt x="8081" y="3703"/>
+                  <a:pt x="8192" y="3742"/>
+                  <a:pt x="8302" y="3742"/>
+                </a:cubicBezTo>
+                <a:cubicBezTo>
+                  <a:pt x="8412" y="3742"/>
+                  <a:pt x="8522" y="3703"/>
+                  <a:pt x="8601" y="3624"/>
+                </a:cubicBezTo>
+                <a:cubicBezTo>
+                  <a:pt x="8759" y="3467"/>
+                  <a:pt x="8948" y="3372"/>
+                  <a:pt x="9168" y="3372"/>
+                </a:cubicBezTo>
+                <a:cubicBezTo>
+                  <a:pt x="9893" y="3372"/>
+                  <a:pt x="10271" y="4191"/>
+                  <a:pt x="9798" y="4758"/>
+                </a:cubicBezTo>
+                <a:cubicBezTo>
+                  <a:pt x="9735" y="4853"/>
+                  <a:pt x="9735" y="5073"/>
+                  <a:pt x="9830" y="5231"/>
+                </a:cubicBezTo>
+                <a:cubicBezTo>
+                  <a:pt x="9956" y="5357"/>
+                  <a:pt x="10050" y="5514"/>
+                  <a:pt x="10050" y="5798"/>
+                </a:cubicBezTo>
+                <a:cubicBezTo>
+                  <a:pt x="10050" y="6050"/>
+                  <a:pt x="9924" y="6302"/>
+                  <a:pt x="9735" y="6459"/>
+                </a:cubicBezTo>
+                <a:cubicBezTo>
+                  <a:pt x="9420" y="6050"/>
+                  <a:pt x="8948" y="5798"/>
+                  <a:pt x="8381" y="5798"/>
+                </a:cubicBezTo>
+                <a:cubicBezTo>
+                  <a:pt x="8160" y="5798"/>
+                  <a:pt x="8003" y="5987"/>
+                  <a:pt x="8003" y="6207"/>
+                </a:cubicBezTo>
+                <a:cubicBezTo>
+                  <a:pt x="8003" y="6459"/>
+                  <a:pt x="8192" y="6648"/>
+                  <a:pt x="8381" y="6648"/>
+                </a:cubicBezTo>
+                <a:cubicBezTo>
+                  <a:pt x="9483" y="6648"/>
+                  <a:pt x="9483" y="8318"/>
+                  <a:pt x="8381" y="8318"/>
+                </a:cubicBezTo>
+                <a:cubicBezTo>
+                  <a:pt x="8255" y="8318"/>
+                  <a:pt x="8192" y="8255"/>
+                  <a:pt x="8066" y="8224"/>
+                </a:cubicBezTo>
+                <a:cubicBezTo>
+                  <a:pt x="8021" y="8211"/>
+                  <a:pt x="7976" y="8205"/>
+                  <a:pt x="7931" y="8205"/>
+                </a:cubicBezTo>
+                <a:cubicBezTo>
+                  <a:pt x="7752" y="8205"/>
+                  <a:pt x="7580" y="8306"/>
+                  <a:pt x="7530" y="8507"/>
+                </a:cubicBezTo>
+                <a:cubicBezTo>
+                  <a:pt x="7435" y="8854"/>
+                  <a:pt x="7089" y="9137"/>
+                  <a:pt x="6742" y="9137"/>
+                </a:cubicBezTo>
+                <a:cubicBezTo>
+                  <a:pt x="6270" y="9137"/>
+                  <a:pt x="5892" y="8759"/>
+                  <a:pt x="5892" y="8318"/>
+                </a:cubicBezTo>
+                <a:lnTo>
+                  <a:pt x="5892" y="5073"/>
+                </a:lnTo>
+                <a:cubicBezTo>
+                  <a:pt x="6364" y="5231"/>
+                  <a:pt x="6742" y="5703"/>
+                  <a:pt x="6742" y="6270"/>
+                </a:cubicBezTo>
+                <a:cubicBezTo>
+                  <a:pt x="6742" y="6491"/>
+                  <a:pt x="6931" y="6680"/>
+                  <a:pt x="7120" y="6680"/>
+                </a:cubicBezTo>
+                <a:cubicBezTo>
+                  <a:pt x="7341" y="6680"/>
+                  <a:pt x="7530" y="6491"/>
+                  <a:pt x="7530" y="6270"/>
+                </a:cubicBezTo>
+                <a:cubicBezTo>
+                  <a:pt x="7530" y="5262"/>
+                  <a:pt x="6805" y="4412"/>
+                  <a:pt x="5860" y="4254"/>
+                </a:cubicBezTo>
+                <a:lnTo>
+                  <a:pt x="5860" y="1734"/>
+                </a:lnTo>
+                <a:cubicBezTo>
+                  <a:pt x="5860" y="1261"/>
+                  <a:pt x="6207" y="915"/>
+                  <a:pt x="6711" y="915"/>
+                </a:cubicBezTo>
+                <a:close/>
+                <a:moveTo>
+                  <a:pt x="5514" y="9358"/>
+                </a:moveTo>
+                <a:cubicBezTo>
+                  <a:pt x="5829" y="9736"/>
+                  <a:pt x="6270" y="9925"/>
+                  <a:pt x="6774" y="9925"/>
+                </a:cubicBezTo>
+                <a:lnTo>
+                  <a:pt x="6774" y="10209"/>
+                </a:lnTo>
+                <a:lnTo>
+                  <a:pt x="4285" y="10209"/>
+                </a:lnTo>
+                <a:lnTo>
+                  <a:pt x="4285" y="9925"/>
+                </a:lnTo>
+                <a:cubicBezTo>
+                  <a:pt x="4789" y="9925"/>
+                  <a:pt x="5230" y="9673"/>
+                  <a:pt x="5514" y="9358"/>
+                </a:cubicBezTo>
+                <a:close/>
+                <a:moveTo>
+                  <a:pt x="6648" y="11028"/>
+                </a:moveTo>
+                <a:cubicBezTo>
+                  <a:pt x="6522" y="11500"/>
+                  <a:pt x="6049" y="11847"/>
+                  <a:pt x="5514" y="11847"/>
+                </a:cubicBezTo>
+                <a:cubicBezTo>
+                  <a:pt x="4978" y="11847"/>
+                  <a:pt x="4537" y="11500"/>
+                  <a:pt x="4316" y="11028"/>
+                </a:cubicBezTo>
+                <a:close/>
+                <a:moveTo>
+                  <a:pt x="4285" y="1"/>
+                </a:moveTo>
+                <a:cubicBezTo>
+                  <a:pt x="3686" y="1"/>
+                  <a:pt x="3151" y="316"/>
+                  <a:pt x="2867" y="820"/>
+                </a:cubicBezTo>
+                <a:cubicBezTo>
+                  <a:pt x="2796" y="811"/>
+                  <a:pt x="2724" y="806"/>
+                  <a:pt x="2654" y="806"/>
+                </a:cubicBezTo>
+                <a:cubicBezTo>
+                  <a:pt x="1762" y="806"/>
+                  <a:pt x="977" y="1526"/>
+                  <a:pt x="977" y="2490"/>
+                </a:cubicBezTo>
+                <a:lnTo>
+                  <a:pt x="977" y="2679"/>
+                </a:lnTo>
+                <a:cubicBezTo>
+                  <a:pt x="851" y="2742"/>
+                  <a:pt x="756" y="2836"/>
+                  <a:pt x="630" y="2962"/>
+                </a:cubicBezTo>
+                <a:cubicBezTo>
+                  <a:pt x="63" y="3498"/>
+                  <a:pt x="0" y="4286"/>
+                  <a:pt x="347" y="4947"/>
+                </a:cubicBezTo>
+                <a:cubicBezTo>
+                  <a:pt x="189" y="5199"/>
+                  <a:pt x="126" y="5514"/>
+                  <a:pt x="126" y="5766"/>
+                </a:cubicBezTo>
+                <a:cubicBezTo>
+                  <a:pt x="126" y="6365"/>
+                  <a:pt x="441" y="6932"/>
+                  <a:pt x="945" y="7184"/>
+                </a:cubicBezTo>
+                <a:cubicBezTo>
+                  <a:pt x="819" y="8192"/>
+                  <a:pt x="1576" y="9043"/>
+                  <a:pt x="2584" y="9043"/>
+                </a:cubicBezTo>
+                <a:lnTo>
+                  <a:pt x="2836" y="9043"/>
+                </a:lnTo>
+                <a:cubicBezTo>
+                  <a:pt x="2993" y="9326"/>
+                  <a:pt x="3182" y="9515"/>
+                  <a:pt x="3434" y="9673"/>
+                </a:cubicBezTo>
+                <a:lnTo>
+                  <a:pt x="3434" y="10587"/>
+                </a:lnTo>
+                <a:cubicBezTo>
+                  <a:pt x="3434" y="11721"/>
+                  <a:pt x="4379" y="12666"/>
+                  <a:pt x="5514" y="12666"/>
+                </a:cubicBezTo>
+                <a:cubicBezTo>
+                  <a:pt x="6648" y="12666"/>
+                  <a:pt x="7593" y="11721"/>
+                  <a:pt x="7593" y="10587"/>
+                </a:cubicBezTo>
+                <a:lnTo>
+                  <a:pt x="7593" y="9673"/>
+                </a:lnTo>
+                <a:cubicBezTo>
+                  <a:pt x="7845" y="9515"/>
+                  <a:pt x="8066" y="9326"/>
+                  <a:pt x="8192" y="9043"/>
+                </a:cubicBezTo>
+                <a:lnTo>
+                  <a:pt x="8444" y="9043"/>
+                </a:lnTo>
+                <a:cubicBezTo>
+                  <a:pt x="9420" y="9043"/>
+                  <a:pt x="10208" y="8129"/>
+                  <a:pt x="10082" y="7153"/>
+                </a:cubicBezTo>
+                <a:cubicBezTo>
+                  <a:pt x="10586" y="6869"/>
+                  <a:pt x="10901" y="6333"/>
+                  <a:pt x="10901" y="5735"/>
+                </a:cubicBezTo>
+                <a:cubicBezTo>
+                  <a:pt x="10901" y="5451"/>
+                  <a:pt x="10838" y="5136"/>
+                  <a:pt x="10680" y="4916"/>
+                </a:cubicBezTo>
+                <a:cubicBezTo>
+                  <a:pt x="11059" y="4317"/>
+                  <a:pt x="10933" y="3498"/>
+                  <a:pt x="10428" y="2962"/>
+                </a:cubicBezTo>
+                <a:cubicBezTo>
+                  <a:pt x="10302" y="2836"/>
+                  <a:pt x="10208" y="2742"/>
+                  <a:pt x="10082" y="2679"/>
+                </a:cubicBezTo>
+                <a:lnTo>
+                  <a:pt x="10082" y="2490"/>
+                </a:lnTo>
+                <a:cubicBezTo>
+                  <a:pt x="10082" y="1576"/>
+                  <a:pt x="9326" y="820"/>
+                  <a:pt x="8444" y="820"/>
+                </a:cubicBezTo>
+                <a:lnTo>
+                  <a:pt x="8192" y="820"/>
+                </a:lnTo>
+                <a:cubicBezTo>
+                  <a:pt x="7908" y="316"/>
+                  <a:pt x="7372" y="1"/>
+                  <a:pt x="6774" y="1"/>
+                </a:cubicBezTo>
+                <a:cubicBezTo>
+                  <a:pt x="6270" y="1"/>
+                  <a:pt x="5829" y="222"/>
+                  <a:pt x="5514" y="537"/>
+                </a:cubicBezTo>
+                <a:cubicBezTo>
+                  <a:pt x="5199" y="190"/>
+                  <a:pt x="4758" y="1"/>
+                  <a:pt x="4285" y="1"/>
+                </a:cubicBezTo>
+                <a:close/>
+              </a:path>
+            </a:pathLst>
+          </a:custGeom>
+          <a:solidFill>
+            <a:srgbClr val="FFFFFF"/>
+          </a:solidFill>
+          <a:ln w="3175">
+            <a:solidFill>
+              <a:srgbClr val="FFFFFF"/>
+            </a:solidFill>
+          </a:ln>
+        </p:spPr>
+        <p:txBody>
+          <a:bodyPr spcFirstLastPara="1" wrap="square" lIns="91425" tIns="91425" rIns="91425" bIns="91425" anchor="ctr" anchorCtr="0">
+            <a:noAutofit/>
+          </a:bodyPr>
+          <a:lstStyle/>
+          <a:p>
+            <a:pPr marL="0" marR="0" lvl="0" indent="0" defTabSz="914400" eaLnBrk="1" fontAlgn="auto" latinLnBrk="0" hangingPunct="1">
+              <a:lnSpc>
+                <a:spcPct val="100000"/>
+              </a:lnSpc>
+              <a:spcBef>
+                <a:spcPts val="0"/>
+              </a:spcBef>
+              <a:spcAft>
+                <a:spcPts val="0"/>
+              </a:spcAft>
+              <a:buClr>
+                <a:srgbClr val="000000"/>
+              </a:buClr>
+              <a:buSzTx/>
+              <a:buFont typeface="Arial"/>
+              <a:buNone/>
+              <a:tabLst/>
+              <a:defRPr/>
+            </a:pPr>
+            <a:endParaRPr kumimoji="0" sz="1400" b="0" i="0" u="none" strike="noStrike" kern="0" cap="none" spc="0" normalizeH="0" baseline="0" noProof="0">
+              <a:ln>
+                <a:noFill/>
+              </a:ln>
+              <a:solidFill>
+                <a:srgbClr val="000000"/>
+              </a:solidFill>
+              <a:effectLst/>
+              <a:uLnTx/>
+              <a:uFillTx/>
+              <a:latin typeface="Arial"/>
+              <a:cs typeface="Arial"/>
+              <a:sym typeface="Arial"/>
+            </a:endParaRPr>
+          </a:p>
+        </p:txBody>
+      </p:sp>
+      <p:sp>
+        <p:nvSpPr>
+          <p:cNvPr id="135" name="Google Shape;1173;p33">
+            <a:extLst>
+              <a:ext uri="{FF2B5EF4-FFF2-40B4-BE49-F238E27FC236}">
+                <a16:creationId xmlns:a16="http://schemas.microsoft.com/office/drawing/2014/main" id="{EFCE05C9-2946-438E-8E81-0D70A8551F03}"/>
+              </a:ext>
+            </a:extLst>
+          </p:cNvPr>
+          <p:cNvSpPr/>
+          <p:nvPr/>
+        </p:nvSpPr>
+        <p:spPr>
+          <a:xfrm rot="10800000">
+            <a:off x="9117534" y="2877445"/>
+            <a:ext cx="459027" cy="250117"/>
+          </a:xfrm>
+          <a:custGeom>
+            <a:avLst/>
+            <a:gdLst/>
+            <a:ahLst/>
+            <a:cxnLst/>
+            <a:rect l="l" t="t" r="r" b="b"/>
+            <a:pathLst>
+              <a:path w="24139" h="8290" extrusionOk="0">
+                <a:moveTo>
+                  <a:pt x="23845" y="295"/>
+                </a:moveTo>
+                <a:lnTo>
+                  <a:pt x="23845" y="7995"/>
+                </a:lnTo>
+                <a:lnTo>
+                  <a:pt x="3445" y="7995"/>
+                </a:lnTo>
+                <a:lnTo>
+                  <a:pt x="3445" y="5783"/>
+                </a:lnTo>
+                <a:lnTo>
+                  <a:pt x="603" y="4145"/>
+                </a:lnTo>
+                <a:lnTo>
+                  <a:pt x="3445" y="2507"/>
+                </a:lnTo>
+                <a:lnTo>
+                  <a:pt x="3445" y="295"/>
+                </a:lnTo>
+                <a:close/>
+                <a:moveTo>
+                  <a:pt x="3151" y="1"/>
+                </a:moveTo>
+                <a:lnTo>
+                  <a:pt x="3151" y="2339"/>
+                </a:lnTo>
+                <a:lnTo>
+                  <a:pt x="1" y="4145"/>
+                </a:lnTo>
+                <a:lnTo>
+                  <a:pt x="3151" y="5951"/>
+                </a:lnTo>
+                <a:lnTo>
+                  <a:pt x="3151" y="8289"/>
+                </a:lnTo>
+                <a:lnTo>
+                  <a:pt x="24139" y="8289"/>
+                </a:lnTo>
+                <a:lnTo>
+                  <a:pt x="24139" y="1"/>
+                </a:lnTo>
+                <a:close/>
+              </a:path>
+            </a:pathLst>
+          </a:custGeom>
+          <a:solidFill>
+            <a:srgbClr val="303030"/>
+          </a:solidFill>
+          <a:ln>
+            <a:noFill/>
+          </a:ln>
+        </p:spPr>
+        <p:txBody>
+          <a:bodyPr spcFirstLastPara="1" wrap="square" lIns="91425" tIns="91425" rIns="91425" bIns="91425" anchor="ctr" anchorCtr="0">
+            <a:noAutofit/>
+          </a:bodyPr>
+          <a:lstStyle/>
+          <a:p>
+            <a:pPr>
+              <a:buClr>
+                <a:srgbClr val="000000"/>
+              </a:buClr>
+              <a:buFont typeface="Arial"/>
+              <a:buNone/>
+            </a:pPr>
+            <a:endParaRPr sz="1400" kern="0">
+              <a:solidFill>
+                <a:srgbClr val="000000"/>
+              </a:solidFill>
+              <a:latin typeface="Arial"/>
+              <a:cs typeface="Arial"/>
+              <a:sym typeface="Arial"/>
+            </a:endParaRPr>
+          </a:p>
+        </p:txBody>
+      </p:sp>
+      <p:sp>
+        <p:nvSpPr>
+          <p:cNvPr id="136" name="Google Shape;1178;p33">
+            <a:extLst>
+              <a:ext uri="{FF2B5EF4-FFF2-40B4-BE49-F238E27FC236}">
+                <a16:creationId xmlns:a16="http://schemas.microsoft.com/office/drawing/2014/main" id="{D032B0DA-2935-4E7B-9EE3-2CEC42E8710B}"/>
+              </a:ext>
+            </a:extLst>
+          </p:cNvPr>
+          <p:cNvSpPr txBox="1"/>
+          <p:nvPr/>
+        </p:nvSpPr>
+        <p:spPr>
+          <a:xfrm>
+            <a:off x="9077043" y="2950141"/>
+            <a:ext cx="476668" cy="119690"/>
+          </a:xfrm>
+          <a:prstGeom prst="rect">
+            <a:avLst/>
+          </a:prstGeom>
+          <a:noFill/>
+          <a:ln>
+            <a:noFill/>
+          </a:ln>
+        </p:spPr>
+        <p:txBody>
+          <a:bodyPr spcFirstLastPara="1" wrap="square" lIns="91425" tIns="91425" rIns="91425" bIns="91425" anchor="ctr" anchorCtr="0">
+            <a:noAutofit/>
+          </a:bodyPr>
+          <a:lstStyle/>
+          <a:p>
+            <a:pPr algn="ctr">
+              <a:buClr>
+                <a:srgbClr val="000000"/>
+              </a:buClr>
+              <a:buFont typeface="Arial"/>
+              <a:buNone/>
+            </a:pPr>
+            <a:r>
+              <a:rPr lang="en" sz="1100" kern="0" dirty="0">
+                <a:solidFill>
+                  <a:srgbClr val="A3D798"/>
+                </a:solidFill>
+                <a:latin typeface="Fira Sans Extra Condensed Medium"/>
+                <a:ea typeface="Fira Sans Extra Condensed Medium"/>
+                <a:cs typeface="Fira Sans Extra Condensed Medium"/>
+                <a:sym typeface="Fira Sans Extra Condensed Medium"/>
+              </a:rPr>
+              <a:t>2025</a:t>
+            </a:r>
+            <a:endParaRPr sz="1100" kern="0" dirty="0">
+              <a:solidFill>
+                <a:srgbClr val="A3D798"/>
+              </a:solidFill>
+              <a:latin typeface="Fira Sans Extra Condensed Medium"/>
+              <a:ea typeface="Fira Sans Extra Condensed Medium"/>
+              <a:cs typeface="Fira Sans Extra Condensed Medium"/>
+              <a:sym typeface="Fira Sans Extra Condensed Medium"/>
+            </a:endParaRPr>
+          </a:p>
+        </p:txBody>
+      </p:sp>
+      <p:sp>
+        <p:nvSpPr>
+          <p:cNvPr id="137" name="Google Shape;1171;p33">
+            <a:extLst>
+              <a:ext uri="{FF2B5EF4-FFF2-40B4-BE49-F238E27FC236}">
+                <a16:creationId xmlns:a16="http://schemas.microsoft.com/office/drawing/2014/main" id="{1E8D9D73-5778-427C-BD9B-7EE078514FF1}"/>
+              </a:ext>
+            </a:extLst>
+          </p:cNvPr>
+          <p:cNvSpPr txBox="1"/>
+          <p:nvPr/>
+        </p:nvSpPr>
+        <p:spPr>
+          <a:xfrm>
+            <a:off x="9117534" y="3616239"/>
+            <a:ext cx="1015153" cy="643200"/>
+          </a:xfrm>
+          <a:prstGeom prst="rect">
+            <a:avLst/>
+          </a:prstGeom>
+          <a:noFill/>
+          <a:ln>
+            <a:noFill/>
+          </a:ln>
+        </p:spPr>
+        <p:txBody>
+          <a:bodyPr spcFirstLastPara="1" wrap="square" lIns="91425" tIns="91425" rIns="91425" bIns="91425" anchor="b" anchorCtr="0">
+            <a:noAutofit/>
+          </a:bodyPr>
+          <a:lstStyle/>
+          <a:p>
+            <a:pPr algn="ctr">
+              <a:buClr>
+                <a:srgbClr val="000000"/>
+              </a:buClr>
+              <a:buFont typeface="Arial"/>
+              <a:buNone/>
+            </a:pPr>
+            <a:r>
+              <a:rPr lang="pt-BR" sz="1200" kern="0" dirty="0">
+                <a:solidFill>
+                  <a:srgbClr val="000000"/>
+                </a:solidFill>
+                <a:latin typeface="Fira Sans Extra Condensed"/>
+                <a:ea typeface="Fira Sans Extra Condensed"/>
+                <a:cs typeface="Fira Sans Extra Condensed"/>
+                <a:sym typeface="Fira Sans Extra Condensed"/>
+              </a:rPr>
+              <a:t>Google Cloud Engineer Associate</a:t>
+            </a:r>
+            <a:endParaRPr sz="1200" kern="0" dirty="0">
+              <a:solidFill>
+                <a:srgbClr val="000000"/>
+              </a:solidFill>
+              <a:latin typeface="Fira Sans Extra Condensed"/>
+              <a:ea typeface="Fira Sans Extra Condensed"/>
+              <a:cs typeface="Fira Sans Extra Condensed"/>
+              <a:sym typeface="Fira Sans Extra Condensed"/>
             </a:endParaRPr>
           </a:p>
         </p:txBody>

--- a/public/background.pptx
+++ b/public/background.pptx
@@ -208,7 +208,7 @@
           <a:p>
             <a:fld id="{B29A3AEA-883C-4209-8788-4654B9BFA89D}" type="datetimeFigureOut">
               <a:rPr lang="pt-BR" smtClean="0"/>
-              <a:t>06/10/2025</a:t>
+              <a:t>07/10/2025</a:t>
             </a:fld>
             <a:endParaRPr lang="pt-BR"/>
           </a:p>
@@ -622,7 +622,7 @@
           <a:p>
             <a:fld id="{8DE7C5F4-3E42-4694-80D2-BC3004364726}" type="datetimeFigureOut">
               <a:rPr lang="pt-BR" smtClean="0"/>
-              <a:t>06/10/2025</a:t>
+              <a:t>07/10/2025</a:t>
             </a:fld>
             <a:endParaRPr lang="pt-BR"/>
           </a:p>
@@ -820,7 +820,7 @@
           <a:p>
             <a:fld id="{8DE7C5F4-3E42-4694-80D2-BC3004364726}" type="datetimeFigureOut">
               <a:rPr lang="pt-BR" smtClean="0"/>
-              <a:t>06/10/2025</a:t>
+              <a:t>07/10/2025</a:t>
             </a:fld>
             <a:endParaRPr lang="pt-BR"/>
           </a:p>
@@ -1028,7 +1028,7 @@
           <a:p>
             <a:fld id="{8DE7C5F4-3E42-4694-80D2-BC3004364726}" type="datetimeFigureOut">
               <a:rPr lang="pt-BR" smtClean="0"/>
-              <a:t>06/10/2025</a:t>
+              <a:t>07/10/2025</a:t>
             </a:fld>
             <a:endParaRPr lang="pt-BR"/>
           </a:p>
@@ -1226,7 +1226,7 @@
           <a:p>
             <a:fld id="{8DE7C5F4-3E42-4694-80D2-BC3004364726}" type="datetimeFigureOut">
               <a:rPr lang="pt-BR" smtClean="0"/>
-              <a:t>06/10/2025</a:t>
+              <a:t>07/10/2025</a:t>
             </a:fld>
             <a:endParaRPr lang="pt-BR"/>
           </a:p>
@@ -1501,7 +1501,7 @@
           <a:p>
             <a:fld id="{8DE7C5F4-3E42-4694-80D2-BC3004364726}" type="datetimeFigureOut">
               <a:rPr lang="pt-BR" smtClean="0"/>
-              <a:t>06/10/2025</a:t>
+              <a:t>07/10/2025</a:t>
             </a:fld>
             <a:endParaRPr lang="pt-BR"/>
           </a:p>
@@ -1766,7 +1766,7 @@
           <a:p>
             <a:fld id="{8DE7C5F4-3E42-4694-80D2-BC3004364726}" type="datetimeFigureOut">
               <a:rPr lang="pt-BR" smtClean="0"/>
-              <a:t>06/10/2025</a:t>
+              <a:t>07/10/2025</a:t>
             </a:fld>
             <a:endParaRPr lang="pt-BR"/>
           </a:p>
@@ -2178,7 +2178,7 @@
           <a:p>
             <a:fld id="{8DE7C5F4-3E42-4694-80D2-BC3004364726}" type="datetimeFigureOut">
               <a:rPr lang="pt-BR" smtClean="0"/>
-              <a:t>06/10/2025</a:t>
+              <a:t>07/10/2025</a:t>
             </a:fld>
             <a:endParaRPr lang="pt-BR"/>
           </a:p>
@@ -2319,7 +2319,7 @@
           <a:p>
             <a:fld id="{8DE7C5F4-3E42-4694-80D2-BC3004364726}" type="datetimeFigureOut">
               <a:rPr lang="pt-BR" smtClean="0"/>
-              <a:t>06/10/2025</a:t>
+              <a:t>07/10/2025</a:t>
             </a:fld>
             <a:endParaRPr lang="pt-BR"/>
           </a:p>
@@ -2432,7 +2432,7 @@
           <a:p>
             <a:fld id="{8DE7C5F4-3E42-4694-80D2-BC3004364726}" type="datetimeFigureOut">
               <a:rPr lang="pt-BR" smtClean="0"/>
-              <a:t>06/10/2025</a:t>
+              <a:t>07/10/2025</a:t>
             </a:fld>
             <a:endParaRPr lang="pt-BR"/>
           </a:p>
@@ -2743,7 +2743,7 @@
           <a:p>
             <a:fld id="{8DE7C5F4-3E42-4694-80D2-BC3004364726}" type="datetimeFigureOut">
               <a:rPr lang="pt-BR" smtClean="0"/>
-              <a:t>06/10/2025</a:t>
+              <a:t>07/10/2025</a:t>
             </a:fld>
             <a:endParaRPr lang="pt-BR"/>
           </a:p>
@@ -3031,7 +3031,7 @@
           <a:p>
             <a:fld id="{8DE7C5F4-3E42-4694-80D2-BC3004364726}" type="datetimeFigureOut">
               <a:rPr lang="pt-BR" smtClean="0"/>
-              <a:t>06/10/2025</a:t>
+              <a:t>07/10/2025</a:t>
             </a:fld>
             <a:endParaRPr lang="pt-BR"/>
           </a:p>
@@ -3272,7 +3272,7 @@
           <a:p>
             <a:fld id="{8DE7C5F4-3E42-4694-80D2-BC3004364726}" type="datetimeFigureOut">
               <a:rPr lang="pt-BR" smtClean="0"/>
-              <a:t>06/10/2025</a:t>
+              <a:t>07/10/2025</a:t>
             </a:fld>
             <a:endParaRPr lang="pt-BR"/>
           </a:p>
@@ -28866,10 +28866,10 @@
       </p:sp>
       <p:sp>
         <p:nvSpPr>
-          <p:cNvPr id="137" name="Google Shape;1171;p33">
+          <p:cNvPr id="138" name="Google Shape;1171;p33">
             <a:extLst>
               <a:ext uri="{FF2B5EF4-FFF2-40B4-BE49-F238E27FC236}">
-                <a16:creationId xmlns:a16="http://schemas.microsoft.com/office/drawing/2014/main" id="{1E8D9D73-5778-427C-BD9B-7EE078514FF1}"/>
+                <a16:creationId xmlns:a16="http://schemas.microsoft.com/office/drawing/2014/main" id="{0CE78A69-E882-48AB-9369-E21042257081}"/>
               </a:ext>
             </a:extLst>
           </p:cNvPr>
@@ -28878,7 +28878,7 @@
         </p:nvSpPr>
         <p:spPr>
           <a:xfrm>
-            <a:off x="9117534" y="3616239"/>
+            <a:off x="9123483" y="3625832"/>
             <a:ext cx="1015153" cy="643200"/>
           </a:xfrm>
           <a:prstGeom prst="rect">
@@ -28912,7 +28912,52 @@
                 <a:cs typeface="Fira Sans Extra Condensed"/>
                 <a:sym typeface="Fira Sans Extra Condensed"/>
               </a:rPr>
-              <a:t>Google Cloud Engineer Associate</a:t>
+              <a:t>Google Cloud</a:t>
+            </a:r>
+          </a:p>
+          <a:p>
+            <a:pPr algn="ctr">
+              <a:buClr>
+                <a:srgbClr val="000000"/>
+              </a:buClr>
+              <a:buFont typeface="Arial"/>
+              <a:buNone/>
+            </a:pPr>
+            <a:r>
+              <a:rPr lang="pt-BR" sz="1200" kern="0" dirty="0">
+                <a:solidFill>
+                  <a:srgbClr val="000000"/>
+                </a:solidFill>
+                <a:latin typeface="Fira Sans Extra Condensed"/>
+                <a:ea typeface="Fira Sans Extra Condensed"/>
+                <a:cs typeface="Fira Sans Extra Condensed"/>
+                <a:sym typeface="Fira Sans Extra Condensed"/>
+              </a:rPr>
+              <a:t>Engineer </a:t>
+            </a:r>
+            <a:r>
+              <a:rPr lang="pt-BR" sz="800" kern="0" dirty="0">
+                <a:solidFill>
+                  <a:srgbClr val="000000"/>
+                </a:solidFill>
+                <a:latin typeface="Fira Sans Extra Condensed"/>
+                <a:ea typeface="Fira Sans Extra Condensed"/>
+                <a:cs typeface="Fira Sans Extra Condensed"/>
+                <a:sym typeface="Fira Sans Extra Condensed"/>
+              </a:rPr>
+              <a:t>Associate</a:t>
+            </a:r>
+            <a:r>
+              <a:rPr lang="pt-BR" sz="1200" kern="0" dirty="0">
+                <a:solidFill>
+                  <a:srgbClr val="000000"/>
+                </a:solidFill>
+                <a:latin typeface="Fira Sans Extra Condensed"/>
+                <a:ea typeface="Fira Sans Extra Condensed"/>
+                <a:cs typeface="Fira Sans Extra Condensed"/>
+                <a:sym typeface="Fira Sans Extra Condensed"/>
+              </a:rPr>
+              <a:t> </a:t>
             </a:r>
             <a:endParaRPr sz="1200" kern="0" dirty="0">
               <a:solidFill>
